--- a/comm-and-doc-arch-decisions.pptx
+++ b/comm-and-doc-arch-decisions.pptx
@@ -5,75 +5,77 @@
     <p:sldMasterId id="2147483648" r:id="rId1"/>
   </p:sldMasterIdLst>
   <p:notesMasterIdLst>
-    <p:notesMasterId r:id="rId68"/>
+    <p:notesMasterId r:id="rId70"/>
   </p:notesMasterIdLst>
   <p:sldIdLst>
     <p:sldId id="256" r:id="rId2"/>
     <p:sldId id="257" r:id="rId3"/>
     <p:sldId id="260" r:id="rId4"/>
-    <p:sldId id="278" r:id="rId5"/>
-    <p:sldId id="279" r:id="rId6"/>
-    <p:sldId id="281" r:id="rId7"/>
-    <p:sldId id="282" r:id="rId8"/>
-    <p:sldId id="283" r:id="rId9"/>
-    <p:sldId id="284" r:id="rId10"/>
-    <p:sldId id="285" r:id="rId11"/>
-    <p:sldId id="286" r:id="rId12"/>
-    <p:sldId id="287" r:id="rId13"/>
-    <p:sldId id="288" r:id="rId14"/>
-    <p:sldId id="289" r:id="rId15"/>
-    <p:sldId id="291" r:id="rId16"/>
-    <p:sldId id="293" r:id="rId17"/>
-    <p:sldId id="294" r:id="rId18"/>
-    <p:sldId id="295" r:id="rId19"/>
-    <p:sldId id="296" r:id="rId20"/>
-    <p:sldId id="297" r:id="rId21"/>
-    <p:sldId id="298" r:id="rId22"/>
-    <p:sldId id="299" r:id="rId23"/>
-    <p:sldId id="302" r:id="rId24"/>
-    <p:sldId id="303" r:id="rId25"/>
-    <p:sldId id="304" r:id="rId26"/>
-    <p:sldId id="305" r:id="rId27"/>
-    <p:sldId id="306" r:id="rId28"/>
-    <p:sldId id="307" r:id="rId29"/>
-    <p:sldId id="309" r:id="rId30"/>
-    <p:sldId id="301" r:id="rId31"/>
-    <p:sldId id="310" r:id="rId32"/>
-    <p:sldId id="311" r:id="rId33"/>
-    <p:sldId id="308" r:id="rId34"/>
-    <p:sldId id="300" r:id="rId35"/>
-    <p:sldId id="312" r:id="rId36"/>
-    <p:sldId id="313" r:id="rId37"/>
-    <p:sldId id="314" r:id="rId38"/>
-    <p:sldId id="315" r:id="rId39"/>
-    <p:sldId id="316" r:id="rId40"/>
-    <p:sldId id="317" r:id="rId41"/>
-    <p:sldId id="318" r:id="rId42"/>
-    <p:sldId id="319" r:id="rId43"/>
-    <p:sldId id="320" r:id="rId44"/>
-    <p:sldId id="321" r:id="rId45"/>
-    <p:sldId id="322" r:id="rId46"/>
-    <p:sldId id="323" r:id="rId47"/>
-    <p:sldId id="324" r:id="rId48"/>
-    <p:sldId id="325" r:id="rId49"/>
-    <p:sldId id="326" r:id="rId50"/>
-    <p:sldId id="327" r:id="rId51"/>
-    <p:sldId id="328" r:id="rId52"/>
-    <p:sldId id="329" r:id="rId53"/>
-    <p:sldId id="330" r:id="rId54"/>
-    <p:sldId id="331" r:id="rId55"/>
-    <p:sldId id="332" r:id="rId56"/>
-    <p:sldId id="333" r:id="rId57"/>
-    <p:sldId id="334" r:id="rId58"/>
-    <p:sldId id="335" r:id="rId59"/>
-    <p:sldId id="336" r:id="rId60"/>
-    <p:sldId id="337" r:id="rId61"/>
-    <p:sldId id="338" r:id="rId62"/>
-    <p:sldId id="339" r:id="rId63"/>
-    <p:sldId id="340" r:id="rId64"/>
-    <p:sldId id="372" r:id="rId65"/>
-    <p:sldId id="373" r:id="rId66"/>
-    <p:sldId id="374" r:id="rId67"/>
+    <p:sldId id="282" r:id="rId5"/>
+    <p:sldId id="377" r:id="rId6"/>
+    <p:sldId id="278" r:id="rId7"/>
+    <p:sldId id="279" r:id="rId8"/>
+    <p:sldId id="375" r:id="rId9"/>
+    <p:sldId id="376" r:id="rId10"/>
+    <p:sldId id="283" r:id="rId11"/>
+    <p:sldId id="284" r:id="rId12"/>
+    <p:sldId id="285" r:id="rId13"/>
+    <p:sldId id="286" r:id="rId14"/>
+    <p:sldId id="287" r:id="rId15"/>
+    <p:sldId id="288" r:id="rId16"/>
+    <p:sldId id="289" r:id="rId17"/>
+    <p:sldId id="291" r:id="rId18"/>
+    <p:sldId id="293" r:id="rId19"/>
+    <p:sldId id="294" r:id="rId20"/>
+    <p:sldId id="295" r:id="rId21"/>
+    <p:sldId id="296" r:id="rId22"/>
+    <p:sldId id="297" r:id="rId23"/>
+    <p:sldId id="298" r:id="rId24"/>
+    <p:sldId id="299" r:id="rId25"/>
+    <p:sldId id="302" r:id="rId26"/>
+    <p:sldId id="303" r:id="rId27"/>
+    <p:sldId id="304" r:id="rId28"/>
+    <p:sldId id="305" r:id="rId29"/>
+    <p:sldId id="306" r:id="rId30"/>
+    <p:sldId id="307" r:id="rId31"/>
+    <p:sldId id="309" r:id="rId32"/>
+    <p:sldId id="301" r:id="rId33"/>
+    <p:sldId id="310" r:id="rId34"/>
+    <p:sldId id="311" r:id="rId35"/>
+    <p:sldId id="308" r:id="rId36"/>
+    <p:sldId id="300" r:id="rId37"/>
+    <p:sldId id="312" r:id="rId38"/>
+    <p:sldId id="313" r:id="rId39"/>
+    <p:sldId id="314" r:id="rId40"/>
+    <p:sldId id="315" r:id="rId41"/>
+    <p:sldId id="316" r:id="rId42"/>
+    <p:sldId id="317" r:id="rId43"/>
+    <p:sldId id="318" r:id="rId44"/>
+    <p:sldId id="319" r:id="rId45"/>
+    <p:sldId id="320" r:id="rId46"/>
+    <p:sldId id="321" r:id="rId47"/>
+    <p:sldId id="322" r:id="rId48"/>
+    <p:sldId id="323" r:id="rId49"/>
+    <p:sldId id="324" r:id="rId50"/>
+    <p:sldId id="325" r:id="rId51"/>
+    <p:sldId id="326" r:id="rId52"/>
+    <p:sldId id="327" r:id="rId53"/>
+    <p:sldId id="328" r:id="rId54"/>
+    <p:sldId id="329" r:id="rId55"/>
+    <p:sldId id="330" r:id="rId56"/>
+    <p:sldId id="331" r:id="rId57"/>
+    <p:sldId id="332" r:id="rId58"/>
+    <p:sldId id="333" r:id="rId59"/>
+    <p:sldId id="334" r:id="rId60"/>
+    <p:sldId id="335" r:id="rId61"/>
+    <p:sldId id="336" r:id="rId62"/>
+    <p:sldId id="337" r:id="rId63"/>
+    <p:sldId id="338" r:id="rId64"/>
+    <p:sldId id="339" r:id="rId65"/>
+    <p:sldId id="340" r:id="rId66"/>
+    <p:sldId id="372" r:id="rId67"/>
+    <p:sldId id="373" r:id="rId68"/>
+    <p:sldId id="374" r:id="rId69"/>
   </p:sldIdLst>
   <p:sldSz cx="12192000" cy="6858000"/>
   <p:notesSz cx="6858000" cy="9144000"/>
@@ -1332,7 +1334,7 @@
           <a:bodyPr/>
           <a:lstStyle/>
           <a:p>
-            <a:pPr rtl="0"/>
+            <a:pPr rtl="0" fontAlgn="base"/>
             <a:r>
               <a:rPr lang="en-US" sz="1200" b="0" i="0" u="none" strike="noStrike" kern="1200" dirty="0">
                 <a:solidFill>
@@ -1343,47 +1345,8 @@
                 <a:ea typeface="+mn-ea"/>
                 <a:cs typeface="+mn-cs"/>
               </a:rPr>
-              <a:t>Enter Architectural Decision Records (ADRs). First proposed by Michael Nygard (link/picture?), Architectural Decision Records provide a way to capture these decisions as part of the codebase that's being working on; where the rubber meets the road.</a:t>
-            </a:r>
-          </a:p>
-          <a:p>
-            <a:pPr rtl="0"/>
-            <a:endParaRPr lang="en-US" sz="1200" b="0" i="0" u="none" strike="noStrike" kern="1200" dirty="0">
-              <a:solidFill>
-                <a:schemeClr val="tx1"/>
-              </a:solidFill>
-              <a:effectLst/>
-              <a:latin typeface="+mn-lt"/>
-              <a:ea typeface="+mn-ea"/>
-              <a:cs typeface="+mn-cs"/>
-            </a:endParaRPr>
-          </a:p>
-          <a:p>
-            <a:pPr rtl="0"/>
-            <a:r>
-              <a:rPr lang="en-US" sz="1200" b="0" i="0" u="none" strike="noStrike" kern="1200" dirty="0">
-                <a:solidFill>
-                  <a:schemeClr val="tx1"/>
-                </a:solidFill>
-                <a:effectLst/>
-                <a:latin typeface="+mn-lt"/>
-                <a:ea typeface="+mn-ea"/>
-                <a:cs typeface="+mn-cs"/>
-              </a:rPr>
-              <a:t>There’s a special case for decisions that span projects or the entire enterprise, I’ll get to that in a few minutes.</a:t>
-            </a:r>
-          </a:p>
-          <a:p>
-            <a:pPr rtl="0"/>
-            <a:endParaRPr lang="en-US" sz="1200" b="0" i="0" u="none" strike="noStrike" kern="1200" dirty="0">
-              <a:solidFill>
-                <a:schemeClr val="tx1"/>
-              </a:solidFill>
-              <a:effectLst/>
-              <a:latin typeface="+mn-lt"/>
-              <a:ea typeface="+mn-ea"/>
-              <a:cs typeface="+mn-cs"/>
-            </a:endParaRPr>
+              <a:t>We're not good at socializing these decisions though the team/department (whoever participated in the discussion has the context, everyone else is out of luck!)</a:t>
+            </a:r>
           </a:p>
         </p:txBody>
       </p:sp>
@@ -1413,7 +1376,7 @@
     </p:spTree>
     <p:extLst>
       <p:ext uri="{BB962C8B-B14F-4D97-AF65-F5344CB8AC3E}">
-        <p14:creationId xmlns:p14="http://schemas.microsoft.com/office/powerpoint/2010/main" val="1047981429"/>
+        <p14:creationId xmlns:p14="http://schemas.microsoft.com/office/powerpoint/2010/main" val="586398168"/>
       </p:ext>
     </p:extLst>
   </p:cSld>
@@ -1483,7 +1446,7 @@
                 <a:ea typeface="+mn-ea"/>
                 <a:cs typeface="+mn-cs"/>
               </a:rPr>
-              <a:t>All too often, decisions that are made aren't well documented, and if they are, it's usually in some written document on a shared drive somewhere,</a:t>
+              <a:t>We're not good at recording the decisions, and more importantly, the *context* behind the decisions, in a way that our future selves (or anyone -- someone just joining the team, for example) can look back and understand *why* the decision was made and what the factors that went into the decision were. Most of these decisions are well thought out and carefully considered, taking in all the pros and cons of a given situation, but usually that context is lost forever.</a:t>
             </a:r>
           </a:p>
         </p:txBody>
@@ -1514,7 +1477,7 @@
     </p:spTree>
     <p:extLst>
       <p:ext uri="{BB962C8B-B14F-4D97-AF65-F5344CB8AC3E}">
-        <p14:creationId xmlns:p14="http://schemas.microsoft.com/office/powerpoint/2010/main" val="1059732594"/>
+        <p14:creationId xmlns:p14="http://schemas.microsoft.com/office/powerpoint/2010/main" val="3688112972"/>
       </p:ext>
     </p:extLst>
   </p:cSld>
@@ -1584,7 +1547,7 @@
                 <a:ea typeface="+mn-ea"/>
                 <a:cs typeface="+mn-cs"/>
               </a:rPr>
-              <a:t>or in a poorly organized wiki page. </a:t>
+              <a:t>Enter Architectural Decision Records (ADRs). First proposed by Michael Nygard (link/picture?), Architectural Decision Records provide a way to capture these decisions as part of the codebase that's being working on; where the rubber meets the road.</a:t>
             </a:r>
           </a:p>
           <a:p>
@@ -1611,10 +1574,19 @@
                 <a:ea typeface="+mn-ea"/>
                 <a:cs typeface="+mn-cs"/>
               </a:rPr>
-              <a:t>The idea of putting a record of these types of decisions *SLIDE*</a:t>
-            </a:r>
-            <a:endParaRPr lang="en-US" b="0" dirty="0">
+              <a:t>There’s a special case for decisions that span projects or the entire enterprise, I’ll get to that in a few minutes.</a:t>
+            </a:r>
+          </a:p>
+          <a:p>
+            <a:pPr rtl="0"/>
+            <a:endParaRPr lang="en-US" sz="1200" b="0" i="0" u="none" strike="noStrike" kern="1200" dirty="0">
+              <a:solidFill>
+                <a:schemeClr val="tx1"/>
+              </a:solidFill>
               <a:effectLst/>
+              <a:latin typeface="+mn-lt"/>
+              <a:ea typeface="+mn-ea"/>
+              <a:cs typeface="+mn-cs"/>
             </a:endParaRPr>
           </a:p>
         </p:txBody>
@@ -1645,7 +1617,7 @@
     </p:spTree>
     <p:extLst>
       <p:ext uri="{BB962C8B-B14F-4D97-AF65-F5344CB8AC3E}">
-        <p14:creationId xmlns:p14="http://schemas.microsoft.com/office/powerpoint/2010/main" val="3028187840"/>
+        <p14:creationId xmlns:p14="http://schemas.microsoft.com/office/powerpoint/2010/main" val="1047981429"/>
       </p:ext>
     </p:extLst>
   </p:cSld>
@@ -1704,7 +1676,7 @@
           <a:bodyPr/>
           <a:lstStyle/>
           <a:p>
-            <a:pPr rtl="0"/>
+            <a:pPr rtl="0" fontAlgn="base"/>
             <a:r>
               <a:rPr lang="en-US" sz="1200" b="0" i="0" u="none" strike="noStrike" kern="1200" dirty="0">
                 <a:solidFill>
@@ -1715,11 +1687,8 @@
                 <a:ea typeface="+mn-ea"/>
                 <a:cs typeface="+mn-cs"/>
               </a:rPr>
-              <a:t>*right in the codebase* really resonated with me, and starts to nibble away at one of the problems I talked about earlier -- socializing best practices and decisions. Putting them right in the codebase where people are working every day can make it very relevant for a particular project.</a:t>
-            </a:r>
-            <a:endParaRPr lang="en-US" b="0" dirty="0">
-              <a:effectLst/>
-            </a:endParaRPr>
+              <a:t>All too often, decisions that are made aren't well documented, and if they are, it's usually in some written document on a shared drive somewhere,</a:t>
+            </a:r>
           </a:p>
         </p:txBody>
       </p:sp>
@@ -1749,7 +1718,7 @@
     </p:spTree>
     <p:extLst>
       <p:ext uri="{BB962C8B-B14F-4D97-AF65-F5344CB8AC3E}">
-        <p14:creationId xmlns:p14="http://schemas.microsoft.com/office/powerpoint/2010/main" val="2243879928"/>
+        <p14:creationId xmlns:p14="http://schemas.microsoft.com/office/powerpoint/2010/main" val="1059732594"/>
       </p:ext>
     </p:extLst>
   </p:cSld>
@@ -1819,25 +1788,23 @@
                 <a:ea typeface="+mn-ea"/>
                 <a:cs typeface="+mn-cs"/>
               </a:rPr>
-              <a:t>Why should we document decisions like this?</a:t>
-            </a:r>
-            <a:endParaRPr lang="en-US" b="0" dirty="0">
+              <a:t>or in a poorly organized wiki page. </a:t>
+            </a:r>
+          </a:p>
+          <a:p>
+            <a:pPr rtl="0"/>
+            <a:endParaRPr lang="en-US" sz="1200" b="0" i="0" u="none" strike="noStrike" kern="1200" dirty="0">
+              <a:solidFill>
+                <a:schemeClr val="tx1"/>
+              </a:solidFill>
               <a:effectLst/>
+              <a:latin typeface="+mn-lt"/>
+              <a:ea typeface="+mn-ea"/>
+              <a:cs typeface="+mn-cs"/>
             </a:endParaRPr>
           </a:p>
           <a:p>
             <a:pPr rtl="0"/>
-            <a:r>
-              <a:rPr lang="en-US" b="0" dirty="0">
-                <a:effectLst/>
-              </a:rPr>
-              <a:t/>
-            </a:r>
-            <a:br>
-              <a:rPr lang="en-US" b="0" dirty="0">
-                <a:effectLst/>
-              </a:rPr>
-            </a:br>
             <a:r>
               <a:rPr lang="en-US" sz="1200" b="0" i="0" u="none" strike="noStrike" kern="1200" dirty="0">
                 <a:solidFill>
@@ -1848,7 +1815,7 @@
                 <a:ea typeface="+mn-ea"/>
                 <a:cs typeface="+mn-cs"/>
               </a:rPr>
-              <a:t>As I said earlier; one of the most important reasons is to capture the *context* behind decisions. Which is incredibly worthwhile when someone on the team wants (or needs) to make a change. As Michael Nygard explained in his article introducing ADRs:</a:t>
+              <a:t>The idea of putting a record of these types of decisions *SLIDE*</a:t>
             </a:r>
             <a:endParaRPr lang="en-US" b="0" dirty="0">
               <a:effectLst/>
@@ -1882,7 +1849,7 @@
     </p:spTree>
     <p:extLst>
       <p:ext uri="{BB962C8B-B14F-4D97-AF65-F5344CB8AC3E}">
-        <p14:creationId xmlns:p14="http://schemas.microsoft.com/office/powerpoint/2010/main" val="3639715796"/>
+        <p14:creationId xmlns:p14="http://schemas.microsoft.com/office/powerpoint/2010/main" val="3028187840"/>
       </p:ext>
     </p:extLst>
   </p:cSld>
@@ -1952,7 +1919,7 @@
                 <a:ea typeface="+mn-ea"/>
                 <a:cs typeface="+mn-cs"/>
               </a:rPr>
-              <a:t>Let's say someone wants to make a change, and there is no context about why the original decision was made. They can either:</a:t>
+              <a:t>*right in the codebase* really resonated with me, and starts to nibble away at one of the problems I talked about earlier -- socializing best practices and decisions. Putting them right in the codebase where people are working every day can make it very relevant for a particular project.</a:t>
             </a:r>
             <a:endParaRPr lang="en-US" b="0" dirty="0">
               <a:effectLst/>
@@ -1986,7 +1953,7 @@
     </p:spTree>
     <p:extLst>
       <p:ext uri="{BB962C8B-B14F-4D97-AF65-F5344CB8AC3E}">
-        <p14:creationId xmlns:p14="http://schemas.microsoft.com/office/powerpoint/2010/main" val="2059923421"/>
+        <p14:creationId xmlns:p14="http://schemas.microsoft.com/office/powerpoint/2010/main" val="2243879928"/>
       </p:ext>
     </p:extLst>
   </p:cSld>
@@ -2045,19 +2012,7 @@
           <a:bodyPr/>
           <a:lstStyle/>
           <a:p>
-            <a:pPr rtl="0" fontAlgn="base"/>
-            <a:r>
-              <a:rPr lang="en-US" sz="1200" b="1" i="0" u="none" strike="noStrike" kern="1200" dirty="0">
-                <a:solidFill>
-                  <a:schemeClr val="tx1"/>
-                </a:solidFill>
-                <a:effectLst/>
-                <a:latin typeface="+mn-lt"/>
-                <a:ea typeface="+mn-ea"/>
-                <a:cs typeface="+mn-cs"/>
-              </a:rPr>
-              <a:t>Blindly accept the original decision</a:t>
-            </a:r>
+            <a:pPr rtl="0"/>
             <a:r>
               <a:rPr lang="en-US" sz="1200" b="0" i="0" u="none" strike="noStrike" kern="1200" dirty="0">
                 <a:solidFill>
@@ -2068,8 +2023,40 @@
                 <a:ea typeface="+mn-ea"/>
                 <a:cs typeface="+mn-cs"/>
               </a:rPr>
-              <a:t>. Which might be ok, if it was a good decision to begin with. But maybe the context has changed, and without any record of that context, doing nothing may be a mistake.</a:t>
-            </a:r>
+              <a:t>Why should we document decisions like this?</a:t>
+            </a:r>
+            <a:endParaRPr lang="en-US" b="0" dirty="0">
+              <a:effectLst/>
+            </a:endParaRPr>
+          </a:p>
+          <a:p>
+            <a:pPr rtl="0"/>
+            <a:r>
+              <a:rPr lang="en-US" b="0" dirty="0">
+                <a:effectLst/>
+              </a:rPr>
+              <a:t/>
+            </a:r>
+            <a:br>
+              <a:rPr lang="en-US" b="0" dirty="0">
+                <a:effectLst/>
+              </a:rPr>
+            </a:br>
+            <a:r>
+              <a:rPr lang="en-US" sz="1200" b="0" i="0" u="none" strike="noStrike" kern="1200" dirty="0">
+                <a:solidFill>
+                  <a:schemeClr val="tx1"/>
+                </a:solidFill>
+                <a:effectLst/>
+                <a:latin typeface="+mn-lt"/>
+                <a:ea typeface="+mn-ea"/>
+                <a:cs typeface="+mn-cs"/>
+              </a:rPr>
+              <a:t>As I said earlier; one of the most important reasons is to capture the *context* behind decisions. Which is incredibly worthwhile when someone on the team wants (or needs) to make a change. As Michael Nygard explained in his article introducing ADRs:</a:t>
+            </a:r>
+            <a:endParaRPr lang="en-US" b="0" dirty="0">
+              <a:effectLst/>
+            </a:endParaRPr>
           </a:p>
         </p:txBody>
       </p:sp>
@@ -2099,7 +2086,7 @@
     </p:spTree>
     <p:extLst>
       <p:ext uri="{BB962C8B-B14F-4D97-AF65-F5344CB8AC3E}">
-        <p14:creationId xmlns:p14="http://schemas.microsoft.com/office/powerpoint/2010/main" val="127391914"/>
+        <p14:creationId xmlns:p14="http://schemas.microsoft.com/office/powerpoint/2010/main" val="3639715796"/>
       </p:ext>
     </p:extLst>
   </p:cSld>
@@ -2158,19 +2145,7 @@
           <a:bodyPr/>
           <a:lstStyle/>
           <a:p>
-            <a:pPr rtl="0" fontAlgn="base"/>
-            <a:r>
-              <a:rPr lang="en-US" sz="1200" b="1" i="0" u="none" strike="noStrike" kern="1200" dirty="0">
-                <a:solidFill>
-                  <a:schemeClr val="tx1"/>
-                </a:solidFill>
-                <a:effectLst/>
-                <a:latin typeface="+mn-lt"/>
-                <a:ea typeface="+mn-ea"/>
-                <a:cs typeface="+mn-cs"/>
-              </a:rPr>
-              <a:t>Blindly change the decision</a:t>
-            </a:r>
+            <a:pPr rtl="0"/>
             <a:r>
               <a:rPr lang="en-US" sz="1200" b="0" i="0" u="none" strike="noStrike" kern="1200" dirty="0">
                 <a:solidFill>
@@ -2181,8 +2156,11 @@
                 <a:ea typeface="+mn-ea"/>
                 <a:cs typeface="+mn-cs"/>
               </a:rPr>
-              <a:t>. Which also might be ok, but maybe there is a crucial fact about the new decision (some non-functional requirement, for example) that was considered and ultimately discarded for reasons which are still valid.</a:t>
-            </a:r>
+              <a:t>Let's say someone wants to make a change, and there is no context about why the original decision was made. They can either:</a:t>
+            </a:r>
+            <a:endParaRPr lang="en-US" b="0" dirty="0">
+              <a:effectLst/>
+            </a:endParaRPr>
           </a:p>
         </p:txBody>
       </p:sp>
@@ -2212,7 +2190,7 @@
     </p:spTree>
     <p:extLst>
       <p:ext uri="{BB962C8B-B14F-4D97-AF65-F5344CB8AC3E}">
-        <p14:creationId xmlns:p14="http://schemas.microsoft.com/office/powerpoint/2010/main" val="1600262729"/>
+        <p14:creationId xmlns:p14="http://schemas.microsoft.com/office/powerpoint/2010/main" val="2059923421"/>
       </p:ext>
     </p:extLst>
   </p:cSld>
@@ -2271,10 +2249,31 @@
           <a:bodyPr/>
           <a:lstStyle/>
           <a:p>
-            <a:pPr rtl="0"/>
-            <a:endParaRPr lang="en-US" b="0" dirty="0">
-              <a:effectLst/>
-            </a:endParaRPr>
+            <a:pPr rtl="0" fontAlgn="base"/>
+            <a:r>
+              <a:rPr lang="en-US" sz="1200" b="1" i="0" u="none" strike="noStrike" kern="1200" dirty="0">
+                <a:solidFill>
+                  <a:schemeClr val="tx1"/>
+                </a:solidFill>
+                <a:effectLst/>
+                <a:latin typeface="+mn-lt"/>
+                <a:ea typeface="+mn-ea"/>
+                <a:cs typeface="+mn-cs"/>
+              </a:rPr>
+              <a:t>Blindly accept the original decision</a:t>
+            </a:r>
+            <a:r>
+              <a:rPr lang="en-US" sz="1200" b="0" i="0" u="none" strike="noStrike" kern="1200" dirty="0">
+                <a:solidFill>
+                  <a:schemeClr val="tx1"/>
+                </a:solidFill>
+                <a:effectLst/>
+                <a:latin typeface="+mn-lt"/>
+                <a:ea typeface="+mn-ea"/>
+                <a:cs typeface="+mn-cs"/>
+              </a:rPr>
+              <a:t>. Which might be ok, if it was a good decision to begin with. But maybe the context has changed, and without any record of that context, doing nothing may be a mistake.</a:t>
+            </a:r>
           </a:p>
         </p:txBody>
       </p:sp>
@@ -2304,7 +2303,7 @@
     </p:spTree>
     <p:extLst>
       <p:ext uri="{BB962C8B-B14F-4D97-AF65-F5344CB8AC3E}">
-        <p14:creationId xmlns:p14="http://schemas.microsoft.com/office/powerpoint/2010/main" val="614237672"/>
+        <p14:creationId xmlns:p14="http://schemas.microsoft.com/office/powerpoint/2010/main" val="127391914"/>
       </p:ext>
     </p:extLst>
   </p:cSld>
@@ -2363,12 +2362,30 @@
           <a:bodyPr/>
           <a:lstStyle/>
           <a:p>
-            <a:pPr rtl="0"/>
-            <a:r>
-              <a:rPr lang="en-US" b="0" dirty="0">
+            <a:pPr rtl="0" fontAlgn="base"/>
+            <a:r>
+              <a:rPr lang="en-US" sz="1200" b="1" i="0" u="none" strike="noStrike" kern="1200" dirty="0">
+                <a:solidFill>
+                  <a:schemeClr val="tx1"/>
+                </a:solidFill>
                 <a:effectLst/>
+                <a:latin typeface="+mn-lt"/>
+                <a:ea typeface="+mn-ea"/>
+                <a:cs typeface="+mn-cs"/>
               </a:rPr>
-              <a:t>Markdown is a lightweight markup language that creates human readable text documents, but can be rendered by many different engines as HTML pages.</a:t>
+              <a:t>Blindly change the decision</a:t>
+            </a:r>
+            <a:r>
+              <a:rPr lang="en-US" sz="1200" b="0" i="0" u="none" strike="noStrike" kern="1200" dirty="0">
+                <a:solidFill>
+                  <a:schemeClr val="tx1"/>
+                </a:solidFill>
+                <a:effectLst/>
+                <a:latin typeface="+mn-lt"/>
+                <a:ea typeface="+mn-ea"/>
+                <a:cs typeface="+mn-cs"/>
+              </a:rPr>
+              <a:t>. Which also might be ok, but maybe there is a crucial fact about the new decision (some non-functional requirement, for example) that was considered and ultimately discarded for reasons which are still valid.</a:t>
             </a:r>
           </a:p>
         </p:txBody>
@@ -2399,7 +2416,7 @@
     </p:spTree>
     <p:extLst>
       <p:ext uri="{BB962C8B-B14F-4D97-AF65-F5344CB8AC3E}">
-        <p14:creationId xmlns:p14="http://schemas.microsoft.com/office/powerpoint/2010/main" val="1396525052"/>
+        <p14:creationId xmlns:p14="http://schemas.microsoft.com/office/powerpoint/2010/main" val="1600262729"/>
       </p:ext>
     </p:extLst>
   </p:cSld>
@@ -2543,30 +2560,6 @@
           <a:lstStyle/>
           <a:p>
             <a:pPr rtl="0"/>
-            <a:r>
-              <a:rPr lang="en-US" sz="1200" b="0" i="0" u="none" strike="noStrike" kern="1200" dirty="0">
-                <a:solidFill>
-                  <a:schemeClr val="tx1"/>
-                </a:solidFill>
-                <a:effectLst/>
-                <a:latin typeface="+mn-lt"/>
-                <a:ea typeface="+mn-ea"/>
-                <a:cs typeface="+mn-cs"/>
-              </a:rPr>
-              <a:t>An ADR is saved in a file that contains an incrementing sequence, one for each ADR, for example:</a:t>
-            </a:r>
-            <a:endParaRPr lang="en-US" b="0" dirty="0">
-              <a:effectLst/>
-            </a:endParaRPr>
-          </a:p>
-          <a:p>
-            <a:r>
-              <a:rPr lang="en-US" dirty="0"/>
-              <a:t/>
-            </a:r>
-            <a:br>
-              <a:rPr lang="en-US" dirty="0"/>
-            </a:br>
             <a:endParaRPr lang="en-US" b="0" dirty="0">
               <a:effectLst/>
             </a:endParaRPr>
@@ -2599,7 +2592,7 @@
     </p:spTree>
     <p:extLst>
       <p:ext uri="{BB962C8B-B14F-4D97-AF65-F5344CB8AC3E}">
-        <p14:creationId xmlns:p14="http://schemas.microsoft.com/office/powerpoint/2010/main" val="1576017824"/>
+        <p14:creationId xmlns:p14="http://schemas.microsoft.com/office/powerpoint/2010/main" val="614237672"/>
       </p:ext>
     </p:extLst>
   </p:cSld>
@@ -2658,16 +2651,13 @@
           <a:bodyPr/>
           <a:lstStyle/>
           <a:p>
-            <a:r>
-              <a:rPr lang="en-US" dirty="0"/>
-              <a:t/>
-            </a:r>
-            <a:br>
-              <a:rPr lang="en-US" dirty="0"/>
-            </a:br>
-            <a:endParaRPr lang="en-US" b="0" dirty="0">
-              <a:effectLst/>
-            </a:endParaRPr>
+            <a:pPr rtl="0"/>
+            <a:r>
+              <a:rPr lang="en-US" b="0" dirty="0">
+                <a:effectLst/>
+              </a:rPr>
+              <a:t>Markdown is a lightweight markup language that creates human readable text documents, but can be rendered by many different engines as HTML pages.</a:t>
+            </a:r>
           </a:p>
         </p:txBody>
       </p:sp>
@@ -2697,7 +2687,7 @@
     </p:spTree>
     <p:extLst>
       <p:ext uri="{BB962C8B-B14F-4D97-AF65-F5344CB8AC3E}">
-        <p14:creationId xmlns:p14="http://schemas.microsoft.com/office/powerpoint/2010/main" val="30704801"/>
+        <p14:creationId xmlns:p14="http://schemas.microsoft.com/office/powerpoint/2010/main" val="1396525052"/>
       </p:ext>
     </p:extLst>
   </p:cSld>
@@ -2757,6 +2747,30 @@
           <a:lstStyle/>
           <a:p>
             <a:pPr rtl="0"/>
+            <a:r>
+              <a:rPr lang="en-US" sz="1200" b="0" i="0" u="none" strike="noStrike" kern="1200" dirty="0">
+                <a:solidFill>
+                  <a:schemeClr val="tx1"/>
+                </a:solidFill>
+                <a:effectLst/>
+                <a:latin typeface="+mn-lt"/>
+                <a:ea typeface="+mn-ea"/>
+                <a:cs typeface="+mn-cs"/>
+              </a:rPr>
+              <a:t>An ADR is saved in a file that contains an incrementing sequence, one for each ADR, for example:</a:t>
+            </a:r>
+            <a:endParaRPr lang="en-US" b="0" dirty="0">
+              <a:effectLst/>
+            </a:endParaRPr>
+          </a:p>
+          <a:p>
+            <a:r>
+              <a:rPr lang="en-US" dirty="0"/>
+              <a:t/>
+            </a:r>
+            <a:br>
+              <a:rPr lang="en-US" dirty="0"/>
+            </a:br>
             <a:endParaRPr lang="en-US" b="0" dirty="0">
               <a:effectLst/>
             </a:endParaRPr>
@@ -2789,7 +2803,7 @@
     </p:spTree>
     <p:extLst>
       <p:ext uri="{BB962C8B-B14F-4D97-AF65-F5344CB8AC3E}">
-        <p14:creationId xmlns:p14="http://schemas.microsoft.com/office/powerpoint/2010/main" val="3584099551"/>
+        <p14:creationId xmlns:p14="http://schemas.microsoft.com/office/powerpoint/2010/main" val="1576017824"/>
       </p:ext>
     </p:extLst>
   </p:cSld>
@@ -2850,8 +2864,14 @@
           <a:p>
             <a:r>
               <a:rPr lang="en-US" dirty="0"/>
-              <a:t>Here’s an example ADR, which records our decision to use Markdown when creating ADRs. Meta enough?</a:t>
-            </a:r>
+              <a:t/>
+            </a:r>
+            <a:br>
+              <a:rPr lang="en-US" dirty="0"/>
+            </a:br>
+            <a:endParaRPr lang="en-US" b="0" dirty="0">
+              <a:effectLst/>
+            </a:endParaRPr>
           </a:p>
         </p:txBody>
       </p:sp>
@@ -2881,7 +2901,7 @@
     </p:spTree>
     <p:extLst>
       <p:ext uri="{BB962C8B-B14F-4D97-AF65-F5344CB8AC3E}">
-        <p14:creationId xmlns:p14="http://schemas.microsoft.com/office/powerpoint/2010/main" val="955088391"/>
+        <p14:creationId xmlns:p14="http://schemas.microsoft.com/office/powerpoint/2010/main" val="30704801"/>
       </p:ext>
     </p:extLst>
   </p:cSld>
@@ -2941,81 +2961,6 @@
           <a:lstStyle/>
           <a:p>
             <a:pPr rtl="0"/>
-            <a:r>
-              <a:rPr lang="en-US" sz="1200" b="0" i="0" u="none" strike="noStrike" kern="1200" dirty="0">
-                <a:solidFill>
-                  <a:schemeClr val="tx1"/>
-                </a:solidFill>
-                <a:effectLst/>
-                <a:latin typeface="+mn-lt"/>
-                <a:ea typeface="+mn-ea"/>
-                <a:cs typeface="+mn-cs"/>
-              </a:rPr>
-              <a:t>Titles are usually best expressed as simple noun phrases:</a:t>
-            </a:r>
-            <a:endParaRPr lang="en-US" b="0" dirty="0">
-              <a:effectLst/>
-            </a:endParaRPr>
-          </a:p>
-          <a:p>
-            <a:pPr marL="171450" indent="-171450" rtl="0">
-              <a:buFont typeface="Arial" panose="020B0604020202020204" pitchFamily="34" charset="0"/>
-              <a:buChar char="•"/>
-            </a:pPr>
-            <a:r>
-              <a:rPr lang="en-US" sz="1200" b="0" i="0" u="none" strike="noStrike" kern="1200" dirty="0">
-                <a:solidFill>
-                  <a:schemeClr val="tx1"/>
-                </a:solidFill>
-                <a:effectLst/>
-                <a:latin typeface="+mn-lt"/>
-                <a:ea typeface="+mn-ea"/>
-                <a:cs typeface="+mn-cs"/>
-              </a:rPr>
-              <a:t>"Git for version control"</a:t>
-            </a:r>
-            <a:endParaRPr lang="en-US" b="0" dirty="0">
-              <a:effectLst/>
-            </a:endParaRPr>
-          </a:p>
-          <a:p>
-            <a:pPr marL="171450" indent="-171450" rtl="0">
-              <a:buFont typeface="Arial" panose="020B0604020202020204" pitchFamily="34" charset="0"/>
-              <a:buChar char="•"/>
-            </a:pPr>
-            <a:r>
-              <a:rPr lang="en-US" sz="1200" b="0" i="0" u="none" strike="noStrike" kern="1200" dirty="0">
-                <a:solidFill>
-                  <a:schemeClr val="tx1"/>
-                </a:solidFill>
-                <a:effectLst/>
-                <a:latin typeface="+mn-lt"/>
-                <a:ea typeface="+mn-ea"/>
-                <a:cs typeface="+mn-cs"/>
-              </a:rPr>
-              <a:t>"LDAP for authentication"</a:t>
-            </a:r>
-            <a:endParaRPr lang="en-US" b="0" dirty="0">
-              <a:effectLst/>
-            </a:endParaRPr>
-          </a:p>
-          <a:p>
-            <a:pPr marL="171450" indent="-171450" rtl="0">
-              <a:buFont typeface="Arial" panose="020B0604020202020204" pitchFamily="34" charset="0"/>
-              <a:buChar char="•"/>
-            </a:pPr>
-            <a:r>
-              <a:rPr lang="en-US" sz="1200" b="0" i="0" u="none" strike="noStrike" kern="1200" dirty="0">
-                <a:solidFill>
-                  <a:schemeClr val="tx1"/>
-                </a:solidFill>
-                <a:effectLst/>
-                <a:latin typeface="+mn-lt"/>
-                <a:ea typeface="+mn-ea"/>
-                <a:cs typeface="+mn-cs"/>
-              </a:rPr>
-              <a:t>"Spring MVC for web development"</a:t>
-            </a:r>
             <a:endParaRPr lang="en-US" b="0" dirty="0">
               <a:effectLst/>
             </a:endParaRPr>
@@ -3048,7 +2993,7 @@
     </p:spTree>
     <p:extLst>
       <p:ext uri="{BB962C8B-B14F-4D97-AF65-F5344CB8AC3E}">
-        <p14:creationId xmlns:p14="http://schemas.microsoft.com/office/powerpoint/2010/main" val="2138209877"/>
+        <p14:creationId xmlns:p14="http://schemas.microsoft.com/office/powerpoint/2010/main" val="3584099551"/>
       </p:ext>
     </p:extLst>
   </p:cSld>
@@ -3107,139 +3052,10 @@
           <a:bodyPr/>
           <a:lstStyle/>
           <a:p>
-            <a:pPr rtl="0"/>
-            <a:r>
-              <a:rPr lang="en-US" sz="1200" b="0" i="0" u="none" strike="noStrike" kern="1200" dirty="0">
-                <a:solidFill>
-                  <a:schemeClr val="tx1"/>
-                </a:solidFill>
-                <a:effectLst/>
-                <a:latin typeface="+mn-lt"/>
-                <a:ea typeface="+mn-ea"/>
-                <a:cs typeface="+mn-cs"/>
-              </a:rPr>
-              <a:t>One of</a:t>
-            </a:r>
-          </a:p>
-          <a:p>
-            <a:pPr marL="171450" indent="-171450" rtl="0">
-              <a:buFont typeface="Arial" panose="020B0604020202020204" pitchFamily="34" charset="0"/>
-              <a:buChar char="•"/>
-            </a:pPr>
-            <a:r>
-              <a:rPr lang="en-US" sz="1200" b="0" i="0" u="none" strike="noStrike" kern="1200" dirty="0">
-                <a:solidFill>
-                  <a:schemeClr val="tx1"/>
-                </a:solidFill>
-                <a:effectLst/>
-                <a:latin typeface="+mn-lt"/>
-                <a:ea typeface="+mn-ea"/>
-                <a:cs typeface="+mn-cs"/>
-              </a:rPr>
-              <a:t>Proposed</a:t>
-            </a:r>
-          </a:p>
-          <a:p>
-            <a:pPr marL="171450" indent="-171450" rtl="0">
-              <a:buFont typeface="Arial" panose="020B0604020202020204" pitchFamily="34" charset="0"/>
-              <a:buChar char="•"/>
-            </a:pPr>
-            <a:r>
-              <a:rPr lang="en-US" sz="1200" b="0" i="0" u="none" strike="noStrike" kern="1200" dirty="0">
-                <a:solidFill>
-                  <a:schemeClr val="tx1"/>
-                </a:solidFill>
-                <a:effectLst/>
-                <a:latin typeface="+mn-lt"/>
-                <a:ea typeface="+mn-ea"/>
-                <a:cs typeface="+mn-cs"/>
-              </a:rPr>
-              <a:t>Accepted</a:t>
-            </a:r>
-          </a:p>
-          <a:p>
-            <a:pPr marL="171450" indent="-171450" rtl="0">
-              <a:buFont typeface="Arial" panose="020B0604020202020204" pitchFamily="34" charset="0"/>
-              <a:buChar char="•"/>
-            </a:pPr>
-            <a:r>
-              <a:rPr lang="en-US" sz="1200" b="0" i="0" u="none" strike="noStrike" kern="1200" dirty="0">
-                <a:solidFill>
-                  <a:schemeClr val="tx1"/>
-                </a:solidFill>
-                <a:effectLst/>
-                <a:latin typeface="+mn-lt"/>
-                <a:ea typeface="+mn-ea"/>
-                <a:cs typeface="+mn-cs"/>
-              </a:rPr>
-              <a:t>Superseded</a:t>
-            </a:r>
-          </a:p>
-          <a:p>
-            <a:pPr marL="171450" indent="-171450" rtl="0">
-              <a:buFont typeface="Arial" panose="020B0604020202020204" pitchFamily="34" charset="0"/>
-              <a:buChar char="•"/>
-            </a:pPr>
-            <a:r>
-              <a:rPr lang="en-US" sz="1200" b="0" i="0" u="none" strike="noStrike" kern="1200" dirty="0">
-                <a:solidFill>
-                  <a:schemeClr val="tx1"/>
-                </a:solidFill>
-                <a:effectLst/>
-                <a:latin typeface="+mn-lt"/>
-                <a:ea typeface="+mn-ea"/>
-                <a:cs typeface="+mn-cs"/>
-              </a:rPr>
-              <a:t>Deprecated</a:t>
-            </a:r>
-          </a:p>
-          <a:p>
-            <a:pPr marL="171450" indent="-171450" rtl="0">
-              <a:buFont typeface="Arial" panose="020B0604020202020204" pitchFamily="34" charset="0"/>
-              <a:buChar char="•"/>
-            </a:pPr>
-            <a:endParaRPr lang="en-US" sz="1200" b="0" i="0" u="none" strike="noStrike" kern="1200" dirty="0">
-              <a:solidFill>
-                <a:schemeClr val="tx1"/>
-              </a:solidFill>
-              <a:effectLst/>
-              <a:latin typeface="+mn-lt"/>
-              <a:ea typeface="+mn-ea"/>
-              <a:cs typeface="+mn-cs"/>
-            </a:endParaRPr>
-          </a:p>
-          <a:p>
-            <a:pPr rtl="0"/>
-            <a:r>
-              <a:rPr lang="en-US" sz="1200" b="0" i="0" u="none" strike="noStrike" kern="1200" dirty="0">
-                <a:solidFill>
-                  <a:schemeClr val="tx1"/>
-                </a:solidFill>
-                <a:effectLst/>
-                <a:latin typeface="+mn-lt"/>
-                <a:ea typeface="+mn-ea"/>
-                <a:cs typeface="+mn-cs"/>
-              </a:rPr>
-              <a:t>Side note: The original idea around ADRs was that they were immutable.</a:t>
-            </a:r>
-          </a:p>
-          <a:p>
-            <a:pPr rtl="0"/>
-            <a:r>
-              <a:rPr lang="en-US" sz="1200" b="0" i="0" u="none" strike="noStrike" kern="1200" dirty="0">
-                <a:solidFill>
-                  <a:schemeClr val="tx1"/>
-                </a:solidFill>
-                <a:effectLst/>
-                <a:latin typeface="+mn-lt"/>
-                <a:ea typeface="+mn-ea"/>
-                <a:cs typeface="+mn-cs"/>
-              </a:rPr>
-              <a:t>This is one area where, in the past, we have deviated from the original ideas around ADRs. For superseded &amp; deprecated ADRs, we either just changed the ADR itself, or moved it to an "archive" directory, to reduce the signal-to-noise ratio. Changing ADRs is fine, if you're storing them in source control.</a:t>
-            </a:r>
-            <a:endParaRPr lang="en-US" b="0" dirty="0">
-              <a:effectLst/>
-            </a:endParaRPr>
+            <a:r>
+              <a:rPr lang="en-US" dirty="0"/>
+              <a:t>Here’s an example ADR, which records our decision to use Markdown when creating ADRs. Meta enough?</a:t>
+            </a:r>
           </a:p>
         </p:txBody>
       </p:sp>
@@ -3269,7 +3085,7 @@
     </p:spTree>
     <p:extLst>
       <p:ext uri="{BB962C8B-B14F-4D97-AF65-F5344CB8AC3E}">
-        <p14:creationId xmlns:p14="http://schemas.microsoft.com/office/powerpoint/2010/main" val="170873355"/>
+        <p14:creationId xmlns:p14="http://schemas.microsoft.com/office/powerpoint/2010/main" val="955088391"/>
       </p:ext>
     </p:extLst>
   </p:cSld>
@@ -3339,7 +3155,70 @@
                 <a:ea typeface="+mn-ea"/>
                 <a:cs typeface="+mn-cs"/>
               </a:rPr>
-              <a:t>Describes the forces at play, in a factual way. These forces can be technology-based, politically-based, culturally-based, project-based, etc. There is likely tension, and if so, the context should reflect that tension in a non-biased way.</a:t>
+              <a:t>Titles are usually best expressed as simple noun phrases:</a:t>
+            </a:r>
+            <a:endParaRPr lang="en-US" b="0" dirty="0">
+              <a:effectLst/>
+            </a:endParaRPr>
+          </a:p>
+          <a:p>
+            <a:pPr marL="171450" indent="-171450" rtl="0">
+              <a:buFont typeface="Arial" panose="020B0604020202020204" pitchFamily="34" charset="0"/>
+              <a:buChar char="•"/>
+            </a:pPr>
+            <a:r>
+              <a:rPr lang="en-US" sz="1200" b="0" i="0" u="none" strike="noStrike" kern="1200" dirty="0">
+                <a:solidFill>
+                  <a:schemeClr val="tx1"/>
+                </a:solidFill>
+                <a:effectLst/>
+                <a:latin typeface="+mn-lt"/>
+                <a:ea typeface="+mn-ea"/>
+                <a:cs typeface="+mn-cs"/>
+              </a:rPr>
+              <a:t>"Git for version control"</a:t>
+            </a:r>
+            <a:endParaRPr lang="en-US" b="0" dirty="0">
+              <a:effectLst/>
+            </a:endParaRPr>
+          </a:p>
+          <a:p>
+            <a:pPr marL="171450" indent="-171450" rtl="0">
+              <a:buFont typeface="Arial" panose="020B0604020202020204" pitchFamily="34" charset="0"/>
+              <a:buChar char="•"/>
+            </a:pPr>
+            <a:r>
+              <a:rPr lang="en-US" sz="1200" b="0" i="0" u="none" strike="noStrike" kern="1200" dirty="0">
+                <a:solidFill>
+                  <a:schemeClr val="tx1"/>
+                </a:solidFill>
+                <a:effectLst/>
+                <a:latin typeface="+mn-lt"/>
+                <a:ea typeface="+mn-ea"/>
+                <a:cs typeface="+mn-cs"/>
+              </a:rPr>
+              <a:t>"LDAP for authentication"</a:t>
+            </a:r>
+            <a:endParaRPr lang="en-US" b="0" dirty="0">
+              <a:effectLst/>
+            </a:endParaRPr>
+          </a:p>
+          <a:p>
+            <a:pPr marL="171450" indent="-171450" rtl="0">
+              <a:buFont typeface="Arial" panose="020B0604020202020204" pitchFamily="34" charset="0"/>
+              <a:buChar char="•"/>
+            </a:pPr>
+            <a:r>
+              <a:rPr lang="en-US" sz="1200" b="0" i="0" u="none" strike="noStrike" kern="1200" dirty="0">
+                <a:solidFill>
+                  <a:schemeClr val="tx1"/>
+                </a:solidFill>
+                <a:effectLst/>
+                <a:latin typeface="+mn-lt"/>
+                <a:ea typeface="+mn-ea"/>
+                <a:cs typeface="+mn-cs"/>
+              </a:rPr>
+              <a:t>"Spring MVC for web development"</a:t>
             </a:r>
             <a:endParaRPr lang="en-US" b="0" dirty="0">
               <a:effectLst/>
@@ -3373,7 +3252,7 @@
     </p:spTree>
     <p:extLst>
       <p:ext uri="{BB962C8B-B14F-4D97-AF65-F5344CB8AC3E}">
-        <p14:creationId xmlns:p14="http://schemas.microsoft.com/office/powerpoint/2010/main" val="1581599010"/>
+        <p14:creationId xmlns:p14="http://schemas.microsoft.com/office/powerpoint/2010/main" val="2138209877"/>
       </p:ext>
     </p:extLst>
   </p:cSld>
@@ -3443,7 +3322,124 @@
                 <a:ea typeface="+mn-ea"/>
                 <a:cs typeface="+mn-cs"/>
               </a:rPr>
-              <a:t>Most commonly stated as "We will..." and then the decision, or just a statement of the decision itself.</a:t>
+              <a:t>One of</a:t>
+            </a:r>
+          </a:p>
+          <a:p>
+            <a:pPr marL="171450" indent="-171450" rtl="0">
+              <a:buFont typeface="Arial" panose="020B0604020202020204" pitchFamily="34" charset="0"/>
+              <a:buChar char="•"/>
+            </a:pPr>
+            <a:r>
+              <a:rPr lang="en-US" sz="1200" b="0" i="0" u="none" strike="noStrike" kern="1200" dirty="0">
+                <a:solidFill>
+                  <a:schemeClr val="tx1"/>
+                </a:solidFill>
+                <a:effectLst/>
+                <a:latin typeface="+mn-lt"/>
+                <a:ea typeface="+mn-ea"/>
+                <a:cs typeface="+mn-cs"/>
+              </a:rPr>
+              <a:t>Proposed</a:t>
+            </a:r>
+          </a:p>
+          <a:p>
+            <a:pPr marL="171450" indent="-171450" rtl="0">
+              <a:buFont typeface="Arial" panose="020B0604020202020204" pitchFamily="34" charset="0"/>
+              <a:buChar char="•"/>
+            </a:pPr>
+            <a:r>
+              <a:rPr lang="en-US" sz="1200" b="0" i="0" u="none" strike="noStrike" kern="1200" dirty="0">
+                <a:solidFill>
+                  <a:schemeClr val="tx1"/>
+                </a:solidFill>
+                <a:effectLst/>
+                <a:latin typeface="+mn-lt"/>
+                <a:ea typeface="+mn-ea"/>
+                <a:cs typeface="+mn-cs"/>
+              </a:rPr>
+              <a:t>Accepted</a:t>
+            </a:r>
+          </a:p>
+          <a:p>
+            <a:pPr marL="171450" indent="-171450" rtl="0">
+              <a:buFont typeface="Arial" panose="020B0604020202020204" pitchFamily="34" charset="0"/>
+              <a:buChar char="•"/>
+            </a:pPr>
+            <a:r>
+              <a:rPr lang="en-US" sz="1200" b="0" i="0" u="none" strike="noStrike" kern="1200" dirty="0">
+                <a:solidFill>
+                  <a:schemeClr val="tx1"/>
+                </a:solidFill>
+                <a:effectLst/>
+                <a:latin typeface="+mn-lt"/>
+                <a:ea typeface="+mn-ea"/>
+                <a:cs typeface="+mn-cs"/>
+              </a:rPr>
+              <a:t>Superseded</a:t>
+            </a:r>
+          </a:p>
+          <a:p>
+            <a:pPr marL="171450" indent="-171450" rtl="0">
+              <a:buFont typeface="Arial" panose="020B0604020202020204" pitchFamily="34" charset="0"/>
+              <a:buChar char="•"/>
+            </a:pPr>
+            <a:r>
+              <a:rPr lang="en-US" sz="1200" b="0" i="0" u="none" strike="noStrike" kern="1200" dirty="0">
+                <a:solidFill>
+                  <a:schemeClr val="tx1"/>
+                </a:solidFill>
+                <a:effectLst/>
+                <a:latin typeface="+mn-lt"/>
+                <a:ea typeface="+mn-ea"/>
+                <a:cs typeface="+mn-cs"/>
+              </a:rPr>
+              <a:t>Deprecated</a:t>
+            </a:r>
+          </a:p>
+          <a:p>
+            <a:pPr marL="171450" indent="-171450" rtl="0">
+              <a:buFont typeface="Arial" panose="020B0604020202020204" pitchFamily="34" charset="0"/>
+              <a:buChar char="•"/>
+            </a:pPr>
+            <a:endParaRPr lang="en-US" sz="1200" b="0" i="0" u="none" strike="noStrike" kern="1200" dirty="0">
+              <a:solidFill>
+                <a:schemeClr val="tx1"/>
+              </a:solidFill>
+              <a:effectLst/>
+              <a:latin typeface="+mn-lt"/>
+              <a:ea typeface="+mn-ea"/>
+              <a:cs typeface="+mn-cs"/>
+            </a:endParaRPr>
+          </a:p>
+          <a:p>
+            <a:pPr rtl="0"/>
+            <a:r>
+              <a:rPr lang="en-US" sz="1200" b="0" i="0" u="none" strike="noStrike" kern="1200" dirty="0">
+                <a:solidFill>
+                  <a:schemeClr val="tx1"/>
+                </a:solidFill>
+                <a:effectLst/>
+                <a:latin typeface="+mn-lt"/>
+                <a:ea typeface="+mn-ea"/>
+                <a:cs typeface="+mn-cs"/>
+              </a:rPr>
+              <a:t>Side note: The original idea around ADRs was that they were immutable.</a:t>
+            </a:r>
+          </a:p>
+          <a:p>
+            <a:pPr rtl="0"/>
+            <a:r>
+              <a:rPr lang="en-US" sz="1200" b="0" i="0" u="none" strike="noStrike" kern="1200" dirty="0">
+                <a:solidFill>
+                  <a:schemeClr val="tx1"/>
+                </a:solidFill>
+                <a:effectLst/>
+                <a:latin typeface="+mn-lt"/>
+                <a:ea typeface="+mn-ea"/>
+                <a:cs typeface="+mn-cs"/>
+              </a:rPr>
+              <a:t>This is one area where, in the past, we have deviated from the original ideas around ADRs. For superseded &amp; deprecated ADRs, we either just changed the ADR itself, or moved it to an "archive" directory, to reduce the signal-to-noise ratio. Changing ADRs is fine, if you're storing them in source control.</a:t>
             </a:r>
             <a:endParaRPr lang="en-US" b="0" dirty="0">
               <a:effectLst/>
@@ -3477,7 +3473,7 @@
     </p:spTree>
     <p:extLst>
       <p:ext uri="{BB962C8B-B14F-4D97-AF65-F5344CB8AC3E}">
-        <p14:creationId xmlns:p14="http://schemas.microsoft.com/office/powerpoint/2010/main" val="2827739656"/>
+        <p14:creationId xmlns:p14="http://schemas.microsoft.com/office/powerpoint/2010/main" val="170873355"/>
       </p:ext>
     </p:extLst>
   </p:cSld>
@@ -3547,7 +3543,7 @@
                 <a:ea typeface="+mn-ea"/>
                 <a:cs typeface="+mn-cs"/>
               </a:rPr>
-              <a:t>Every decision has consequences, for good or ill. Record them here.</a:t>
+              <a:t>Describes the forces at play, in a factual way. These forces can be technology-based, politically-based, culturally-based, project-based, etc. There is likely tension, and if so, the context should reflect that tension in a non-biased way.</a:t>
             </a:r>
             <a:endParaRPr lang="en-US" b="0" dirty="0">
               <a:effectLst/>
@@ -3581,7 +3577,7 @@
     </p:spTree>
     <p:extLst>
       <p:ext uri="{BB962C8B-B14F-4D97-AF65-F5344CB8AC3E}">
-        <p14:creationId xmlns:p14="http://schemas.microsoft.com/office/powerpoint/2010/main" val="3077051661"/>
+        <p14:creationId xmlns:p14="http://schemas.microsoft.com/office/powerpoint/2010/main" val="1581599010"/>
       </p:ext>
     </p:extLst>
   </p:cSld>
@@ -3640,6 +3636,7 @@
           <a:bodyPr/>
           <a:lstStyle/>
           <a:p>
+            <a:pPr rtl="0"/>
             <a:r>
               <a:rPr lang="en-US" sz="1200" b="0" i="0" u="none" strike="noStrike" kern="1200" dirty="0">
                 <a:solidFill>
@@ -3650,9 +3647,11 @@
                 <a:ea typeface="+mn-ea"/>
                 <a:cs typeface="+mn-cs"/>
               </a:rPr>
-              <a:t>The entire ADR document should be no more than a page or two; after all, we're trying to keep these lightweight!</a:t>
-            </a:r>
-            <a:endParaRPr lang="en-US" dirty="0"/>
+              <a:t>Most commonly stated as "We will..." and then the decision, or just a statement of the decision itself.</a:t>
+            </a:r>
+            <a:endParaRPr lang="en-US" b="0" dirty="0">
+              <a:effectLst/>
+            </a:endParaRPr>
           </a:p>
         </p:txBody>
       </p:sp>
@@ -3682,7 +3681,7 @@
     </p:spTree>
     <p:extLst>
       <p:ext uri="{BB962C8B-B14F-4D97-AF65-F5344CB8AC3E}">
-        <p14:creationId xmlns:p14="http://schemas.microsoft.com/office/powerpoint/2010/main" val="1952777436"/>
+        <p14:creationId xmlns:p14="http://schemas.microsoft.com/office/powerpoint/2010/main" val="2827739656"/>
       </p:ext>
     </p:extLst>
   </p:cSld>
@@ -3751,10 +3750,81 @@
                 <a:ea typeface="+mn-ea"/>
                 <a:cs typeface="+mn-cs"/>
               </a:rPr>
-              <a:t>We do live in interesting times. Technology is changing at an ever increasing pace, and Enterprise Architecture is not immune.</a:t>
-            </a:r>
-          </a:p>
-          <a:p>
+              <a:t>We do live in interesting times. Technology is changing at an ever increasing pace, and </a:t>
+            </a:r>
+            <a:r>
+              <a:rPr lang="en-US" sz="1800" b="0" i="0" u="none" strike="noStrike" kern="1200" dirty="0" smtClean="0">
+                <a:solidFill>
+                  <a:schemeClr val="tx1"/>
+                </a:solidFill>
+                <a:effectLst/>
+                <a:latin typeface="+mn-lt"/>
+                <a:ea typeface="+mn-ea"/>
+                <a:cs typeface="+mn-cs"/>
+              </a:rPr>
+              <a:t>we’re all learning new ways of doing things. </a:t>
+            </a:r>
+          </a:p>
+          <a:p>
+            <a:endParaRPr lang="en-US" sz="1800" b="0" i="0" u="none" strike="noStrike" kern="1200" dirty="0" smtClean="0">
+              <a:solidFill>
+                <a:schemeClr val="tx1"/>
+              </a:solidFill>
+              <a:effectLst/>
+              <a:latin typeface="+mn-lt"/>
+              <a:ea typeface="+mn-ea"/>
+              <a:cs typeface="+mn-cs"/>
+            </a:endParaRPr>
+          </a:p>
+          <a:p>
+            <a:r>
+              <a:rPr lang="en-US" sz="1800" b="0" i="0" u="none" strike="noStrike" kern="1200" dirty="0" smtClean="0">
+                <a:solidFill>
+                  <a:schemeClr val="tx1"/>
+                </a:solidFill>
+                <a:effectLst/>
+                <a:latin typeface="+mn-lt"/>
+                <a:ea typeface="+mn-ea"/>
+                <a:cs typeface="+mn-cs"/>
+              </a:rPr>
+              <a:t>Agile practitioners advocate deferring decisions until the least responsible moment</a:t>
+            </a:r>
+            <a:r>
+              <a:rPr lang="en-US" sz="1800" b="0" i="0" u="none" strike="noStrike" kern="1200" baseline="0" dirty="0" smtClean="0">
+                <a:solidFill>
+                  <a:schemeClr val="tx1"/>
+                </a:solidFill>
+                <a:effectLst/>
+                <a:latin typeface="+mn-lt"/>
+                <a:ea typeface="+mn-ea"/>
+                <a:cs typeface="+mn-cs"/>
+              </a:rPr>
+              <a:t> and using </a:t>
+            </a:r>
+            <a:r>
+              <a:rPr lang="en-US" sz="1800" b="0" i="0" u="none" strike="noStrike" kern="1200" dirty="0" smtClean="0">
+                <a:solidFill>
+                  <a:schemeClr val="tx1"/>
+                </a:solidFill>
+                <a:effectLst/>
+                <a:latin typeface="+mn-lt"/>
+                <a:ea typeface="+mn-ea"/>
+                <a:cs typeface="+mn-cs"/>
+              </a:rPr>
+              <a:t>evolutionary</a:t>
+            </a:r>
+            <a:r>
+              <a:rPr lang="en-US" sz="1800" b="0" i="0" u="none" strike="noStrike" kern="1200" baseline="0" dirty="0" smtClean="0">
+                <a:solidFill>
+                  <a:schemeClr val="tx1"/>
+                </a:solidFill>
+                <a:effectLst/>
+                <a:latin typeface="+mn-lt"/>
+                <a:ea typeface="+mn-ea"/>
+                <a:cs typeface="+mn-cs"/>
+              </a:rPr>
+              <a:t> architectures, and delegating these responsibilities to the teams – i.e. “the people doing the work”</a:t>
+            </a:r>
             <a:endParaRPr lang="en-US" sz="1800" b="0" i="0" u="none" strike="noStrike" kern="1200" dirty="0">
               <a:solidFill>
                 <a:schemeClr val="tx1"/>
@@ -3763,49 +3833,6 @@
               <a:latin typeface="+mn-lt"/>
               <a:ea typeface="+mn-ea"/>
               <a:cs typeface="+mn-cs"/>
-            </a:endParaRPr>
-          </a:p>
-          <a:p>
-            <a:r>
-              <a:rPr lang="en-US" sz="1800" b="0" i="0" u="none" strike="noStrike" kern="1200" dirty="0">
-                <a:solidFill>
-                  <a:schemeClr val="tx1"/>
-                </a:solidFill>
-                <a:effectLst/>
-                <a:latin typeface="+mn-lt"/>
-                <a:ea typeface="+mn-ea"/>
-                <a:cs typeface="+mn-cs"/>
-              </a:rPr>
-              <a:t>Enterprise Architecture is at a crossroads, especially in organizations which do a lot of custom software development. The DevOps movement, combined with design thinking and agile organizational design has left a lot of Enterprise Architecture professionals scratching their head on how they can add value and continue to provide governance and guidance to the technology teams. At the same time, many companies are just now starting to create EA practices, to start to put their arms around technology sprawl.</a:t>
-            </a:r>
-          </a:p>
-          <a:p>
-            <a:endParaRPr lang="en-US" sz="1800" b="0" i="0" u="none" strike="noStrike" kern="1200" dirty="0">
-              <a:solidFill>
-                <a:schemeClr val="tx1"/>
-              </a:solidFill>
-              <a:effectLst/>
-              <a:latin typeface="+mn-lt"/>
-              <a:ea typeface="+mn-ea"/>
-              <a:cs typeface="+mn-cs"/>
-            </a:endParaRPr>
-          </a:p>
-          <a:p>
-            <a:pPr rtl="0"/>
-            <a:r>
-              <a:rPr lang="en-US" sz="1200" b="0" i="0" u="none" strike="noStrike" kern="1200" dirty="0">
-                <a:solidFill>
-                  <a:schemeClr val="tx1"/>
-                </a:solidFill>
-                <a:effectLst/>
-                <a:latin typeface="+mn-lt"/>
-                <a:ea typeface="+mn-ea"/>
-                <a:cs typeface="+mn-cs"/>
-              </a:rPr>
-              <a:t>But before we dig into how Enterprise Architecture needs to change, let's try to come to a common understanding.</a:t>
-            </a:r>
-            <a:endParaRPr lang="en-US" sz="1800" b="0" dirty="0">
-              <a:effectLst/>
             </a:endParaRPr>
           </a:p>
         </p:txBody>
@@ -3906,202 +3933,8 @@
                 <a:ea typeface="+mn-ea"/>
                 <a:cs typeface="+mn-cs"/>
               </a:rPr>
-              <a:t>We also used ADRs to document and socialize Enterprise Architecture decisions. Sure, there are lots of ways that companies can do this, lots of systems to capture these kinds of things. But using the tools that most of the technology team was *already* using (i.e. text editors, source control, </a:t>
-            </a:r>
-            <a:r>
-              <a:rPr lang="en-US" sz="1200" b="0" i="0" u="none" strike="noStrike" kern="1200" dirty="0" err="1">
-                <a:solidFill>
-                  <a:schemeClr val="tx1"/>
-                </a:solidFill>
-                <a:effectLst/>
-                <a:latin typeface="+mn-lt"/>
-                <a:ea typeface="+mn-ea"/>
-                <a:cs typeface="+mn-cs"/>
-              </a:rPr>
-              <a:t>github</a:t>
-            </a:r>
-            <a:r>
-              <a:rPr lang="en-US" sz="1200" b="0" i="0" u="none" strike="noStrike" kern="1200" dirty="0">
-                <a:solidFill>
-                  <a:schemeClr val="tx1"/>
-                </a:solidFill>
-                <a:effectLst/>
-                <a:latin typeface="+mn-lt"/>
-                <a:ea typeface="+mn-ea"/>
-                <a:cs typeface="+mn-cs"/>
-              </a:rPr>
-              <a:t>), we exposed the decisions in a way that really wasn't seen before. In this context, the ADRs were things like:</a:t>
-            </a:r>
-            <a:endParaRPr lang="en-US" b="0" dirty="0">
-              <a:effectLst/>
-            </a:endParaRPr>
-          </a:p>
-          <a:p>
-            <a:pPr marL="171450" indent="-171450" rtl="0">
-              <a:buFont typeface="Arial" panose="020B0604020202020204" pitchFamily="34" charset="0"/>
-              <a:buChar char="•"/>
-            </a:pPr>
-            <a:r>
-              <a:rPr lang="en-US" sz="1200" b="0" i="0" u="none" strike="noStrike" kern="1200" dirty="0">
-                <a:solidFill>
-                  <a:schemeClr val="tx1"/>
-                </a:solidFill>
-                <a:effectLst/>
-                <a:latin typeface="+mn-lt"/>
-                <a:ea typeface="+mn-ea"/>
-                <a:cs typeface="+mn-cs"/>
-              </a:rPr>
-              <a:t>"Git for version control"</a:t>
-            </a:r>
-            <a:endParaRPr lang="en-US" b="0" dirty="0">
-              <a:effectLst/>
-            </a:endParaRPr>
-          </a:p>
-          <a:p>
-            <a:pPr marL="171450" indent="-171450" rtl="0">
-              <a:buFont typeface="Arial" panose="020B0604020202020204" pitchFamily="34" charset="0"/>
-              <a:buChar char="•"/>
-            </a:pPr>
-            <a:r>
-              <a:rPr lang="en-US" sz="1200" b="0" i="0" u="none" strike="noStrike" kern="1200" dirty="0">
-                <a:solidFill>
-                  <a:schemeClr val="tx1"/>
-                </a:solidFill>
-                <a:effectLst/>
-                <a:latin typeface="+mn-lt"/>
-                <a:ea typeface="+mn-ea"/>
-                <a:cs typeface="+mn-cs"/>
-              </a:rPr>
-              <a:t>"Code commit formatting"</a:t>
-            </a:r>
-            <a:endParaRPr lang="en-US" b="0" dirty="0">
-              <a:effectLst/>
-            </a:endParaRPr>
-          </a:p>
-          <a:p>
-            <a:pPr marL="171450" indent="-171450" rtl="0">
-              <a:buFont typeface="Arial" panose="020B0604020202020204" pitchFamily="34" charset="0"/>
-              <a:buChar char="•"/>
-            </a:pPr>
-            <a:r>
-              <a:rPr lang="en-US" sz="1200" b="0" i="0" u="none" strike="noStrike" kern="1200" dirty="0">
-                <a:solidFill>
-                  <a:schemeClr val="tx1"/>
-                </a:solidFill>
-                <a:effectLst/>
-                <a:latin typeface="+mn-lt"/>
-                <a:ea typeface="+mn-ea"/>
-                <a:cs typeface="+mn-cs"/>
-              </a:rPr>
-              <a:t>"Docker for deployments"</a:t>
-            </a:r>
-            <a:endParaRPr lang="en-US" b="0" dirty="0">
-              <a:effectLst/>
-            </a:endParaRPr>
-          </a:p>
-          <a:p>
-            <a:pPr marL="171450" indent="-171450" rtl="0">
-              <a:buFont typeface="Arial" panose="020B0604020202020204" pitchFamily="34" charset="0"/>
-              <a:buChar char="•"/>
-            </a:pPr>
-            <a:r>
-              <a:rPr lang="en-US" sz="1200" b="0" i="0" u="none" strike="noStrike" kern="1200" dirty="0">
-                <a:solidFill>
-                  <a:schemeClr val="tx1"/>
-                </a:solidFill>
-                <a:effectLst/>
-                <a:latin typeface="+mn-lt"/>
-                <a:ea typeface="+mn-ea"/>
-                <a:cs typeface="+mn-cs"/>
-              </a:rPr>
-              <a:t>"Ansible for orchestration"</a:t>
-            </a:r>
-            <a:endParaRPr lang="en-US" b="0" dirty="0">
-              <a:effectLst/>
-            </a:endParaRPr>
-          </a:p>
-          <a:p>
-            <a:pPr marL="171450" indent="-171450" rtl="0">
-              <a:buFont typeface="Arial" panose="020B0604020202020204" pitchFamily="34" charset="0"/>
-              <a:buChar char="•"/>
-            </a:pPr>
-            <a:r>
-              <a:rPr lang="en-US" sz="1200" b="0" i="0" u="none" strike="noStrike" kern="1200" dirty="0">
-                <a:solidFill>
-                  <a:schemeClr val="tx1"/>
-                </a:solidFill>
-                <a:effectLst/>
-                <a:latin typeface="+mn-lt"/>
-                <a:ea typeface="+mn-ea"/>
-                <a:cs typeface="+mn-cs"/>
-              </a:rPr>
-              <a:t>"Vault for secret management"</a:t>
-            </a:r>
-            <a:endParaRPr lang="en-US" b="0" dirty="0">
-              <a:effectLst/>
-            </a:endParaRPr>
-          </a:p>
-          <a:p>
-            <a:pPr rtl="0"/>
-            <a:r>
-              <a:rPr lang="en-US" b="0" dirty="0">
-                <a:effectLst/>
-              </a:rPr>
-              <a:t/>
-            </a:r>
-            <a:br>
-              <a:rPr lang="en-US" b="0" dirty="0">
-                <a:effectLst/>
-              </a:rPr>
-            </a:br>
-            <a:r>
-              <a:rPr lang="en-US" sz="1200" b="0" i="0" u="none" strike="noStrike" kern="1200" dirty="0">
-                <a:solidFill>
-                  <a:schemeClr val="tx1"/>
-                </a:solidFill>
-                <a:effectLst/>
-                <a:latin typeface="+mn-lt"/>
-                <a:ea typeface="+mn-ea"/>
-                <a:cs typeface="+mn-cs"/>
-              </a:rPr>
-              <a:t>These were kept in a special repo on </a:t>
-            </a:r>
-            <a:r>
-              <a:rPr lang="en-US" sz="1200" b="0" i="0" u="none" strike="noStrike" kern="1200" dirty="0" err="1">
-                <a:solidFill>
-                  <a:schemeClr val="tx1"/>
-                </a:solidFill>
-                <a:effectLst/>
-                <a:latin typeface="+mn-lt"/>
-                <a:ea typeface="+mn-ea"/>
-                <a:cs typeface="+mn-cs"/>
-              </a:rPr>
-              <a:t>github</a:t>
-            </a:r>
-            <a:r>
-              <a:rPr lang="en-US" sz="1200" b="0" i="0" u="none" strike="noStrike" kern="1200" dirty="0">
-                <a:solidFill>
-                  <a:schemeClr val="tx1"/>
-                </a:solidFill>
-                <a:effectLst/>
-                <a:latin typeface="+mn-lt"/>
-                <a:ea typeface="+mn-ea"/>
-                <a:cs typeface="+mn-cs"/>
-              </a:rPr>
-              <a:t> that existed just for EA ADRs.</a:t>
-            </a:r>
-            <a:endParaRPr lang="en-US" b="0" dirty="0">
-              <a:effectLst/>
-            </a:endParaRPr>
-          </a:p>
-          <a:p>
-            <a:r>
-              <a:rPr lang="en-US" dirty="0"/>
-              <a:t/>
-            </a:r>
-            <a:br>
-              <a:rPr lang="en-US" dirty="0"/>
-            </a:br>
+              <a:t>Every decision has consequences, for good or ill. Record them here.</a:t>
+            </a:r>
             <a:endParaRPr lang="en-US" b="0" dirty="0">
               <a:effectLst/>
             </a:endParaRPr>
@@ -4134,7 +3967,7 @@
     </p:spTree>
     <p:extLst>
       <p:ext uri="{BB962C8B-B14F-4D97-AF65-F5344CB8AC3E}">
-        <p14:creationId xmlns:p14="http://schemas.microsoft.com/office/powerpoint/2010/main" val="2053329460"/>
+        <p14:creationId xmlns:p14="http://schemas.microsoft.com/office/powerpoint/2010/main" val="3077051661"/>
       </p:ext>
     </p:extLst>
   </p:cSld>
@@ -4193,7 +4026,6 @@
           <a:bodyPr/>
           <a:lstStyle/>
           <a:p>
-            <a:pPr rtl="0"/>
             <a:r>
               <a:rPr lang="en-US" sz="1200" b="0" i="0" u="none" strike="noStrike" kern="1200" dirty="0">
                 <a:solidFill>
@@ -4204,81 +4036,9 @@
                 <a:ea typeface="+mn-ea"/>
                 <a:cs typeface="+mn-cs"/>
               </a:rPr>
-              <a:t>For all types of ADRs, we used the Pull Request workflow, same as any regular code. </a:t>
-            </a:r>
-          </a:p>
-          <a:p>
-            <a:pPr rtl="0"/>
-            <a:endParaRPr lang="en-US" sz="1200" b="0" i="0" u="none" strike="noStrike" kern="1200" dirty="0">
-              <a:solidFill>
-                <a:schemeClr val="tx1"/>
-              </a:solidFill>
-              <a:effectLst/>
-              <a:latin typeface="+mn-lt"/>
-              <a:ea typeface="+mn-ea"/>
-              <a:cs typeface="+mn-cs"/>
-            </a:endParaRPr>
-          </a:p>
-          <a:p>
-            <a:pPr rtl="0"/>
-            <a:r>
-              <a:rPr lang="en-US" sz="1200" b="0" i="0" u="none" strike="noStrike" kern="1200" dirty="0">
-                <a:solidFill>
-                  <a:schemeClr val="tx1"/>
-                </a:solidFill>
-                <a:effectLst/>
-                <a:latin typeface="+mn-lt"/>
-                <a:ea typeface="+mn-ea"/>
-                <a:cs typeface="+mn-cs"/>
-              </a:rPr>
-              <a:t>If you're not familiar with workflows like this, it's a common open source technique to review code that's "proposed" to be added to a codebase. Many enterprises have adopted this to add a layer of peer code review into their processes.</a:t>
-            </a:r>
-          </a:p>
-          <a:p>
-            <a:pPr rtl="0"/>
-            <a:endParaRPr lang="en-US" sz="1200" b="0" i="0" u="none" strike="noStrike" kern="1200" dirty="0">
-              <a:solidFill>
-                <a:schemeClr val="tx1"/>
-              </a:solidFill>
-              <a:effectLst/>
-              <a:latin typeface="+mn-lt"/>
-              <a:ea typeface="+mn-ea"/>
-              <a:cs typeface="+mn-cs"/>
-            </a:endParaRPr>
-          </a:p>
-          <a:p>
-            <a:pPr rtl="0"/>
-            <a:r>
-              <a:rPr lang="en-US" sz="1200" b="0" i="0" u="none" strike="noStrike" kern="1200" dirty="0">
-                <a:solidFill>
-                  <a:schemeClr val="tx1"/>
-                </a:solidFill>
-                <a:effectLst/>
-                <a:latin typeface="+mn-lt"/>
-                <a:ea typeface="+mn-ea"/>
-                <a:cs typeface="+mn-cs"/>
-              </a:rPr>
-              <a:t>A new ADR was proposed by opening a pull request, and conversation and comments added to the ADR. It was then "adopted' when it was discussed in the Architecture Guild (which we'll discuss later).</a:t>
-            </a:r>
-            <a:endParaRPr lang="en-US" b="0" dirty="0">
-              <a:effectLst/>
-            </a:endParaRPr>
-          </a:p>
-          <a:p>
-            <a:r>
-              <a:rPr lang="en-US" dirty="0"/>
-              <a:t/>
-            </a:r>
-            <a:br>
-              <a:rPr lang="en-US" dirty="0"/>
-            </a:br>
-            <a:r>
-              <a:rPr lang="en-US" dirty="0"/>
-              <a:t>If you aren’t using something like a pull request workflow for development, I highly recommend it. Maybe that can be your first ADR! </a:t>
-            </a:r>
-            <a:endParaRPr lang="en-US" b="0" dirty="0">
-              <a:effectLst/>
-            </a:endParaRPr>
+              <a:t>The entire ADR document should be no more than a page or two; after all, we're trying to keep these lightweight!</a:t>
+            </a:r>
+            <a:endParaRPr lang="en-US" dirty="0"/>
           </a:p>
         </p:txBody>
       </p:sp>
@@ -4308,7 +4068,7 @@
     </p:spTree>
     <p:extLst>
       <p:ext uri="{BB962C8B-B14F-4D97-AF65-F5344CB8AC3E}">
-        <p14:creationId xmlns:p14="http://schemas.microsoft.com/office/powerpoint/2010/main" val="2916679409"/>
+        <p14:creationId xmlns:p14="http://schemas.microsoft.com/office/powerpoint/2010/main" val="1952777436"/>
       </p:ext>
     </p:extLst>
   </p:cSld>
@@ -4378,8 +4138,202 @@
                 <a:ea typeface="+mn-ea"/>
                 <a:cs typeface="+mn-cs"/>
               </a:rPr>
-              <a:t>ADRs proved to be a powerful tool that helped codify our decisions, and record them, which allowed them to be socialized much easier, and capturing the context behind the decisions helped us avoid problems that would have had us repeat mistakes of the past.</a:t>
-            </a:r>
+              <a:t>We also used ADRs to document and socialize Enterprise Architecture decisions. Sure, there are lots of ways that companies can do this, lots of systems to capture these kinds of things. But using the tools that most of the technology team was *already* using (i.e. text editors, source control, </a:t>
+            </a:r>
+            <a:r>
+              <a:rPr lang="en-US" sz="1200" b="0" i="0" u="none" strike="noStrike" kern="1200" dirty="0" err="1">
+                <a:solidFill>
+                  <a:schemeClr val="tx1"/>
+                </a:solidFill>
+                <a:effectLst/>
+                <a:latin typeface="+mn-lt"/>
+                <a:ea typeface="+mn-ea"/>
+                <a:cs typeface="+mn-cs"/>
+              </a:rPr>
+              <a:t>github</a:t>
+            </a:r>
+            <a:r>
+              <a:rPr lang="en-US" sz="1200" b="0" i="0" u="none" strike="noStrike" kern="1200" dirty="0">
+                <a:solidFill>
+                  <a:schemeClr val="tx1"/>
+                </a:solidFill>
+                <a:effectLst/>
+                <a:latin typeface="+mn-lt"/>
+                <a:ea typeface="+mn-ea"/>
+                <a:cs typeface="+mn-cs"/>
+              </a:rPr>
+              <a:t>), we exposed the decisions in a way that really wasn't seen before. In this context, the ADRs were things like:</a:t>
+            </a:r>
+            <a:endParaRPr lang="en-US" b="0" dirty="0">
+              <a:effectLst/>
+            </a:endParaRPr>
+          </a:p>
+          <a:p>
+            <a:pPr marL="171450" indent="-171450" rtl="0">
+              <a:buFont typeface="Arial" panose="020B0604020202020204" pitchFamily="34" charset="0"/>
+              <a:buChar char="•"/>
+            </a:pPr>
+            <a:r>
+              <a:rPr lang="en-US" sz="1200" b="0" i="0" u="none" strike="noStrike" kern="1200" dirty="0">
+                <a:solidFill>
+                  <a:schemeClr val="tx1"/>
+                </a:solidFill>
+                <a:effectLst/>
+                <a:latin typeface="+mn-lt"/>
+                <a:ea typeface="+mn-ea"/>
+                <a:cs typeface="+mn-cs"/>
+              </a:rPr>
+              <a:t>"Git for version control"</a:t>
+            </a:r>
+            <a:endParaRPr lang="en-US" b="0" dirty="0">
+              <a:effectLst/>
+            </a:endParaRPr>
+          </a:p>
+          <a:p>
+            <a:pPr marL="171450" indent="-171450" rtl="0">
+              <a:buFont typeface="Arial" panose="020B0604020202020204" pitchFamily="34" charset="0"/>
+              <a:buChar char="•"/>
+            </a:pPr>
+            <a:r>
+              <a:rPr lang="en-US" sz="1200" b="0" i="0" u="none" strike="noStrike" kern="1200" dirty="0">
+                <a:solidFill>
+                  <a:schemeClr val="tx1"/>
+                </a:solidFill>
+                <a:effectLst/>
+                <a:latin typeface="+mn-lt"/>
+                <a:ea typeface="+mn-ea"/>
+                <a:cs typeface="+mn-cs"/>
+              </a:rPr>
+              <a:t>"Code commit formatting"</a:t>
+            </a:r>
+            <a:endParaRPr lang="en-US" b="0" dirty="0">
+              <a:effectLst/>
+            </a:endParaRPr>
+          </a:p>
+          <a:p>
+            <a:pPr marL="171450" indent="-171450" rtl="0">
+              <a:buFont typeface="Arial" panose="020B0604020202020204" pitchFamily="34" charset="0"/>
+              <a:buChar char="•"/>
+            </a:pPr>
+            <a:r>
+              <a:rPr lang="en-US" sz="1200" b="0" i="0" u="none" strike="noStrike" kern="1200" dirty="0">
+                <a:solidFill>
+                  <a:schemeClr val="tx1"/>
+                </a:solidFill>
+                <a:effectLst/>
+                <a:latin typeface="+mn-lt"/>
+                <a:ea typeface="+mn-ea"/>
+                <a:cs typeface="+mn-cs"/>
+              </a:rPr>
+              <a:t>"Docker for deployments"</a:t>
+            </a:r>
+            <a:endParaRPr lang="en-US" b="0" dirty="0">
+              <a:effectLst/>
+            </a:endParaRPr>
+          </a:p>
+          <a:p>
+            <a:pPr marL="171450" indent="-171450" rtl="0">
+              <a:buFont typeface="Arial" panose="020B0604020202020204" pitchFamily="34" charset="0"/>
+              <a:buChar char="•"/>
+            </a:pPr>
+            <a:r>
+              <a:rPr lang="en-US" sz="1200" b="0" i="0" u="none" strike="noStrike" kern="1200" dirty="0">
+                <a:solidFill>
+                  <a:schemeClr val="tx1"/>
+                </a:solidFill>
+                <a:effectLst/>
+                <a:latin typeface="+mn-lt"/>
+                <a:ea typeface="+mn-ea"/>
+                <a:cs typeface="+mn-cs"/>
+              </a:rPr>
+              <a:t>"Ansible for orchestration"</a:t>
+            </a:r>
+            <a:endParaRPr lang="en-US" b="0" dirty="0">
+              <a:effectLst/>
+            </a:endParaRPr>
+          </a:p>
+          <a:p>
+            <a:pPr marL="171450" indent="-171450" rtl="0">
+              <a:buFont typeface="Arial" panose="020B0604020202020204" pitchFamily="34" charset="0"/>
+              <a:buChar char="•"/>
+            </a:pPr>
+            <a:r>
+              <a:rPr lang="en-US" sz="1200" b="0" i="0" u="none" strike="noStrike" kern="1200" dirty="0">
+                <a:solidFill>
+                  <a:schemeClr val="tx1"/>
+                </a:solidFill>
+                <a:effectLst/>
+                <a:latin typeface="+mn-lt"/>
+                <a:ea typeface="+mn-ea"/>
+                <a:cs typeface="+mn-cs"/>
+              </a:rPr>
+              <a:t>"Vault for secret management"</a:t>
+            </a:r>
+            <a:endParaRPr lang="en-US" b="0" dirty="0">
+              <a:effectLst/>
+            </a:endParaRPr>
+          </a:p>
+          <a:p>
+            <a:pPr rtl="0"/>
+            <a:r>
+              <a:rPr lang="en-US" b="0" dirty="0">
+                <a:effectLst/>
+              </a:rPr>
+              <a:t/>
+            </a:r>
+            <a:br>
+              <a:rPr lang="en-US" b="0" dirty="0">
+                <a:effectLst/>
+              </a:rPr>
+            </a:br>
+            <a:r>
+              <a:rPr lang="en-US" sz="1200" b="0" i="0" u="none" strike="noStrike" kern="1200" dirty="0">
+                <a:solidFill>
+                  <a:schemeClr val="tx1"/>
+                </a:solidFill>
+                <a:effectLst/>
+                <a:latin typeface="+mn-lt"/>
+                <a:ea typeface="+mn-ea"/>
+                <a:cs typeface="+mn-cs"/>
+              </a:rPr>
+              <a:t>These were kept in a special repo on </a:t>
+            </a:r>
+            <a:r>
+              <a:rPr lang="en-US" sz="1200" b="0" i="0" u="none" strike="noStrike" kern="1200" dirty="0" err="1">
+                <a:solidFill>
+                  <a:schemeClr val="tx1"/>
+                </a:solidFill>
+                <a:effectLst/>
+                <a:latin typeface="+mn-lt"/>
+                <a:ea typeface="+mn-ea"/>
+                <a:cs typeface="+mn-cs"/>
+              </a:rPr>
+              <a:t>github</a:t>
+            </a:r>
+            <a:r>
+              <a:rPr lang="en-US" sz="1200" b="0" i="0" u="none" strike="noStrike" kern="1200" dirty="0">
+                <a:solidFill>
+                  <a:schemeClr val="tx1"/>
+                </a:solidFill>
+                <a:effectLst/>
+                <a:latin typeface="+mn-lt"/>
+                <a:ea typeface="+mn-ea"/>
+                <a:cs typeface="+mn-cs"/>
+              </a:rPr>
+              <a:t> that existed just for EA ADRs.</a:t>
+            </a:r>
+            <a:endParaRPr lang="en-US" b="0" dirty="0">
+              <a:effectLst/>
+            </a:endParaRPr>
+          </a:p>
+          <a:p>
+            <a:r>
+              <a:rPr lang="en-US" dirty="0"/>
+              <a:t/>
+            </a:r>
+            <a:br>
+              <a:rPr lang="en-US" dirty="0"/>
+            </a:br>
             <a:endParaRPr lang="en-US" b="0" dirty="0">
               <a:effectLst/>
             </a:endParaRPr>
@@ -4412,7 +4366,7 @@
     </p:spTree>
     <p:extLst>
       <p:ext uri="{BB962C8B-B14F-4D97-AF65-F5344CB8AC3E}">
-        <p14:creationId xmlns:p14="http://schemas.microsoft.com/office/powerpoint/2010/main" val="968950576"/>
+        <p14:creationId xmlns:p14="http://schemas.microsoft.com/office/powerpoint/2010/main" val="2053329460"/>
       </p:ext>
     </p:extLst>
   </p:cSld>
@@ -4482,20 +4436,23 @@
                 <a:ea typeface="+mn-ea"/>
                 <a:cs typeface="+mn-cs"/>
               </a:rPr>
-              <a:t>Has anyone heard of this? </a:t>
-            </a:r>
-            <a:r>
-              <a:rPr lang="en-US" sz="1200" b="0" i="0" u="none" strike="noStrike" kern="1200" dirty="0" err="1">
-                <a:solidFill>
-                  <a:schemeClr val="tx1"/>
-                </a:solidFill>
-                <a:effectLst/>
-                <a:latin typeface="+mn-lt"/>
-                <a:ea typeface="+mn-ea"/>
-                <a:cs typeface="+mn-cs"/>
-              </a:rPr>
-              <a:t>Thoughworks</a:t>
-            </a:r>
+              <a:t>For all types of ADRs, we used the Pull Request workflow, same as any regular code. </a:t>
+            </a:r>
+          </a:p>
+          <a:p>
+            <a:pPr rtl="0"/>
+            <a:endParaRPr lang="en-US" sz="1200" b="0" i="0" u="none" strike="noStrike" kern="1200" dirty="0">
+              <a:solidFill>
+                <a:schemeClr val="tx1"/>
+              </a:solidFill>
+              <a:effectLst/>
+              <a:latin typeface="+mn-lt"/>
+              <a:ea typeface="+mn-ea"/>
+              <a:cs typeface="+mn-cs"/>
+            </a:endParaRPr>
+          </a:p>
+          <a:p>
+            <a:pPr rtl="0"/>
             <a:r>
               <a:rPr lang="en-US" sz="1200" b="0" i="0" u="none" strike="noStrike" kern="1200" dirty="0">
                 <a:solidFill>
@@ -4506,7 +4463,50 @@
                 <a:ea typeface="+mn-ea"/>
                 <a:cs typeface="+mn-cs"/>
               </a:rPr>
-              <a:t> puts this together every six months based on what they are seeing in the marketplace. Technically, they are a competitor to my company, so maybe I shouldn’t be talking about this, but…</a:t>
+              <a:t>If you're not familiar with workflows like this, it's a common open source technique to review code that's "proposed" to be added to a codebase. Many enterprises have adopted this to add a layer of peer code review into their processes.</a:t>
+            </a:r>
+          </a:p>
+          <a:p>
+            <a:pPr rtl="0"/>
+            <a:endParaRPr lang="en-US" sz="1200" b="0" i="0" u="none" strike="noStrike" kern="1200" dirty="0">
+              <a:solidFill>
+                <a:schemeClr val="tx1"/>
+              </a:solidFill>
+              <a:effectLst/>
+              <a:latin typeface="+mn-lt"/>
+              <a:ea typeface="+mn-ea"/>
+              <a:cs typeface="+mn-cs"/>
+            </a:endParaRPr>
+          </a:p>
+          <a:p>
+            <a:pPr rtl="0"/>
+            <a:r>
+              <a:rPr lang="en-US" sz="1200" b="0" i="0" u="none" strike="noStrike" kern="1200" dirty="0">
+                <a:solidFill>
+                  <a:schemeClr val="tx1"/>
+                </a:solidFill>
+                <a:effectLst/>
+                <a:latin typeface="+mn-lt"/>
+                <a:ea typeface="+mn-ea"/>
+                <a:cs typeface="+mn-cs"/>
+              </a:rPr>
+              <a:t>A new ADR was proposed by opening a pull request, and conversation and comments added to the ADR. It was then "adopted' when it was discussed in the Architecture Guild (which we'll discuss later).</a:t>
+            </a:r>
+            <a:endParaRPr lang="en-US" b="0" dirty="0">
+              <a:effectLst/>
+            </a:endParaRPr>
+          </a:p>
+          <a:p>
+            <a:r>
+              <a:rPr lang="en-US" dirty="0"/>
+              <a:t/>
+            </a:r>
+            <a:br>
+              <a:rPr lang="en-US" dirty="0"/>
+            </a:br>
+            <a:r>
+              <a:rPr lang="en-US" dirty="0"/>
+              <a:t>If you aren’t using something like a pull request workflow for development, I highly recommend it. Maybe that can be your first ADR! </a:t>
             </a:r>
             <a:endParaRPr lang="en-US" b="0" dirty="0">
               <a:effectLst/>
@@ -4540,7 +4540,7 @@
     </p:spTree>
     <p:extLst>
       <p:ext uri="{BB962C8B-B14F-4D97-AF65-F5344CB8AC3E}">
-        <p14:creationId xmlns:p14="http://schemas.microsoft.com/office/powerpoint/2010/main" val="1680352294"/>
+        <p14:creationId xmlns:p14="http://schemas.microsoft.com/office/powerpoint/2010/main" val="2916679409"/>
       </p:ext>
     </p:extLst>
   </p:cSld>
@@ -4599,14 +4599,22 @@
           <a:bodyPr/>
           <a:lstStyle/>
           <a:p>
-            <a:r>
-              <a:rPr lang="en-US" dirty="0" err="1"/>
-              <a:t>Thoughtworks</a:t>
-            </a:r>
-            <a:r>
-              <a:rPr lang="en-US" dirty="0"/>
-              <a:t> has also moved ADRs into “Adopt” in their technology radar, so the idea of using ADRs is gaining momentum in the world.</a:t>
-            </a:r>
+            <a:pPr rtl="0"/>
+            <a:r>
+              <a:rPr lang="en-US" sz="1200" b="0" i="0" u="none" strike="noStrike" kern="1200" dirty="0">
+                <a:solidFill>
+                  <a:schemeClr val="tx1"/>
+                </a:solidFill>
+                <a:effectLst/>
+                <a:latin typeface="+mn-lt"/>
+                <a:ea typeface="+mn-ea"/>
+                <a:cs typeface="+mn-cs"/>
+              </a:rPr>
+              <a:t>ADRs proved to be a powerful tool that helped codify our decisions, and record them, which allowed them to be socialized much easier, and capturing the context behind the decisions helped us avoid problems that would have had us repeat mistakes of the past.</a:t>
+            </a:r>
+            <a:endParaRPr lang="en-US" b="0" dirty="0">
+              <a:effectLst/>
+            </a:endParaRPr>
           </a:p>
         </p:txBody>
       </p:sp>
@@ -4636,7 +4644,7 @@
     </p:spTree>
     <p:extLst>
       <p:ext uri="{BB962C8B-B14F-4D97-AF65-F5344CB8AC3E}">
-        <p14:creationId xmlns:p14="http://schemas.microsoft.com/office/powerpoint/2010/main" val="3741557715"/>
+        <p14:creationId xmlns:p14="http://schemas.microsoft.com/office/powerpoint/2010/main" val="968950576"/>
       </p:ext>
     </p:extLst>
   </p:cSld>
@@ -4695,7 +4703,46 @@
           <a:bodyPr/>
           <a:lstStyle/>
           <a:p>
-            <a:endParaRPr lang="en-US" dirty="0"/>
+            <a:pPr rtl="0"/>
+            <a:r>
+              <a:rPr lang="en-US" sz="1200" b="0" i="0" u="none" strike="noStrike" kern="1200" dirty="0">
+                <a:solidFill>
+                  <a:schemeClr val="tx1"/>
+                </a:solidFill>
+                <a:effectLst/>
+                <a:latin typeface="+mn-lt"/>
+                <a:ea typeface="+mn-ea"/>
+                <a:cs typeface="+mn-cs"/>
+              </a:rPr>
+              <a:t>Has anyone heard of this? </a:t>
+            </a:r>
+            <a:r>
+              <a:rPr lang="en-US" sz="1200" b="0" i="0" u="none" strike="noStrike" kern="1200" dirty="0" err="1">
+                <a:solidFill>
+                  <a:schemeClr val="tx1"/>
+                </a:solidFill>
+                <a:effectLst/>
+                <a:latin typeface="+mn-lt"/>
+                <a:ea typeface="+mn-ea"/>
+                <a:cs typeface="+mn-cs"/>
+              </a:rPr>
+              <a:t>Thoughworks</a:t>
+            </a:r>
+            <a:r>
+              <a:rPr lang="en-US" sz="1200" b="0" i="0" u="none" strike="noStrike" kern="1200" dirty="0">
+                <a:solidFill>
+                  <a:schemeClr val="tx1"/>
+                </a:solidFill>
+                <a:effectLst/>
+                <a:latin typeface="+mn-lt"/>
+                <a:ea typeface="+mn-ea"/>
+                <a:cs typeface="+mn-cs"/>
+              </a:rPr>
+              <a:t> puts this together every six months based on what they are seeing in the marketplace. Technically, they are a competitor to my company, so maybe I shouldn’t be talking about this, but…</a:t>
+            </a:r>
+            <a:endParaRPr lang="en-US" b="0" dirty="0">
+              <a:effectLst/>
+            </a:endParaRPr>
           </a:p>
         </p:txBody>
       </p:sp>
@@ -4725,7 +4772,7 @@
     </p:spTree>
     <p:extLst>
       <p:ext uri="{BB962C8B-B14F-4D97-AF65-F5344CB8AC3E}">
-        <p14:creationId xmlns:p14="http://schemas.microsoft.com/office/powerpoint/2010/main" val="1584262489"/>
+        <p14:creationId xmlns:p14="http://schemas.microsoft.com/office/powerpoint/2010/main" val="1680352294"/>
       </p:ext>
     </p:extLst>
   </p:cSld>
@@ -4784,18 +4831,13 @@
           <a:bodyPr/>
           <a:lstStyle/>
           <a:p>
-            <a:pPr rtl="0"/>
-            <a:r>
-              <a:rPr lang="en-US" sz="1200" b="0" i="0" u="none" strike="noStrike" kern="1200" dirty="0">
-                <a:solidFill>
-                  <a:schemeClr val="tx1"/>
-                </a:solidFill>
-                <a:effectLst/>
-                <a:latin typeface="+mn-lt"/>
-                <a:ea typeface="+mn-ea"/>
-                <a:cs typeface="+mn-cs"/>
-              </a:rPr>
-              <a:t>So, many have adopted new approaches for teams, </a:t>
+            <a:r>
+              <a:rPr lang="en-US" dirty="0" err="1"/>
+              <a:t>Thoughtworks</a:t>
+            </a:r>
+            <a:r>
+              <a:rPr lang="en-US" dirty="0"/>
+              <a:t> has also moved ADRs into “Adopt” in their technology radar, so the idea of using ADRs is gaining momentum in the world.</a:t>
             </a:r>
           </a:p>
         </p:txBody>
@@ -4826,7 +4868,7 @@
     </p:spTree>
     <p:extLst>
       <p:ext uri="{BB962C8B-B14F-4D97-AF65-F5344CB8AC3E}">
-        <p14:creationId xmlns:p14="http://schemas.microsoft.com/office/powerpoint/2010/main" val="2827517658"/>
+        <p14:creationId xmlns:p14="http://schemas.microsoft.com/office/powerpoint/2010/main" val="3741557715"/>
       </p:ext>
     </p:extLst>
   </p:cSld>
@@ -4885,19 +4927,7 @@
           <a:bodyPr/>
           <a:lstStyle/>
           <a:p>
-            <a:pPr rtl="0"/>
-            <a:r>
-              <a:rPr lang="en-US" sz="1200" b="0" i="0" u="none" strike="noStrike" kern="1200" dirty="0">
-                <a:solidFill>
-                  <a:schemeClr val="tx1"/>
-                </a:solidFill>
-                <a:effectLst/>
-                <a:latin typeface="+mn-lt"/>
-                <a:ea typeface="+mn-ea"/>
-                <a:cs typeface="+mn-cs"/>
-              </a:rPr>
-              <a:t>bringing together cross functional resources together on </a:t>
-            </a:r>
+            <a:endParaRPr lang="en-US" dirty="0"/>
           </a:p>
         </p:txBody>
       </p:sp>
@@ -4927,7 +4957,7 @@
     </p:spTree>
     <p:extLst>
       <p:ext uri="{BB962C8B-B14F-4D97-AF65-F5344CB8AC3E}">
-        <p14:creationId xmlns:p14="http://schemas.microsoft.com/office/powerpoint/2010/main" val="1767002629"/>
+        <p14:creationId xmlns:p14="http://schemas.microsoft.com/office/powerpoint/2010/main" val="1584262489"/>
       </p:ext>
     </p:extLst>
   </p:cSld>
@@ -4997,7 +5027,7 @@
                 <a:ea typeface="+mn-ea"/>
                 <a:cs typeface="+mn-cs"/>
               </a:rPr>
-              <a:t>two-pizza teams, and empowering them to solve real business problems, </a:t>
+              <a:t>So, many have adopted new approaches for teams, </a:t>
             </a:r>
           </a:p>
         </p:txBody>
@@ -5028,7 +5058,7 @@
     </p:spTree>
     <p:extLst>
       <p:ext uri="{BB962C8B-B14F-4D97-AF65-F5344CB8AC3E}">
-        <p14:creationId xmlns:p14="http://schemas.microsoft.com/office/powerpoint/2010/main" val="3167420653"/>
+        <p14:creationId xmlns:p14="http://schemas.microsoft.com/office/powerpoint/2010/main" val="2827517658"/>
       </p:ext>
     </p:extLst>
   </p:cSld>
@@ -5098,17 +5128,8 @@
                 <a:ea typeface="+mn-ea"/>
                 <a:cs typeface="+mn-cs"/>
               </a:rPr>
-              <a:t>and given them free reign to choose the best technologies to get the job done.</a:t>
-            </a:r>
-            <a:endParaRPr lang="en-US" b="0" dirty="0">
-              <a:effectLst/>
-            </a:endParaRPr>
-          </a:p>
-          <a:p>
-            <a:pPr rtl="0"/>
-            <a:endParaRPr lang="en-US" b="0" dirty="0">
-              <a:effectLst/>
-            </a:endParaRPr>
+              <a:t>bringing together cross functional resources together on </a:t>
+            </a:r>
           </a:p>
         </p:txBody>
       </p:sp>
@@ -5138,7 +5159,7 @@
     </p:spTree>
     <p:extLst>
       <p:ext uri="{BB962C8B-B14F-4D97-AF65-F5344CB8AC3E}">
-        <p14:creationId xmlns:p14="http://schemas.microsoft.com/office/powerpoint/2010/main" val="1389547021"/>
+        <p14:creationId xmlns:p14="http://schemas.microsoft.com/office/powerpoint/2010/main" val="1767002629"/>
       </p:ext>
     </p:extLst>
   </p:cSld>
@@ -5197,19 +5218,40 @@
           <a:bodyPr/>
           <a:lstStyle/>
           <a:p>
-            <a:r>
-              <a:rPr lang="en-US" sz="1200" b="0" i="0" u="none" strike="noStrike" kern="1200" dirty="0">
-                <a:solidFill>
-                  <a:schemeClr val="tx1"/>
-                </a:solidFill>
+            <a:pPr rtl="0"/>
+            <a:r>
+              <a:rPr lang="en-US" b="0" dirty="0" smtClean="0">
                 <a:effectLst/>
-                <a:latin typeface="+mn-lt"/>
-                <a:ea typeface="+mn-ea"/>
-                <a:cs typeface="+mn-cs"/>
               </a:rPr>
-              <a:t>These are the five techniques I'm going to cover in the rest of the presentation.</a:t>
-            </a:r>
-            <a:endParaRPr lang="en-US" dirty="0"/>
+              <a:t>As technology leaders, we are responsible for maintaining the health,</a:t>
+            </a:r>
+            <a:r>
+              <a:rPr lang="en-US" b="0" baseline="0" dirty="0" smtClean="0">
+                <a:effectLst/>
+              </a:rPr>
+              <a:t> welfare, and safety of the teams that work with us and the enterprise systems in general. </a:t>
+            </a:r>
+          </a:p>
+          <a:p>
+            <a:pPr rtl="0"/>
+            <a:endParaRPr lang="en-US" b="0" baseline="0" dirty="0" smtClean="0">
+              <a:effectLst/>
+            </a:endParaRPr>
+          </a:p>
+          <a:p>
+            <a:pPr rtl="0"/>
+            <a:r>
+              <a:rPr lang="en-US" b="0" baseline="0" dirty="0" smtClean="0">
+                <a:effectLst/>
+              </a:rPr>
+              <a:t>With decentralized decision making happing all around us, how to we provide some guard rails and a safety net to protect our teams (and our systems) from the dangers that are lurking out there. Because, make no mistake, they are lurking.</a:t>
+            </a:r>
+          </a:p>
+          <a:p>
+            <a:pPr rtl="0"/>
+            <a:endParaRPr lang="en-US" b="0" dirty="0">
+              <a:effectLst/>
+            </a:endParaRPr>
           </a:p>
         </p:txBody>
       </p:sp>
@@ -5239,7 +5281,7 @@
     </p:spTree>
     <p:extLst>
       <p:ext uri="{BB962C8B-B14F-4D97-AF65-F5344CB8AC3E}">
-        <p14:creationId xmlns:p14="http://schemas.microsoft.com/office/powerpoint/2010/main" val="1008440707"/>
+        <p14:creationId xmlns:p14="http://schemas.microsoft.com/office/powerpoint/2010/main" val="3513210799"/>
       </p:ext>
     </p:extLst>
   </p:cSld>
@@ -5309,70 +5351,8 @@
                 <a:ea typeface="+mn-ea"/>
                 <a:cs typeface="+mn-cs"/>
               </a:rPr>
-              <a:t>And the Enterprise Architects are sad; all of that time trying to build standardized approaches and processes with the appropriate governance around them.</a:t>
-            </a:r>
-          </a:p>
-          <a:p>
-            <a:pPr rtl="0"/>
-            <a:endParaRPr lang="en-US" sz="1200" b="0" i="0" u="none" strike="noStrike" kern="1200" dirty="0">
-              <a:solidFill>
-                <a:schemeClr val="tx1"/>
-              </a:solidFill>
-              <a:effectLst/>
-              <a:latin typeface="+mn-lt"/>
-              <a:ea typeface="+mn-ea"/>
-              <a:cs typeface="+mn-cs"/>
-            </a:endParaRPr>
-          </a:p>
-          <a:p>
-            <a:pPr rtl="0"/>
-            <a:r>
-              <a:rPr lang="en-US" sz="1200" b="0" i="0" u="none" strike="noStrike" kern="1200" dirty="0">
-                <a:solidFill>
-                  <a:schemeClr val="tx1"/>
-                </a:solidFill>
-                <a:effectLst/>
-                <a:latin typeface="+mn-lt"/>
-                <a:ea typeface="+mn-ea"/>
-                <a:cs typeface="+mn-cs"/>
-              </a:rPr>
-              <a:t>Obviously, every enterprise is different, and while this may not be the exact path you are on, there are likely similar challenges.</a:t>
-            </a:r>
-          </a:p>
-          <a:p>
-            <a:pPr rtl="0"/>
-            <a:endParaRPr lang="en-US" sz="1200" b="0" i="0" u="none" strike="noStrike" kern="1200" dirty="0">
-              <a:solidFill>
-                <a:schemeClr val="tx1"/>
-              </a:solidFill>
-              <a:effectLst/>
-              <a:latin typeface="+mn-lt"/>
-              <a:ea typeface="+mn-ea"/>
-              <a:cs typeface="+mn-cs"/>
-            </a:endParaRPr>
-          </a:p>
-          <a:p>
-            <a:pPr rtl="0"/>
-            <a:r>
-              <a:rPr lang="en-US" sz="1200" b="0" i="0" u="none" strike="noStrike" kern="1200" dirty="0">
-                <a:solidFill>
-                  <a:schemeClr val="tx1"/>
-                </a:solidFill>
-                <a:effectLst/>
-                <a:latin typeface="+mn-lt"/>
-                <a:ea typeface="+mn-ea"/>
-                <a:cs typeface="+mn-cs"/>
-              </a:rPr>
-              <a:t>How do we make sure this doesn't just devolve into chaos?</a:t>
-            </a:r>
-            <a:endParaRPr lang="en-US" b="0" dirty="0">
-              <a:effectLst/>
-            </a:endParaRPr>
-          </a:p>
-          <a:p>
-            <a:endParaRPr lang="en-US" b="0" dirty="0">
-              <a:effectLst/>
-            </a:endParaRPr>
+              <a:t>two-pizza teams, and empowering them to solve real business problems, </a:t>
+            </a:r>
           </a:p>
         </p:txBody>
       </p:sp>
@@ -5402,7 +5382,7 @@
     </p:spTree>
     <p:extLst>
       <p:ext uri="{BB962C8B-B14F-4D97-AF65-F5344CB8AC3E}">
-        <p14:creationId xmlns:p14="http://schemas.microsoft.com/office/powerpoint/2010/main" val="746295207"/>
+        <p14:creationId xmlns:p14="http://schemas.microsoft.com/office/powerpoint/2010/main" val="3167420653"/>
       </p:ext>
     </p:extLst>
   </p:cSld>
@@ -5472,8 +5452,14 @@
                 <a:ea typeface="+mn-ea"/>
                 <a:cs typeface="+mn-cs"/>
               </a:rPr>
-              <a:t>One approach that worked very well for me in the past was to co-opt these agile teams, and give them a hand in helping craft the overall Enterprise Architecture for the company. We did this by forming a "Guild", a concept inspired by the work that Spotify has done and publicized around how they build their org structure. </a:t>
-            </a:r>
+              <a:t>and given them free reign to choose the best technologies to get the job done.</a:t>
+            </a:r>
+            <a:endParaRPr lang="en-US" b="0" dirty="0">
+              <a:effectLst/>
+            </a:endParaRPr>
+          </a:p>
+          <a:p>
+            <a:pPr rtl="0"/>
             <a:endParaRPr lang="en-US" b="0" dirty="0">
               <a:effectLst/>
             </a:endParaRPr>
@@ -5506,7 +5492,7 @@
     </p:spTree>
     <p:extLst>
       <p:ext uri="{BB962C8B-B14F-4D97-AF65-F5344CB8AC3E}">
-        <p14:creationId xmlns:p14="http://schemas.microsoft.com/office/powerpoint/2010/main" val="1344664210"/>
+        <p14:creationId xmlns:p14="http://schemas.microsoft.com/office/powerpoint/2010/main" val="1389547021"/>
       </p:ext>
     </p:extLst>
   </p:cSld>
@@ -5576,8 +5562,67 @@
                 <a:ea typeface="+mn-ea"/>
                 <a:cs typeface="+mn-cs"/>
               </a:rPr>
-              <a:t>The guild was open to anyone that wanted to attend, which sometimes made for big meetings, but it tended to self-regulate. People that were really interested stuck around, those that had a passing interest or were just curious about what's going on tended to stop coming. </a:t>
-            </a:r>
+              <a:t>And the Enterprise Architects are sad; all of that time trying to build standardized approaches and processes with the appropriate governance around them.</a:t>
+            </a:r>
+          </a:p>
+          <a:p>
+            <a:pPr rtl="0"/>
+            <a:endParaRPr lang="en-US" sz="1200" b="0" i="0" u="none" strike="noStrike" kern="1200" dirty="0">
+              <a:solidFill>
+                <a:schemeClr val="tx1"/>
+              </a:solidFill>
+              <a:effectLst/>
+              <a:latin typeface="+mn-lt"/>
+              <a:ea typeface="+mn-ea"/>
+              <a:cs typeface="+mn-cs"/>
+            </a:endParaRPr>
+          </a:p>
+          <a:p>
+            <a:pPr rtl="0"/>
+            <a:r>
+              <a:rPr lang="en-US" sz="1200" b="0" i="0" u="none" strike="noStrike" kern="1200" dirty="0">
+                <a:solidFill>
+                  <a:schemeClr val="tx1"/>
+                </a:solidFill>
+                <a:effectLst/>
+                <a:latin typeface="+mn-lt"/>
+                <a:ea typeface="+mn-ea"/>
+                <a:cs typeface="+mn-cs"/>
+              </a:rPr>
+              <a:t>Obviously, every enterprise is different, and while this may not be the exact path you are on, there are likely similar challenges.</a:t>
+            </a:r>
+          </a:p>
+          <a:p>
+            <a:pPr rtl="0"/>
+            <a:endParaRPr lang="en-US" sz="1200" b="0" i="0" u="none" strike="noStrike" kern="1200" dirty="0">
+              <a:solidFill>
+                <a:schemeClr val="tx1"/>
+              </a:solidFill>
+              <a:effectLst/>
+              <a:latin typeface="+mn-lt"/>
+              <a:ea typeface="+mn-ea"/>
+              <a:cs typeface="+mn-cs"/>
+            </a:endParaRPr>
+          </a:p>
+          <a:p>
+            <a:pPr rtl="0"/>
+            <a:r>
+              <a:rPr lang="en-US" sz="1200" b="0" i="0" u="none" strike="noStrike" kern="1200" dirty="0">
+                <a:solidFill>
+                  <a:schemeClr val="tx1"/>
+                </a:solidFill>
+                <a:effectLst/>
+                <a:latin typeface="+mn-lt"/>
+                <a:ea typeface="+mn-ea"/>
+                <a:cs typeface="+mn-cs"/>
+              </a:rPr>
+              <a:t>How do we make sure this doesn't just devolve into chaos?</a:t>
+            </a:r>
+            <a:endParaRPr lang="en-US" b="0" dirty="0">
+              <a:effectLst/>
+            </a:endParaRPr>
+          </a:p>
+          <a:p>
             <a:endParaRPr lang="en-US" b="0" dirty="0">
               <a:effectLst/>
             </a:endParaRPr>
@@ -5610,7 +5655,7 @@
     </p:spTree>
     <p:extLst>
       <p:ext uri="{BB962C8B-B14F-4D97-AF65-F5344CB8AC3E}">
-        <p14:creationId xmlns:p14="http://schemas.microsoft.com/office/powerpoint/2010/main" val="2119572838"/>
+        <p14:creationId xmlns:p14="http://schemas.microsoft.com/office/powerpoint/2010/main" val="746295207"/>
       </p:ext>
     </p:extLst>
   </p:cSld>
@@ -5680,36 +5725,7 @@
                 <a:ea typeface="+mn-ea"/>
                 <a:cs typeface="+mn-cs"/>
               </a:rPr>
-              <a:t>Obviously, such a large group is an inefficient way to make decisions. But, it's a great group for lively discussions around topics where lots of people have passions.</a:t>
-            </a:r>
-            <a:endParaRPr lang="en-US" b="0" dirty="0">
-              <a:effectLst/>
-            </a:endParaRPr>
-          </a:p>
-          <a:p>
-            <a:pPr rtl="0"/>
-            <a:r>
-              <a:rPr lang="en-US" b="0" dirty="0">
-                <a:effectLst/>
-              </a:rPr>
-              <a:t/>
-            </a:r>
-            <a:br>
-              <a:rPr lang="en-US" b="0" dirty="0">
-                <a:effectLst/>
-              </a:rPr>
-            </a:br>
-            <a:r>
-              <a:rPr lang="en-US" sz="1200" b="0" i="0" u="none" strike="noStrike" kern="1200" dirty="0">
-                <a:solidFill>
-                  <a:schemeClr val="tx1"/>
-                </a:solidFill>
-                <a:effectLst/>
-                <a:latin typeface="+mn-lt"/>
-                <a:ea typeface="+mn-ea"/>
-                <a:cs typeface="+mn-cs"/>
-              </a:rPr>
-              <a:t>When it comes to actually making decisions, there were generally three paths:</a:t>
+              <a:t>One approach that worked very well for me in the past was to co-opt these agile teams, and give them a hand in helping craft the overall Enterprise Architecture for the company. We did this by forming a "Guild", a concept inspired by the work that Spotify has done and publicized around how they build their org structure. </a:t>
             </a:r>
             <a:endParaRPr lang="en-US" b="0" dirty="0">
               <a:effectLst/>
@@ -5743,7 +5759,7 @@
     </p:spTree>
     <p:extLst>
       <p:ext uri="{BB962C8B-B14F-4D97-AF65-F5344CB8AC3E}">
-        <p14:creationId xmlns:p14="http://schemas.microsoft.com/office/powerpoint/2010/main" val="3770503333"/>
+        <p14:creationId xmlns:p14="http://schemas.microsoft.com/office/powerpoint/2010/main" val="1344664210"/>
       </p:ext>
     </p:extLst>
   </p:cSld>
@@ -5802,7 +5818,7 @@
           <a:bodyPr/>
           <a:lstStyle/>
           <a:p>
-            <a:pPr rtl="0" fontAlgn="base"/>
+            <a:pPr rtl="0"/>
             <a:r>
               <a:rPr lang="en-US" sz="1200" b="0" i="0" u="none" strike="noStrike" kern="1200" dirty="0">
                 <a:solidFill>
@@ -5813,8 +5829,11 @@
                 <a:ea typeface="+mn-ea"/>
                 <a:cs typeface="+mn-cs"/>
               </a:rPr>
-              <a:t>A short term, tactical decision needs to be made. Identify 3-4 people who are passionate and task them with drafting an ADR to be presented back to the guild. If there is an obvious champion for this decision, appoint them to lead the group.</a:t>
-            </a:r>
+              <a:t>The guild was open to anyone that wanted to attend, which sometimes made for big meetings, but it tended to self-regulate. People that were really interested stuck around, those that had a passing interest or were just curious about what's going on tended to stop coming. </a:t>
+            </a:r>
+            <a:endParaRPr lang="en-US" b="0" dirty="0">
+              <a:effectLst/>
+            </a:endParaRPr>
           </a:p>
         </p:txBody>
       </p:sp>
@@ -5844,7 +5863,7 @@
     </p:spTree>
     <p:extLst>
       <p:ext uri="{BB962C8B-B14F-4D97-AF65-F5344CB8AC3E}">
-        <p14:creationId xmlns:p14="http://schemas.microsoft.com/office/powerpoint/2010/main" val="2462950210"/>
+        <p14:creationId xmlns:p14="http://schemas.microsoft.com/office/powerpoint/2010/main" val="2119572838"/>
       </p:ext>
     </p:extLst>
   </p:cSld>
@@ -5903,7 +5922,7 @@
           <a:bodyPr/>
           <a:lstStyle/>
           <a:p>
-            <a:pPr rtl="0" fontAlgn="base"/>
+            <a:pPr rtl="0"/>
             <a:r>
               <a:rPr lang="en-US" sz="1200" b="0" i="0" u="none" strike="noStrike" kern="1200" dirty="0">
                 <a:solidFill>
@@ -5914,8 +5933,40 @@
                 <a:ea typeface="+mn-ea"/>
                 <a:cs typeface="+mn-cs"/>
               </a:rPr>
-              <a:t>For longer term, strategic or structural decisions, identify a group of people (no more than 8-10) and create a short-term Special Interest Group. This SIG is tasked with researching, prototyping, spiking for whatever the topic is. These short-term SIGs will usually produce one or two deliverables. One, for sure, will be at least on ADR proposing a decisions (sometimes there are multiple ADRs that come out of one of these short-term SIGs). The other deliverable can be something like a reference implementation of a particular technology, something I'll discuss in more depth later.</a:t>
-            </a:r>
+              <a:t>Obviously, such a large group is an inefficient way to make decisions. But, it's a great group for lively discussions around topics where lots of people have passions.</a:t>
+            </a:r>
+            <a:endParaRPr lang="en-US" b="0" dirty="0">
+              <a:effectLst/>
+            </a:endParaRPr>
+          </a:p>
+          <a:p>
+            <a:pPr rtl="0"/>
+            <a:r>
+              <a:rPr lang="en-US" b="0" dirty="0">
+                <a:effectLst/>
+              </a:rPr>
+              <a:t/>
+            </a:r>
+            <a:br>
+              <a:rPr lang="en-US" b="0" dirty="0">
+                <a:effectLst/>
+              </a:rPr>
+            </a:br>
+            <a:r>
+              <a:rPr lang="en-US" sz="1200" b="0" i="0" u="none" strike="noStrike" kern="1200" dirty="0">
+                <a:solidFill>
+                  <a:schemeClr val="tx1"/>
+                </a:solidFill>
+                <a:effectLst/>
+                <a:latin typeface="+mn-lt"/>
+                <a:ea typeface="+mn-ea"/>
+                <a:cs typeface="+mn-cs"/>
+              </a:rPr>
+              <a:t>When it comes to actually making decisions, there were generally three paths:</a:t>
+            </a:r>
+            <a:endParaRPr lang="en-US" b="0" dirty="0">
+              <a:effectLst/>
+            </a:endParaRPr>
           </a:p>
         </p:txBody>
       </p:sp>
@@ -5945,7 +5996,7 @@
     </p:spTree>
     <p:extLst>
       <p:ext uri="{BB962C8B-B14F-4D97-AF65-F5344CB8AC3E}">
-        <p14:creationId xmlns:p14="http://schemas.microsoft.com/office/powerpoint/2010/main" val="2209803264"/>
+        <p14:creationId xmlns:p14="http://schemas.microsoft.com/office/powerpoint/2010/main" val="3770503333"/>
       </p:ext>
     </p:extLst>
   </p:cSld>
@@ -6015,7 +6066,7 @@
                 <a:ea typeface="+mn-ea"/>
                 <a:cs typeface="+mn-cs"/>
               </a:rPr>
-              <a:t>Long running SIGs around areas of interest; these usually ended up being around languages or practices, like a Java SIG, a Ruby SIG, a Database Development SIG, etc. If there was some decision that related to something where a SIG already existed, the decision was delegated to them. For example, how to handle Java upgrades with the recent changes Oracle has made to their long-term support model. Just like short-term SIGs, the deliverables would be ADRs or reference implementations. A special deliverable of these kinds of SIGs are things like code standards &amp; shared libraries. Yes, I believe you should argue tabs vs. spaces, and agree on standards that can be codified in linting tools that enforce those standards. And that's what these SIGs did, among other things.</a:t>
+              <a:t>A short term, tactical decision needs to be made. Identify 3-4 people who are passionate and task them with drafting an ADR to be presented back to the guild. If there is an obvious champion for this decision, appoint them to lead the group.</a:t>
             </a:r>
           </a:p>
         </p:txBody>
@@ -6046,7 +6097,7 @@
     </p:spTree>
     <p:extLst>
       <p:ext uri="{BB962C8B-B14F-4D97-AF65-F5344CB8AC3E}">
-        <p14:creationId xmlns:p14="http://schemas.microsoft.com/office/powerpoint/2010/main" val="3475272380"/>
+        <p14:creationId xmlns:p14="http://schemas.microsoft.com/office/powerpoint/2010/main" val="2462950210"/>
       </p:ext>
     </p:extLst>
   </p:cSld>
@@ -6105,7 +6156,7 @@
           <a:bodyPr/>
           <a:lstStyle/>
           <a:p>
-            <a:pPr rtl="0"/>
+            <a:pPr rtl="0" fontAlgn="base"/>
             <a:r>
               <a:rPr lang="en-US" sz="1200" b="0" i="0" u="none" strike="noStrike" kern="1200" dirty="0">
                 <a:solidFill>
@@ -6116,11 +6167,8 @@
                 <a:ea typeface="+mn-ea"/>
                 <a:cs typeface="+mn-cs"/>
               </a:rPr>
-              <a:t>These SIGs are great places to embed Enterprise Architecture folks, especially as it related to reference implementations. I'll talk about this more later, but this is a great opportunity for Enterprise Architects to jump back into the pool and swim around a bit, flexing those practitioner muscles.</a:t>
-            </a:r>
-            <a:endParaRPr lang="en-US" b="0" dirty="0">
-              <a:effectLst/>
-            </a:endParaRPr>
+              <a:t>For longer term, strategic or structural decisions, identify a group of people (no more than 8-10) and create a short-term Special Interest Group. This SIG is tasked with researching, prototyping, spiking for whatever the topic is. These short-term SIGs will usually produce one or two deliverables. One, for sure, will be at least on ADR proposing a decisions (sometimes there are multiple ADRs that come out of one of these short-term SIGs). The other deliverable can be something like a reference implementation of a particular technology, something I'll discuss in more depth later.</a:t>
+            </a:r>
           </a:p>
         </p:txBody>
       </p:sp>
@@ -6150,7 +6198,7 @@
     </p:spTree>
     <p:extLst>
       <p:ext uri="{BB962C8B-B14F-4D97-AF65-F5344CB8AC3E}">
-        <p14:creationId xmlns:p14="http://schemas.microsoft.com/office/powerpoint/2010/main" val="2038792693"/>
+        <p14:creationId xmlns:p14="http://schemas.microsoft.com/office/powerpoint/2010/main" val="2209803264"/>
       </p:ext>
     </p:extLst>
   </p:cSld>
@@ -6209,7 +6257,7 @@
           <a:bodyPr/>
           <a:lstStyle/>
           <a:p>
-            <a:pPr rtl="0"/>
+            <a:pPr rtl="0" fontAlgn="base"/>
             <a:r>
               <a:rPr lang="en-US" sz="1200" b="0" i="0" u="none" strike="noStrike" kern="1200" dirty="0">
                 <a:solidFill>
@@ -6220,11 +6268,8 @@
                 <a:ea typeface="+mn-ea"/>
                 <a:cs typeface="+mn-cs"/>
               </a:rPr>
-              <a:t>Instead of an "Architecture Review Board", architectural decisions were brought before the guild for discussion and adoption. The Guild had "high ranking" technology folks, so if it was ever necessary for someone to serve as a tiebreaker, they were there to do that. But it almost never came down to it. As I said earlier, people generally make good decisions, and when it comes down to it, people want the best for the company and the environment that they work in day-to-day.</a:t>
-            </a:r>
-            <a:endParaRPr lang="en-US" b="0" dirty="0">
-              <a:effectLst/>
-            </a:endParaRPr>
+              <a:t>Long running SIGs around areas of interest; these usually ended up being around languages or practices, like a Java SIG, a Ruby SIG, a Database Development SIG, etc. If there was some decision that related to something where a SIG already existed, the decision was delegated to them. For example, how to handle Java upgrades with the recent changes Oracle has made to their long-term support model. Just like short-term SIGs, the deliverables would be ADRs or reference implementations. A special deliverable of these kinds of SIGs are things like code standards &amp; shared libraries. Yes, I believe you should argue tabs vs. spaces, and agree on standards that can be codified in linting tools that enforce those standards. And that's what these SIGs did, among other things.</a:t>
+            </a:r>
           </a:p>
         </p:txBody>
       </p:sp>
@@ -6254,7 +6299,7 @@
     </p:spTree>
     <p:extLst>
       <p:ext uri="{BB962C8B-B14F-4D97-AF65-F5344CB8AC3E}">
-        <p14:creationId xmlns:p14="http://schemas.microsoft.com/office/powerpoint/2010/main" val="2728671387"/>
+        <p14:creationId xmlns:p14="http://schemas.microsoft.com/office/powerpoint/2010/main" val="3475272380"/>
       </p:ext>
     </p:extLst>
   </p:cSld>
@@ -6324,7 +6369,7 @@
                 <a:ea typeface="+mn-ea"/>
                 <a:cs typeface="+mn-cs"/>
               </a:rPr>
-              <a:t>The guild also served another important purpose. The participants really felt like they were helping form the Architecture for the Enterprise, and they became evangelists, spreading the word to their peers about the decisions that were being made. It wasn't a silver bullet to socialize decisions, but it helped a lot. The guild would also present on a regular basis at our "all-hands" meetings, covering important topics, new decisions, reminders of best practices, etc.</a:t>
+              <a:t>These SIGs are great places to embed Enterprise Architecture folks, especially as it related to reference implementations. I'll talk about this more later, but this is a great opportunity for Enterprise Architects to jump back into the pool and swim around a bit, flexing those practitioner muscles.</a:t>
             </a:r>
             <a:endParaRPr lang="en-US" b="0" dirty="0">
               <a:effectLst/>
@@ -6358,7 +6403,7 @@
     </p:spTree>
     <p:extLst>
       <p:ext uri="{BB962C8B-B14F-4D97-AF65-F5344CB8AC3E}">
-        <p14:creationId xmlns:p14="http://schemas.microsoft.com/office/powerpoint/2010/main" val="3948155629"/>
+        <p14:creationId xmlns:p14="http://schemas.microsoft.com/office/powerpoint/2010/main" val="2038792693"/>
       </p:ext>
     </p:extLst>
   </p:cSld>
@@ -6417,7 +6462,64 @@
           <a:bodyPr/>
           <a:lstStyle/>
           <a:p>
-            <a:endParaRPr lang="en-US" dirty="0"/>
+            <a:pPr rtl="0"/>
+            <a:r>
+              <a:rPr lang="en-US" b="0" dirty="0" smtClean="0">
+                <a:effectLst/>
+              </a:rPr>
+              <a:t>A quick example to illustrate the problem:</a:t>
+            </a:r>
+          </a:p>
+          <a:p>
+            <a:pPr rtl="0"/>
+            <a:endParaRPr lang="en-US" b="0" baseline="0" dirty="0" smtClean="0">
+              <a:effectLst/>
+            </a:endParaRPr>
+          </a:p>
+          <a:p>
+            <a:pPr rtl="0"/>
+            <a:r>
+              <a:rPr lang="en-US" b="0" baseline="0" dirty="0" smtClean="0">
+                <a:effectLst/>
+              </a:rPr>
+              <a:t>We had a team that decided that the best database to use was MongoDB. They talked to a guy on the ops side, who was super accommodating and set up something. They proceeded to build an application (with a tight deadline and large financial impact if we didn’t hit the deadline), and it worked great.</a:t>
+            </a:r>
+          </a:p>
+          <a:p>
+            <a:pPr rtl="0"/>
+            <a:endParaRPr lang="en-US" b="0" baseline="0" dirty="0" smtClean="0">
+              <a:effectLst/>
+            </a:endParaRPr>
+          </a:p>
+          <a:p>
+            <a:pPr rtl="0"/>
+            <a:r>
+              <a:rPr lang="en-US" b="0" baseline="0" dirty="0" smtClean="0">
+                <a:effectLst/>
+              </a:rPr>
+              <a:t>But when it was time to go into production, they hadn’t worked out all of the details with the ops team. They hadn’t socialized their decision properly, nor had they had any sort of “oversight” on their decision to use Mongo.</a:t>
+            </a:r>
+          </a:p>
+          <a:p>
+            <a:pPr rtl="0"/>
+            <a:endParaRPr lang="en-US" b="0" baseline="0" dirty="0" smtClean="0">
+              <a:effectLst/>
+            </a:endParaRPr>
+          </a:p>
+          <a:p>
+            <a:pPr rtl="0"/>
+            <a:r>
+              <a:rPr lang="en-US" b="0" baseline="0" dirty="0" smtClean="0">
+                <a:effectLst/>
+              </a:rPr>
+              <a:t>None of what they did was objectively wrong, but it surfaced a problem: How should we go about avoid stuff like this in the future? What techniques can we use to mitigate issues like this, while at the same time providing flexibility to the teams that are building things?</a:t>
+            </a:r>
+          </a:p>
+          <a:p>
+            <a:pPr rtl="0"/>
+            <a:endParaRPr lang="en-US" b="0" dirty="0">
+              <a:effectLst/>
+            </a:endParaRPr>
           </a:p>
         </p:txBody>
       </p:sp>
@@ -6447,7 +6549,7 @@
     </p:spTree>
     <p:extLst>
       <p:ext uri="{BB962C8B-B14F-4D97-AF65-F5344CB8AC3E}">
-        <p14:creationId xmlns:p14="http://schemas.microsoft.com/office/powerpoint/2010/main" val="541519740"/>
+        <p14:creationId xmlns:p14="http://schemas.microsoft.com/office/powerpoint/2010/main" val="2105163868"/>
       </p:ext>
     </p:extLst>
   </p:cSld>
@@ -6517,7 +6619,7 @@
                 <a:ea typeface="+mn-ea"/>
                 <a:cs typeface="+mn-cs"/>
               </a:rPr>
-              <a:t>Each guild meeting started with a set agenda</a:t>
+              <a:t>Instead of an "Architecture Review Board", architectural decisions were brought before the guild for discussion and adoption. The Guild had "high ranking" technology folks, so if it was ever necessary for someone to serve as a tiebreaker, they were there to do that. But it almost never came down to it. As I said earlier, people generally make good decisions, and when it comes down to it, people want the best for the company and the environment that they work in day-to-day.</a:t>
             </a:r>
             <a:endParaRPr lang="en-US" b="0" dirty="0">
               <a:effectLst/>
@@ -6551,7 +6653,7 @@
     </p:spTree>
     <p:extLst>
       <p:ext uri="{BB962C8B-B14F-4D97-AF65-F5344CB8AC3E}">
-        <p14:creationId xmlns:p14="http://schemas.microsoft.com/office/powerpoint/2010/main" val="1617754801"/>
+        <p14:creationId xmlns:p14="http://schemas.microsoft.com/office/powerpoint/2010/main" val="2728671387"/>
       </p:ext>
     </p:extLst>
   </p:cSld>
@@ -6621,34 +6723,7 @@
                 <a:ea typeface="+mn-ea"/>
                 <a:cs typeface="+mn-cs"/>
               </a:rPr>
-              <a:t>This open discussion time often proved to be the most interesting. Someone would bring up a topic that applied to the Guild, and there would be lively discussion and debate, often ending with action items delegated to an existing SIG, or the formation of a new, short-term SIG.</a:t>
-            </a:r>
-          </a:p>
-          <a:p>
-            <a:pPr rtl="0"/>
-            <a:endParaRPr lang="en-US" sz="1200" b="0" i="0" u="none" strike="noStrike" kern="1200" dirty="0">
-              <a:solidFill>
-                <a:schemeClr val="tx1"/>
-              </a:solidFill>
-              <a:effectLst/>
-              <a:latin typeface="+mn-lt"/>
-              <a:ea typeface="+mn-ea"/>
-              <a:cs typeface="+mn-cs"/>
-            </a:endParaRPr>
-          </a:p>
-          <a:p>
-            <a:pPr rtl="0"/>
-            <a:r>
-              <a:rPr lang="en-US" sz="1200" b="0" i="0" u="none" strike="noStrike" kern="1200" dirty="0">
-                <a:solidFill>
-                  <a:schemeClr val="tx1"/>
-                </a:solidFill>
-                <a:effectLst/>
-                <a:latin typeface="+mn-lt"/>
-                <a:ea typeface="+mn-ea"/>
-                <a:cs typeface="+mn-cs"/>
-              </a:rPr>
-              <a:t>All in all, the Enterprise Architecture guild proved to be a powerful tool to help bring some order to a potentially chaotic world.</a:t>
+              <a:t>The guild also served another important purpose. The participants really felt like they were helping form the Architecture for the Enterprise, and they became evangelists, spreading the word to their peers about the decisions that were being made. It wasn't a silver bullet to socialize decisions, but it helped a lot. The guild would also present on a regular basis at our "all-hands" meetings, covering important topics, new decisions, reminders of best practices, etc.</a:t>
             </a:r>
             <a:endParaRPr lang="en-US" b="0" dirty="0">
               <a:effectLst/>
@@ -6682,7 +6757,7 @@
     </p:spTree>
     <p:extLst>
       <p:ext uri="{BB962C8B-B14F-4D97-AF65-F5344CB8AC3E}">
-        <p14:creationId xmlns:p14="http://schemas.microsoft.com/office/powerpoint/2010/main" val="3097747324"/>
+        <p14:creationId xmlns:p14="http://schemas.microsoft.com/office/powerpoint/2010/main" val="3948155629"/>
       </p:ext>
     </p:extLst>
   </p:cSld>
@@ -6752,36 +6827,7 @@
                 <a:ea typeface="+mn-ea"/>
                 <a:cs typeface="+mn-cs"/>
               </a:rPr>
-              <a:t>As noted above, one of the jobs of the SIGs is to "create reference implementations". What does this mean?</a:t>
-            </a:r>
-            <a:endParaRPr lang="en-US" b="0" dirty="0">
-              <a:effectLst/>
-            </a:endParaRPr>
-          </a:p>
-          <a:p>
-            <a:pPr rtl="0"/>
-            <a:r>
-              <a:rPr lang="en-US" b="0" dirty="0">
-                <a:effectLst/>
-              </a:rPr>
-              <a:t/>
-            </a:r>
-            <a:br>
-              <a:rPr lang="en-US" b="0" dirty="0">
-                <a:effectLst/>
-              </a:rPr>
-            </a:br>
-            <a:r>
-              <a:rPr lang="en-US" sz="1200" b="0" i="0" u="none" strike="noStrike" kern="1200" dirty="0">
-                <a:solidFill>
-                  <a:schemeClr val="tx1"/>
-                </a:solidFill>
-                <a:effectLst/>
-                <a:latin typeface="+mn-lt"/>
-                <a:ea typeface="+mn-ea"/>
-                <a:cs typeface="+mn-cs"/>
-              </a:rPr>
-              <a:t>Here's an example, based on my experience.</a:t>
+              <a:t>Each guild meeting started with a set agenda</a:t>
             </a:r>
             <a:endParaRPr lang="en-US" b="0" dirty="0">
               <a:effectLst/>
@@ -6815,7 +6861,7 @@
     </p:spTree>
     <p:extLst>
       <p:ext uri="{BB962C8B-B14F-4D97-AF65-F5344CB8AC3E}">
-        <p14:creationId xmlns:p14="http://schemas.microsoft.com/office/powerpoint/2010/main" val="2031319328"/>
+        <p14:creationId xmlns:p14="http://schemas.microsoft.com/office/powerpoint/2010/main" val="1617754801"/>
       </p:ext>
     </p:extLst>
   </p:cSld>
@@ -6885,8 +6931,38 @@
                 <a:ea typeface="+mn-ea"/>
                 <a:cs typeface="+mn-cs"/>
               </a:rPr>
-              <a:t>A company I worked for had established Docker as our deployment platform (everything deployed is a container) with Vault for secret management, and Consul for service discovery and key/value store. There were a large number of Java developers, and their SIG had settled on Spring Boot as their preferred microservice platform. </a:t>
-            </a:r>
+              <a:t>This open discussion time often proved to be the most interesting. Someone would bring up a topic that applied to the Guild, and there would be lively discussion and debate, often ending with action items delegated to an existing SIG, or the formation of a new, short-term SIG.</a:t>
+            </a:r>
+          </a:p>
+          <a:p>
+            <a:pPr rtl="0"/>
+            <a:endParaRPr lang="en-US" sz="1200" b="0" i="0" u="none" strike="noStrike" kern="1200" dirty="0">
+              <a:solidFill>
+                <a:schemeClr val="tx1"/>
+              </a:solidFill>
+              <a:effectLst/>
+              <a:latin typeface="+mn-lt"/>
+              <a:ea typeface="+mn-ea"/>
+              <a:cs typeface="+mn-cs"/>
+            </a:endParaRPr>
+          </a:p>
+          <a:p>
+            <a:pPr rtl="0"/>
+            <a:r>
+              <a:rPr lang="en-US" sz="1200" b="0" i="0" u="none" strike="noStrike" kern="1200" dirty="0">
+                <a:solidFill>
+                  <a:schemeClr val="tx1"/>
+                </a:solidFill>
+                <a:effectLst/>
+                <a:latin typeface="+mn-lt"/>
+                <a:ea typeface="+mn-ea"/>
+                <a:cs typeface="+mn-cs"/>
+              </a:rPr>
+              <a:t>All in all, the Enterprise Architecture guild proved to be a powerful tool to help bring some order to a potentially chaotic world.</a:t>
+            </a:r>
+            <a:endParaRPr lang="en-US" b="0" dirty="0">
+              <a:effectLst/>
+            </a:endParaRPr>
           </a:p>
         </p:txBody>
       </p:sp>
@@ -6916,7 +6992,7 @@
     </p:spTree>
     <p:extLst>
       <p:ext uri="{BB962C8B-B14F-4D97-AF65-F5344CB8AC3E}">
-        <p14:creationId xmlns:p14="http://schemas.microsoft.com/office/powerpoint/2010/main" val="129386358"/>
+        <p14:creationId xmlns:p14="http://schemas.microsoft.com/office/powerpoint/2010/main" val="3097747324"/>
       </p:ext>
     </p:extLst>
   </p:cSld>
@@ -6986,19 +7062,39 @@
                 <a:ea typeface="+mn-ea"/>
                 <a:cs typeface="+mn-cs"/>
               </a:rPr>
-              <a:t>This is a complex environment, with many moving pieces, so that SIG worked together to create a "base" reference implementation that took care of wiring all of the proper pieces together. A greenfield project could "copy" the reference implementation, and get a bunch of stuff for "free", </a:t>
-            </a:r>
+              <a:t>As noted above, one of the jobs of the SIGs is to "create reference implementations". What does this mean?</a:t>
+            </a:r>
+            <a:endParaRPr lang="en-US" b="0" dirty="0">
+              <a:effectLst/>
+            </a:endParaRPr>
           </a:p>
           <a:p>
             <a:pPr rtl="0"/>
-            <a:endParaRPr lang="en-US" sz="1200" b="0" i="0" u="none" strike="noStrike" kern="1200" dirty="0">
-              <a:solidFill>
-                <a:schemeClr val="tx1"/>
-              </a:solidFill>
+            <a:r>
+              <a:rPr lang="en-US" b="0" dirty="0">
+                <a:effectLst/>
+              </a:rPr>
+              <a:t/>
+            </a:r>
+            <a:br>
+              <a:rPr lang="en-US" b="0" dirty="0">
+                <a:effectLst/>
+              </a:rPr>
+            </a:br>
+            <a:r>
+              <a:rPr lang="en-US" sz="1200" b="0" i="0" u="none" strike="noStrike" kern="1200" dirty="0">
+                <a:solidFill>
+                  <a:schemeClr val="tx1"/>
+                </a:solidFill>
+                <a:effectLst/>
+                <a:latin typeface="+mn-lt"/>
+                <a:ea typeface="+mn-ea"/>
+                <a:cs typeface="+mn-cs"/>
+              </a:rPr>
+              <a:t>Here's an example, based on my experience.</a:t>
+            </a:r>
+            <a:endParaRPr lang="en-US" b="0" dirty="0">
               <a:effectLst/>
-              <a:latin typeface="+mn-lt"/>
-              <a:ea typeface="+mn-ea"/>
-              <a:cs typeface="+mn-cs"/>
             </a:endParaRPr>
           </a:p>
         </p:txBody>
@@ -7029,7 +7125,7 @@
     </p:spTree>
     <p:extLst>
       <p:ext uri="{BB962C8B-B14F-4D97-AF65-F5344CB8AC3E}">
-        <p14:creationId xmlns:p14="http://schemas.microsoft.com/office/powerpoint/2010/main" val="1048343580"/>
+        <p14:creationId xmlns:p14="http://schemas.microsoft.com/office/powerpoint/2010/main" val="2031319328"/>
       </p:ext>
     </p:extLst>
   </p:cSld>
@@ -7099,35 +7195,8 @@
                 <a:ea typeface="+mn-ea"/>
                 <a:cs typeface="+mn-cs"/>
               </a:rPr>
-              <a:t>with all of the right things set up to take advantage of Vault &amp; Consul, as well as anything else defined as part of our approach to application development (linting rules, static code analysis, security, </a:t>
-            </a:r>
-            <a:r>
-              <a:rPr lang="en-US" sz="1200" b="0" i="0" u="none" strike="noStrike" kern="1200" dirty="0" err="1">
-                <a:solidFill>
-                  <a:schemeClr val="tx1"/>
-                </a:solidFill>
-                <a:effectLst/>
-                <a:latin typeface="+mn-lt"/>
-                <a:ea typeface="+mn-ea"/>
-                <a:cs typeface="+mn-cs"/>
-              </a:rPr>
-              <a:t>etc</a:t>
-            </a:r>
-            <a:r>
-              <a:rPr lang="en-US" sz="1200" b="0" i="0" u="none" strike="noStrike" kern="1200" dirty="0">
-                <a:solidFill>
-                  <a:schemeClr val="tx1"/>
-                </a:solidFill>
-                <a:effectLst/>
-                <a:latin typeface="+mn-lt"/>
-                <a:ea typeface="+mn-ea"/>
-                <a:cs typeface="+mn-cs"/>
-              </a:rPr>
-              <a:t>).</a:t>
-            </a:r>
-            <a:endParaRPr lang="en-US" b="0" dirty="0">
-              <a:effectLst/>
-            </a:endParaRPr>
+              <a:t>A company I worked for had established Docker as our deployment platform (everything deployed is a container) with Vault for secret management, and Consul for service discovery and key/value store. There were a large number of Java developers, and their SIG had settled on Spring Boot as their preferred microservice platform. </a:t>
+            </a:r>
           </a:p>
         </p:txBody>
       </p:sp>
@@ -7157,7 +7226,7 @@
     </p:spTree>
     <p:extLst>
       <p:ext uri="{BB962C8B-B14F-4D97-AF65-F5344CB8AC3E}">
-        <p14:creationId xmlns:p14="http://schemas.microsoft.com/office/powerpoint/2010/main" val="2004091050"/>
+        <p14:creationId xmlns:p14="http://schemas.microsoft.com/office/powerpoint/2010/main" val="129386358"/>
       </p:ext>
     </p:extLst>
   </p:cSld>
@@ -7217,8 +7286,29 @@
           <a:lstStyle/>
           <a:p>
             <a:pPr rtl="0"/>
-            <a:endParaRPr lang="en-US" b="0" dirty="0">
+            <a:r>
+              <a:rPr lang="en-US" sz="1200" b="0" i="0" u="none" strike="noStrike" kern="1200" dirty="0">
+                <a:solidFill>
+                  <a:schemeClr val="tx1"/>
+                </a:solidFill>
+                <a:effectLst/>
+                <a:latin typeface="+mn-lt"/>
+                <a:ea typeface="+mn-ea"/>
+                <a:cs typeface="+mn-cs"/>
+              </a:rPr>
+              <a:t>This is a complex environment, with many moving pieces, so that SIG worked together to create a "base" reference implementation that took care of wiring all of the proper pieces together. A greenfield project could "copy" the reference implementation, and get a bunch of stuff for "free", </a:t>
+            </a:r>
+          </a:p>
+          <a:p>
+            <a:pPr rtl="0"/>
+            <a:endParaRPr lang="en-US" sz="1200" b="0" i="0" u="none" strike="noStrike" kern="1200" dirty="0">
+              <a:solidFill>
+                <a:schemeClr val="tx1"/>
+              </a:solidFill>
               <a:effectLst/>
+              <a:latin typeface="+mn-lt"/>
+              <a:ea typeface="+mn-ea"/>
+              <a:cs typeface="+mn-cs"/>
             </a:endParaRPr>
           </a:p>
         </p:txBody>
@@ -7249,7 +7339,7 @@
     </p:spTree>
     <p:extLst>
       <p:ext uri="{BB962C8B-B14F-4D97-AF65-F5344CB8AC3E}">
-        <p14:creationId xmlns:p14="http://schemas.microsoft.com/office/powerpoint/2010/main" val="1902782798"/>
+        <p14:creationId xmlns:p14="http://schemas.microsoft.com/office/powerpoint/2010/main" val="1048343580"/>
       </p:ext>
     </p:extLst>
   </p:cSld>
@@ -7309,6 +7399,42 @@
           <a:lstStyle/>
           <a:p>
             <a:pPr rtl="0"/>
+            <a:r>
+              <a:rPr lang="en-US" sz="1200" b="0" i="0" u="none" strike="noStrike" kern="1200" dirty="0">
+                <a:solidFill>
+                  <a:schemeClr val="tx1"/>
+                </a:solidFill>
+                <a:effectLst/>
+                <a:latin typeface="+mn-lt"/>
+                <a:ea typeface="+mn-ea"/>
+                <a:cs typeface="+mn-cs"/>
+              </a:rPr>
+              <a:t>with all of the right things set up to take advantage of Vault &amp; Consul, as well as anything else defined as part of our approach to application development (linting rules, static code analysis, security, </a:t>
+            </a:r>
+            <a:r>
+              <a:rPr lang="en-US" sz="1200" b="0" i="0" u="none" strike="noStrike" kern="1200" dirty="0" err="1">
+                <a:solidFill>
+                  <a:schemeClr val="tx1"/>
+                </a:solidFill>
+                <a:effectLst/>
+                <a:latin typeface="+mn-lt"/>
+                <a:ea typeface="+mn-ea"/>
+                <a:cs typeface="+mn-cs"/>
+              </a:rPr>
+              <a:t>etc</a:t>
+            </a:r>
+            <a:r>
+              <a:rPr lang="en-US" sz="1200" b="0" i="0" u="none" strike="noStrike" kern="1200" dirty="0">
+                <a:solidFill>
+                  <a:schemeClr val="tx1"/>
+                </a:solidFill>
+                <a:effectLst/>
+                <a:latin typeface="+mn-lt"/>
+                <a:ea typeface="+mn-ea"/>
+                <a:cs typeface="+mn-cs"/>
+              </a:rPr>
+              <a:t>).</a:t>
+            </a:r>
             <a:endParaRPr lang="en-US" b="0" dirty="0">
               <a:effectLst/>
             </a:endParaRPr>
@@ -7341,7 +7467,7 @@
     </p:spTree>
     <p:extLst>
       <p:ext uri="{BB962C8B-B14F-4D97-AF65-F5344CB8AC3E}">
-        <p14:creationId xmlns:p14="http://schemas.microsoft.com/office/powerpoint/2010/main" val="2503517"/>
+        <p14:creationId xmlns:p14="http://schemas.microsoft.com/office/powerpoint/2010/main" val="2004091050"/>
       </p:ext>
     </p:extLst>
   </p:cSld>
@@ -7401,42 +7527,6 @@
           <a:lstStyle/>
           <a:p>
             <a:pPr rtl="0"/>
-            <a:r>
-              <a:rPr lang="en-US" sz="1200" b="0" i="0" u="none" strike="noStrike" kern="1200" dirty="0">
-                <a:solidFill>
-                  <a:schemeClr val="tx1"/>
-                </a:solidFill>
-                <a:effectLst/>
-                <a:latin typeface="+mn-lt"/>
-                <a:ea typeface="+mn-ea"/>
-                <a:cs typeface="+mn-cs"/>
-              </a:rPr>
-              <a:t>with all of the right things set up to take advantage of Vault &amp; Consul, as well as anything else defined as part of our approach to application development (linting rules, static code analysis, security, </a:t>
-            </a:r>
-            <a:r>
-              <a:rPr lang="en-US" sz="1200" b="0" i="0" u="none" strike="noStrike" kern="1200" dirty="0" err="1">
-                <a:solidFill>
-                  <a:schemeClr val="tx1"/>
-                </a:solidFill>
-                <a:effectLst/>
-                <a:latin typeface="+mn-lt"/>
-                <a:ea typeface="+mn-ea"/>
-                <a:cs typeface="+mn-cs"/>
-              </a:rPr>
-              <a:t>etc</a:t>
-            </a:r>
-            <a:r>
-              <a:rPr lang="en-US" sz="1200" b="0" i="0" u="none" strike="noStrike" kern="1200" dirty="0">
-                <a:solidFill>
-                  <a:schemeClr val="tx1"/>
-                </a:solidFill>
-                <a:effectLst/>
-                <a:latin typeface="+mn-lt"/>
-                <a:ea typeface="+mn-ea"/>
-                <a:cs typeface="+mn-cs"/>
-              </a:rPr>
-              <a:t>).</a:t>
-            </a:r>
             <a:endParaRPr lang="en-US" b="0" dirty="0">
               <a:effectLst/>
             </a:endParaRPr>
@@ -7469,7 +7559,7 @@
     </p:spTree>
     <p:extLst>
       <p:ext uri="{BB962C8B-B14F-4D97-AF65-F5344CB8AC3E}">
-        <p14:creationId xmlns:p14="http://schemas.microsoft.com/office/powerpoint/2010/main" val="3403602255"/>
+        <p14:creationId xmlns:p14="http://schemas.microsoft.com/office/powerpoint/2010/main" val="1902782798"/>
       </p:ext>
     </p:extLst>
   </p:cSld>
@@ -7561,7 +7651,7 @@
     </p:spTree>
     <p:extLst>
       <p:ext uri="{BB962C8B-B14F-4D97-AF65-F5344CB8AC3E}">
-        <p14:creationId xmlns:p14="http://schemas.microsoft.com/office/powerpoint/2010/main" val="2186857975"/>
+        <p14:creationId xmlns:p14="http://schemas.microsoft.com/office/powerpoint/2010/main" val="2503517"/>
       </p:ext>
     </p:extLst>
   </p:cSld>
@@ -7620,9 +7710,8 @@
           <a:bodyPr/>
           <a:lstStyle/>
           <a:p>
-            <a:pPr rtl="0"/>
-            <a:r>
-              <a:rPr lang="en-US" sz="1200" b="0" i="0" u="none" strike="noStrike" kern="1200" dirty="0">
+            <a:r>
+              <a:rPr lang="en-US" sz="1200" b="0" i="0" u="none" strike="noStrike" kern="1200" dirty="0" smtClean="0">
                 <a:solidFill>
                   <a:schemeClr val="tx1"/>
                 </a:solidFill>
@@ -7631,10 +7720,40 @@
                 <a:ea typeface="+mn-ea"/>
                 <a:cs typeface="+mn-cs"/>
               </a:rPr>
-              <a:t>As technologists, we make architectural decisions all of the time.</a:t>
-            </a:r>
-            <a:endParaRPr lang="en-US" b="0" dirty="0">
+              <a:t>Over time, we settled on several techniques</a:t>
+            </a:r>
+            <a:r>
+              <a:rPr lang="en-US" sz="1200" b="0" i="0" u="none" strike="noStrike" kern="1200" baseline="0" dirty="0" smtClean="0">
+                <a:solidFill>
+                  <a:schemeClr val="tx1"/>
+                </a:solidFill>
+                <a:effectLst/>
+                <a:latin typeface="+mn-lt"/>
+                <a:ea typeface="+mn-ea"/>
+                <a:cs typeface="+mn-cs"/>
+              </a:rPr>
+              <a:t> to help make, document, and socialize our architectural decisions, and today, I’m going to talk about 3 </a:t>
+            </a:r>
+            <a:r>
+              <a:rPr lang="en-US" sz="1200" b="0" i="0" u="none" strike="noStrike" kern="1200" baseline="0" smtClean="0">
+                <a:solidFill>
+                  <a:schemeClr val="tx1"/>
+                </a:solidFill>
+                <a:effectLst/>
+                <a:latin typeface="+mn-lt"/>
+                <a:ea typeface="+mn-ea"/>
+                <a:cs typeface="+mn-cs"/>
+              </a:rPr>
+              <a:t>of them</a:t>
+            </a:r>
+            <a:endParaRPr lang="en-US" sz="1200" b="0" i="0" u="none" strike="noStrike" kern="1200" baseline="0" dirty="0" smtClean="0">
+              <a:solidFill>
+                <a:schemeClr val="tx1"/>
+              </a:solidFill>
               <a:effectLst/>
+              <a:latin typeface="+mn-lt"/>
+              <a:ea typeface="+mn-ea"/>
+              <a:cs typeface="+mn-cs"/>
             </a:endParaRPr>
           </a:p>
         </p:txBody>
@@ -7665,7 +7784,7 @@
     </p:spTree>
     <p:extLst>
       <p:ext uri="{BB962C8B-B14F-4D97-AF65-F5344CB8AC3E}">
-        <p14:creationId xmlns:p14="http://schemas.microsoft.com/office/powerpoint/2010/main" val="857798328"/>
+        <p14:creationId xmlns:p14="http://schemas.microsoft.com/office/powerpoint/2010/main" val="1008440707"/>
       </p:ext>
     </p:extLst>
   </p:cSld>
@@ -7735,7 +7854,31 @@
                 <a:ea typeface="+mn-ea"/>
                 <a:cs typeface="+mn-cs"/>
               </a:rPr>
-              <a:t>In the real world, this reference implementation really did help accelerate our progress. Just like the best frameworks are opinionated, our reference implementation was opinionated -- it baked in the best opinions of the Enterprise Architecture Guild &amp; the Java SIG into a consumable unit, rather than those opinions only being expressed in ADRs or other documentation. Seeing the opinions expressed as a reference implementation is very powerful, and helps show how abstract ideas are made into concrete implementations.</a:t>
+              <a:t>with all of the right things set up to take advantage of Vault &amp; Consul, as well as anything else defined as part of our approach to application development (linting rules, static code analysis, security, </a:t>
+            </a:r>
+            <a:r>
+              <a:rPr lang="en-US" sz="1200" b="0" i="0" u="none" strike="noStrike" kern="1200" dirty="0" err="1">
+                <a:solidFill>
+                  <a:schemeClr val="tx1"/>
+                </a:solidFill>
+                <a:effectLst/>
+                <a:latin typeface="+mn-lt"/>
+                <a:ea typeface="+mn-ea"/>
+                <a:cs typeface="+mn-cs"/>
+              </a:rPr>
+              <a:t>etc</a:t>
+            </a:r>
+            <a:r>
+              <a:rPr lang="en-US" sz="1200" b="0" i="0" u="none" strike="noStrike" kern="1200" dirty="0">
+                <a:solidFill>
+                  <a:schemeClr val="tx1"/>
+                </a:solidFill>
+                <a:effectLst/>
+                <a:latin typeface="+mn-lt"/>
+                <a:ea typeface="+mn-ea"/>
+                <a:cs typeface="+mn-cs"/>
+              </a:rPr>
+              <a:t>).</a:t>
             </a:r>
             <a:endParaRPr lang="en-US" b="0" dirty="0">
               <a:effectLst/>
@@ -7769,7 +7912,7 @@
     </p:spTree>
     <p:extLst>
       <p:ext uri="{BB962C8B-B14F-4D97-AF65-F5344CB8AC3E}">
-        <p14:creationId xmlns:p14="http://schemas.microsoft.com/office/powerpoint/2010/main" val="3471781983"/>
+        <p14:creationId xmlns:p14="http://schemas.microsoft.com/office/powerpoint/2010/main" val="3403602255"/>
       </p:ext>
     </p:extLst>
   </p:cSld>
@@ -7829,18 +7972,6 @@
           <a:lstStyle/>
           <a:p>
             <a:pPr rtl="0"/>
-            <a:r>
-              <a:rPr lang="en-US" sz="1200" b="0" i="0" u="none" strike="noStrike" kern="1200" dirty="0">
-                <a:solidFill>
-                  <a:schemeClr val="tx1"/>
-                </a:solidFill>
-                <a:effectLst/>
-                <a:latin typeface="+mn-lt"/>
-                <a:ea typeface="+mn-ea"/>
-                <a:cs typeface="+mn-cs"/>
-              </a:rPr>
-              <a:t>At that company, we were also developing Node.js applications and Ruby/Rails applications, and reference implementations were created for those as well that expressed the same Docker-based concepts, but specific to those other languages.</a:t>
-            </a:r>
             <a:endParaRPr lang="en-US" b="0" dirty="0">
               <a:effectLst/>
             </a:endParaRPr>
@@ -7873,7 +8004,7 @@
     </p:spTree>
     <p:extLst>
       <p:ext uri="{BB962C8B-B14F-4D97-AF65-F5344CB8AC3E}">
-        <p14:creationId xmlns:p14="http://schemas.microsoft.com/office/powerpoint/2010/main" val="1328256726"/>
+        <p14:creationId xmlns:p14="http://schemas.microsoft.com/office/powerpoint/2010/main" val="2186857975"/>
       </p:ext>
     </p:extLst>
   </p:cSld>
@@ -7943,7 +8074,7 @@
                 <a:ea typeface="+mn-ea"/>
                 <a:cs typeface="+mn-cs"/>
               </a:rPr>
-              <a:t>If you begin building reference applications, there is an implicit commitment to maintaining them. As new standards emerge -- and they will -- these reference implementations need to be kept up to date so the opinions they express stay in line with the standards that evolving for the Enterprise.</a:t>
+              <a:t>In the real world, this reference implementation really did help accelerate our progress. Just like the best frameworks are opinionated, our reference implementation was opinionated -- it baked in the best opinions of the Enterprise Architecture Guild &amp; the Java SIG into a consumable unit, rather than those opinions only being expressed in ADRs or other documentation. Seeing the opinions expressed as a reference implementation is very powerful, and helps show how abstract ideas are made into concrete implementations.</a:t>
             </a:r>
             <a:endParaRPr lang="en-US" b="0" dirty="0">
               <a:effectLst/>
@@ -7977,7 +8108,7 @@
     </p:spTree>
     <p:extLst>
       <p:ext uri="{BB962C8B-B14F-4D97-AF65-F5344CB8AC3E}">
-        <p14:creationId xmlns:p14="http://schemas.microsoft.com/office/powerpoint/2010/main" val="103137459"/>
+        <p14:creationId xmlns:p14="http://schemas.microsoft.com/office/powerpoint/2010/main" val="3471781983"/>
       </p:ext>
     </p:extLst>
   </p:cSld>
@@ -8047,7 +8178,7 @@
                 <a:ea typeface="+mn-ea"/>
                 <a:cs typeface="+mn-cs"/>
               </a:rPr>
-              <a:t>But the benefits are well worth the cost of maintenance. Beyond serving as a kick start for new projects, and giving examples of standards in the form of actual code, these reference implementations serve as a way to guide people to follow the well-worn paths of those that have gone in front of them. In our environment, teams were allowed (pretty much) to choose to use the technology they wanted (with discussion &amp; agreement in the Guild first), but if someone wanted to build an application in Grails or Go, they would have to "invent" all of the solutions that were already baked into the reference applications to interact with the rest of the Enterprise. It wasn't an explicit deterrent, per-se, but it did tend to focus people's efforts in making the existing tech stacks more robust, rather than introducing new tech stacks. </a:t>
+              <a:t>At that company, we were also developing Node.js applications and Ruby/Rails applications, and reference implementations were created for those as well that expressed the same Docker-based concepts, but specific to those other languages.</a:t>
             </a:r>
             <a:endParaRPr lang="en-US" b="0" dirty="0">
               <a:effectLst/>
@@ -8081,7 +8212,7 @@
     </p:spTree>
     <p:extLst>
       <p:ext uri="{BB962C8B-B14F-4D97-AF65-F5344CB8AC3E}">
-        <p14:creationId xmlns:p14="http://schemas.microsoft.com/office/powerpoint/2010/main" val="731949884"/>
+        <p14:creationId xmlns:p14="http://schemas.microsoft.com/office/powerpoint/2010/main" val="1328256726"/>
       </p:ext>
     </p:extLst>
   </p:cSld>
@@ -8151,7 +8282,7 @@
                 <a:ea typeface="+mn-ea"/>
                 <a:cs typeface="+mn-cs"/>
               </a:rPr>
-              <a:t>A great technique for this is a "tracer bullet"; minimal functionality that exercises all of the seams between teams in a project. It doesn't have to be fully functional, but it does actually have to interact with each system that will be present in the final solution. Doing this early, as part of the project inception, gives the team a strong foundation to build on for the rest of the project, and it usually exposes things that weren't properly thought out (that can lead to ADRs for the project!).</a:t>
+              <a:t>If you begin building reference applications, there is an implicit commitment to maintaining them. As new standards emerge -- and they will -- these reference implementations need to be kept up to date so the opinions they express stay in line with the standards that evolving for the Enterprise.</a:t>
             </a:r>
             <a:endParaRPr lang="en-US" b="0" dirty="0">
               <a:effectLst/>
@@ -8185,7 +8316,7 @@
     </p:spTree>
     <p:extLst>
       <p:ext uri="{BB962C8B-B14F-4D97-AF65-F5344CB8AC3E}">
-        <p14:creationId xmlns:p14="http://schemas.microsoft.com/office/powerpoint/2010/main" val="4254838272"/>
+        <p14:creationId xmlns:p14="http://schemas.microsoft.com/office/powerpoint/2010/main" val="103137459"/>
       </p:ext>
     </p:extLst>
   </p:cSld>
@@ -8255,65 +8386,7 @@
                 <a:ea typeface="+mn-ea"/>
                 <a:cs typeface="+mn-cs"/>
               </a:rPr>
-              <a:t>As I said at the beginning, Enterprise Architecture is at a crossroads, especially in organizations which do a lot of custom software development. This may sounds like hyperbole, but I think the tensions between these new ways of doing things and the "traditional" approach to Enterprise Architecture are very real.</a:t>
-            </a:r>
-            <a:endParaRPr lang="en-US" b="0" dirty="0">
-              <a:effectLst/>
-            </a:endParaRPr>
-          </a:p>
-          <a:p>
-            <a:pPr rtl="0"/>
-            <a:r>
-              <a:rPr lang="en-US" b="0" dirty="0">
-                <a:effectLst/>
-              </a:rPr>
-              <a:t/>
-            </a:r>
-            <a:br>
-              <a:rPr lang="en-US" b="0" dirty="0">
-                <a:effectLst/>
-              </a:rPr>
-            </a:br>
-            <a:r>
-              <a:rPr lang="en-US" sz="1200" b="0" i="0" u="none" strike="noStrike" kern="1200" dirty="0">
-                <a:solidFill>
-                  <a:schemeClr val="tx1"/>
-                </a:solidFill>
-                <a:effectLst/>
-                <a:latin typeface="+mn-lt"/>
-                <a:ea typeface="+mn-ea"/>
-                <a:cs typeface="+mn-cs"/>
-              </a:rPr>
-              <a:t>I think that Enterprise Architecture professionals need to look at techniques like the ones I have presented here, and look to add them to their professional "toolbox". This doesn't mean abandoning "traditional" approaches. I'm suggesting an evolution, not a revolution. But change is going to be necessary, because the rest of technology is changing, whether we like it or not.</a:t>
-            </a:r>
-            <a:endParaRPr lang="en-US" b="0" dirty="0">
-              <a:effectLst/>
-            </a:endParaRPr>
-          </a:p>
-          <a:p>
-            <a:pPr rtl="0"/>
-            <a:r>
-              <a:rPr lang="en-US" b="0" dirty="0">
-                <a:effectLst/>
-              </a:rPr>
-              <a:t/>
-            </a:r>
-            <a:br>
-              <a:rPr lang="en-US" b="0" dirty="0">
-                <a:effectLst/>
-              </a:rPr>
-            </a:br>
-            <a:r>
-              <a:rPr lang="en-US" sz="1200" b="0" i="0" u="none" strike="noStrike" kern="1200" dirty="0">
-                <a:solidFill>
-                  <a:schemeClr val="tx1"/>
-                </a:solidFill>
-                <a:effectLst/>
-                <a:latin typeface="+mn-lt"/>
-                <a:ea typeface="+mn-ea"/>
-                <a:cs typeface="+mn-cs"/>
-              </a:rPr>
-              <a:t>Hopefully I've given you some idea to think about and maybe adopt. Thank you for your time!</a:t>
+              <a:t>But the benefits are well worth the cost of maintenance. Beyond serving as a kick start for new projects, and giving examples of standards in the form of actual code, these reference implementations serve as a way to guide people to follow the well-worn paths of those that have gone in front of them. In our environment, teams were allowed (pretty much) to choose to use the technology they wanted (with discussion &amp; agreement in the Guild first), but if someone wanted to build an application in Grails or Go, they would have to "invent" all of the solutions that were already baked into the reference applications to interact with the rest of the Enterprise. It wasn't an explicit deterrent, per-se, but it did tend to focus people's efforts in making the existing tech stacks more robust, rather than introducing new tech stacks. </a:t>
             </a:r>
             <a:endParaRPr lang="en-US" b="0" dirty="0">
               <a:effectLst/>
@@ -8347,7 +8420,7 @@
     </p:spTree>
     <p:extLst>
       <p:ext uri="{BB962C8B-B14F-4D97-AF65-F5344CB8AC3E}">
-        <p14:creationId xmlns:p14="http://schemas.microsoft.com/office/powerpoint/2010/main" val="2456180645"/>
+        <p14:creationId xmlns:p14="http://schemas.microsoft.com/office/powerpoint/2010/main" val="731949884"/>
       </p:ext>
     </p:extLst>
   </p:cSld>
@@ -8384,24 +8457,44 @@
             <p:ph type="sldImg"/>
           </p:nvPr>
         </p:nvSpPr>
+        <p:spPr>
+          <a:xfrm>
+            <a:off x="685800" y="1143000"/>
+            <a:ext cx="5486400" cy="3086100"/>
+          </a:xfrm>
+        </p:spPr>
+      </p:sp>
+      <p:sp>
+        <p:nvSpPr>
+          <p:cNvPr id="3" name="Notes Placeholder 2"/>
+          <p:cNvSpPr>
+            <a:spLocks noGrp="1"/>
+          </p:cNvSpPr>
+          <p:nvPr>
+            <p:ph type="body" idx="1"/>
+          </p:nvPr>
+        </p:nvSpPr>
         <p:spPr/>
-      </p:sp>
-      <p:sp>
-        <p:nvSpPr>
-          <p:cNvPr id="3" name="Notes Placeholder 2"/>
-          <p:cNvSpPr>
-            <a:spLocks noGrp="1"/>
-          </p:cNvSpPr>
-          <p:nvPr>
-            <p:ph type="body" idx="1"/>
-          </p:nvPr>
-        </p:nvSpPr>
-        <p:spPr/>
         <p:txBody>
           <a:bodyPr/>
           <a:lstStyle/>
           <a:p>
-            <a:endParaRPr lang="en-US" dirty="0"/>
+            <a:pPr rtl="0"/>
+            <a:r>
+              <a:rPr lang="en-US" sz="1200" b="0" i="0" u="none" strike="noStrike" kern="1200" dirty="0">
+                <a:solidFill>
+                  <a:schemeClr val="tx1"/>
+                </a:solidFill>
+                <a:effectLst/>
+                <a:latin typeface="+mn-lt"/>
+                <a:ea typeface="+mn-ea"/>
+                <a:cs typeface="+mn-cs"/>
+              </a:rPr>
+              <a:t>A great technique for this is a "tracer bullet"; minimal functionality that exercises all of the seams between teams in a project. It doesn't have to be fully functional, but it does actually have to interact with each system that will be present in the final solution. Doing this early, as part of the project inception, gives the team a strong foundation to build on for the rest of the project, and it usually exposes things that weren't properly thought out (that can lead to ADRs for the project!).</a:t>
+            </a:r>
+            <a:endParaRPr lang="en-US" b="0" dirty="0">
+              <a:effectLst/>
+            </a:endParaRPr>
           </a:p>
         </p:txBody>
       </p:sp>
@@ -8423,6 +8516,252 @@
             <a:fld id="{096F4AFB-61BD-1340-90B6-0FECED04B0A2}" type="slidenum">
               <a:rPr lang="en-US" smtClean="0"/>
               <a:t>66</a:t>
+            </a:fld>
+            <a:endParaRPr lang="en-US"/>
+          </a:p>
+        </p:txBody>
+      </p:sp>
+    </p:spTree>
+    <p:extLst>
+      <p:ext uri="{BB962C8B-B14F-4D97-AF65-F5344CB8AC3E}">
+        <p14:creationId xmlns:p14="http://schemas.microsoft.com/office/powerpoint/2010/main" val="4254838272"/>
+      </p:ext>
+    </p:extLst>
+  </p:cSld>
+  <p:clrMapOvr>
+    <a:masterClrMapping/>
+  </p:clrMapOvr>
+</p:notes>
+</file>
+
+<file path=ppt/notesSlides/notesSlide67.xml><?xml version="1.0" encoding="utf-8"?>
+<p:notes xmlns:a="http://schemas.openxmlformats.org/drawingml/2006/main" xmlns:r="http://schemas.openxmlformats.org/officeDocument/2006/relationships" xmlns:p="http://schemas.openxmlformats.org/presentationml/2006/main">
+  <p:cSld>
+    <p:spTree>
+      <p:nvGrpSpPr>
+        <p:cNvPr id="1" name=""/>
+        <p:cNvGrpSpPr/>
+        <p:nvPr/>
+      </p:nvGrpSpPr>
+      <p:grpSpPr>
+        <a:xfrm>
+          <a:off x="0" y="0"/>
+          <a:ext cx="0" cy="0"/>
+          <a:chOff x="0" y="0"/>
+          <a:chExt cx="0" cy="0"/>
+        </a:xfrm>
+      </p:grpSpPr>
+      <p:sp>
+        <p:nvSpPr>
+          <p:cNvPr id="2" name="Slide Image Placeholder 1"/>
+          <p:cNvSpPr>
+            <a:spLocks noGrp="1" noRot="1" noChangeAspect="1"/>
+          </p:cNvSpPr>
+          <p:nvPr>
+            <p:ph type="sldImg"/>
+          </p:nvPr>
+        </p:nvSpPr>
+        <p:spPr>
+          <a:xfrm>
+            <a:off x="685800" y="1143000"/>
+            <a:ext cx="5486400" cy="3086100"/>
+          </a:xfrm>
+        </p:spPr>
+      </p:sp>
+      <p:sp>
+        <p:nvSpPr>
+          <p:cNvPr id="3" name="Notes Placeholder 2"/>
+          <p:cNvSpPr>
+            <a:spLocks noGrp="1"/>
+          </p:cNvSpPr>
+          <p:nvPr>
+            <p:ph type="body" idx="1"/>
+          </p:nvPr>
+        </p:nvSpPr>
+        <p:spPr/>
+        <p:txBody>
+          <a:bodyPr/>
+          <a:lstStyle/>
+          <a:p>
+            <a:pPr rtl="0"/>
+            <a:r>
+              <a:rPr lang="en-US" sz="1200" b="0" i="0" u="none" strike="noStrike" kern="1200" dirty="0">
+                <a:solidFill>
+                  <a:schemeClr val="tx1"/>
+                </a:solidFill>
+                <a:effectLst/>
+                <a:latin typeface="+mn-lt"/>
+                <a:ea typeface="+mn-ea"/>
+                <a:cs typeface="+mn-cs"/>
+              </a:rPr>
+              <a:t>As I said at the beginning, Enterprise Architecture is at a crossroads, especially in organizations which do a lot of custom software development. This may sounds like hyperbole, but I think the tensions between these new ways of doing things and the "traditional" approach to Enterprise Architecture are very real.</a:t>
+            </a:r>
+            <a:endParaRPr lang="en-US" b="0" dirty="0">
+              <a:effectLst/>
+            </a:endParaRPr>
+          </a:p>
+          <a:p>
+            <a:pPr rtl="0"/>
+            <a:r>
+              <a:rPr lang="en-US" b="0" dirty="0">
+                <a:effectLst/>
+              </a:rPr>
+              <a:t/>
+            </a:r>
+            <a:br>
+              <a:rPr lang="en-US" b="0" dirty="0">
+                <a:effectLst/>
+              </a:rPr>
+            </a:br>
+            <a:r>
+              <a:rPr lang="en-US" sz="1200" b="0" i="0" u="none" strike="noStrike" kern="1200" dirty="0">
+                <a:solidFill>
+                  <a:schemeClr val="tx1"/>
+                </a:solidFill>
+                <a:effectLst/>
+                <a:latin typeface="+mn-lt"/>
+                <a:ea typeface="+mn-ea"/>
+                <a:cs typeface="+mn-cs"/>
+              </a:rPr>
+              <a:t>I think that Enterprise Architecture professionals need to look at techniques like the ones I have presented here, and look to add them to their professional "toolbox". This doesn't mean abandoning "traditional" approaches. I'm suggesting an evolution, not a revolution. But change is going to be necessary, because the rest of technology is changing, whether we like it or not.</a:t>
+            </a:r>
+            <a:endParaRPr lang="en-US" b="0" dirty="0">
+              <a:effectLst/>
+            </a:endParaRPr>
+          </a:p>
+          <a:p>
+            <a:pPr rtl="0"/>
+            <a:r>
+              <a:rPr lang="en-US" b="0" dirty="0">
+                <a:effectLst/>
+              </a:rPr>
+              <a:t/>
+            </a:r>
+            <a:br>
+              <a:rPr lang="en-US" b="0" dirty="0">
+                <a:effectLst/>
+              </a:rPr>
+            </a:br>
+            <a:r>
+              <a:rPr lang="en-US" sz="1200" b="0" i="0" u="none" strike="noStrike" kern="1200" dirty="0">
+                <a:solidFill>
+                  <a:schemeClr val="tx1"/>
+                </a:solidFill>
+                <a:effectLst/>
+                <a:latin typeface="+mn-lt"/>
+                <a:ea typeface="+mn-ea"/>
+                <a:cs typeface="+mn-cs"/>
+              </a:rPr>
+              <a:t>Hopefully I've given you some idea to think about and maybe adopt. Thank you for your time!</a:t>
+            </a:r>
+            <a:endParaRPr lang="en-US" b="0" dirty="0">
+              <a:effectLst/>
+            </a:endParaRPr>
+          </a:p>
+        </p:txBody>
+      </p:sp>
+      <p:sp>
+        <p:nvSpPr>
+          <p:cNvPr id="4" name="Slide Number Placeholder 3"/>
+          <p:cNvSpPr>
+            <a:spLocks noGrp="1"/>
+          </p:cNvSpPr>
+          <p:nvPr>
+            <p:ph type="sldNum" sz="quarter" idx="10"/>
+          </p:nvPr>
+        </p:nvSpPr>
+        <p:spPr/>
+        <p:txBody>
+          <a:bodyPr/>
+          <a:lstStyle/>
+          <a:p>
+            <a:fld id="{096F4AFB-61BD-1340-90B6-0FECED04B0A2}" type="slidenum">
+              <a:rPr lang="en-US" smtClean="0"/>
+              <a:t>67</a:t>
+            </a:fld>
+            <a:endParaRPr lang="en-US"/>
+          </a:p>
+        </p:txBody>
+      </p:sp>
+    </p:spTree>
+    <p:extLst>
+      <p:ext uri="{BB962C8B-B14F-4D97-AF65-F5344CB8AC3E}">
+        <p14:creationId xmlns:p14="http://schemas.microsoft.com/office/powerpoint/2010/main" val="2456180645"/>
+      </p:ext>
+    </p:extLst>
+  </p:cSld>
+  <p:clrMapOvr>
+    <a:masterClrMapping/>
+  </p:clrMapOvr>
+</p:notes>
+</file>
+
+<file path=ppt/notesSlides/notesSlide68.xml><?xml version="1.0" encoding="utf-8"?>
+<p:notes xmlns:a="http://schemas.openxmlformats.org/drawingml/2006/main" xmlns:r="http://schemas.openxmlformats.org/officeDocument/2006/relationships" xmlns:p="http://schemas.openxmlformats.org/presentationml/2006/main">
+  <p:cSld>
+    <p:spTree>
+      <p:nvGrpSpPr>
+        <p:cNvPr id="1" name=""/>
+        <p:cNvGrpSpPr/>
+        <p:nvPr/>
+      </p:nvGrpSpPr>
+      <p:grpSpPr>
+        <a:xfrm>
+          <a:off x="0" y="0"/>
+          <a:ext cx="0" cy="0"/>
+          <a:chOff x="0" y="0"/>
+          <a:chExt cx="0" cy="0"/>
+        </a:xfrm>
+      </p:grpSpPr>
+      <p:sp>
+        <p:nvSpPr>
+          <p:cNvPr id="2" name="Slide Image Placeholder 1"/>
+          <p:cNvSpPr>
+            <a:spLocks noGrp="1" noRot="1" noChangeAspect="1"/>
+          </p:cNvSpPr>
+          <p:nvPr>
+            <p:ph type="sldImg"/>
+          </p:nvPr>
+        </p:nvSpPr>
+        <p:spPr/>
+      </p:sp>
+      <p:sp>
+        <p:nvSpPr>
+          <p:cNvPr id="3" name="Notes Placeholder 2"/>
+          <p:cNvSpPr>
+            <a:spLocks noGrp="1"/>
+          </p:cNvSpPr>
+          <p:nvPr>
+            <p:ph type="body" idx="1"/>
+          </p:nvPr>
+        </p:nvSpPr>
+        <p:spPr/>
+        <p:txBody>
+          <a:bodyPr/>
+          <a:lstStyle/>
+          <a:p>
+            <a:endParaRPr lang="en-US" dirty="0"/>
+          </a:p>
+        </p:txBody>
+      </p:sp>
+      <p:sp>
+        <p:nvSpPr>
+          <p:cNvPr id="4" name="Slide Number Placeholder 3"/>
+          <p:cNvSpPr>
+            <a:spLocks noGrp="1"/>
+          </p:cNvSpPr>
+          <p:nvPr>
+            <p:ph type="sldNum" sz="quarter" idx="10"/>
+          </p:nvPr>
+        </p:nvSpPr>
+        <p:spPr/>
+        <p:txBody>
+          <a:bodyPr/>
+          <a:lstStyle/>
+          <a:p>
+            <a:fld id="{096F4AFB-61BD-1340-90B6-0FECED04B0A2}" type="slidenum">
+              <a:rPr lang="en-US" smtClean="0"/>
+              <a:t>68</a:t>
             </a:fld>
             <a:endParaRPr lang="en-US"/>
           </a:p>
@@ -8490,22 +8829,7 @@
           <a:bodyPr/>
           <a:lstStyle/>
           <a:p>
-            <a:pPr rtl="0"/>
-            <a:r>
-              <a:rPr lang="en-US" sz="1200" b="0" i="0" u="none" strike="noStrike" kern="1200" dirty="0">
-                <a:solidFill>
-                  <a:schemeClr val="tx1"/>
-                </a:solidFill>
-                <a:effectLst/>
-                <a:latin typeface="+mn-lt"/>
-                <a:ea typeface="+mn-ea"/>
-                <a:cs typeface="+mn-cs"/>
-              </a:rPr>
-              <a:t>But what we're not good at doing is:</a:t>
-            </a:r>
-            <a:endParaRPr lang="en-US" b="0" dirty="0">
-              <a:effectLst/>
-            </a:endParaRPr>
+            <a:endParaRPr lang="en-US" dirty="0"/>
           </a:p>
         </p:txBody>
       </p:sp>
@@ -8535,7 +8859,7 @@
     </p:spTree>
     <p:extLst>
       <p:ext uri="{BB962C8B-B14F-4D97-AF65-F5344CB8AC3E}">
-        <p14:creationId xmlns:p14="http://schemas.microsoft.com/office/powerpoint/2010/main" val="3513210799"/>
+        <p14:creationId xmlns:p14="http://schemas.microsoft.com/office/powerpoint/2010/main" val="541519740"/>
       </p:ext>
     </p:extLst>
   </p:cSld>
@@ -8594,9 +8918,9 @@
           <a:bodyPr/>
           <a:lstStyle/>
           <a:p>
-            <a:pPr rtl="0" fontAlgn="base"/>
-            <a:r>
-              <a:rPr lang="en-US" sz="1200" b="0" i="0" u="none" strike="noStrike" kern="1200" dirty="0">
+            <a:pPr rtl="0"/>
+            <a:r>
+              <a:rPr lang="en-US" sz="1800" b="0" i="0" u="none" strike="noStrike" kern="1200" dirty="0" smtClean="0">
                 <a:solidFill>
                   <a:schemeClr val="tx1"/>
                 </a:solidFill>
@@ -8605,8 +8929,11 @@
                 <a:ea typeface="+mn-ea"/>
                 <a:cs typeface="+mn-cs"/>
               </a:rPr>
-              <a:t>We're not good at socializing these decisions though the team/department (whoever participated in the discussion has the context, everyone else is out of luck!)</a:t>
-            </a:r>
+              <a:t>As technologists, we make architectural decisions all of the time.</a:t>
+            </a:r>
+            <a:endParaRPr lang="en-US" sz="1800" b="0" dirty="0">
+              <a:effectLst/>
+            </a:endParaRPr>
           </a:p>
         </p:txBody>
       </p:sp>
@@ -8636,7 +8963,7 @@
     </p:spTree>
     <p:extLst>
       <p:ext uri="{BB962C8B-B14F-4D97-AF65-F5344CB8AC3E}">
-        <p14:creationId xmlns:p14="http://schemas.microsoft.com/office/powerpoint/2010/main" val="586398168"/>
+        <p14:creationId xmlns:p14="http://schemas.microsoft.com/office/powerpoint/2010/main" val="1818125970"/>
       </p:ext>
     </p:extLst>
   </p:cSld>
@@ -8695,7 +9022,7 @@
           <a:bodyPr/>
           <a:lstStyle/>
           <a:p>
-            <a:pPr rtl="0" fontAlgn="base"/>
+            <a:pPr rtl="0"/>
             <a:r>
               <a:rPr lang="en-US" sz="1200" b="0" i="0" u="none" strike="noStrike" kern="1200" dirty="0">
                 <a:solidFill>
@@ -8706,8 +9033,11 @@
                 <a:ea typeface="+mn-ea"/>
                 <a:cs typeface="+mn-cs"/>
               </a:rPr>
-              <a:t>We're not good at recording the decisions, and more importantly, the *context* behind the decisions, in a way that our future selves (or anyone -- someone just joining the team, for example) can look back and understand *why* the decision was made and what the factors that went into the decision were. Most of these decisions are well thought out and carefully considered, taking in all the pros and cons of a given situation, but usually that context is lost forever.</a:t>
-            </a:r>
+              <a:t>But what we're not good at doing is:</a:t>
+            </a:r>
+            <a:endParaRPr lang="en-US" b="0" dirty="0">
+              <a:effectLst/>
+            </a:endParaRPr>
           </a:p>
         </p:txBody>
       </p:sp>
@@ -8737,7 +9067,7 @@
     </p:spTree>
     <p:extLst>
       <p:ext uri="{BB962C8B-B14F-4D97-AF65-F5344CB8AC3E}">
-        <p14:creationId xmlns:p14="http://schemas.microsoft.com/office/powerpoint/2010/main" val="3688112972"/>
+        <p14:creationId xmlns:p14="http://schemas.microsoft.com/office/powerpoint/2010/main" val="4287192826"/>
       </p:ext>
     </p:extLst>
   </p:cSld>
@@ -12175,14 +12505,7 @@
             <a:pPr algn="ctr"/>
             <a:r>
               <a:rPr lang="en-US" sz="6600" dirty="0"/>
-              <a:t>ADRs</a:t>
-            </a:r>
-            <a:br>
-              <a:rPr lang="en-US" sz="6600" dirty="0"/>
-            </a:br>
-            <a:r>
-              <a:rPr lang="en-US" dirty="0"/>
-              <a:t>(Architectural Decision Records)</a:t>
+              <a:t>Socializing Decisions</a:t>
             </a:r>
           </a:p>
         </p:txBody>
@@ -12190,7 +12513,7 @@
     </p:spTree>
     <p:extLst>
       <p:ext uri="{BB962C8B-B14F-4D97-AF65-F5344CB8AC3E}">
-        <p14:creationId xmlns:p14="http://schemas.microsoft.com/office/powerpoint/2010/main" val="3102692623"/>
+        <p14:creationId xmlns:p14="http://schemas.microsoft.com/office/powerpoint/2010/main" val="3686493113"/>
       </p:ext>
     </p:extLst>
   </p:cSld>
@@ -12256,7 +12579,7 @@
             <a:pPr algn="ctr"/>
             <a:r>
               <a:rPr lang="en-US" sz="6600" dirty="0"/>
-              <a:t>Aren’t well documented</a:t>
+              <a:t>Recording Decisions</a:t>
             </a:r>
           </a:p>
         </p:txBody>
@@ -12264,7 +12587,7 @@
     </p:spTree>
     <p:extLst>
       <p:ext uri="{BB962C8B-B14F-4D97-AF65-F5344CB8AC3E}">
-        <p14:creationId xmlns:p14="http://schemas.microsoft.com/office/powerpoint/2010/main" val="811570360"/>
+        <p14:creationId xmlns:p14="http://schemas.microsoft.com/office/powerpoint/2010/main" val="1063395003"/>
       </p:ext>
     </p:extLst>
   </p:cSld>
@@ -12330,14 +12653,14 @@
             <a:pPr algn="ctr"/>
             <a:r>
               <a:rPr lang="en-US" sz="6600" dirty="0"/>
-              <a:t>Wiki pages, where </a:t>
+              <a:t>ADRs</a:t>
             </a:r>
             <a:br>
               <a:rPr lang="en-US" sz="6600" dirty="0"/>
             </a:br>
             <a:r>
-              <a:rPr lang="en-US" sz="6600" dirty="0"/>
-              <a:t>documents go to die</a:t>
+              <a:rPr lang="en-US" dirty="0"/>
+              <a:t>(Architectural Decision Records)</a:t>
             </a:r>
           </a:p>
         </p:txBody>
@@ -12345,7 +12668,7 @@
     </p:spTree>
     <p:extLst>
       <p:ext uri="{BB962C8B-B14F-4D97-AF65-F5344CB8AC3E}">
-        <p14:creationId xmlns:p14="http://schemas.microsoft.com/office/powerpoint/2010/main" val="3661926223"/>
+        <p14:creationId xmlns:p14="http://schemas.microsoft.com/office/powerpoint/2010/main" val="3102692623"/>
       </p:ext>
     </p:extLst>
   </p:cSld>
@@ -12411,14 +12734,7 @@
             <a:pPr algn="ctr"/>
             <a:r>
               <a:rPr lang="en-US" sz="6600" dirty="0"/>
-              <a:t>Right in the codebase!</a:t>
-            </a:r>
-            <a:br>
-              <a:rPr lang="en-US" sz="6600" dirty="0"/>
-            </a:br>
-            <a:r>
-              <a:rPr lang="en-US" sz="6600" dirty="0"/>
-              <a:t>Brilliant!</a:t>
+              <a:t>Aren’t well documented</a:t>
             </a:r>
           </a:p>
         </p:txBody>
@@ -12426,7 +12742,7 @@
     </p:spTree>
     <p:extLst>
       <p:ext uri="{BB962C8B-B14F-4D97-AF65-F5344CB8AC3E}">
-        <p14:creationId xmlns:p14="http://schemas.microsoft.com/office/powerpoint/2010/main" val="4180238534"/>
+        <p14:creationId xmlns:p14="http://schemas.microsoft.com/office/powerpoint/2010/main" val="811570360"/>
       </p:ext>
     </p:extLst>
   </p:cSld>
@@ -12492,7 +12808,14 @@
             <a:pPr algn="ctr"/>
             <a:r>
               <a:rPr lang="en-US" sz="6600" dirty="0"/>
-              <a:t>But why?</a:t>
+              <a:t>Wiki pages, where </a:t>
+            </a:r>
+            <a:br>
+              <a:rPr lang="en-US" sz="6600" dirty="0"/>
+            </a:br>
+            <a:r>
+              <a:rPr lang="en-US" sz="6600" dirty="0"/>
+              <a:t>documents go to die</a:t>
             </a:r>
           </a:p>
         </p:txBody>
@@ -12500,7 +12823,7 @@
     </p:spTree>
     <p:extLst>
       <p:ext uri="{BB962C8B-B14F-4D97-AF65-F5344CB8AC3E}">
-        <p14:creationId xmlns:p14="http://schemas.microsoft.com/office/powerpoint/2010/main" val="2729767249"/>
+        <p14:creationId xmlns:p14="http://schemas.microsoft.com/office/powerpoint/2010/main" val="3661926223"/>
       </p:ext>
     </p:extLst>
   </p:cSld>
@@ -12537,92 +12860,43 @@
       </p:grpSpPr>
       <p:sp>
         <p:nvSpPr>
-          <p:cNvPr id="3" name="Cloud Callout 2">
+          <p:cNvPr id="2" name="Title 1">
             <a:extLst>
               <a:ext uri="{FF2B5EF4-FFF2-40B4-BE49-F238E27FC236}">
-                <a16:creationId xmlns:a16="http://schemas.microsoft.com/office/drawing/2014/main" id="{7B0C2E86-BFB8-3B43-9E70-BED3B80515CE}"/>
+                <a16:creationId xmlns:a16="http://schemas.microsoft.com/office/drawing/2014/main" id="{C409FD33-6233-7C49-9918-532E7EC05AB5}"/>
               </a:ext>
             </a:extLst>
           </p:cNvPr>
-          <p:cNvSpPr/>
-          <p:nvPr/>
+          <p:cNvSpPr>
+            <a:spLocks noGrp="1"/>
+          </p:cNvSpPr>
+          <p:nvPr>
+            <p:ph type="title"/>
+          </p:nvPr>
         </p:nvSpPr>
         <p:spPr>
           <a:xfrm>
-            <a:off x="1752600" y="1342106"/>
-            <a:ext cx="8686800" cy="3141407"/>
+            <a:off x="838200" y="2365324"/>
+            <a:ext cx="10515600" cy="2127352"/>
           </a:xfrm>
-          <a:prstGeom prst="cloudCallout">
-            <a:avLst>
-              <a:gd name="adj1" fmla="val 23649"/>
-              <a:gd name="adj2" fmla="val 68134"/>
-            </a:avLst>
-          </a:prstGeom>
         </p:spPr>
-        <p:style>
-          <a:lnRef idx="2">
-            <a:schemeClr val="accent1">
-              <a:shade val="50000"/>
-            </a:schemeClr>
-          </a:lnRef>
-          <a:fillRef idx="1">
-            <a:schemeClr val="accent1"/>
-          </a:fillRef>
-          <a:effectRef idx="0">
-            <a:schemeClr val="accent1"/>
-          </a:effectRef>
-          <a:fontRef idx="minor">
-            <a:schemeClr val="lt1"/>
-          </a:fontRef>
-        </p:style>
-        <p:txBody>
-          <a:bodyPr rot="0" spcFirstLastPara="0" vertOverflow="overflow" horzOverflow="overflow" vert="horz" wrap="square" lIns="91440" tIns="45720" rIns="91440" bIns="45720" numCol="1" spcCol="0" rtlCol="0" fromWordArt="0" anchor="ctr" anchorCtr="0" forceAA="0" compatLnSpc="1">
-            <a:prstTxWarp prst="textNoShape">
-              <a:avLst/>
-            </a:prstTxWarp>
+        <p:txBody>
+          <a:bodyPr>
             <a:noAutofit/>
           </a:bodyPr>
           <a:lstStyle/>
           <a:p>
             <a:pPr algn="ctr"/>
             <a:r>
-              <a:rPr lang="en-US" sz="6000" dirty="0"/>
-              <a:t>I’d like to make a change!</a:t>
-            </a:r>
-          </a:p>
-        </p:txBody>
-      </p:sp>
-      <p:sp>
-        <p:nvSpPr>
-          <p:cNvPr id="5" name="TextBox 4">
-            <a:extLst>
-              <a:ext uri="{FF2B5EF4-FFF2-40B4-BE49-F238E27FC236}">
-                <a16:creationId xmlns:a16="http://schemas.microsoft.com/office/drawing/2014/main" id="{DDD7DCB0-0102-1E40-9255-78A3A79886C6}"/>
-              </a:ext>
-            </a:extLst>
-          </p:cNvPr>
-          <p:cNvSpPr txBox="1"/>
-          <p:nvPr/>
-        </p:nvSpPr>
-        <p:spPr>
-          <a:xfrm>
-            <a:off x="7890388" y="5294672"/>
-            <a:ext cx="1338828" cy="1477328"/>
-          </a:xfrm>
-          <a:prstGeom prst="rect">
-            <a:avLst/>
-          </a:prstGeom>
-          <a:noFill/>
-        </p:spPr>
-        <p:txBody>
-          <a:bodyPr wrap="none" rtlCol="0">
-            <a:spAutoFit/>
-          </a:bodyPr>
-          <a:lstStyle/>
-          <a:p>
-            <a:r>
-              <a:rPr lang="en-US" sz="9000" dirty="0"/>
-              <a:t>🙋‍♀️</a:t>
+              <a:rPr lang="en-US" sz="6600" dirty="0"/>
+              <a:t>Right in the codebase!</a:t>
+            </a:r>
+            <a:br>
+              <a:rPr lang="en-US" sz="6600" dirty="0"/>
+            </a:br>
+            <a:r>
+              <a:rPr lang="en-US" sz="6600" dirty="0"/>
+              <a:t>Brilliant!</a:t>
             </a:r>
           </a:p>
         </p:txBody>
@@ -12630,7 +12904,7 @@
     </p:spTree>
     <p:extLst>
       <p:ext uri="{BB962C8B-B14F-4D97-AF65-F5344CB8AC3E}">
-        <p14:creationId xmlns:p14="http://schemas.microsoft.com/office/powerpoint/2010/main" val="467928843"/>
+        <p14:creationId xmlns:p14="http://schemas.microsoft.com/office/powerpoint/2010/main" val="4180238534"/>
       </p:ext>
     </p:extLst>
   </p:cSld>
@@ -12667,92 +12941,36 @@
       </p:grpSpPr>
       <p:sp>
         <p:nvSpPr>
-          <p:cNvPr id="3" name="Cloud Callout 2">
+          <p:cNvPr id="2" name="Title 1">
             <a:extLst>
               <a:ext uri="{FF2B5EF4-FFF2-40B4-BE49-F238E27FC236}">
-                <a16:creationId xmlns:a16="http://schemas.microsoft.com/office/drawing/2014/main" id="{7B0C2E86-BFB8-3B43-9E70-BED3B80515CE}"/>
+                <a16:creationId xmlns:a16="http://schemas.microsoft.com/office/drawing/2014/main" id="{C409FD33-6233-7C49-9918-532E7EC05AB5}"/>
               </a:ext>
             </a:extLst>
           </p:cNvPr>
-          <p:cNvSpPr/>
-          <p:nvPr/>
+          <p:cNvSpPr>
+            <a:spLocks noGrp="1"/>
+          </p:cNvSpPr>
+          <p:nvPr>
+            <p:ph type="title"/>
+          </p:nvPr>
         </p:nvSpPr>
         <p:spPr>
           <a:xfrm>
-            <a:off x="1752600" y="1342106"/>
-            <a:ext cx="8686800" cy="3141407"/>
+            <a:off x="838200" y="2365324"/>
+            <a:ext cx="10515600" cy="2127352"/>
           </a:xfrm>
-          <a:prstGeom prst="cloudCallout">
-            <a:avLst>
-              <a:gd name="adj1" fmla="val 23649"/>
-              <a:gd name="adj2" fmla="val 68134"/>
-            </a:avLst>
-          </a:prstGeom>
         </p:spPr>
-        <p:style>
-          <a:lnRef idx="2">
-            <a:schemeClr val="accent1">
-              <a:shade val="50000"/>
-            </a:schemeClr>
-          </a:lnRef>
-          <a:fillRef idx="1">
-            <a:schemeClr val="accent1"/>
-          </a:fillRef>
-          <a:effectRef idx="0">
-            <a:schemeClr val="accent1"/>
-          </a:effectRef>
-          <a:fontRef idx="minor">
-            <a:schemeClr val="lt1"/>
-          </a:fontRef>
-        </p:style>
-        <p:txBody>
-          <a:bodyPr rot="0" spcFirstLastPara="0" vertOverflow="overflow" horzOverflow="overflow" vert="horz" wrap="square" lIns="91440" tIns="45720" rIns="91440" bIns="45720" numCol="1" spcCol="0" rtlCol="0" fromWordArt="0" anchor="ctr" anchorCtr="0" forceAA="0" compatLnSpc="1">
-            <a:prstTxWarp prst="textNoShape">
-              <a:avLst/>
-            </a:prstTxWarp>
+        <p:txBody>
+          <a:bodyPr>
             <a:noAutofit/>
           </a:bodyPr>
           <a:lstStyle/>
           <a:p>
             <a:pPr algn="ctr"/>
             <a:r>
-              <a:rPr lang="en-US" sz="6000" dirty="0"/>
-              <a:t>Oh well, I guess they knew better</a:t>
-            </a:r>
-          </a:p>
-        </p:txBody>
-      </p:sp>
-      <p:sp>
-        <p:nvSpPr>
-          <p:cNvPr id="5" name="TextBox 4">
-            <a:extLst>
-              <a:ext uri="{FF2B5EF4-FFF2-40B4-BE49-F238E27FC236}">
-                <a16:creationId xmlns:a16="http://schemas.microsoft.com/office/drawing/2014/main" id="{6B72547F-225F-4540-B09C-B5CB422CAEF2}"/>
-              </a:ext>
-            </a:extLst>
-          </p:cNvPr>
-          <p:cNvSpPr txBox="1"/>
-          <p:nvPr/>
-        </p:nvSpPr>
-        <p:spPr>
-          <a:xfrm>
-            <a:off x="7890388" y="5294672"/>
-            <a:ext cx="1338828" cy="1477328"/>
-          </a:xfrm>
-          <a:prstGeom prst="rect">
-            <a:avLst/>
-          </a:prstGeom>
-          <a:noFill/>
-        </p:spPr>
-        <p:txBody>
-          <a:bodyPr wrap="none" rtlCol="0">
-            <a:spAutoFit/>
-          </a:bodyPr>
-          <a:lstStyle/>
-          <a:p>
-            <a:r>
-              <a:rPr lang="en-US" sz="9000" dirty="0"/>
-              <a:t>🤷‍♀️</a:t>
+              <a:rPr lang="en-US" sz="6600" dirty="0"/>
+              <a:t>But why?</a:t>
             </a:r>
           </a:p>
         </p:txBody>
@@ -12760,7 +12978,7 @@
     </p:spTree>
     <p:extLst>
       <p:ext uri="{BB962C8B-B14F-4D97-AF65-F5344CB8AC3E}">
-        <p14:creationId xmlns:p14="http://schemas.microsoft.com/office/powerpoint/2010/main" val="3684305724"/>
+        <p14:creationId xmlns:p14="http://schemas.microsoft.com/office/powerpoint/2010/main" val="2729767249"/>
       </p:ext>
     </p:extLst>
   </p:cSld>
@@ -12846,18 +13064,18 @@
           <a:p>
             <a:pPr algn="ctr"/>
             <a:r>
-              <a:rPr lang="en-US" sz="5800" dirty="0"/>
-              <a:t>I’ll just go ahead and change things!</a:t>
-            </a:r>
-          </a:p>
-        </p:txBody>
-      </p:sp>
-      <p:sp>
-        <p:nvSpPr>
-          <p:cNvPr id="4" name="TextBox 3">
+              <a:rPr lang="en-US" sz="6000" dirty="0"/>
+              <a:t>I’d like to make a change!</a:t>
+            </a:r>
+          </a:p>
+        </p:txBody>
+      </p:sp>
+      <p:sp>
+        <p:nvSpPr>
+          <p:cNvPr id="5" name="TextBox 4">
             <a:extLst>
               <a:ext uri="{FF2B5EF4-FFF2-40B4-BE49-F238E27FC236}">
-                <a16:creationId xmlns:a16="http://schemas.microsoft.com/office/drawing/2014/main" id="{F0764BCA-94A5-714F-887B-7AFD43E41D1C}"/>
+                <a16:creationId xmlns:a16="http://schemas.microsoft.com/office/drawing/2014/main" id="{DDD7DCB0-0102-1E40-9255-78A3A79886C6}"/>
               </a:ext>
             </a:extLst>
           </p:cNvPr>
@@ -12882,7 +13100,7 @@
           <a:p>
             <a:r>
               <a:rPr lang="en-US" sz="9000" dirty="0"/>
-              <a:t>💁‍♀️</a:t>
+              <a:t>🙋‍♀️</a:t>
             </a:r>
           </a:p>
         </p:txBody>
@@ -12890,7 +13108,7 @@
     </p:spTree>
     <p:extLst>
       <p:ext uri="{BB962C8B-B14F-4D97-AF65-F5344CB8AC3E}">
-        <p14:creationId xmlns:p14="http://schemas.microsoft.com/office/powerpoint/2010/main" val="1539446301"/>
+        <p14:creationId xmlns:p14="http://schemas.microsoft.com/office/powerpoint/2010/main" val="467928843"/>
       </p:ext>
     </p:extLst>
   </p:cSld>
@@ -12927,36 +13145,92 @@
       </p:grpSpPr>
       <p:sp>
         <p:nvSpPr>
-          <p:cNvPr id="2" name="Title 1">
+          <p:cNvPr id="3" name="Cloud Callout 2">
             <a:extLst>
               <a:ext uri="{FF2B5EF4-FFF2-40B4-BE49-F238E27FC236}">
-                <a16:creationId xmlns:a16="http://schemas.microsoft.com/office/drawing/2014/main" id="{C409FD33-6233-7C49-9918-532E7EC05AB5}"/>
+                <a16:creationId xmlns:a16="http://schemas.microsoft.com/office/drawing/2014/main" id="{7B0C2E86-BFB8-3B43-9E70-BED3B80515CE}"/>
               </a:ext>
             </a:extLst>
           </p:cNvPr>
-          <p:cNvSpPr>
-            <a:spLocks noGrp="1"/>
-          </p:cNvSpPr>
-          <p:nvPr>
-            <p:ph type="title"/>
-          </p:nvPr>
+          <p:cNvSpPr/>
+          <p:nvPr/>
         </p:nvSpPr>
         <p:spPr>
           <a:xfrm>
-            <a:off x="838200" y="2365324"/>
-            <a:ext cx="10515600" cy="2127352"/>
+            <a:off x="1752600" y="1342106"/>
+            <a:ext cx="8686800" cy="3141407"/>
           </a:xfrm>
+          <a:prstGeom prst="cloudCallout">
+            <a:avLst>
+              <a:gd name="adj1" fmla="val 23649"/>
+              <a:gd name="adj2" fmla="val 68134"/>
+            </a:avLst>
+          </a:prstGeom>
         </p:spPr>
-        <p:txBody>
-          <a:bodyPr>
+        <p:style>
+          <a:lnRef idx="2">
+            <a:schemeClr val="accent1">
+              <a:shade val="50000"/>
+            </a:schemeClr>
+          </a:lnRef>
+          <a:fillRef idx="1">
+            <a:schemeClr val="accent1"/>
+          </a:fillRef>
+          <a:effectRef idx="0">
+            <a:schemeClr val="accent1"/>
+          </a:effectRef>
+          <a:fontRef idx="minor">
+            <a:schemeClr val="lt1"/>
+          </a:fontRef>
+        </p:style>
+        <p:txBody>
+          <a:bodyPr rot="0" spcFirstLastPara="0" vertOverflow="overflow" horzOverflow="overflow" vert="horz" wrap="square" lIns="91440" tIns="45720" rIns="91440" bIns="45720" numCol="1" spcCol="0" rtlCol="0" fromWordArt="0" anchor="ctr" anchorCtr="0" forceAA="0" compatLnSpc="1">
+            <a:prstTxWarp prst="textNoShape">
+              <a:avLst/>
+            </a:prstTxWarp>
             <a:noAutofit/>
           </a:bodyPr>
           <a:lstStyle/>
           <a:p>
             <a:pPr algn="ctr"/>
             <a:r>
-              <a:rPr lang="en-US" sz="6600" dirty="0"/>
-              <a:t>Anatomy of an ADR</a:t>
+              <a:rPr lang="en-US" sz="6000" dirty="0"/>
+              <a:t>Oh well, I guess they knew better</a:t>
+            </a:r>
+          </a:p>
+        </p:txBody>
+      </p:sp>
+      <p:sp>
+        <p:nvSpPr>
+          <p:cNvPr id="5" name="TextBox 4">
+            <a:extLst>
+              <a:ext uri="{FF2B5EF4-FFF2-40B4-BE49-F238E27FC236}">
+                <a16:creationId xmlns:a16="http://schemas.microsoft.com/office/drawing/2014/main" id="{6B72547F-225F-4540-B09C-B5CB422CAEF2}"/>
+              </a:ext>
+            </a:extLst>
+          </p:cNvPr>
+          <p:cNvSpPr txBox="1"/>
+          <p:nvPr/>
+        </p:nvSpPr>
+        <p:spPr>
+          <a:xfrm>
+            <a:off x="7890388" y="5294672"/>
+            <a:ext cx="1338828" cy="1477328"/>
+          </a:xfrm>
+          <a:prstGeom prst="rect">
+            <a:avLst/>
+          </a:prstGeom>
+          <a:noFill/>
+        </p:spPr>
+        <p:txBody>
+          <a:bodyPr wrap="none" rtlCol="0">
+            <a:spAutoFit/>
+          </a:bodyPr>
+          <a:lstStyle/>
+          <a:p>
+            <a:r>
+              <a:rPr lang="en-US" sz="9000" dirty="0"/>
+              <a:t>🤷‍♀️</a:t>
             </a:r>
           </a:p>
         </p:txBody>
@@ -12964,7 +13238,7 @@
     </p:spTree>
     <p:extLst>
       <p:ext uri="{BB962C8B-B14F-4D97-AF65-F5344CB8AC3E}">
-        <p14:creationId xmlns:p14="http://schemas.microsoft.com/office/powerpoint/2010/main" val="2776764257"/>
+        <p14:creationId xmlns:p14="http://schemas.microsoft.com/office/powerpoint/2010/main" val="3684305724"/>
       </p:ext>
     </p:extLst>
   </p:cSld>
@@ -13001,53 +13275,67 @@
       </p:grpSpPr>
       <p:sp>
         <p:nvSpPr>
-          <p:cNvPr id="2" name="Title 1">
+          <p:cNvPr id="3" name="Cloud Callout 2">
             <a:extLst>
               <a:ext uri="{FF2B5EF4-FFF2-40B4-BE49-F238E27FC236}">
-                <a16:creationId xmlns:a16="http://schemas.microsoft.com/office/drawing/2014/main" id="{C409FD33-6233-7C49-9918-532E7EC05AB5}"/>
+                <a16:creationId xmlns:a16="http://schemas.microsoft.com/office/drawing/2014/main" id="{7B0C2E86-BFB8-3B43-9E70-BED3B80515CE}"/>
               </a:ext>
             </a:extLst>
           </p:cNvPr>
-          <p:cNvSpPr>
-            <a:spLocks noGrp="1"/>
-          </p:cNvSpPr>
-          <p:nvPr>
-            <p:ph type="title"/>
-          </p:nvPr>
+          <p:cNvSpPr/>
+          <p:nvPr/>
         </p:nvSpPr>
         <p:spPr>
           <a:xfrm>
-            <a:off x="838200" y="1893379"/>
-            <a:ext cx="10515600" cy="2127352"/>
+            <a:off x="1752600" y="1342106"/>
+            <a:ext cx="8686800" cy="3141407"/>
           </a:xfrm>
+          <a:prstGeom prst="cloudCallout">
+            <a:avLst>
+              <a:gd name="adj1" fmla="val 23649"/>
+              <a:gd name="adj2" fmla="val 68134"/>
+            </a:avLst>
+          </a:prstGeom>
         </p:spPr>
-        <p:txBody>
-          <a:bodyPr>
+        <p:style>
+          <a:lnRef idx="2">
+            <a:schemeClr val="accent1">
+              <a:shade val="50000"/>
+            </a:schemeClr>
+          </a:lnRef>
+          <a:fillRef idx="1">
+            <a:schemeClr val="accent1"/>
+          </a:fillRef>
+          <a:effectRef idx="0">
+            <a:schemeClr val="accent1"/>
+          </a:effectRef>
+          <a:fontRef idx="minor">
+            <a:schemeClr val="lt1"/>
+          </a:fontRef>
+        </p:style>
+        <p:txBody>
+          <a:bodyPr rot="0" spcFirstLastPara="0" vertOverflow="overflow" horzOverflow="overflow" vert="horz" wrap="square" lIns="91440" tIns="45720" rIns="91440" bIns="45720" numCol="1" spcCol="0" rtlCol="0" fromWordArt="0" anchor="ctr" anchorCtr="0" forceAA="0" compatLnSpc="1">
+            <a:prstTxWarp prst="textNoShape">
+              <a:avLst/>
+            </a:prstTxWarp>
             <a:noAutofit/>
           </a:bodyPr>
           <a:lstStyle/>
           <a:p>
             <a:pPr algn="ctr"/>
             <a:r>
-              <a:rPr lang="en-US" sz="6600" dirty="0"/>
-              <a:t>Text Document, </a:t>
-            </a:r>
-            <a:br>
-              <a:rPr lang="en-US" sz="6600" dirty="0"/>
-            </a:br>
-            <a:r>
-              <a:rPr lang="en-US" sz="6600" dirty="0"/>
-              <a:t>usually Markdown</a:t>
-            </a:r>
-          </a:p>
-        </p:txBody>
-      </p:sp>
-      <p:sp>
-        <p:nvSpPr>
-          <p:cNvPr id="3" name="TextBox 2">
+              <a:rPr lang="en-US" sz="5800" dirty="0"/>
+              <a:t>I’ll just go ahead and change things!</a:t>
+            </a:r>
+          </a:p>
+        </p:txBody>
+      </p:sp>
+      <p:sp>
+        <p:nvSpPr>
+          <p:cNvPr id="4" name="TextBox 3">
             <a:extLst>
               <a:ext uri="{FF2B5EF4-FFF2-40B4-BE49-F238E27FC236}">
-                <a16:creationId xmlns:a16="http://schemas.microsoft.com/office/drawing/2014/main" id="{A4732234-D900-C74D-83DF-C51BE77FB12B}"/>
+                <a16:creationId xmlns:a16="http://schemas.microsoft.com/office/drawing/2014/main" id="{F0764BCA-94A5-714F-887B-7AFD43E41D1C}"/>
               </a:ext>
             </a:extLst>
           </p:cNvPr>
@@ -13056,8 +13344,8 @@
         </p:nvSpPr>
         <p:spPr>
           <a:xfrm>
-            <a:off x="3922970" y="4129552"/>
-            <a:ext cx="4346062" cy="369332"/>
+            <a:off x="7890388" y="5294672"/>
+            <a:ext cx="1338828" cy="1477328"/>
           </a:xfrm>
           <a:prstGeom prst="rect">
             <a:avLst/>
@@ -13070,18 +13358,9 @@
           </a:bodyPr>
           <a:lstStyle/>
           <a:p>
-            <a:pPr algn="ctr"/>
-            <a:r>
-              <a:rPr lang="en-US" dirty="0"/>
-              <a:t>https://</a:t>
-            </a:r>
-            <a:r>
-              <a:rPr lang="en-US" dirty="0" err="1"/>
-              <a:t>daringfireball.net</a:t>
-            </a:r>
-            <a:r>
-              <a:rPr lang="en-US" dirty="0"/>
-              <a:t>/projects/markdown/</a:t>
+            <a:r>
+              <a:rPr lang="en-US" sz="9000" dirty="0"/>
+              <a:t>💁‍♀️</a:t>
             </a:r>
           </a:p>
         </p:txBody>
@@ -13089,7 +13368,7 @@
     </p:spTree>
     <p:extLst>
       <p:ext uri="{BB962C8B-B14F-4D97-AF65-F5344CB8AC3E}">
-        <p14:creationId xmlns:p14="http://schemas.microsoft.com/office/powerpoint/2010/main" val="1173407572"/>
+        <p14:creationId xmlns:p14="http://schemas.microsoft.com/office/powerpoint/2010/main" val="1539446301"/>
       </p:ext>
     </p:extLst>
   </p:cSld>
@@ -13423,7 +13702,7 @@
             <a:pPr algn="ctr"/>
             <a:r>
               <a:rPr lang="en-US" sz="6600" dirty="0"/>
-              <a:t>One ADR per file</a:t>
+              <a:t>Anatomy of an ADR</a:t>
             </a:r>
           </a:p>
         </p:txBody>
@@ -13431,7 +13710,7 @@
     </p:spTree>
     <p:extLst>
       <p:ext uri="{BB962C8B-B14F-4D97-AF65-F5344CB8AC3E}">
-        <p14:creationId xmlns:p14="http://schemas.microsoft.com/office/powerpoint/2010/main" val="1787201407"/>
+        <p14:creationId xmlns:p14="http://schemas.microsoft.com/office/powerpoint/2010/main" val="2776764257"/>
       </p:ext>
     </p:extLst>
   </p:cSld>
@@ -13484,6 +13763,205 @@
         </p:nvSpPr>
         <p:spPr>
           <a:xfrm>
+            <a:off x="838200" y="1893379"/>
+            <a:ext cx="10515600" cy="2127352"/>
+          </a:xfrm>
+        </p:spPr>
+        <p:txBody>
+          <a:bodyPr>
+            <a:noAutofit/>
+          </a:bodyPr>
+          <a:lstStyle/>
+          <a:p>
+            <a:pPr algn="ctr"/>
+            <a:r>
+              <a:rPr lang="en-US" sz="6600" dirty="0"/>
+              <a:t>Text Document, </a:t>
+            </a:r>
+            <a:br>
+              <a:rPr lang="en-US" sz="6600" dirty="0"/>
+            </a:br>
+            <a:r>
+              <a:rPr lang="en-US" sz="6600" dirty="0"/>
+              <a:t>usually Markdown</a:t>
+            </a:r>
+          </a:p>
+        </p:txBody>
+      </p:sp>
+      <p:sp>
+        <p:nvSpPr>
+          <p:cNvPr id="3" name="TextBox 2">
+            <a:extLst>
+              <a:ext uri="{FF2B5EF4-FFF2-40B4-BE49-F238E27FC236}">
+                <a16:creationId xmlns:a16="http://schemas.microsoft.com/office/drawing/2014/main" id="{A4732234-D900-C74D-83DF-C51BE77FB12B}"/>
+              </a:ext>
+            </a:extLst>
+          </p:cNvPr>
+          <p:cNvSpPr txBox="1"/>
+          <p:nvPr/>
+        </p:nvSpPr>
+        <p:spPr>
+          <a:xfrm>
+            <a:off x="3922970" y="4129552"/>
+            <a:ext cx="4346062" cy="369332"/>
+          </a:xfrm>
+          <a:prstGeom prst="rect">
+            <a:avLst/>
+          </a:prstGeom>
+          <a:noFill/>
+        </p:spPr>
+        <p:txBody>
+          <a:bodyPr wrap="none" rtlCol="0">
+            <a:spAutoFit/>
+          </a:bodyPr>
+          <a:lstStyle/>
+          <a:p>
+            <a:pPr algn="ctr"/>
+            <a:r>
+              <a:rPr lang="en-US" dirty="0"/>
+              <a:t>https://</a:t>
+            </a:r>
+            <a:r>
+              <a:rPr lang="en-US" dirty="0" err="1"/>
+              <a:t>daringfireball.net</a:t>
+            </a:r>
+            <a:r>
+              <a:rPr lang="en-US" dirty="0"/>
+              <a:t>/projects/markdown/</a:t>
+            </a:r>
+          </a:p>
+        </p:txBody>
+      </p:sp>
+    </p:spTree>
+    <p:extLst>
+      <p:ext uri="{BB962C8B-B14F-4D97-AF65-F5344CB8AC3E}">
+        <p14:creationId xmlns:p14="http://schemas.microsoft.com/office/powerpoint/2010/main" val="1173407572"/>
+      </p:ext>
+    </p:extLst>
+  </p:cSld>
+  <p:clrMapOvr>
+    <a:masterClrMapping/>
+  </p:clrMapOvr>
+</p:sld>
+</file>
+
+<file path=ppt/slides/slide22.xml><?xml version="1.0" encoding="utf-8"?>
+<p:sld xmlns:a="http://schemas.openxmlformats.org/drawingml/2006/main" xmlns:r="http://schemas.openxmlformats.org/officeDocument/2006/relationships" xmlns:p="http://schemas.openxmlformats.org/presentationml/2006/main">
+  <p:cSld>
+    <p:bg>
+      <p:bgPr>
+        <a:solidFill>
+          <a:schemeClr val="accent5"/>
+        </a:solidFill>
+        <a:effectLst/>
+      </p:bgPr>
+    </p:bg>
+    <p:spTree>
+      <p:nvGrpSpPr>
+        <p:cNvPr id="1" name=""/>
+        <p:cNvGrpSpPr/>
+        <p:nvPr/>
+      </p:nvGrpSpPr>
+      <p:grpSpPr>
+        <a:xfrm>
+          <a:off x="0" y="0"/>
+          <a:ext cx="0" cy="0"/>
+          <a:chOff x="0" y="0"/>
+          <a:chExt cx="0" cy="0"/>
+        </a:xfrm>
+      </p:grpSpPr>
+      <p:sp>
+        <p:nvSpPr>
+          <p:cNvPr id="2" name="Title 1">
+            <a:extLst>
+              <a:ext uri="{FF2B5EF4-FFF2-40B4-BE49-F238E27FC236}">
+                <a16:creationId xmlns:a16="http://schemas.microsoft.com/office/drawing/2014/main" id="{C409FD33-6233-7C49-9918-532E7EC05AB5}"/>
+              </a:ext>
+            </a:extLst>
+          </p:cNvPr>
+          <p:cNvSpPr>
+            <a:spLocks noGrp="1"/>
+          </p:cNvSpPr>
+          <p:nvPr>
+            <p:ph type="title"/>
+          </p:nvPr>
+        </p:nvSpPr>
+        <p:spPr>
+          <a:xfrm>
+            <a:off x="838200" y="2365324"/>
+            <a:ext cx="10515600" cy="2127352"/>
+          </a:xfrm>
+        </p:spPr>
+        <p:txBody>
+          <a:bodyPr>
+            <a:noAutofit/>
+          </a:bodyPr>
+          <a:lstStyle/>
+          <a:p>
+            <a:pPr algn="ctr"/>
+            <a:r>
+              <a:rPr lang="en-US" sz="6600" dirty="0"/>
+              <a:t>One ADR per file</a:t>
+            </a:r>
+          </a:p>
+        </p:txBody>
+      </p:sp>
+    </p:spTree>
+    <p:extLst>
+      <p:ext uri="{BB962C8B-B14F-4D97-AF65-F5344CB8AC3E}">
+        <p14:creationId xmlns:p14="http://schemas.microsoft.com/office/powerpoint/2010/main" val="1787201407"/>
+      </p:ext>
+    </p:extLst>
+  </p:cSld>
+  <p:clrMapOvr>
+    <a:masterClrMapping/>
+  </p:clrMapOvr>
+</p:sld>
+</file>
+
+<file path=ppt/slides/slide23.xml><?xml version="1.0" encoding="utf-8"?>
+<p:sld xmlns:a="http://schemas.openxmlformats.org/drawingml/2006/main" xmlns:r="http://schemas.openxmlformats.org/officeDocument/2006/relationships" xmlns:p="http://schemas.openxmlformats.org/presentationml/2006/main">
+  <p:cSld>
+    <p:bg>
+      <p:bgPr>
+        <a:solidFill>
+          <a:schemeClr val="accent5"/>
+        </a:solidFill>
+        <a:effectLst/>
+      </p:bgPr>
+    </p:bg>
+    <p:spTree>
+      <p:nvGrpSpPr>
+        <p:cNvPr id="1" name=""/>
+        <p:cNvGrpSpPr/>
+        <p:nvPr/>
+      </p:nvGrpSpPr>
+      <p:grpSpPr>
+        <a:xfrm>
+          <a:off x="0" y="0"/>
+          <a:ext cx="0" cy="0"/>
+          <a:chOff x="0" y="0"/>
+          <a:chExt cx="0" cy="0"/>
+        </a:xfrm>
+      </p:grpSpPr>
+      <p:sp>
+        <p:nvSpPr>
+          <p:cNvPr id="2" name="Title 1">
+            <a:extLst>
+              <a:ext uri="{FF2B5EF4-FFF2-40B4-BE49-F238E27FC236}">
+                <a16:creationId xmlns:a16="http://schemas.microsoft.com/office/drawing/2014/main" id="{C409FD33-6233-7C49-9918-532E7EC05AB5}"/>
+              </a:ext>
+            </a:extLst>
+          </p:cNvPr>
+          <p:cNvSpPr>
+            <a:spLocks noGrp="1"/>
+          </p:cNvSpPr>
+          <p:nvPr>
+            <p:ph type="title"/>
+          </p:nvPr>
+        </p:nvSpPr>
+        <p:spPr>
+          <a:xfrm>
             <a:off x="838200" y="2365324"/>
             <a:ext cx="10515600" cy="2127352"/>
           </a:xfrm>
@@ -13516,7 +13994,7 @@
 </p:sld>
 </file>
 
-<file path=ppt/slides/slide22.xml><?xml version="1.0" encoding="utf-8"?>
+<file path=ppt/slides/slide24.xml><?xml version="1.0" encoding="utf-8"?>
 <p:sld xmlns:a="http://schemas.openxmlformats.org/drawingml/2006/main" xmlns:r="http://schemas.openxmlformats.org/officeDocument/2006/relationships" xmlns:p="http://schemas.openxmlformats.org/presentationml/2006/main">
   <p:cSld>
     <p:spTree>
@@ -13627,7 +14105,7 @@
 </p:sld>
 </file>
 
-<file path=ppt/slides/slide23.xml><?xml version="1.0" encoding="utf-8"?>
+<file path=ppt/slides/slide25.xml><?xml version="1.0" encoding="utf-8"?>
 <p:sld xmlns:a="http://schemas.openxmlformats.org/drawingml/2006/main" xmlns:r="http://schemas.openxmlformats.org/officeDocument/2006/relationships" xmlns:p="http://schemas.openxmlformats.org/presentationml/2006/main">
   <p:cSld>
     <p:spTree>
@@ -13687,7 +14165,7 @@
 </p:sld>
 </file>
 
-<file path=ppt/slides/slide24.xml><?xml version="1.0" encoding="utf-8"?>
+<file path=ppt/slides/slide26.xml><?xml version="1.0" encoding="utf-8"?>
 <p:sld xmlns:a="http://schemas.openxmlformats.org/drawingml/2006/main" xmlns:r="http://schemas.openxmlformats.org/officeDocument/2006/relationships" xmlns:p="http://schemas.openxmlformats.org/presentationml/2006/main">
   <p:cSld>
     <p:spTree>
@@ -13869,7 +14347,7 @@
 </p:sld>
 </file>
 
-<file path=ppt/slides/slide25.xml><?xml version="1.0" encoding="utf-8"?>
+<file path=ppt/slides/slide27.xml><?xml version="1.0" encoding="utf-8"?>
 <p:sld xmlns:a="http://schemas.openxmlformats.org/drawingml/2006/main" xmlns:r="http://schemas.openxmlformats.org/officeDocument/2006/relationships" xmlns:p="http://schemas.openxmlformats.org/presentationml/2006/main">
   <p:cSld>
     <p:spTree>
@@ -14051,7 +14529,7 @@
 </p:sld>
 </file>
 
-<file path=ppt/slides/slide26.xml><?xml version="1.0" encoding="utf-8"?>
+<file path=ppt/slides/slide28.xml><?xml version="1.0" encoding="utf-8"?>
 <p:sld xmlns:a="http://schemas.openxmlformats.org/drawingml/2006/main" xmlns:r="http://schemas.openxmlformats.org/officeDocument/2006/relationships" xmlns:p="http://schemas.openxmlformats.org/presentationml/2006/main">
   <p:cSld>
     <p:spTree>
@@ -14233,7 +14711,7 @@
 </p:sld>
 </file>
 
-<file path=ppt/slides/slide27.xml><?xml version="1.0" encoding="utf-8"?>
+<file path=ppt/slides/slide29.xml><?xml version="1.0" encoding="utf-8"?>
 <p:sld xmlns:a="http://schemas.openxmlformats.org/drawingml/2006/main" xmlns:r="http://schemas.openxmlformats.org/officeDocument/2006/relationships" xmlns:p="http://schemas.openxmlformats.org/presentationml/2006/main">
   <p:cSld>
     <p:spTree>
@@ -14415,7 +14893,144 @@
 </p:sld>
 </file>
 
-<file path=ppt/slides/slide28.xml><?xml version="1.0" encoding="utf-8"?>
+<file path=ppt/slides/slide3.xml><?xml version="1.0" encoding="utf-8"?>
+<p:sld xmlns:a="http://schemas.openxmlformats.org/drawingml/2006/main" xmlns:r="http://schemas.openxmlformats.org/officeDocument/2006/relationships" xmlns:p="http://schemas.openxmlformats.org/presentationml/2006/main">
+  <p:cSld>
+    <p:bg>
+      <p:bgPr>
+        <a:solidFill>
+          <a:schemeClr val="accent2"/>
+        </a:solidFill>
+        <a:effectLst/>
+      </p:bgPr>
+    </p:bg>
+    <p:spTree>
+      <p:nvGrpSpPr>
+        <p:cNvPr id="1" name=""/>
+        <p:cNvGrpSpPr/>
+        <p:nvPr/>
+      </p:nvGrpSpPr>
+      <p:grpSpPr>
+        <a:xfrm>
+          <a:off x="0" y="0"/>
+          <a:ext cx="0" cy="0"/>
+          <a:chOff x="0" y="0"/>
+          <a:chExt cx="0" cy="0"/>
+        </a:xfrm>
+      </p:grpSpPr>
+      <p:sp>
+        <p:nvSpPr>
+          <p:cNvPr id="2" name="Title 1">
+            <a:extLst>
+              <a:ext uri="{FF2B5EF4-FFF2-40B4-BE49-F238E27FC236}">
+                <a16:creationId xmlns:a16="http://schemas.microsoft.com/office/drawing/2014/main" id="{13019D7B-05E2-A94D-B384-B2E628D4F6BF}"/>
+              </a:ext>
+            </a:extLst>
+          </p:cNvPr>
+          <p:cNvSpPr txBox="1">
+            <a:spLocks/>
+          </p:cNvSpPr>
+          <p:nvPr/>
+        </p:nvSpPr>
+        <p:spPr>
+          <a:xfrm>
+            <a:off x="970936" y="2208675"/>
+            <a:ext cx="10515600" cy="2127352"/>
+          </a:xfrm>
+          <a:prstGeom prst="rect">
+            <a:avLst/>
+          </a:prstGeom>
+        </p:spPr>
+        <p:txBody>
+          <a:bodyPr>
+            <a:noAutofit/>
+          </a:bodyPr>
+          <a:lstStyle>
+            <a:lvl1pPr algn="l" defTabSz="914400" rtl="0" eaLnBrk="1" latinLnBrk="0" hangingPunct="1">
+              <a:lnSpc>
+                <a:spcPct val="90000"/>
+              </a:lnSpc>
+              <a:spcBef>
+                <a:spcPct val="0"/>
+              </a:spcBef>
+              <a:buNone/>
+              <a:defRPr sz="4400" kern="1200">
+                <a:solidFill>
+                  <a:schemeClr val="tx1"/>
+                </a:solidFill>
+                <a:latin typeface="+mj-lt"/>
+                <a:ea typeface="+mj-ea"/>
+                <a:cs typeface="+mj-cs"/>
+              </a:defRPr>
+            </a:lvl1pPr>
+          </a:lstStyle>
+          <a:p>
+            <a:pPr algn="ctr"/>
+            <a:r>
+              <a:rPr lang="en-US" sz="6600" i="1" dirty="0">
+                <a:solidFill>
+                  <a:schemeClr val="bg1"/>
+                </a:solidFill>
+              </a:rPr>
+              <a:t>“May you live in interesting times”</a:t>
+            </a:r>
+          </a:p>
+        </p:txBody>
+      </p:sp>
+      <p:sp>
+        <p:nvSpPr>
+          <p:cNvPr id="3" name="TextBox 2">
+            <a:extLst>
+              <a:ext uri="{FF2B5EF4-FFF2-40B4-BE49-F238E27FC236}">
+                <a16:creationId xmlns:a16="http://schemas.microsoft.com/office/drawing/2014/main" id="{402C1612-915B-B94B-BDB8-275F12BDA1FD}"/>
+              </a:ext>
+            </a:extLst>
+          </p:cNvPr>
+          <p:cNvSpPr txBox="1"/>
+          <p:nvPr/>
+        </p:nvSpPr>
+        <p:spPr>
+          <a:xfrm>
+            <a:off x="2336004" y="4336028"/>
+            <a:ext cx="7170104" cy="461665"/>
+          </a:xfrm>
+          <a:prstGeom prst="rect">
+            <a:avLst/>
+          </a:prstGeom>
+          <a:noFill/>
+        </p:spPr>
+        <p:txBody>
+          <a:bodyPr wrap="none" rtlCol="0">
+            <a:spAutoFit/>
+          </a:bodyPr>
+          <a:lstStyle/>
+          <a:p>
+            <a:pPr algn="ctr"/>
+            <a:r>
+              <a:rPr lang="en-US" sz="2400" dirty="0">
+                <a:solidFill>
+                  <a:schemeClr val="bg1"/>
+                </a:solidFill>
+              </a:rPr>
+              <a:t>-- Not an ancient Chinese curse, according to Wikipedia</a:t>
+            </a:r>
+          </a:p>
+        </p:txBody>
+      </p:sp>
+    </p:spTree>
+    <p:extLst>
+      <p:ext uri="{BB962C8B-B14F-4D97-AF65-F5344CB8AC3E}">
+        <p14:creationId xmlns:p14="http://schemas.microsoft.com/office/powerpoint/2010/main" val="537927267"/>
+      </p:ext>
+    </p:extLst>
+  </p:cSld>
+  <p:clrMapOvr>
+    <a:masterClrMapping/>
+  </p:clrMapOvr>
+</p:sld>
+</file>
+
+<file path=ppt/slides/slide30.xml><?xml version="1.0" encoding="utf-8"?>
 <p:sld xmlns:a="http://schemas.openxmlformats.org/drawingml/2006/main" xmlns:r="http://schemas.openxmlformats.org/officeDocument/2006/relationships" xmlns:p="http://schemas.openxmlformats.org/presentationml/2006/main">
   <p:cSld>
     <p:spTree>
@@ -14597,7 +15212,7 @@
 </p:sld>
 </file>
 
-<file path=ppt/slides/slide29.xml><?xml version="1.0" encoding="utf-8"?>
+<file path=ppt/slides/slide31.xml><?xml version="1.0" encoding="utf-8"?>
 <p:sld xmlns:a="http://schemas.openxmlformats.org/drawingml/2006/main" xmlns:r="http://schemas.openxmlformats.org/officeDocument/2006/relationships" xmlns:p="http://schemas.openxmlformats.org/presentationml/2006/main">
   <p:cSld>
     <p:spTree>
@@ -14704,298 +15319,6 @@
 </p:sld>
 </file>
 
-<file path=ppt/slides/slide3.xml><?xml version="1.0" encoding="utf-8"?>
-<p:sld xmlns:a="http://schemas.openxmlformats.org/drawingml/2006/main" xmlns:r="http://schemas.openxmlformats.org/officeDocument/2006/relationships" xmlns:p="http://schemas.openxmlformats.org/presentationml/2006/main">
-  <p:cSld>
-    <p:bg>
-      <p:bgPr>
-        <a:solidFill>
-          <a:schemeClr val="accent2"/>
-        </a:solidFill>
-        <a:effectLst/>
-      </p:bgPr>
-    </p:bg>
-    <p:spTree>
-      <p:nvGrpSpPr>
-        <p:cNvPr id="1" name=""/>
-        <p:cNvGrpSpPr/>
-        <p:nvPr/>
-      </p:nvGrpSpPr>
-      <p:grpSpPr>
-        <a:xfrm>
-          <a:off x="0" y="0"/>
-          <a:ext cx="0" cy="0"/>
-          <a:chOff x="0" y="0"/>
-          <a:chExt cx="0" cy="0"/>
-        </a:xfrm>
-      </p:grpSpPr>
-      <p:sp>
-        <p:nvSpPr>
-          <p:cNvPr id="2" name="Title 1">
-            <a:extLst>
-              <a:ext uri="{FF2B5EF4-FFF2-40B4-BE49-F238E27FC236}">
-                <a16:creationId xmlns:a16="http://schemas.microsoft.com/office/drawing/2014/main" id="{13019D7B-05E2-A94D-B384-B2E628D4F6BF}"/>
-              </a:ext>
-            </a:extLst>
-          </p:cNvPr>
-          <p:cNvSpPr txBox="1">
-            <a:spLocks/>
-          </p:cNvSpPr>
-          <p:nvPr/>
-        </p:nvSpPr>
-        <p:spPr>
-          <a:xfrm>
-            <a:off x="970936" y="2208675"/>
-            <a:ext cx="10515600" cy="2127352"/>
-          </a:xfrm>
-          <a:prstGeom prst="rect">
-            <a:avLst/>
-          </a:prstGeom>
-        </p:spPr>
-        <p:txBody>
-          <a:bodyPr>
-            <a:noAutofit/>
-          </a:bodyPr>
-          <a:lstStyle>
-            <a:lvl1pPr algn="l" defTabSz="914400" rtl="0" eaLnBrk="1" latinLnBrk="0" hangingPunct="1">
-              <a:lnSpc>
-                <a:spcPct val="90000"/>
-              </a:lnSpc>
-              <a:spcBef>
-                <a:spcPct val="0"/>
-              </a:spcBef>
-              <a:buNone/>
-              <a:defRPr sz="4400" kern="1200">
-                <a:solidFill>
-                  <a:schemeClr val="tx1"/>
-                </a:solidFill>
-                <a:latin typeface="+mj-lt"/>
-                <a:ea typeface="+mj-ea"/>
-                <a:cs typeface="+mj-cs"/>
-              </a:defRPr>
-            </a:lvl1pPr>
-          </a:lstStyle>
-          <a:p>
-            <a:pPr algn="ctr"/>
-            <a:r>
-              <a:rPr lang="en-US" sz="6600" i="1" dirty="0">
-                <a:solidFill>
-                  <a:schemeClr val="bg1"/>
-                </a:solidFill>
-              </a:rPr>
-              <a:t>“May you live in interesting times”</a:t>
-            </a:r>
-          </a:p>
-        </p:txBody>
-      </p:sp>
-      <p:sp>
-        <p:nvSpPr>
-          <p:cNvPr id="3" name="TextBox 2">
-            <a:extLst>
-              <a:ext uri="{FF2B5EF4-FFF2-40B4-BE49-F238E27FC236}">
-                <a16:creationId xmlns:a16="http://schemas.microsoft.com/office/drawing/2014/main" id="{402C1612-915B-B94B-BDB8-275F12BDA1FD}"/>
-              </a:ext>
-            </a:extLst>
-          </p:cNvPr>
-          <p:cNvSpPr txBox="1"/>
-          <p:nvPr/>
-        </p:nvSpPr>
-        <p:spPr>
-          <a:xfrm>
-            <a:off x="2336004" y="4336028"/>
-            <a:ext cx="7170104" cy="461665"/>
-          </a:xfrm>
-          <a:prstGeom prst="rect">
-            <a:avLst/>
-          </a:prstGeom>
-          <a:noFill/>
-        </p:spPr>
-        <p:txBody>
-          <a:bodyPr wrap="none" rtlCol="0">
-            <a:spAutoFit/>
-          </a:bodyPr>
-          <a:lstStyle/>
-          <a:p>
-            <a:pPr algn="ctr"/>
-            <a:r>
-              <a:rPr lang="en-US" sz="2400" dirty="0">
-                <a:solidFill>
-                  <a:schemeClr val="bg1"/>
-                </a:solidFill>
-              </a:rPr>
-              <a:t>-- Not an ancient Chinese curse, according to Wikipedia</a:t>
-            </a:r>
-          </a:p>
-        </p:txBody>
-      </p:sp>
-    </p:spTree>
-    <p:extLst>
-      <p:ext uri="{BB962C8B-B14F-4D97-AF65-F5344CB8AC3E}">
-        <p14:creationId xmlns:p14="http://schemas.microsoft.com/office/powerpoint/2010/main" val="537927267"/>
-      </p:ext>
-    </p:extLst>
-  </p:cSld>
-  <p:clrMapOvr>
-    <a:masterClrMapping/>
-  </p:clrMapOvr>
-</p:sld>
-</file>
-
-<file path=ppt/slides/slide30.xml><?xml version="1.0" encoding="utf-8"?>
-<p:sld xmlns:a="http://schemas.openxmlformats.org/drawingml/2006/main" xmlns:r="http://schemas.openxmlformats.org/officeDocument/2006/relationships" xmlns:p="http://schemas.openxmlformats.org/presentationml/2006/main">
-  <p:cSld>
-    <p:bg>
-      <p:bgPr>
-        <a:solidFill>
-          <a:schemeClr val="accent5"/>
-        </a:solidFill>
-        <a:effectLst/>
-      </p:bgPr>
-    </p:bg>
-    <p:spTree>
-      <p:nvGrpSpPr>
-        <p:cNvPr id="1" name=""/>
-        <p:cNvGrpSpPr/>
-        <p:nvPr/>
-      </p:nvGrpSpPr>
-      <p:grpSpPr>
-        <a:xfrm>
-          <a:off x="0" y="0"/>
-          <a:ext cx="0" cy="0"/>
-          <a:chOff x="0" y="0"/>
-          <a:chExt cx="0" cy="0"/>
-        </a:xfrm>
-      </p:grpSpPr>
-      <p:sp>
-        <p:nvSpPr>
-          <p:cNvPr id="2" name="Title 1">
-            <a:extLst>
-              <a:ext uri="{FF2B5EF4-FFF2-40B4-BE49-F238E27FC236}">
-                <a16:creationId xmlns:a16="http://schemas.microsoft.com/office/drawing/2014/main" id="{C409FD33-6233-7C49-9918-532E7EC05AB5}"/>
-              </a:ext>
-            </a:extLst>
-          </p:cNvPr>
-          <p:cNvSpPr>
-            <a:spLocks noGrp="1"/>
-          </p:cNvSpPr>
-          <p:nvPr>
-            <p:ph type="title"/>
-          </p:nvPr>
-        </p:nvSpPr>
-        <p:spPr>
-          <a:xfrm>
-            <a:off x="838200" y="2365324"/>
-            <a:ext cx="10515600" cy="2127352"/>
-          </a:xfrm>
-        </p:spPr>
-        <p:txBody>
-          <a:bodyPr>
-            <a:noAutofit/>
-          </a:bodyPr>
-          <a:lstStyle/>
-          <a:p>
-            <a:pPr algn="ctr"/>
-            <a:r>
-              <a:rPr lang="en-US" sz="6600" dirty="0"/>
-              <a:t>But what about overarching concerns that apply to more than one project?</a:t>
-            </a:r>
-          </a:p>
-        </p:txBody>
-      </p:sp>
-    </p:spTree>
-    <p:extLst>
-      <p:ext uri="{BB962C8B-B14F-4D97-AF65-F5344CB8AC3E}">
-        <p14:creationId xmlns:p14="http://schemas.microsoft.com/office/powerpoint/2010/main" val="1440985687"/>
-      </p:ext>
-    </p:extLst>
-  </p:cSld>
-  <p:clrMapOvr>
-    <a:masterClrMapping/>
-  </p:clrMapOvr>
-</p:sld>
-</file>
-
-<file path=ppt/slides/slide31.xml><?xml version="1.0" encoding="utf-8"?>
-<p:sld xmlns:a="http://schemas.openxmlformats.org/drawingml/2006/main" xmlns:r="http://schemas.openxmlformats.org/officeDocument/2006/relationships" xmlns:p="http://schemas.openxmlformats.org/presentationml/2006/main">
-  <p:cSld>
-    <p:bg>
-      <p:bgPr>
-        <a:solidFill>
-          <a:schemeClr val="accent5"/>
-        </a:solidFill>
-        <a:effectLst/>
-      </p:bgPr>
-    </p:bg>
-    <p:spTree>
-      <p:nvGrpSpPr>
-        <p:cNvPr id="1" name=""/>
-        <p:cNvGrpSpPr/>
-        <p:nvPr/>
-      </p:nvGrpSpPr>
-      <p:grpSpPr>
-        <a:xfrm>
-          <a:off x="0" y="0"/>
-          <a:ext cx="0" cy="0"/>
-          <a:chOff x="0" y="0"/>
-          <a:chExt cx="0" cy="0"/>
-        </a:xfrm>
-      </p:grpSpPr>
-      <p:sp>
-        <p:nvSpPr>
-          <p:cNvPr id="2" name="Title 1">
-            <a:extLst>
-              <a:ext uri="{FF2B5EF4-FFF2-40B4-BE49-F238E27FC236}">
-                <a16:creationId xmlns:a16="http://schemas.microsoft.com/office/drawing/2014/main" id="{C409FD33-6233-7C49-9918-532E7EC05AB5}"/>
-              </a:ext>
-            </a:extLst>
-          </p:cNvPr>
-          <p:cNvSpPr>
-            <a:spLocks noGrp="1"/>
-          </p:cNvSpPr>
-          <p:nvPr>
-            <p:ph type="title"/>
-          </p:nvPr>
-        </p:nvSpPr>
-        <p:spPr>
-          <a:xfrm>
-            <a:off x="838200" y="2365324"/>
-            <a:ext cx="10515600" cy="2127352"/>
-          </a:xfrm>
-        </p:spPr>
-        <p:txBody>
-          <a:bodyPr>
-            <a:noAutofit/>
-          </a:bodyPr>
-          <a:lstStyle/>
-          <a:p>
-            <a:pPr algn="ctr"/>
-            <a:r>
-              <a:rPr lang="en-US" sz="6600" dirty="0"/>
-              <a:t>Re-use existing code </a:t>
-            </a:r>
-            <a:br>
-              <a:rPr lang="en-US" sz="6600" dirty="0"/>
-            </a:br>
-            <a:r>
-              <a:rPr lang="en-US" sz="6600" dirty="0"/>
-              <a:t>review processes</a:t>
-            </a:r>
-          </a:p>
-        </p:txBody>
-      </p:sp>
-    </p:spTree>
-    <p:extLst>
-      <p:ext uri="{BB962C8B-B14F-4D97-AF65-F5344CB8AC3E}">
-        <p14:creationId xmlns:p14="http://schemas.microsoft.com/office/powerpoint/2010/main" val="80241203"/>
-      </p:ext>
-    </p:extLst>
-  </p:cSld>
-  <p:clrMapOvr>
-    <a:masterClrMapping/>
-  </p:clrMapOvr>
-</p:sld>
-</file>
-
 <file path=ppt/slides/slide32.xml><?xml version="1.0" encoding="utf-8"?>
 <p:sld xmlns:a="http://schemas.openxmlformats.org/drawingml/2006/main" xmlns:r="http://schemas.openxmlformats.org/officeDocument/2006/relationships" xmlns:p="http://schemas.openxmlformats.org/presentationml/2006/main">
   <p:cSld>
@@ -15052,21 +15375,7 @@
             <a:pPr algn="ctr"/>
             <a:r>
               <a:rPr lang="en-US" sz="6600" dirty="0"/>
-              <a:t>ADRs = Goodness</a:t>
-            </a:r>
-            <a:br>
-              <a:rPr lang="en-US" sz="6600" dirty="0"/>
-            </a:br>
-            <a:r>
-              <a:rPr lang="en-US" sz="6600" dirty="0"/>
-              <a:t/>
-            </a:r>
-            <a:br>
-              <a:rPr lang="en-US" sz="6600" dirty="0"/>
-            </a:br>
-            <a:r>
-              <a:rPr lang="en-US" sz="9600" dirty="0"/>
-              <a:t>👍🏽</a:t>
+              <a:t>But what about overarching concerns that apply to more than one project?</a:t>
             </a:r>
           </a:p>
         </p:txBody>
@@ -15074,7 +15383,7 @@
     </p:spTree>
     <p:extLst>
       <p:ext uri="{BB962C8B-B14F-4D97-AF65-F5344CB8AC3E}">
-        <p14:creationId xmlns:p14="http://schemas.microsoft.com/office/powerpoint/2010/main" val="3825172229"/>
+        <p14:creationId xmlns:p14="http://schemas.microsoft.com/office/powerpoint/2010/main" val="1440985687"/>
       </p:ext>
     </p:extLst>
   </p:cSld>
@@ -15140,6 +15449,175 @@
             <a:pPr algn="ctr"/>
             <a:r>
               <a:rPr lang="en-US" sz="6600" dirty="0"/>
+              <a:t>Re-use existing code </a:t>
+            </a:r>
+            <a:br>
+              <a:rPr lang="en-US" sz="6600" dirty="0"/>
+            </a:br>
+            <a:r>
+              <a:rPr lang="en-US" sz="6600" dirty="0"/>
+              <a:t>review processes</a:t>
+            </a:r>
+          </a:p>
+        </p:txBody>
+      </p:sp>
+    </p:spTree>
+    <p:extLst>
+      <p:ext uri="{BB962C8B-B14F-4D97-AF65-F5344CB8AC3E}">
+        <p14:creationId xmlns:p14="http://schemas.microsoft.com/office/powerpoint/2010/main" val="80241203"/>
+      </p:ext>
+    </p:extLst>
+  </p:cSld>
+  <p:clrMapOvr>
+    <a:masterClrMapping/>
+  </p:clrMapOvr>
+</p:sld>
+</file>
+
+<file path=ppt/slides/slide34.xml><?xml version="1.0" encoding="utf-8"?>
+<p:sld xmlns:a="http://schemas.openxmlformats.org/drawingml/2006/main" xmlns:r="http://schemas.openxmlformats.org/officeDocument/2006/relationships" xmlns:p="http://schemas.openxmlformats.org/presentationml/2006/main">
+  <p:cSld>
+    <p:bg>
+      <p:bgPr>
+        <a:solidFill>
+          <a:schemeClr val="accent5"/>
+        </a:solidFill>
+        <a:effectLst/>
+      </p:bgPr>
+    </p:bg>
+    <p:spTree>
+      <p:nvGrpSpPr>
+        <p:cNvPr id="1" name=""/>
+        <p:cNvGrpSpPr/>
+        <p:nvPr/>
+      </p:nvGrpSpPr>
+      <p:grpSpPr>
+        <a:xfrm>
+          <a:off x="0" y="0"/>
+          <a:ext cx="0" cy="0"/>
+          <a:chOff x="0" y="0"/>
+          <a:chExt cx="0" cy="0"/>
+        </a:xfrm>
+      </p:grpSpPr>
+      <p:sp>
+        <p:nvSpPr>
+          <p:cNvPr id="2" name="Title 1">
+            <a:extLst>
+              <a:ext uri="{FF2B5EF4-FFF2-40B4-BE49-F238E27FC236}">
+                <a16:creationId xmlns:a16="http://schemas.microsoft.com/office/drawing/2014/main" id="{C409FD33-6233-7C49-9918-532E7EC05AB5}"/>
+              </a:ext>
+            </a:extLst>
+          </p:cNvPr>
+          <p:cNvSpPr>
+            <a:spLocks noGrp="1"/>
+          </p:cNvSpPr>
+          <p:nvPr>
+            <p:ph type="title"/>
+          </p:nvPr>
+        </p:nvSpPr>
+        <p:spPr>
+          <a:xfrm>
+            <a:off x="838200" y="2365324"/>
+            <a:ext cx="10515600" cy="2127352"/>
+          </a:xfrm>
+        </p:spPr>
+        <p:txBody>
+          <a:bodyPr>
+            <a:noAutofit/>
+          </a:bodyPr>
+          <a:lstStyle/>
+          <a:p>
+            <a:pPr algn="ctr"/>
+            <a:r>
+              <a:rPr lang="en-US" sz="6600" dirty="0"/>
+              <a:t>ADRs = Goodness</a:t>
+            </a:r>
+            <a:br>
+              <a:rPr lang="en-US" sz="6600" dirty="0"/>
+            </a:br>
+            <a:r>
+              <a:rPr lang="en-US" sz="6600" dirty="0"/>
+              <a:t/>
+            </a:r>
+            <a:br>
+              <a:rPr lang="en-US" sz="6600" dirty="0"/>
+            </a:br>
+            <a:r>
+              <a:rPr lang="en-US" sz="9600" dirty="0"/>
+              <a:t>👍🏽</a:t>
+            </a:r>
+          </a:p>
+        </p:txBody>
+      </p:sp>
+    </p:spTree>
+    <p:extLst>
+      <p:ext uri="{BB962C8B-B14F-4D97-AF65-F5344CB8AC3E}">
+        <p14:creationId xmlns:p14="http://schemas.microsoft.com/office/powerpoint/2010/main" val="3825172229"/>
+      </p:ext>
+    </p:extLst>
+  </p:cSld>
+  <p:clrMapOvr>
+    <a:masterClrMapping/>
+  </p:clrMapOvr>
+</p:sld>
+</file>
+
+<file path=ppt/slides/slide35.xml><?xml version="1.0" encoding="utf-8"?>
+<p:sld xmlns:a="http://schemas.openxmlformats.org/drawingml/2006/main" xmlns:r="http://schemas.openxmlformats.org/officeDocument/2006/relationships" xmlns:p="http://schemas.openxmlformats.org/presentationml/2006/main">
+  <p:cSld>
+    <p:bg>
+      <p:bgPr>
+        <a:solidFill>
+          <a:schemeClr val="accent5"/>
+        </a:solidFill>
+        <a:effectLst/>
+      </p:bgPr>
+    </p:bg>
+    <p:spTree>
+      <p:nvGrpSpPr>
+        <p:cNvPr id="1" name=""/>
+        <p:cNvGrpSpPr/>
+        <p:nvPr/>
+      </p:nvGrpSpPr>
+      <p:grpSpPr>
+        <a:xfrm>
+          <a:off x="0" y="0"/>
+          <a:ext cx="0" cy="0"/>
+          <a:chOff x="0" y="0"/>
+          <a:chExt cx="0" cy="0"/>
+        </a:xfrm>
+      </p:grpSpPr>
+      <p:sp>
+        <p:nvSpPr>
+          <p:cNvPr id="2" name="Title 1">
+            <a:extLst>
+              <a:ext uri="{FF2B5EF4-FFF2-40B4-BE49-F238E27FC236}">
+                <a16:creationId xmlns:a16="http://schemas.microsoft.com/office/drawing/2014/main" id="{C409FD33-6233-7C49-9918-532E7EC05AB5}"/>
+              </a:ext>
+            </a:extLst>
+          </p:cNvPr>
+          <p:cNvSpPr>
+            <a:spLocks noGrp="1"/>
+          </p:cNvSpPr>
+          <p:nvPr>
+            <p:ph type="title"/>
+          </p:nvPr>
+        </p:nvSpPr>
+        <p:spPr>
+          <a:xfrm>
+            <a:off x="838200" y="2365324"/>
+            <a:ext cx="10515600" cy="2127352"/>
+          </a:xfrm>
+        </p:spPr>
+        <p:txBody>
+          <a:bodyPr>
+            <a:noAutofit/>
+          </a:bodyPr>
+          <a:lstStyle/>
+          <a:p>
+            <a:pPr algn="ctr"/>
+            <a:r>
+              <a:rPr lang="en-US" sz="6600" dirty="0"/>
               <a:t>More praise for ADRs:</a:t>
             </a:r>
             <a:br>
@@ -15176,7 +15654,7 @@
 </p:sld>
 </file>
 
-<file path=ppt/slides/slide34.xml><?xml version="1.0" encoding="utf-8"?>
+<file path=ppt/slides/slide36.xml><?xml version="1.0" encoding="utf-8"?>
 <p:sld xmlns:a="http://schemas.openxmlformats.org/drawingml/2006/main" xmlns:r="http://schemas.openxmlformats.org/officeDocument/2006/relationships" xmlns:p="http://schemas.openxmlformats.org/presentationml/2006/main">
   <p:cSld>
     <p:spTree>
@@ -15280,7 +15758,7 @@
 </p:sld>
 </file>
 
-<file path=ppt/slides/slide35.xml><?xml version="1.0" encoding="utf-8"?>
+<file path=ppt/slides/slide37.xml><?xml version="1.0" encoding="utf-8"?>
 <p:sld xmlns:a="http://schemas.openxmlformats.org/drawingml/2006/main" xmlns:r="http://schemas.openxmlformats.org/officeDocument/2006/relationships" xmlns:p="http://schemas.openxmlformats.org/presentationml/2006/main">
   <p:cSld>
     <p:bg>
@@ -15401,154 +15879,6 @@
     <p:extLst>
       <p:ext uri="{BB962C8B-B14F-4D97-AF65-F5344CB8AC3E}">
         <p14:creationId xmlns:p14="http://schemas.microsoft.com/office/powerpoint/2010/main" val="1652631293"/>
-      </p:ext>
-    </p:extLst>
-  </p:cSld>
-  <p:clrMapOvr>
-    <a:masterClrMapping/>
-  </p:clrMapOvr>
-</p:sld>
-</file>
-
-<file path=ppt/slides/slide36.xml><?xml version="1.0" encoding="utf-8"?>
-<p:sld xmlns:a="http://schemas.openxmlformats.org/drawingml/2006/main" xmlns:r="http://schemas.openxmlformats.org/officeDocument/2006/relationships" xmlns:p="http://schemas.openxmlformats.org/presentationml/2006/main">
-  <p:cSld>
-    <p:bg>
-      <p:bgPr>
-        <a:solidFill>
-          <a:schemeClr val="accent5"/>
-        </a:solidFill>
-        <a:effectLst/>
-      </p:bgPr>
-    </p:bg>
-    <p:spTree>
-      <p:nvGrpSpPr>
-        <p:cNvPr id="1" name=""/>
-        <p:cNvGrpSpPr/>
-        <p:nvPr/>
-      </p:nvGrpSpPr>
-      <p:grpSpPr>
-        <a:xfrm>
-          <a:off x="0" y="0"/>
-          <a:ext cx="0" cy="0"/>
-          <a:chOff x="0" y="0"/>
-          <a:chExt cx="0" cy="0"/>
-        </a:xfrm>
-      </p:grpSpPr>
-      <p:sp>
-        <p:nvSpPr>
-          <p:cNvPr id="2" name="Title 1">
-            <a:extLst>
-              <a:ext uri="{FF2B5EF4-FFF2-40B4-BE49-F238E27FC236}">
-                <a16:creationId xmlns:a16="http://schemas.microsoft.com/office/drawing/2014/main" id="{C409FD33-6233-7C49-9918-532E7EC05AB5}"/>
-              </a:ext>
-            </a:extLst>
-          </p:cNvPr>
-          <p:cNvSpPr>
-            <a:spLocks noGrp="1"/>
-          </p:cNvSpPr>
-          <p:nvPr>
-            <p:ph type="title"/>
-          </p:nvPr>
-        </p:nvSpPr>
-        <p:spPr>
-          <a:xfrm>
-            <a:off x="838200" y="2365324"/>
-            <a:ext cx="10515600" cy="2127352"/>
-          </a:xfrm>
-        </p:spPr>
-        <p:txBody>
-          <a:bodyPr>
-            <a:noAutofit/>
-          </a:bodyPr>
-          <a:lstStyle/>
-          <a:p>
-            <a:pPr algn="ctr"/>
-            <a:r>
-              <a:rPr lang="en-US" sz="6600" dirty="0"/>
-              <a:t>New Approaches!</a:t>
-            </a:r>
-          </a:p>
-        </p:txBody>
-      </p:sp>
-    </p:spTree>
-    <p:extLst>
-      <p:ext uri="{BB962C8B-B14F-4D97-AF65-F5344CB8AC3E}">
-        <p14:creationId xmlns:p14="http://schemas.microsoft.com/office/powerpoint/2010/main" val="3537560085"/>
-      </p:ext>
-    </p:extLst>
-  </p:cSld>
-  <p:clrMapOvr>
-    <a:masterClrMapping/>
-  </p:clrMapOvr>
-</p:sld>
-</file>
-
-<file path=ppt/slides/slide37.xml><?xml version="1.0" encoding="utf-8"?>
-<p:sld xmlns:a="http://schemas.openxmlformats.org/drawingml/2006/main" xmlns:r="http://schemas.openxmlformats.org/officeDocument/2006/relationships" xmlns:p="http://schemas.openxmlformats.org/presentationml/2006/main">
-  <p:cSld>
-    <p:bg>
-      <p:bgPr>
-        <a:solidFill>
-          <a:schemeClr val="accent5"/>
-        </a:solidFill>
-        <a:effectLst/>
-      </p:bgPr>
-    </p:bg>
-    <p:spTree>
-      <p:nvGrpSpPr>
-        <p:cNvPr id="1" name=""/>
-        <p:cNvGrpSpPr/>
-        <p:nvPr/>
-      </p:nvGrpSpPr>
-      <p:grpSpPr>
-        <a:xfrm>
-          <a:off x="0" y="0"/>
-          <a:ext cx="0" cy="0"/>
-          <a:chOff x="0" y="0"/>
-          <a:chExt cx="0" cy="0"/>
-        </a:xfrm>
-      </p:grpSpPr>
-      <p:sp>
-        <p:nvSpPr>
-          <p:cNvPr id="2" name="Title 1">
-            <a:extLst>
-              <a:ext uri="{FF2B5EF4-FFF2-40B4-BE49-F238E27FC236}">
-                <a16:creationId xmlns:a16="http://schemas.microsoft.com/office/drawing/2014/main" id="{C409FD33-6233-7C49-9918-532E7EC05AB5}"/>
-              </a:ext>
-            </a:extLst>
-          </p:cNvPr>
-          <p:cNvSpPr>
-            <a:spLocks noGrp="1"/>
-          </p:cNvSpPr>
-          <p:nvPr>
-            <p:ph type="title"/>
-          </p:nvPr>
-        </p:nvSpPr>
-        <p:spPr>
-          <a:xfrm>
-            <a:off x="838200" y="2365324"/>
-            <a:ext cx="10515600" cy="2127352"/>
-          </a:xfrm>
-        </p:spPr>
-        <p:txBody>
-          <a:bodyPr>
-            <a:noAutofit/>
-          </a:bodyPr>
-          <a:lstStyle/>
-          <a:p>
-            <a:pPr algn="ctr"/>
-            <a:r>
-              <a:rPr lang="en-US" sz="6600" dirty="0"/>
-              <a:t>Cross Functional!</a:t>
-            </a:r>
-          </a:p>
-        </p:txBody>
-      </p:sp>
-    </p:spTree>
-    <p:extLst>
-      <p:ext uri="{BB962C8B-B14F-4D97-AF65-F5344CB8AC3E}">
-        <p14:creationId xmlns:p14="http://schemas.microsoft.com/office/powerpoint/2010/main" val="2614967860"/>
       </p:ext>
     </p:extLst>
   </p:cSld>
@@ -15614,21 +15944,7 @@
             <a:pPr algn="ctr"/>
             <a:r>
               <a:rPr lang="en-US" sz="6600" dirty="0"/>
-              <a:t>Two Pizzas!</a:t>
-            </a:r>
-            <a:br>
-              <a:rPr lang="en-US" sz="6600" dirty="0"/>
-            </a:br>
-            <a:r>
-              <a:rPr lang="en-US" sz="6600" dirty="0"/>
-              <a:t/>
-            </a:r>
-            <a:br>
-              <a:rPr lang="en-US" sz="6600" dirty="0"/>
-            </a:br>
-            <a:r>
-              <a:rPr lang="en-US" sz="15000" dirty="0"/>
-              <a:t>🍕 🍕</a:t>
+              <a:t>New Approaches!</a:t>
             </a:r>
           </a:p>
         </p:txBody>
@@ -15636,7 +15952,7 @@
     </p:spTree>
     <p:extLst>
       <p:ext uri="{BB962C8B-B14F-4D97-AF65-F5344CB8AC3E}">
-        <p14:creationId xmlns:p14="http://schemas.microsoft.com/office/powerpoint/2010/main" val="409998538"/>
+        <p14:creationId xmlns:p14="http://schemas.microsoft.com/office/powerpoint/2010/main" val="3537560085"/>
       </p:ext>
     </p:extLst>
   </p:cSld>
@@ -15702,7 +16018,7 @@
             <a:pPr algn="ctr"/>
             <a:r>
               <a:rPr lang="en-US" sz="6600" dirty="0"/>
-              <a:t>Free Reign!</a:t>
+              <a:t>Cross Functional!</a:t>
             </a:r>
           </a:p>
         </p:txBody>
@@ -15710,7 +16026,7 @@
     </p:spTree>
     <p:extLst>
       <p:ext uri="{BB962C8B-B14F-4D97-AF65-F5344CB8AC3E}">
-        <p14:creationId xmlns:p14="http://schemas.microsoft.com/office/powerpoint/2010/main" val="4070050300"/>
+        <p14:creationId xmlns:p14="http://schemas.microsoft.com/office/powerpoint/2010/main" val="2614967860"/>
       </p:ext>
     </p:extLst>
   </p:cSld>
@@ -15726,7 +16042,7 @@
     <p:bg>
       <p:bgPr>
         <a:solidFill>
-          <a:schemeClr val="accent1"/>
+          <a:schemeClr val="accent5"/>
         </a:solidFill>
         <a:effectLst/>
       </p:bgPr>
@@ -15747,92 +16063,45 @@
       </p:grpSpPr>
       <p:sp>
         <p:nvSpPr>
-          <p:cNvPr id="2" name="TextBox 1">
+          <p:cNvPr id="2" name="Title 1">
             <a:extLst>
               <a:ext uri="{FF2B5EF4-FFF2-40B4-BE49-F238E27FC236}">
-                <a16:creationId xmlns:a16="http://schemas.microsoft.com/office/drawing/2014/main" id="{B71D1FE3-1142-814F-87DC-BB654A6F358F}"/>
+                <a16:creationId xmlns:a16="http://schemas.microsoft.com/office/drawing/2014/main" id="{C409FD33-6233-7C49-9918-532E7EC05AB5}"/>
               </a:ext>
             </a:extLst>
           </p:cNvPr>
-          <p:cNvSpPr txBox="1"/>
-          <p:nvPr/>
+          <p:cNvSpPr>
+            <a:spLocks noGrp="1"/>
+          </p:cNvSpPr>
+          <p:nvPr>
+            <p:ph type="title"/>
+          </p:nvPr>
         </p:nvSpPr>
         <p:spPr>
           <a:xfrm>
-            <a:off x="889819" y="1536173"/>
-            <a:ext cx="10412363" cy="1938992"/>
+            <a:off x="838200" y="2365324"/>
+            <a:ext cx="10515600" cy="2127352"/>
           </a:xfrm>
-          <a:prstGeom prst="rect">
-            <a:avLst/>
-          </a:prstGeom>
-          <a:noFill/>
         </p:spPr>
         <p:txBody>
-          <a:bodyPr wrap="square" rtlCol="0">
-            <a:spAutoFit/>
+          <a:bodyPr>
+            <a:noAutofit/>
           </a:bodyPr>
           <a:lstStyle/>
           <a:p>
-            <a:pPr marL="342891" indent="-342891" fontAlgn="base">
-              <a:buFont typeface="+mj-lt"/>
-              <a:buAutoNum type="arabicPeriod"/>
-            </a:pPr>
-            <a:r>
-              <a:rPr lang="en-US" sz="4000" dirty="0">
-                <a:solidFill>
-                  <a:schemeClr val="bg1"/>
-                </a:solidFill>
-              </a:rPr>
-              <a:t>Lightweight Architectural Decision Records</a:t>
-            </a:r>
-          </a:p>
-          <a:p>
-            <a:pPr marL="342891" indent="-342891" fontAlgn="base">
-              <a:buFont typeface="+mj-lt"/>
-              <a:buAutoNum type="arabicPeriod"/>
-            </a:pPr>
-            <a:r>
-              <a:rPr lang="en-US" sz="4000" dirty="0">
-                <a:solidFill>
-                  <a:schemeClr val="bg1"/>
-                </a:solidFill>
-              </a:rPr>
-              <a:t>Enterprise Architecture Guilds</a:t>
-            </a:r>
-          </a:p>
-          <a:p>
-            <a:pPr marL="342891" indent="-342891" fontAlgn="base">
-              <a:buFont typeface="+mj-lt"/>
-              <a:buAutoNum type="arabicPeriod"/>
-            </a:pPr>
-            <a:r>
-              <a:rPr lang="en-US" sz="4000" dirty="0">
-                <a:solidFill>
-                  <a:schemeClr val="bg1"/>
-                </a:solidFill>
-              </a:rPr>
-              <a:t>Build Reference </a:t>
-            </a:r>
-            <a:r>
-              <a:rPr lang="en-US" sz="4000" dirty="0" smtClean="0">
-                <a:solidFill>
-                  <a:schemeClr val="bg1"/>
-                </a:solidFill>
-              </a:rPr>
-              <a:t>Implementations</a:t>
-            </a:r>
-            <a:endParaRPr lang="en-US" sz="4000" dirty="0">
-              <a:solidFill>
-                <a:schemeClr val="bg1"/>
-              </a:solidFill>
-            </a:endParaRPr>
+            <a:pPr algn="ctr"/>
+            <a:r>
+              <a:rPr lang="en-US" sz="6600" dirty="0" smtClean="0"/>
+              <a:t>The Problem</a:t>
+            </a:r>
+            <a:endParaRPr lang="en-US" sz="6600" dirty="0"/>
           </a:p>
         </p:txBody>
       </p:sp>
     </p:spTree>
     <p:extLst>
       <p:ext uri="{BB962C8B-B14F-4D97-AF65-F5344CB8AC3E}">
-        <p14:creationId xmlns:p14="http://schemas.microsoft.com/office/powerpoint/2010/main" val="1906664439"/>
+        <p14:creationId xmlns:p14="http://schemas.microsoft.com/office/powerpoint/2010/main" val="1788312721"/>
       </p:ext>
     </p:extLst>
   </p:cSld>
@@ -15897,8 +16166,22 @@
           <a:p>
             <a:pPr algn="ctr"/>
             <a:r>
-              <a:rPr lang="en-US" sz="20000" dirty="0"/>
-              <a:t>🙍🏽‍♀️🙍🏼‍♂️🙍🏾‍♂️🙍🏻‍♀️</a:t>
+              <a:rPr lang="en-US" sz="6600" dirty="0"/>
+              <a:t>Two Pizzas!</a:t>
+            </a:r>
+            <a:br>
+              <a:rPr lang="en-US" sz="6600" dirty="0"/>
+            </a:br>
+            <a:r>
+              <a:rPr lang="en-US" sz="6600" dirty="0"/>
+              <a:t/>
+            </a:r>
+            <a:br>
+              <a:rPr lang="en-US" sz="6600" dirty="0"/>
+            </a:br>
+            <a:r>
+              <a:rPr lang="en-US" sz="15000" dirty="0"/>
+              <a:t>🍕 🍕</a:t>
             </a:r>
           </a:p>
         </p:txBody>
@@ -15906,7 +16189,7 @@
     </p:spTree>
     <p:extLst>
       <p:ext uri="{BB962C8B-B14F-4D97-AF65-F5344CB8AC3E}">
-        <p14:creationId xmlns:p14="http://schemas.microsoft.com/office/powerpoint/2010/main" val="664978118"/>
+        <p14:creationId xmlns:p14="http://schemas.microsoft.com/office/powerpoint/2010/main" val="409998538"/>
       </p:ext>
     </p:extLst>
   </p:cSld>
@@ -15972,51 +16255,7 @@
             <a:pPr algn="ctr"/>
             <a:r>
               <a:rPr lang="en-US" sz="6600" dirty="0"/>
-              <a:t>Power to the People</a:t>
-            </a:r>
-          </a:p>
-        </p:txBody>
-      </p:sp>
-      <p:sp>
-        <p:nvSpPr>
-          <p:cNvPr id="3" name="TextBox 2">
-            <a:extLst>
-              <a:ext uri="{FF2B5EF4-FFF2-40B4-BE49-F238E27FC236}">
-                <a16:creationId xmlns:a16="http://schemas.microsoft.com/office/drawing/2014/main" id="{99A54E6B-82ED-3345-8103-2168DB68191F}"/>
-              </a:ext>
-            </a:extLst>
-          </p:cNvPr>
-          <p:cNvSpPr txBox="1"/>
-          <p:nvPr/>
-        </p:nvSpPr>
-        <p:spPr>
-          <a:xfrm>
-            <a:off x="2743960" y="5737123"/>
-            <a:ext cx="6704079" cy="369332"/>
-          </a:xfrm>
-          <a:prstGeom prst="rect">
-            <a:avLst/>
-          </a:prstGeom>
-          <a:noFill/>
-        </p:spPr>
-        <p:txBody>
-          <a:bodyPr wrap="none" rtlCol="0">
-            <a:spAutoFit/>
-          </a:bodyPr>
-          <a:lstStyle/>
-          <a:p>
-            <a:pPr algn="ctr"/>
-            <a:r>
-              <a:rPr lang="en-US" dirty="0"/>
-              <a:t>https://</a:t>
-            </a:r>
-            <a:r>
-              <a:rPr lang="en-US" dirty="0" err="1"/>
-              <a:t>labs.spotify.com</a:t>
-            </a:r>
-            <a:r>
-              <a:rPr lang="en-US" dirty="0"/>
-              <a:t>/2014/03/27/spotify-engineering-culture-part-1</a:t>
+              <a:t>Free Reign!</a:t>
             </a:r>
           </a:p>
         </p:txBody>
@@ -16024,7 +16263,7 @@
     </p:spTree>
     <p:extLst>
       <p:ext uri="{BB962C8B-B14F-4D97-AF65-F5344CB8AC3E}">
-        <p14:creationId xmlns:p14="http://schemas.microsoft.com/office/powerpoint/2010/main" val="2322034607"/>
+        <p14:creationId xmlns:p14="http://schemas.microsoft.com/office/powerpoint/2010/main" val="4070050300"/>
       </p:ext>
     </p:extLst>
   </p:cSld>
@@ -16089,8 +16328,8 @@
           <a:p>
             <a:pPr algn="ctr"/>
             <a:r>
-              <a:rPr lang="en-US" sz="6600" dirty="0"/>
-              <a:t>Open To All</a:t>
+              <a:rPr lang="en-US" sz="20000" dirty="0"/>
+              <a:t>🙍🏽‍♀️🙍🏼‍♂️🙍🏾‍♂️🙍🏻‍♀️</a:t>
             </a:r>
           </a:p>
         </p:txBody>
@@ -16098,7 +16337,7 @@
     </p:spTree>
     <p:extLst>
       <p:ext uri="{BB962C8B-B14F-4D97-AF65-F5344CB8AC3E}">
-        <p14:creationId xmlns:p14="http://schemas.microsoft.com/office/powerpoint/2010/main" val="839796847"/>
+        <p14:creationId xmlns:p14="http://schemas.microsoft.com/office/powerpoint/2010/main" val="664978118"/>
       </p:ext>
     </p:extLst>
   </p:cSld>
@@ -16164,7 +16403,51 @@
             <a:pPr algn="ctr"/>
             <a:r>
               <a:rPr lang="en-US" sz="6600" dirty="0"/>
-              <a:t>Decision Making</a:t>
+              <a:t>Power to the People</a:t>
+            </a:r>
+          </a:p>
+        </p:txBody>
+      </p:sp>
+      <p:sp>
+        <p:nvSpPr>
+          <p:cNvPr id="3" name="TextBox 2">
+            <a:extLst>
+              <a:ext uri="{FF2B5EF4-FFF2-40B4-BE49-F238E27FC236}">
+                <a16:creationId xmlns:a16="http://schemas.microsoft.com/office/drawing/2014/main" id="{99A54E6B-82ED-3345-8103-2168DB68191F}"/>
+              </a:ext>
+            </a:extLst>
+          </p:cNvPr>
+          <p:cNvSpPr txBox="1"/>
+          <p:nvPr/>
+        </p:nvSpPr>
+        <p:spPr>
+          <a:xfrm>
+            <a:off x="2743960" y="5737123"/>
+            <a:ext cx="6704079" cy="369332"/>
+          </a:xfrm>
+          <a:prstGeom prst="rect">
+            <a:avLst/>
+          </a:prstGeom>
+          <a:noFill/>
+        </p:spPr>
+        <p:txBody>
+          <a:bodyPr wrap="none" rtlCol="0">
+            <a:spAutoFit/>
+          </a:bodyPr>
+          <a:lstStyle/>
+          <a:p>
+            <a:pPr algn="ctr"/>
+            <a:r>
+              <a:rPr lang="en-US" dirty="0"/>
+              <a:t>https://</a:t>
+            </a:r>
+            <a:r>
+              <a:rPr lang="en-US" dirty="0" err="1"/>
+              <a:t>labs.spotify.com</a:t>
+            </a:r>
+            <a:r>
+              <a:rPr lang="en-US" dirty="0"/>
+              <a:t>/2014/03/27/spotify-engineering-culture-part-1</a:t>
             </a:r>
           </a:p>
         </p:txBody>
@@ -16172,7 +16455,7 @@
     </p:spTree>
     <p:extLst>
       <p:ext uri="{BB962C8B-B14F-4D97-AF65-F5344CB8AC3E}">
-        <p14:creationId xmlns:p14="http://schemas.microsoft.com/office/powerpoint/2010/main" val="2165740222"/>
+        <p14:creationId xmlns:p14="http://schemas.microsoft.com/office/powerpoint/2010/main" val="2322034607"/>
       </p:ext>
     </p:extLst>
   </p:cSld>
@@ -16238,7 +16521,7 @@
             <a:pPr algn="ctr"/>
             <a:r>
               <a:rPr lang="en-US" sz="6600" dirty="0"/>
-              <a:t>#1 Write ADRs</a:t>
+              <a:t>Open To All</a:t>
             </a:r>
           </a:p>
         </p:txBody>
@@ -16246,7 +16529,7 @@
     </p:spTree>
     <p:extLst>
       <p:ext uri="{BB962C8B-B14F-4D97-AF65-F5344CB8AC3E}">
-        <p14:creationId xmlns:p14="http://schemas.microsoft.com/office/powerpoint/2010/main" val="2871683733"/>
+        <p14:creationId xmlns:p14="http://schemas.microsoft.com/office/powerpoint/2010/main" val="839796847"/>
       </p:ext>
     </p:extLst>
   </p:cSld>
@@ -16312,7 +16595,7 @@
             <a:pPr algn="ctr"/>
             <a:r>
               <a:rPr lang="en-US" sz="6600" dirty="0"/>
-              <a:t>#2 Form Short-Term SIGs</a:t>
+              <a:t>Decision Making</a:t>
             </a:r>
           </a:p>
         </p:txBody>
@@ -16320,7 +16603,7 @@
     </p:spTree>
     <p:extLst>
       <p:ext uri="{BB962C8B-B14F-4D97-AF65-F5344CB8AC3E}">
-        <p14:creationId xmlns:p14="http://schemas.microsoft.com/office/powerpoint/2010/main" val="2637277908"/>
+        <p14:creationId xmlns:p14="http://schemas.microsoft.com/office/powerpoint/2010/main" val="2165740222"/>
       </p:ext>
     </p:extLst>
   </p:cSld>
@@ -16386,7 +16669,7 @@
             <a:pPr algn="ctr"/>
             <a:r>
               <a:rPr lang="en-US" sz="6600" dirty="0"/>
-              <a:t>#3 Long Running SIGs</a:t>
+              <a:t>#1 Write ADRs</a:t>
             </a:r>
           </a:p>
         </p:txBody>
@@ -16394,7 +16677,7 @@
     </p:spTree>
     <p:extLst>
       <p:ext uri="{BB962C8B-B14F-4D97-AF65-F5344CB8AC3E}">
-        <p14:creationId xmlns:p14="http://schemas.microsoft.com/office/powerpoint/2010/main" val="485757986"/>
+        <p14:creationId xmlns:p14="http://schemas.microsoft.com/office/powerpoint/2010/main" val="2871683733"/>
       </p:ext>
     </p:extLst>
   </p:cSld>
@@ -16460,7 +16743,7 @@
             <a:pPr algn="ctr"/>
             <a:r>
               <a:rPr lang="en-US" sz="6600" dirty="0"/>
-              <a:t>SIGs = Great Places to embed Enterprise Architects</a:t>
+              <a:t>#2 Form Short-Term SIGs</a:t>
             </a:r>
           </a:p>
         </p:txBody>
@@ -16468,7 +16751,7 @@
     </p:spTree>
     <p:extLst>
       <p:ext uri="{BB962C8B-B14F-4D97-AF65-F5344CB8AC3E}">
-        <p14:creationId xmlns:p14="http://schemas.microsoft.com/office/powerpoint/2010/main" val="139522922"/>
+        <p14:creationId xmlns:p14="http://schemas.microsoft.com/office/powerpoint/2010/main" val="2637277908"/>
       </p:ext>
     </p:extLst>
   </p:cSld>
@@ -16534,7 +16817,7 @@
             <a:pPr algn="ctr"/>
             <a:r>
               <a:rPr lang="en-US" sz="6600" dirty="0"/>
-              <a:t>What about the “Architecture Review Board”?</a:t>
+              <a:t>#3 Long Running SIGs</a:t>
             </a:r>
           </a:p>
         </p:txBody>
@@ -16542,7 +16825,7 @@
     </p:spTree>
     <p:extLst>
       <p:ext uri="{BB962C8B-B14F-4D97-AF65-F5344CB8AC3E}">
-        <p14:creationId xmlns:p14="http://schemas.microsoft.com/office/powerpoint/2010/main" val="3151097888"/>
+        <p14:creationId xmlns:p14="http://schemas.microsoft.com/office/powerpoint/2010/main" val="485757986"/>
       </p:ext>
     </p:extLst>
   </p:cSld>
@@ -16608,7 +16891,7 @@
             <a:pPr algn="ctr"/>
             <a:r>
               <a:rPr lang="en-US" sz="6600" dirty="0"/>
-              <a:t>The Guild helped with one of the hardest problems: Socializing Decisions</a:t>
+              <a:t>SIGs = Great Places to embed Enterprise Architects</a:t>
             </a:r>
           </a:p>
         </p:txBody>
@@ -16616,7 +16899,7 @@
     </p:spTree>
     <p:extLst>
       <p:ext uri="{BB962C8B-B14F-4D97-AF65-F5344CB8AC3E}">
-        <p14:creationId xmlns:p14="http://schemas.microsoft.com/office/powerpoint/2010/main" val="468891399"/>
+        <p14:creationId xmlns:p14="http://schemas.microsoft.com/office/powerpoint/2010/main" val="139522922"/>
       </p:ext>
     </p:extLst>
   </p:cSld>
@@ -16632,7 +16915,7 @@
     <p:bg>
       <p:bgPr>
         <a:solidFill>
-          <a:schemeClr val="accent1"/>
+          <a:schemeClr val="accent5"/>
         </a:solidFill>
         <a:effectLst/>
       </p:bgPr>
@@ -16653,100 +16936,45 @@
       </p:grpSpPr>
       <p:sp>
         <p:nvSpPr>
-          <p:cNvPr id="2" name="TextBox 1">
+          <p:cNvPr id="2" name="Title 1">
             <a:extLst>
               <a:ext uri="{FF2B5EF4-FFF2-40B4-BE49-F238E27FC236}">
-                <a16:creationId xmlns:a16="http://schemas.microsoft.com/office/drawing/2014/main" id="{B71D1FE3-1142-814F-87DC-BB654A6F358F}"/>
+                <a16:creationId xmlns:a16="http://schemas.microsoft.com/office/drawing/2014/main" id="{C409FD33-6233-7C49-9918-532E7EC05AB5}"/>
               </a:ext>
             </a:extLst>
           </p:cNvPr>
-          <p:cNvSpPr txBox="1"/>
-          <p:nvPr/>
+          <p:cNvSpPr>
+            <a:spLocks noGrp="1"/>
+          </p:cNvSpPr>
+          <p:nvPr>
+            <p:ph type="title"/>
+          </p:nvPr>
         </p:nvSpPr>
         <p:spPr>
           <a:xfrm>
-            <a:off x="889819" y="1536173"/>
-            <a:ext cx="10412363" cy="1938992"/>
+            <a:off x="838200" y="2365324"/>
+            <a:ext cx="10515600" cy="2127352"/>
           </a:xfrm>
-          <a:prstGeom prst="rect">
-            <a:avLst/>
-          </a:prstGeom>
-          <a:noFill/>
         </p:spPr>
         <p:txBody>
-          <a:bodyPr wrap="square" rtlCol="0">
-            <a:spAutoFit/>
+          <a:bodyPr>
+            <a:noAutofit/>
           </a:bodyPr>
           <a:lstStyle/>
           <a:p>
-            <a:pPr marL="342891" indent="-342891" fontAlgn="base">
-              <a:buFont typeface="+mj-lt"/>
-              <a:buAutoNum type="arabicPeriod"/>
-            </a:pPr>
-            <a:r>
-              <a:rPr lang="en-US" sz="4000" dirty="0">
-                <a:solidFill>
-                  <a:schemeClr val="bg1"/>
-                </a:solidFill>
-              </a:rPr>
-              <a:t>Lightweight Architectural Decision Records</a:t>
-            </a:r>
-          </a:p>
-          <a:p>
-            <a:pPr marL="342891" indent="-342891" fontAlgn="base">
-              <a:buFont typeface="+mj-lt"/>
-              <a:buAutoNum type="arabicPeriod"/>
-            </a:pPr>
-            <a:r>
-              <a:rPr lang="en-US" sz="4000" dirty="0">
-                <a:solidFill>
-                  <a:schemeClr val="bg1">
-                    <a:lumMod val="75000"/>
-                  </a:schemeClr>
-                </a:solidFill>
-              </a:rPr>
-              <a:t>Enterprise Architecture Guilds</a:t>
-            </a:r>
-          </a:p>
-          <a:p>
-            <a:pPr marL="342891" indent="-342891" fontAlgn="base">
-              <a:buFont typeface="+mj-lt"/>
-              <a:buAutoNum type="arabicPeriod"/>
-            </a:pPr>
-            <a:r>
-              <a:rPr lang="en-US" sz="4000" dirty="0">
-                <a:solidFill>
-                  <a:schemeClr val="bg1">
-                    <a:lumMod val="75000"/>
-                  </a:schemeClr>
-                </a:solidFill>
-              </a:rPr>
-              <a:t>Build Reference </a:t>
-            </a:r>
-            <a:r>
-              <a:rPr lang="en-US" sz="4000" dirty="0" smtClean="0">
-                <a:solidFill>
-                  <a:schemeClr val="bg1">
-                    <a:lumMod val="75000"/>
-                  </a:schemeClr>
-                </a:solidFill>
-              </a:rPr>
-              <a:t>Implementations</a:t>
-            </a:r>
-            <a:endParaRPr lang="en-US" sz="4000" dirty="0">
-              <a:solidFill>
-                <a:schemeClr val="bg1">
-                  <a:lumMod val="75000"/>
-                </a:schemeClr>
-              </a:solidFill>
-            </a:endParaRPr>
+            <a:pPr algn="ctr"/>
+            <a:r>
+              <a:rPr lang="en-US" sz="6600" dirty="0" smtClean="0"/>
+              <a:t>The Curious Case of MongoDB</a:t>
+            </a:r>
+            <a:endParaRPr lang="en-US" sz="6600" dirty="0"/>
           </a:p>
         </p:txBody>
       </p:sp>
     </p:spTree>
     <p:extLst>
       <p:ext uri="{BB962C8B-B14F-4D97-AF65-F5344CB8AC3E}">
-        <p14:creationId xmlns:p14="http://schemas.microsoft.com/office/powerpoint/2010/main" val="1413882555"/>
+        <p14:creationId xmlns:p14="http://schemas.microsoft.com/office/powerpoint/2010/main" val="664411704"/>
       </p:ext>
     </p:extLst>
   </p:cSld>
@@ -16812,6 +17040,154 @@
             <a:pPr algn="ctr"/>
             <a:r>
               <a:rPr lang="en-US" sz="6600" dirty="0"/>
+              <a:t>What about the “Architecture Review Board”?</a:t>
+            </a:r>
+          </a:p>
+        </p:txBody>
+      </p:sp>
+    </p:spTree>
+    <p:extLst>
+      <p:ext uri="{BB962C8B-B14F-4D97-AF65-F5344CB8AC3E}">
+        <p14:creationId xmlns:p14="http://schemas.microsoft.com/office/powerpoint/2010/main" val="3151097888"/>
+      </p:ext>
+    </p:extLst>
+  </p:cSld>
+  <p:clrMapOvr>
+    <a:masterClrMapping/>
+  </p:clrMapOvr>
+</p:sld>
+</file>
+
+<file path=ppt/slides/slide51.xml><?xml version="1.0" encoding="utf-8"?>
+<p:sld xmlns:a="http://schemas.openxmlformats.org/drawingml/2006/main" xmlns:r="http://schemas.openxmlformats.org/officeDocument/2006/relationships" xmlns:p="http://schemas.openxmlformats.org/presentationml/2006/main">
+  <p:cSld>
+    <p:bg>
+      <p:bgPr>
+        <a:solidFill>
+          <a:schemeClr val="accent5"/>
+        </a:solidFill>
+        <a:effectLst/>
+      </p:bgPr>
+    </p:bg>
+    <p:spTree>
+      <p:nvGrpSpPr>
+        <p:cNvPr id="1" name=""/>
+        <p:cNvGrpSpPr/>
+        <p:nvPr/>
+      </p:nvGrpSpPr>
+      <p:grpSpPr>
+        <a:xfrm>
+          <a:off x="0" y="0"/>
+          <a:ext cx="0" cy="0"/>
+          <a:chOff x="0" y="0"/>
+          <a:chExt cx="0" cy="0"/>
+        </a:xfrm>
+      </p:grpSpPr>
+      <p:sp>
+        <p:nvSpPr>
+          <p:cNvPr id="2" name="Title 1">
+            <a:extLst>
+              <a:ext uri="{FF2B5EF4-FFF2-40B4-BE49-F238E27FC236}">
+                <a16:creationId xmlns:a16="http://schemas.microsoft.com/office/drawing/2014/main" id="{C409FD33-6233-7C49-9918-532E7EC05AB5}"/>
+              </a:ext>
+            </a:extLst>
+          </p:cNvPr>
+          <p:cNvSpPr>
+            <a:spLocks noGrp="1"/>
+          </p:cNvSpPr>
+          <p:nvPr>
+            <p:ph type="title"/>
+          </p:nvPr>
+        </p:nvSpPr>
+        <p:spPr>
+          <a:xfrm>
+            <a:off x="838200" y="2365324"/>
+            <a:ext cx="10515600" cy="2127352"/>
+          </a:xfrm>
+        </p:spPr>
+        <p:txBody>
+          <a:bodyPr>
+            <a:noAutofit/>
+          </a:bodyPr>
+          <a:lstStyle/>
+          <a:p>
+            <a:pPr algn="ctr"/>
+            <a:r>
+              <a:rPr lang="en-US" sz="6600" dirty="0"/>
+              <a:t>The Guild helped with one of the hardest problems: Socializing Decisions</a:t>
+            </a:r>
+          </a:p>
+        </p:txBody>
+      </p:sp>
+    </p:spTree>
+    <p:extLst>
+      <p:ext uri="{BB962C8B-B14F-4D97-AF65-F5344CB8AC3E}">
+        <p14:creationId xmlns:p14="http://schemas.microsoft.com/office/powerpoint/2010/main" val="468891399"/>
+      </p:ext>
+    </p:extLst>
+  </p:cSld>
+  <p:clrMapOvr>
+    <a:masterClrMapping/>
+  </p:clrMapOvr>
+</p:sld>
+</file>
+
+<file path=ppt/slides/slide52.xml><?xml version="1.0" encoding="utf-8"?>
+<p:sld xmlns:a="http://schemas.openxmlformats.org/drawingml/2006/main" xmlns:r="http://schemas.openxmlformats.org/officeDocument/2006/relationships" xmlns:p="http://schemas.openxmlformats.org/presentationml/2006/main">
+  <p:cSld>
+    <p:bg>
+      <p:bgPr>
+        <a:solidFill>
+          <a:schemeClr val="accent5"/>
+        </a:solidFill>
+        <a:effectLst/>
+      </p:bgPr>
+    </p:bg>
+    <p:spTree>
+      <p:nvGrpSpPr>
+        <p:cNvPr id="1" name=""/>
+        <p:cNvGrpSpPr/>
+        <p:nvPr/>
+      </p:nvGrpSpPr>
+      <p:grpSpPr>
+        <a:xfrm>
+          <a:off x="0" y="0"/>
+          <a:ext cx="0" cy="0"/>
+          <a:chOff x="0" y="0"/>
+          <a:chExt cx="0" cy="0"/>
+        </a:xfrm>
+      </p:grpSpPr>
+      <p:sp>
+        <p:nvSpPr>
+          <p:cNvPr id="2" name="Title 1">
+            <a:extLst>
+              <a:ext uri="{FF2B5EF4-FFF2-40B4-BE49-F238E27FC236}">
+                <a16:creationId xmlns:a16="http://schemas.microsoft.com/office/drawing/2014/main" id="{C409FD33-6233-7C49-9918-532E7EC05AB5}"/>
+              </a:ext>
+            </a:extLst>
+          </p:cNvPr>
+          <p:cNvSpPr>
+            <a:spLocks noGrp="1"/>
+          </p:cNvSpPr>
+          <p:nvPr>
+            <p:ph type="title"/>
+          </p:nvPr>
+        </p:nvSpPr>
+        <p:spPr>
+          <a:xfrm>
+            <a:off x="838200" y="2365324"/>
+            <a:ext cx="10515600" cy="2127352"/>
+          </a:xfrm>
+        </p:spPr>
+        <p:txBody>
+          <a:bodyPr>
+            <a:noAutofit/>
+          </a:bodyPr>
+          <a:lstStyle/>
+          <a:p>
+            <a:pPr algn="ctr"/>
+            <a:r>
+              <a:rPr lang="en-US" sz="6600" dirty="0"/>
               <a:t>What did these meetings look like?</a:t>
             </a:r>
           </a:p>
@@ -16830,7 +17206,7 @@
 </p:sld>
 </file>
 
-<file path=ppt/slides/slide51.xml><?xml version="1.0" encoding="utf-8"?>
+<file path=ppt/slides/slide53.xml><?xml version="1.0" encoding="utf-8"?>
 <p:sld xmlns:a="http://schemas.openxmlformats.org/drawingml/2006/main" xmlns:r="http://schemas.openxmlformats.org/officeDocument/2006/relationships" xmlns:p="http://schemas.openxmlformats.org/presentationml/2006/main">
   <p:cSld>
     <p:bg>
@@ -17169,7 +17545,7 @@
 </p:sld>
 </file>
 
-<file path=ppt/slides/slide52.xml><?xml version="1.0" encoding="utf-8"?>
+<file path=ppt/slides/slide54.xml><?xml version="1.0" encoding="utf-8"?>
 <p:sld xmlns:a="http://schemas.openxmlformats.org/drawingml/2006/main" xmlns:r="http://schemas.openxmlformats.org/officeDocument/2006/relationships" xmlns:p="http://schemas.openxmlformats.org/presentationml/2006/main">
   <p:cSld>
     <p:bg>
@@ -17295,7 +17671,7 @@
 </p:sld>
 </file>
 
-<file path=ppt/slides/slide53.xml><?xml version="1.0" encoding="utf-8"?>
+<file path=ppt/slides/slide55.xml><?xml version="1.0" encoding="utf-8"?>
 <p:sld xmlns:a="http://schemas.openxmlformats.org/drawingml/2006/main" xmlns:r="http://schemas.openxmlformats.org/officeDocument/2006/relationships" xmlns:p="http://schemas.openxmlformats.org/presentationml/2006/main">
   <p:cSld>
     <p:bg>
@@ -17679,166 +18055,6 @@
 </p:sld>
 </file>
 
-<file path=ppt/slides/slide54.xml><?xml version="1.0" encoding="utf-8"?>
-<p:sld xmlns:a="http://schemas.openxmlformats.org/drawingml/2006/main" xmlns:r="http://schemas.openxmlformats.org/officeDocument/2006/relationships" xmlns:p="http://schemas.openxmlformats.org/presentationml/2006/main">
-  <p:cSld>
-    <p:bg>
-      <p:bgPr>
-        <a:solidFill>
-          <a:schemeClr val="accent5"/>
-        </a:solidFill>
-        <a:effectLst/>
-      </p:bgPr>
-    </p:bg>
-    <p:spTree>
-      <p:nvGrpSpPr>
-        <p:cNvPr id="1" name=""/>
-        <p:cNvGrpSpPr/>
-        <p:nvPr/>
-      </p:nvGrpSpPr>
-      <p:grpSpPr>
-        <a:xfrm>
-          <a:off x="0" y="0"/>
-          <a:ext cx="0" cy="0"/>
-          <a:chOff x="0" y="0"/>
-          <a:chExt cx="0" cy="0"/>
-        </a:xfrm>
-      </p:grpSpPr>
-      <p:sp>
-        <p:nvSpPr>
-          <p:cNvPr id="2" name="Title 1">
-            <a:extLst>
-              <a:ext uri="{FF2B5EF4-FFF2-40B4-BE49-F238E27FC236}">
-                <a16:creationId xmlns:a16="http://schemas.microsoft.com/office/drawing/2014/main" id="{C409FD33-6233-7C49-9918-532E7EC05AB5}"/>
-              </a:ext>
-            </a:extLst>
-          </p:cNvPr>
-          <p:cNvSpPr>
-            <a:spLocks noGrp="1"/>
-          </p:cNvSpPr>
-          <p:nvPr>
-            <p:ph type="title"/>
-          </p:nvPr>
-        </p:nvSpPr>
-        <p:spPr>
-          <a:xfrm>
-            <a:off x="838200" y="2365324"/>
-            <a:ext cx="10515600" cy="2127352"/>
-          </a:xfrm>
-        </p:spPr>
-        <p:txBody>
-          <a:bodyPr>
-            <a:noAutofit/>
-          </a:bodyPr>
-          <a:lstStyle/>
-          <a:p>
-            <a:pPr algn="ctr"/>
-            <a:r>
-              <a:rPr lang="en-US" sz="6600" dirty="0"/>
-              <a:t>Complex Environment?</a:t>
-            </a:r>
-            <a:br>
-              <a:rPr lang="en-US" sz="6600" dirty="0"/>
-            </a:br>
-            <a:r>
-              <a:rPr lang="en-US" sz="6600" dirty="0"/>
-              <a:t>You </a:t>
-            </a:r>
-            <a:r>
-              <a:rPr lang="en-US" sz="6600" dirty="0" err="1"/>
-              <a:t>betcha</a:t>
-            </a:r>
-            <a:endParaRPr lang="en-US" sz="6600" dirty="0"/>
-          </a:p>
-        </p:txBody>
-      </p:sp>
-    </p:spTree>
-    <p:extLst>
-      <p:ext uri="{BB962C8B-B14F-4D97-AF65-F5344CB8AC3E}">
-        <p14:creationId xmlns:p14="http://schemas.microsoft.com/office/powerpoint/2010/main" val="3759570375"/>
-      </p:ext>
-    </p:extLst>
-  </p:cSld>
-  <p:clrMapOvr>
-    <a:masterClrMapping/>
-  </p:clrMapOvr>
-</p:sld>
-</file>
-
-<file path=ppt/slides/slide55.xml><?xml version="1.0" encoding="utf-8"?>
-<p:sld xmlns:a="http://schemas.openxmlformats.org/drawingml/2006/main" xmlns:r="http://schemas.openxmlformats.org/officeDocument/2006/relationships" xmlns:p="http://schemas.openxmlformats.org/presentationml/2006/main">
-  <p:cSld>
-    <p:bg>
-      <p:bgPr>
-        <a:solidFill>
-          <a:schemeClr val="accent5"/>
-        </a:solidFill>
-        <a:effectLst/>
-      </p:bgPr>
-    </p:bg>
-    <p:spTree>
-      <p:nvGrpSpPr>
-        <p:cNvPr id="1" name=""/>
-        <p:cNvGrpSpPr/>
-        <p:nvPr/>
-      </p:nvGrpSpPr>
-      <p:grpSpPr>
-        <a:xfrm>
-          <a:off x="0" y="0"/>
-          <a:ext cx="0" cy="0"/>
-          <a:chOff x="0" y="0"/>
-          <a:chExt cx="0" cy="0"/>
-        </a:xfrm>
-      </p:grpSpPr>
-      <p:sp>
-        <p:nvSpPr>
-          <p:cNvPr id="2" name="Title 1">
-            <a:extLst>
-              <a:ext uri="{FF2B5EF4-FFF2-40B4-BE49-F238E27FC236}">
-                <a16:creationId xmlns:a16="http://schemas.microsoft.com/office/drawing/2014/main" id="{C409FD33-6233-7C49-9918-532E7EC05AB5}"/>
-              </a:ext>
-            </a:extLst>
-          </p:cNvPr>
-          <p:cNvSpPr>
-            <a:spLocks noGrp="1"/>
-          </p:cNvSpPr>
-          <p:nvPr>
-            <p:ph type="title"/>
-          </p:nvPr>
-        </p:nvSpPr>
-        <p:spPr>
-          <a:xfrm>
-            <a:off x="838200" y="2365324"/>
-            <a:ext cx="10515600" cy="2127352"/>
-          </a:xfrm>
-        </p:spPr>
-        <p:txBody>
-          <a:bodyPr>
-            <a:noAutofit/>
-          </a:bodyPr>
-          <a:lstStyle/>
-          <a:p>
-            <a:pPr algn="ctr"/>
-            <a:r>
-              <a:rPr lang="en-US" sz="6600" dirty="0"/>
-              <a:t>Reference Application Baked In Best Practices</a:t>
-            </a:r>
-          </a:p>
-        </p:txBody>
-      </p:sp>
-    </p:spTree>
-    <p:extLst>
-      <p:ext uri="{BB962C8B-B14F-4D97-AF65-F5344CB8AC3E}">
-        <p14:creationId xmlns:p14="http://schemas.microsoft.com/office/powerpoint/2010/main" val="3653919622"/>
-      </p:ext>
-    </p:extLst>
-  </p:cSld>
-  <p:clrMapOvr>
-    <a:masterClrMapping/>
-  </p:clrMapOvr>
-</p:sld>
-</file>
-
 <file path=ppt/slides/slide56.xml><?xml version="1.0" encoding="utf-8"?>
 <p:sld xmlns:a="http://schemas.openxmlformats.org/drawingml/2006/main" xmlns:r="http://schemas.openxmlformats.org/officeDocument/2006/relationships" xmlns:p="http://schemas.openxmlformats.org/presentationml/2006/main">
   <p:cSld>
@@ -17895,15 +18111,27 @@
             <a:pPr algn="ctr"/>
             <a:r>
               <a:rPr lang="en-US" sz="6600" dirty="0"/>
-              <a:t>Linting Rules</a:t>
-            </a:r>
+              <a:t>Complex Environment?</a:t>
+            </a:r>
+            <a:br>
+              <a:rPr lang="en-US" sz="6600" dirty="0"/>
+            </a:br>
+            <a:r>
+              <a:rPr lang="en-US" sz="6600" dirty="0"/>
+              <a:t>You </a:t>
+            </a:r>
+            <a:r>
+              <a:rPr lang="en-US" sz="6600" dirty="0" err="1"/>
+              <a:t>betcha</a:t>
+            </a:r>
+            <a:endParaRPr lang="en-US" sz="6600" dirty="0"/>
           </a:p>
         </p:txBody>
       </p:sp>
     </p:spTree>
     <p:extLst>
       <p:ext uri="{BB962C8B-B14F-4D97-AF65-F5344CB8AC3E}">
-        <p14:creationId xmlns:p14="http://schemas.microsoft.com/office/powerpoint/2010/main" val="2286172921"/>
+        <p14:creationId xmlns:p14="http://schemas.microsoft.com/office/powerpoint/2010/main" val="3759570375"/>
       </p:ext>
     </p:extLst>
   </p:cSld>
@@ -17969,7 +18197,7 @@
             <a:pPr algn="ctr"/>
             <a:r>
               <a:rPr lang="en-US" sz="6600" dirty="0"/>
-              <a:t>Static Code Analysis</a:t>
+              <a:t>Reference Application Baked In Best Practices</a:t>
             </a:r>
           </a:p>
         </p:txBody>
@@ -17977,7 +18205,7 @@
     </p:spTree>
     <p:extLst>
       <p:ext uri="{BB962C8B-B14F-4D97-AF65-F5344CB8AC3E}">
-        <p14:creationId xmlns:p14="http://schemas.microsoft.com/office/powerpoint/2010/main" val="406180384"/>
+        <p14:creationId xmlns:p14="http://schemas.microsoft.com/office/powerpoint/2010/main" val="3653919622"/>
       </p:ext>
     </p:extLst>
   </p:cSld>
@@ -18043,7 +18271,7 @@
             <a:pPr algn="ctr"/>
             <a:r>
               <a:rPr lang="en-US" sz="6600" dirty="0"/>
-              <a:t>Security</a:t>
+              <a:t>Linting Rules</a:t>
             </a:r>
           </a:p>
         </p:txBody>
@@ -18051,7 +18279,7 @@
     </p:spTree>
     <p:extLst>
       <p:ext uri="{BB962C8B-B14F-4D97-AF65-F5344CB8AC3E}">
-        <p14:creationId xmlns:p14="http://schemas.microsoft.com/office/powerpoint/2010/main" val="2508319854"/>
+        <p14:creationId xmlns:p14="http://schemas.microsoft.com/office/powerpoint/2010/main" val="2286172921"/>
       </p:ext>
     </p:extLst>
   </p:cSld>
@@ -18117,7 +18345,7 @@
             <a:pPr algn="ctr"/>
             <a:r>
               <a:rPr lang="en-US" sz="6600" dirty="0"/>
-              <a:t>Everything you need to get started just writing code</a:t>
+              <a:t>Static Code Analysis</a:t>
             </a:r>
           </a:p>
         </p:txBody>
@@ -18125,7 +18353,7 @@
     </p:spTree>
     <p:extLst>
       <p:ext uri="{BB962C8B-B14F-4D97-AF65-F5344CB8AC3E}">
-        <p14:creationId xmlns:p14="http://schemas.microsoft.com/office/powerpoint/2010/main" val="1405293278"/>
+        <p14:creationId xmlns:p14="http://schemas.microsoft.com/office/powerpoint/2010/main" val="406180384"/>
       </p:ext>
     </p:extLst>
   </p:cSld>
@@ -18141,7 +18369,7 @@
     <p:bg>
       <p:bgPr>
         <a:solidFill>
-          <a:schemeClr val="accent5"/>
+          <a:schemeClr val="accent1"/>
         </a:solidFill>
         <a:effectLst/>
       </p:bgPr>
@@ -18162,53 +18390,10 @@
       </p:grpSpPr>
       <p:sp>
         <p:nvSpPr>
-          <p:cNvPr id="2" name="Title 1">
+          <p:cNvPr id="2" name="TextBox 1">
             <a:extLst>
               <a:ext uri="{FF2B5EF4-FFF2-40B4-BE49-F238E27FC236}">
-                <a16:creationId xmlns:a16="http://schemas.microsoft.com/office/drawing/2014/main" id="{C409FD33-6233-7C49-9918-532E7EC05AB5}"/>
-              </a:ext>
-            </a:extLst>
-          </p:cNvPr>
-          <p:cNvSpPr>
-            <a:spLocks noGrp="1"/>
-          </p:cNvSpPr>
-          <p:nvPr>
-            <p:ph type="title"/>
-          </p:nvPr>
-        </p:nvSpPr>
-        <p:spPr>
-          <a:xfrm>
-            <a:off x="911941" y="1356852"/>
-            <a:ext cx="10515600" cy="3701845"/>
-          </a:xfrm>
-        </p:spPr>
-        <p:txBody>
-          <a:bodyPr>
-            <a:noAutofit/>
-          </a:bodyPr>
-          <a:lstStyle/>
-          <a:p>
-            <a:pPr algn="ctr"/>
-            <a:r>
-              <a:rPr lang="en-US" sz="6600" i="1" dirty="0"/>
-              <a:t>Why did we decide to do </a:t>
-            </a:r>
-            <a:br>
-              <a:rPr lang="en-US" sz="6600" i="1" dirty="0"/>
-            </a:br>
-            <a:r>
-              <a:rPr lang="en-US" sz="6600" i="1" dirty="0"/>
-              <a:t>it this way?</a:t>
-            </a:r>
-          </a:p>
-        </p:txBody>
-      </p:sp>
-      <p:sp>
-        <p:nvSpPr>
-          <p:cNvPr id="3" name="TextBox 2">
-            <a:extLst>
-              <a:ext uri="{FF2B5EF4-FFF2-40B4-BE49-F238E27FC236}">
-                <a16:creationId xmlns:a16="http://schemas.microsoft.com/office/drawing/2014/main" id="{180F9816-E23D-C346-9BF5-23F1DA87B087}"/>
+                <a16:creationId xmlns:a16="http://schemas.microsoft.com/office/drawing/2014/main" id="{B71D1FE3-1142-814F-87DC-BB654A6F358F}"/>
               </a:ext>
             </a:extLst>
           </p:cNvPr>
@@ -18217,8 +18402,8 @@
         </p:nvSpPr>
         <p:spPr>
           <a:xfrm>
-            <a:off x="2913915" y="4424516"/>
-            <a:ext cx="6561412" cy="369332"/>
+            <a:off x="889819" y="1536173"/>
+            <a:ext cx="10412363" cy="1938992"/>
           </a:xfrm>
           <a:prstGeom prst="rect">
             <a:avLst/>
@@ -18226,22 +18411,71 @@
           <a:noFill/>
         </p:spPr>
         <p:txBody>
-          <a:bodyPr wrap="none" rtlCol="0">
+          <a:bodyPr wrap="square" rtlCol="0">
             <a:spAutoFit/>
           </a:bodyPr>
           <a:lstStyle/>
           <a:p>
-            <a:r>
-              <a:rPr lang="en-US" dirty="0"/>
-              <a:t>-- Every developer in history, twelve months after making a decision</a:t>
-            </a:r>
+            <a:pPr marL="342891" indent="-342891" fontAlgn="base">
+              <a:buFont typeface="+mj-lt"/>
+              <a:buAutoNum type="arabicPeriod"/>
+            </a:pPr>
+            <a:r>
+              <a:rPr lang="en-US" sz="4000" dirty="0">
+                <a:solidFill>
+                  <a:schemeClr val="bg1"/>
+                </a:solidFill>
+              </a:rPr>
+              <a:t>Lightweight Architectural Decision Records</a:t>
+            </a:r>
+          </a:p>
+          <a:p>
+            <a:pPr marL="342891" indent="-342891" fontAlgn="base">
+              <a:buFont typeface="+mj-lt"/>
+              <a:buAutoNum type="arabicPeriod"/>
+            </a:pPr>
+            <a:r>
+              <a:rPr lang="en-US" sz="4000" dirty="0">
+                <a:solidFill>
+                  <a:schemeClr val="bg1"/>
+                </a:solidFill>
+              </a:rPr>
+              <a:t>Enterprise Architecture Guilds</a:t>
+            </a:r>
+          </a:p>
+          <a:p>
+            <a:pPr marL="342891" indent="-342891" fontAlgn="base">
+              <a:buFont typeface="+mj-lt"/>
+              <a:buAutoNum type="arabicPeriod"/>
+            </a:pPr>
+            <a:r>
+              <a:rPr lang="en-US" sz="4000" dirty="0">
+                <a:solidFill>
+                  <a:schemeClr val="bg1"/>
+                </a:solidFill>
+              </a:rPr>
+              <a:t>Build Reference </a:t>
+            </a:r>
+            <a:r>
+              <a:rPr lang="en-US" sz="4000" dirty="0" smtClean="0">
+                <a:solidFill>
+                  <a:schemeClr val="bg1"/>
+                </a:solidFill>
+              </a:rPr>
+              <a:t>Implementations</a:t>
+            </a:r>
+            <a:endParaRPr lang="en-US" sz="4000" dirty="0">
+              <a:solidFill>
+                <a:schemeClr val="bg1"/>
+              </a:solidFill>
+            </a:endParaRPr>
           </a:p>
         </p:txBody>
       </p:sp>
     </p:spTree>
     <p:extLst>
       <p:ext uri="{BB962C8B-B14F-4D97-AF65-F5344CB8AC3E}">
-        <p14:creationId xmlns:p14="http://schemas.microsoft.com/office/powerpoint/2010/main" val="463942641"/>
+        <p14:creationId xmlns:p14="http://schemas.microsoft.com/office/powerpoint/2010/main" val="1906664439"/>
       </p:ext>
     </p:extLst>
   </p:cSld>
@@ -18307,7 +18541,7 @@
             <a:pPr algn="ctr"/>
             <a:r>
               <a:rPr lang="en-US" sz="6600" dirty="0"/>
-              <a:t>Did It Work?</a:t>
+              <a:t>Security</a:t>
             </a:r>
           </a:p>
         </p:txBody>
@@ -18315,7 +18549,7 @@
     </p:spTree>
     <p:extLst>
       <p:ext uri="{BB962C8B-B14F-4D97-AF65-F5344CB8AC3E}">
-        <p14:creationId xmlns:p14="http://schemas.microsoft.com/office/powerpoint/2010/main" val="1864778523"/>
+        <p14:creationId xmlns:p14="http://schemas.microsoft.com/office/powerpoint/2010/main" val="2508319854"/>
       </p:ext>
     </p:extLst>
   </p:cSld>
@@ -18381,14 +18615,7 @@
             <a:pPr algn="ctr"/>
             <a:r>
               <a:rPr lang="en-US" sz="6600" dirty="0"/>
-              <a:t>Other Reference</a:t>
-            </a:r>
-            <a:br>
-              <a:rPr lang="en-US" sz="6600" dirty="0"/>
-            </a:br>
-            <a:r>
-              <a:rPr lang="en-US" sz="6600" dirty="0"/>
-              <a:t>Implementations</a:t>
+              <a:t>Everything you need to get started just writing code</a:t>
             </a:r>
           </a:p>
         </p:txBody>
@@ -18396,7 +18623,7 @@
     </p:spTree>
     <p:extLst>
       <p:ext uri="{BB962C8B-B14F-4D97-AF65-F5344CB8AC3E}">
-        <p14:creationId xmlns:p14="http://schemas.microsoft.com/office/powerpoint/2010/main" val="1431407279"/>
+        <p14:creationId xmlns:p14="http://schemas.microsoft.com/office/powerpoint/2010/main" val="1405293278"/>
       </p:ext>
     </p:extLst>
   </p:cSld>
@@ -18462,14 +18689,7 @@
             <a:pPr algn="ctr"/>
             <a:r>
               <a:rPr lang="en-US" sz="6600" dirty="0"/>
-              <a:t>Implicit Commitment</a:t>
-            </a:r>
-            <a:br>
-              <a:rPr lang="en-US" sz="6600" dirty="0"/>
-            </a:br>
-            <a:r>
-              <a:rPr lang="en-US" sz="6600" dirty="0"/>
-              <a:t>to Maintain</a:t>
+              <a:t>Did It Work?</a:t>
             </a:r>
           </a:p>
         </p:txBody>
@@ -18477,7 +18697,7 @@
     </p:spTree>
     <p:extLst>
       <p:ext uri="{BB962C8B-B14F-4D97-AF65-F5344CB8AC3E}">
-        <p14:creationId xmlns:p14="http://schemas.microsoft.com/office/powerpoint/2010/main" val="2486915822"/>
+        <p14:creationId xmlns:p14="http://schemas.microsoft.com/office/powerpoint/2010/main" val="1864778523"/>
       </p:ext>
     </p:extLst>
   </p:cSld>
@@ -18543,7 +18763,14 @@
             <a:pPr algn="ctr"/>
             <a:r>
               <a:rPr lang="en-US" sz="6600" dirty="0"/>
-              <a:t>Well Worth the Effort</a:t>
+              <a:t>Other Reference</a:t>
+            </a:r>
+            <a:br>
+              <a:rPr lang="en-US" sz="6600" dirty="0"/>
+            </a:br>
+            <a:r>
+              <a:rPr lang="en-US" sz="6600" dirty="0"/>
+              <a:t>Implementations</a:t>
             </a:r>
           </a:p>
         </p:txBody>
@@ -18551,7 +18778,7 @@
     </p:spTree>
     <p:extLst>
       <p:ext uri="{BB962C8B-B14F-4D97-AF65-F5344CB8AC3E}">
-        <p14:creationId xmlns:p14="http://schemas.microsoft.com/office/powerpoint/2010/main" val="783352059"/>
+        <p14:creationId xmlns:p14="http://schemas.microsoft.com/office/powerpoint/2010/main" val="1431407279"/>
       </p:ext>
     </p:extLst>
   </p:cSld>
@@ -18617,6 +18844,161 @@
             <a:pPr algn="ctr"/>
             <a:r>
               <a:rPr lang="en-US" sz="6600" dirty="0"/>
+              <a:t>Implicit Commitment</a:t>
+            </a:r>
+            <a:br>
+              <a:rPr lang="en-US" sz="6600" dirty="0"/>
+            </a:br>
+            <a:r>
+              <a:rPr lang="en-US" sz="6600" dirty="0"/>
+              <a:t>to Maintain</a:t>
+            </a:r>
+          </a:p>
+        </p:txBody>
+      </p:sp>
+    </p:spTree>
+    <p:extLst>
+      <p:ext uri="{BB962C8B-B14F-4D97-AF65-F5344CB8AC3E}">
+        <p14:creationId xmlns:p14="http://schemas.microsoft.com/office/powerpoint/2010/main" val="2486915822"/>
+      </p:ext>
+    </p:extLst>
+  </p:cSld>
+  <p:clrMapOvr>
+    <a:masterClrMapping/>
+  </p:clrMapOvr>
+</p:sld>
+</file>
+
+<file path=ppt/slides/slide65.xml><?xml version="1.0" encoding="utf-8"?>
+<p:sld xmlns:a="http://schemas.openxmlformats.org/drawingml/2006/main" xmlns:r="http://schemas.openxmlformats.org/officeDocument/2006/relationships" xmlns:p="http://schemas.openxmlformats.org/presentationml/2006/main">
+  <p:cSld>
+    <p:bg>
+      <p:bgPr>
+        <a:solidFill>
+          <a:schemeClr val="accent5"/>
+        </a:solidFill>
+        <a:effectLst/>
+      </p:bgPr>
+    </p:bg>
+    <p:spTree>
+      <p:nvGrpSpPr>
+        <p:cNvPr id="1" name=""/>
+        <p:cNvGrpSpPr/>
+        <p:nvPr/>
+      </p:nvGrpSpPr>
+      <p:grpSpPr>
+        <a:xfrm>
+          <a:off x="0" y="0"/>
+          <a:ext cx="0" cy="0"/>
+          <a:chOff x="0" y="0"/>
+          <a:chExt cx="0" cy="0"/>
+        </a:xfrm>
+      </p:grpSpPr>
+      <p:sp>
+        <p:nvSpPr>
+          <p:cNvPr id="2" name="Title 1">
+            <a:extLst>
+              <a:ext uri="{FF2B5EF4-FFF2-40B4-BE49-F238E27FC236}">
+                <a16:creationId xmlns:a16="http://schemas.microsoft.com/office/drawing/2014/main" id="{C409FD33-6233-7C49-9918-532E7EC05AB5}"/>
+              </a:ext>
+            </a:extLst>
+          </p:cNvPr>
+          <p:cNvSpPr>
+            <a:spLocks noGrp="1"/>
+          </p:cNvSpPr>
+          <p:nvPr>
+            <p:ph type="title"/>
+          </p:nvPr>
+        </p:nvSpPr>
+        <p:spPr>
+          <a:xfrm>
+            <a:off x="838200" y="2365324"/>
+            <a:ext cx="10515600" cy="2127352"/>
+          </a:xfrm>
+        </p:spPr>
+        <p:txBody>
+          <a:bodyPr>
+            <a:noAutofit/>
+          </a:bodyPr>
+          <a:lstStyle/>
+          <a:p>
+            <a:pPr algn="ctr"/>
+            <a:r>
+              <a:rPr lang="en-US" sz="6600" dirty="0"/>
+              <a:t>Well Worth the Effort</a:t>
+            </a:r>
+          </a:p>
+        </p:txBody>
+      </p:sp>
+    </p:spTree>
+    <p:extLst>
+      <p:ext uri="{BB962C8B-B14F-4D97-AF65-F5344CB8AC3E}">
+        <p14:creationId xmlns:p14="http://schemas.microsoft.com/office/powerpoint/2010/main" val="783352059"/>
+      </p:ext>
+    </p:extLst>
+  </p:cSld>
+  <p:clrMapOvr>
+    <a:masterClrMapping/>
+  </p:clrMapOvr>
+</p:sld>
+</file>
+
+<file path=ppt/slides/slide66.xml><?xml version="1.0" encoding="utf-8"?>
+<p:sld xmlns:a="http://schemas.openxmlformats.org/drawingml/2006/main" xmlns:r="http://schemas.openxmlformats.org/officeDocument/2006/relationships" xmlns:p="http://schemas.openxmlformats.org/presentationml/2006/main">
+  <p:cSld>
+    <p:bg>
+      <p:bgPr>
+        <a:solidFill>
+          <a:schemeClr val="accent5"/>
+        </a:solidFill>
+        <a:effectLst/>
+      </p:bgPr>
+    </p:bg>
+    <p:spTree>
+      <p:nvGrpSpPr>
+        <p:cNvPr id="1" name=""/>
+        <p:cNvGrpSpPr/>
+        <p:nvPr/>
+      </p:nvGrpSpPr>
+      <p:grpSpPr>
+        <a:xfrm>
+          <a:off x="0" y="0"/>
+          <a:ext cx="0" cy="0"/>
+          <a:chOff x="0" y="0"/>
+          <a:chExt cx="0" cy="0"/>
+        </a:xfrm>
+      </p:grpSpPr>
+      <p:sp>
+        <p:nvSpPr>
+          <p:cNvPr id="2" name="Title 1">
+            <a:extLst>
+              <a:ext uri="{FF2B5EF4-FFF2-40B4-BE49-F238E27FC236}">
+                <a16:creationId xmlns:a16="http://schemas.microsoft.com/office/drawing/2014/main" id="{C409FD33-6233-7C49-9918-532E7EC05AB5}"/>
+              </a:ext>
+            </a:extLst>
+          </p:cNvPr>
+          <p:cNvSpPr>
+            <a:spLocks noGrp="1"/>
+          </p:cNvSpPr>
+          <p:nvPr>
+            <p:ph type="title"/>
+          </p:nvPr>
+        </p:nvSpPr>
+        <p:spPr>
+          <a:xfrm>
+            <a:off x="838200" y="2365324"/>
+            <a:ext cx="10515600" cy="2127352"/>
+          </a:xfrm>
+        </p:spPr>
+        <p:txBody>
+          <a:bodyPr>
+            <a:noAutofit/>
+          </a:bodyPr>
+          <a:lstStyle/>
+          <a:p>
+            <a:pPr algn="ctr"/>
+            <a:r>
+              <a:rPr lang="en-US" sz="6600" dirty="0"/>
               <a:t>Bonus </a:t>
             </a:r>
             <a:r>
@@ -18655,7 +19037,7 @@
 </p:sld>
 </file>
 
-<file path=ppt/slides/slide65.xml><?xml version="1.0" encoding="utf-8"?>
+<file path=ppt/slides/slide67.xml><?xml version="1.0" encoding="utf-8"?>
 <p:sld xmlns:a="http://schemas.openxmlformats.org/drawingml/2006/main" xmlns:r="http://schemas.openxmlformats.org/officeDocument/2006/relationships" xmlns:p="http://schemas.openxmlformats.org/presentationml/2006/main">
   <p:cSld>
     <p:bg>
@@ -18733,7 +19115,7 @@
 </p:sld>
 </file>
 
-<file path=ppt/slides/slide66.xml><?xml version="1.0" encoding="utf-8"?>
+<file path=ppt/slides/slide68.xml><?xml version="1.0" encoding="utf-8"?>
 <p:sld xmlns:a="http://schemas.openxmlformats.org/drawingml/2006/main" xmlns:r="http://schemas.openxmlformats.org/officeDocument/2006/relationships" xmlns:p="http://schemas.openxmlformats.org/presentationml/2006/main">
   <p:cSld>
     <p:bg>
@@ -18901,7 +19283,7 @@
     <p:bg>
       <p:bgPr>
         <a:solidFill>
-          <a:schemeClr val="accent5"/>
+          <a:schemeClr val="accent1"/>
         </a:solidFill>
         <a:effectLst/>
       </p:bgPr>
@@ -18922,44 +19304,100 @@
       </p:grpSpPr>
       <p:sp>
         <p:nvSpPr>
-          <p:cNvPr id="2" name="Title 1">
+          <p:cNvPr id="2" name="TextBox 1">
             <a:extLst>
               <a:ext uri="{FF2B5EF4-FFF2-40B4-BE49-F238E27FC236}">
-                <a16:creationId xmlns:a16="http://schemas.microsoft.com/office/drawing/2014/main" id="{C409FD33-6233-7C49-9918-532E7EC05AB5}"/>
+                <a16:creationId xmlns:a16="http://schemas.microsoft.com/office/drawing/2014/main" id="{B71D1FE3-1142-814F-87DC-BB654A6F358F}"/>
               </a:ext>
             </a:extLst>
           </p:cNvPr>
-          <p:cNvSpPr>
-            <a:spLocks noGrp="1"/>
-          </p:cNvSpPr>
-          <p:nvPr>
-            <p:ph type="title"/>
-          </p:nvPr>
+          <p:cNvSpPr txBox="1"/>
+          <p:nvPr/>
         </p:nvSpPr>
         <p:spPr>
           <a:xfrm>
-            <a:off x="838200" y="2365324"/>
-            <a:ext cx="10515600" cy="2127352"/>
+            <a:off x="889819" y="1536173"/>
+            <a:ext cx="10412363" cy="1938992"/>
           </a:xfrm>
+          <a:prstGeom prst="rect">
+            <a:avLst/>
+          </a:prstGeom>
+          <a:noFill/>
         </p:spPr>
         <p:txBody>
-          <a:bodyPr>
-            <a:noAutofit/>
+          <a:bodyPr wrap="square" rtlCol="0">
+            <a:spAutoFit/>
           </a:bodyPr>
           <a:lstStyle/>
           <a:p>
-            <a:pPr algn="ctr"/>
-            <a:r>
-              <a:rPr lang="en-US" sz="6600" dirty="0"/>
-              <a:t>We aren’t good at:</a:t>
-            </a:r>
+            <a:pPr marL="342891" indent="-342891" fontAlgn="base">
+              <a:buFont typeface="+mj-lt"/>
+              <a:buAutoNum type="arabicPeriod"/>
+            </a:pPr>
+            <a:r>
+              <a:rPr lang="en-US" sz="4000" dirty="0">
+                <a:solidFill>
+                  <a:schemeClr val="bg1"/>
+                </a:solidFill>
+              </a:rPr>
+              <a:t>Lightweight Architectural Decision Records</a:t>
+            </a:r>
+          </a:p>
+          <a:p>
+            <a:pPr marL="342891" indent="-342891" fontAlgn="base">
+              <a:buFont typeface="+mj-lt"/>
+              <a:buAutoNum type="arabicPeriod"/>
+            </a:pPr>
+            <a:r>
+              <a:rPr lang="en-US" sz="4000" dirty="0">
+                <a:solidFill>
+                  <a:schemeClr val="bg1">
+                    <a:lumMod val="75000"/>
+                  </a:schemeClr>
+                </a:solidFill>
+              </a:rPr>
+              <a:t>Enterprise Architecture Guilds</a:t>
+            </a:r>
+          </a:p>
+          <a:p>
+            <a:pPr marL="342891" indent="-342891" fontAlgn="base">
+              <a:buFont typeface="+mj-lt"/>
+              <a:buAutoNum type="arabicPeriod"/>
+            </a:pPr>
+            <a:r>
+              <a:rPr lang="en-US" sz="4000" dirty="0">
+                <a:solidFill>
+                  <a:schemeClr val="bg1">
+                    <a:lumMod val="75000"/>
+                  </a:schemeClr>
+                </a:solidFill>
+              </a:rPr>
+              <a:t>Build Reference </a:t>
+            </a:r>
+            <a:r>
+              <a:rPr lang="en-US" sz="4000" dirty="0" smtClean="0">
+                <a:solidFill>
+                  <a:schemeClr val="bg1">
+                    <a:lumMod val="75000"/>
+                  </a:schemeClr>
+                </a:solidFill>
+              </a:rPr>
+              <a:t>Implementations</a:t>
+            </a:r>
+            <a:endParaRPr lang="en-US" sz="4000" dirty="0">
+              <a:solidFill>
+                <a:schemeClr val="bg1">
+                  <a:lumMod val="75000"/>
+                </a:schemeClr>
+              </a:solidFill>
+            </a:endParaRPr>
           </a:p>
         </p:txBody>
       </p:sp>
     </p:spTree>
     <p:extLst>
       <p:ext uri="{BB962C8B-B14F-4D97-AF65-F5344CB8AC3E}">
-        <p14:creationId xmlns:p14="http://schemas.microsoft.com/office/powerpoint/2010/main" val="1788312721"/>
+        <p14:creationId xmlns:p14="http://schemas.microsoft.com/office/powerpoint/2010/main" val="1413882555"/>
       </p:ext>
     </p:extLst>
   </p:cSld>
@@ -18975,7 +19413,7 @@
     <p:bg>
       <p:bgPr>
         <a:solidFill>
-          <a:schemeClr val="accent5"/>
+          <a:schemeClr val="accent2"/>
         </a:solidFill>
         <a:effectLst/>
       </p:bgPr>
@@ -18999,41 +19437,137 @@
           <p:cNvPr id="2" name="Title 1">
             <a:extLst>
               <a:ext uri="{FF2B5EF4-FFF2-40B4-BE49-F238E27FC236}">
-                <a16:creationId xmlns:a16="http://schemas.microsoft.com/office/drawing/2014/main" id="{C409FD33-6233-7C49-9918-532E7EC05AB5}"/>
+                <a16:creationId xmlns:a16="http://schemas.microsoft.com/office/drawing/2014/main" id="{13019D7B-05E2-A94D-B384-B2E628D4F6BF}"/>
               </a:ext>
             </a:extLst>
           </p:cNvPr>
-          <p:cNvSpPr>
-            <a:spLocks noGrp="1"/>
-          </p:cNvSpPr>
-          <p:nvPr>
-            <p:ph type="title"/>
-          </p:nvPr>
+          <p:cNvSpPr txBox="1">
+            <a:spLocks/>
+          </p:cNvSpPr>
+          <p:nvPr/>
         </p:nvSpPr>
         <p:spPr>
           <a:xfrm>
-            <a:off x="838200" y="2365324"/>
+            <a:off x="970936" y="2208675"/>
             <a:ext cx="10515600" cy="2127352"/>
           </a:xfrm>
+          <a:prstGeom prst="rect">
+            <a:avLst/>
+          </a:prstGeom>
         </p:spPr>
         <p:txBody>
           <a:bodyPr>
             <a:noAutofit/>
           </a:bodyPr>
-          <a:lstStyle/>
+          <a:lstStyle>
+            <a:lvl1pPr algn="l" defTabSz="914400" rtl="0" eaLnBrk="1" latinLnBrk="0" hangingPunct="1">
+              <a:lnSpc>
+                <a:spcPct val="90000"/>
+              </a:lnSpc>
+              <a:spcBef>
+                <a:spcPct val="0"/>
+              </a:spcBef>
+              <a:buNone/>
+              <a:defRPr sz="4400" kern="1200">
+                <a:solidFill>
+                  <a:schemeClr val="tx1"/>
+                </a:solidFill>
+                <a:latin typeface="+mj-lt"/>
+                <a:ea typeface="+mj-ea"/>
+                <a:cs typeface="+mj-cs"/>
+              </a:defRPr>
+            </a:lvl1pPr>
+          </a:lstStyle>
           <a:p>
             <a:pPr algn="ctr"/>
             <a:r>
-              <a:rPr lang="en-US" sz="6600" dirty="0"/>
-              <a:t>Socializing Decisions</a:t>
-            </a:r>
+              <a:rPr lang="en-US" sz="6600" i="1" dirty="0">
+                <a:solidFill>
+                  <a:schemeClr val="bg1"/>
+                </a:solidFill>
+              </a:rPr>
+              <a:t>“Why did we decide to do </a:t>
+            </a:r>
+            <a:br>
+              <a:rPr lang="en-US" sz="6600" i="1" dirty="0">
+                <a:solidFill>
+                  <a:schemeClr val="bg1"/>
+                </a:solidFill>
+              </a:rPr>
+            </a:br>
+            <a:r>
+              <a:rPr lang="en-US" sz="6600" i="1" dirty="0">
+                <a:solidFill>
+                  <a:schemeClr val="bg1"/>
+                </a:solidFill>
+              </a:rPr>
+              <a:t>it this way?”</a:t>
+            </a:r>
+            <a:endParaRPr lang="en-US" sz="6600" i="1" dirty="0">
+              <a:solidFill>
+                <a:schemeClr val="bg1"/>
+              </a:solidFill>
+            </a:endParaRPr>
+          </a:p>
+        </p:txBody>
+      </p:sp>
+      <p:sp>
+        <p:nvSpPr>
+          <p:cNvPr id="3" name="TextBox 2">
+            <a:extLst>
+              <a:ext uri="{FF2B5EF4-FFF2-40B4-BE49-F238E27FC236}">
+                <a16:creationId xmlns:a16="http://schemas.microsoft.com/office/drawing/2014/main" id="{402C1612-915B-B94B-BDB8-275F12BDA1FD}"/>
+              </a:ext>
+            </a:extLst>
+          </p:cNvPr>
+          <p:cNvSpPr txBox="1"/>
+          <p:nvPr/>
+        </p:nvSpPr>
+        <p:spPr>
+          <a:xfrm>
+            <a:off x="1612344" y="4336028"/>
+            <a:ext cx="8617424" cy="461665"/>
+          </a:xfrm>
+          <a:prstGeom prst="rect">
+            <a:avLst/>
+          </a:prstGeom>
+          <a:noFill/>
+        </p:spPr>
+        <p:txBody>
+          <a:bodyPr wrap="none" rtlCol="0">
+            <a:spAutoFit/>
+          </a:bodyPr>
+          <a:lstStyle/>
+          <a:p>
+            <a:pPr algn="ctr"/>
+            <a:r>
+              <a:rPr lang="en-US" sz="2400" dirty="0">
+                <a:solidFill>
+                  <a:schemeClr val="bg1"/>
+                </a:solidFill>
+              </a:rPr>
+              <a:t>-- </a:t>
+            </a:r>
+            <a:r>
+              <a:rPr lang="en-US" sz="2400" dirty="0">
+                <a:solidFill>
+                  <a:schemeClr val="bg1"/>
+                </a:solidFill>
+              </a:rPr>
+              <a:t>Every developer in history, twelve months after making a decision</a:t>
+            </a:r>
+            <a:endParaRPr lang="en-US" sz="2400" dirty="0">
+              <a:solidFill>
+                <a:schemeClr val="bg1"/>
+              </a:solidFill>
+            </a:endParaRPr>
           </a:p>
         </p:txBody>
       </p:sp>
     </p:spTree>
     <p:extLst>
       <p:ext uri="{BB962C8B-B14F-4D97-AF65-F5344CB8AC3E}">
-        <p14:creationId xmlns:p14="http://schemas.microsoft.com/office/powerpoint/2010/main" val="3686493113"/>
+        <p14:creationId xmlns:p14="http://schemas.microsoft.com/office/powerpoint/2010/main" val="3363269202"/>
       </p:ext>
     </p:extLst>
   </p:cSld>
@@ -19099,7 +19633,7 @@
             <a:pPr algn="ctr"/>
             <a:r>
               <a:rPr lang="en-US" sz="6600" dirty="0"/>
-              <a:t>Recording Decisions</a:t>
+              <a:t>We aren’t good at:</a:t>
             </a:r>
           </a:p>
         </p:txBody>
@@ -19107,7 +19641,7 @@
     </p:spTree>
     <p:extLst>
       <p:ext uri="{BB962C8B-B14F-4D97-AF65-F5344CB8AC3E}">
-        <p14:creationId xmlns:p14="http://schemas.microsoft.com/office/powerpoint/2010/main" val="1063395003"/>
+        <p14:creationId xmlns:p14="http://schemas.microsoft.com/office/powerpoint/2010/main" val="196358535"/>
       </p:ext>
     </p:extLst>
   </p:cSld>

--- a/comm-and-doc-arch-decisions.pptx
+++ b/comm-and-doc-arch-decisions.pptx
@@ -5,7 +5,7 @@
     <p:sldMasterId id="2147483648" r:id="rId1"/>
   </p:sldMasterIdLst>
   <p:notesMasterIdLst>
-    <p:notesMasterId r:id="rId70"/>
+    <p:notesMasterId r:id="rId69"/>
   </p:notesMasterIdLst>
   <p:sldIdLst>
     <p:sldId id="256" r:id="rId2"/>
@@ -56,26 +56,25 @@
     <p:sldId id="321" r:id="rId47"/>
     <p:sldId id="322" r:id="rId48"/>
     <p:sldId id="323" r:id="rId49"/>
-    <p:sldId id="324" r:id="rId50"/>
-    <p:sldId id="325" r:id="rId51"/>
-    <p:sldId id="326" r:id="rId52"/>
-    <p:sldId id="327" r:id="rId53"/>
-    <p:sldId id="328" r:id="rId54"/>
-    <p:sldId id="329" r:id="rId55"/>
-    <p:sldId id="330" r:id="rId56"/>
-    <p:sldId id="331" r:id="rId57"/>
-    <p:sldId id="332" r:id="rId58"/>
-    <p:sldId id="333" r:id="rId59"/>
-    <p:sldId id="334" r:id="rId60"/>
-    <p:sldId id="335" r:id="rId61"/>
-    <p:sldId id="336" r:id="rId62"/>
-    <p:sldId id="337" r:id="rId63"/>
-    <p:sldId id="338" r:id="rId64"/>
-    <p:sldId id="339" r:id="rId65"/>
-    <p:sldId id="340" r:id="rId66"/>
-    <p:sldId id="372" r:id="rId67"/>
-    <p:sldId id="373" r:id="rId68"/>
-    <p:sldId id="374" r:id="rId69"/>
+    <p:sldId id="325" r:id="rId50"/>
+    <p:sldId id="326" r:id="rId51"/>
+    <p:sldId id="327" r:id="rId52"/>
+    <p:sldId id="328" r:id="rId53"/>
+    <p:sldId id="329" r:id="rId54"/>
+    <p:sldId id="330" r:id="rId55"/>
+    <p:sldId id="331" r:id="rId56"/>
+    <p:sldId id="332" r:id="rId57"/>
+    <p:sldId id="333" r:id="rId58"/>
+    <p:sldId id="334" r:id="rId59"/>
+    <p:sldId id="335" r:id="rId60"/>
+    <p:sldId id="336" r:id="rId61"/>
+    <p:sldId id="337" r:id="rId62"/>
+    <p:sldId id="338" r:id="rId63"/>
+    <p:sldId id="339" r:id="rId64"/>
+    <p:sldId id="340" r:id="rId65"/>
+    <p:sldId id="372" r:id="rId66"/>
+    <p:sldId id="373" r:id="rId67"/>
+    <p:sldId id="374" r:id="rId68"/>
   </p:sldIdLst>
   <p:sldSz cx="12192000" cy="6858000"/>
   <p:notesSz cx="6858000" cy="9144000"/>
@@ -934,7 +933,7 @@
           <a:p>
             <a:fld id="{6525C509-FCE7-1E4E-BABF-F948CC4246E2}" type="datetimeFigureOut">
               <a:rPr lang="en-US" smtClean="0"/>
-              <a:t>4/4/2019</a:t>
+              <a:t>4/9/2019</a:t>
             </a:fld>
             <a:endParaRPr lang="en-US"/>
           </a:p>
@@ -6369,7 +6368,7 @@
                 <a:ea typeface="+mn-ea"/>
                 <a:cs typeface="+mn-cs"/>
               </a:rPr>
-              <a:t>These SIGs are great places to embed Enterprise Architecture folks, especially as it related to reference implementations. I'll talk about this more later, but this is a great opportunity for Enterprise Architects to jump back into the pool and swim around a bit, flexing those practitioner muscles.</a:t>
+              <a:t>Instead of an "Architecture Review Board", architectural decisions were brought before the guild for discussion and adoption. The Guild had "high ranking" technology folks, so if it was ever necessary for someone to serve as a tiebreaker, they were there to do that. But it almost never came down to it. As I said earlier, people generally make good decisions, and when it comes down to it, people want the best for the company and the environment that they work in day-to-day.</a:t>
             </a:r>
             <a:endParaRPr lang="en-US" b="0" dirty="0">
               <a:effectLst/>
@@ -6403,7 +6402,7 @@
     </p:spTree>
     <p:extLst>
       <p:ext uri="{BB962C8B-B14F-4D97-AF65-F5344CB8AC3E}">
-        <p14:creationId xmlns:p14="http://schemas.microsoft.com/office/powerpoint/2010/main" val="2038792693"/>
+        <p14:creationId xmlns:p14="http://schemas.microsoft.com/office/powerpoint/2010/main" val="2728671387"/>
       </p:ext>
     </p:extLst>
   </p:cSld>
@@ -6619,7 +6618,7 @@
                 <a:ea typeface="+mn-ea"/>
                 <a:cs typeface="+mn-cs"/>
               </a:rPr>
-              <a:t>Instead of an "Architecture Review Board", architectural decisions were brought before the guild for discussion and adoption. The Guild had "high ranking" technology folks, so if it was ever necessary for someone to serve as a tiebreaker, they were there to do that. But it almost never came down to it. As I said earlier, people generally make good decisions, and when it comes down to it, people want the best for the company and the environment that they work in day-to-day.</a:t>
+              <a:t>The guild also served another important purpose. The participants really felt like they were helping form the Architecture for the Enterprise, and they became evangelists, spreading the word to their peers about the decisions that were being made. It wasn't a silver bullet to socialize decisions, but it helped a lot. The guild would also present on a regular basis at our "all-hands" meetings, covering important topics, new decisions, reminders of best practices, etc.</a:t>
             </a:r>
             <a:endParaRPr lang="en-US" b="0" dirty="0">
               <a:effectLst/>
@@ -6653,7 +6652,7 @@
     </p:spTree>
     <p:extLst>
       <p:ext uri="{BB962C8B-B14F-4D97-AF65-F5344CB8AC3E}">
-        <p14:creationId xmlns:p14="http://schemas.microsoft.com/office/powerpoint/2010/main" val="2728671387"/>
+        <p14:creationId xmlns:p14="http://schemas.microsoft.com/office/powerpoint/2010/main" val="3948155629"/>
       </p:ext>
     </p:extLst>
   </p:cSld>
@@ -6723,7 +6722,7 @@
                 <a:ea typeface="+mn-ea"/>
                 <a:cs typeface="+mn-cs"/>
               </a:rPr>
-              <a:t>The guild also served another important purpose. The participants really felt like they were helping form the Architecture for the Enterprise, and they became evangelists, spreading the word to their peers about the decisions that were being made. It wasn't a silver bullet to socialize decisions, but it helped a lot. The guild would also present on a regular basis at our "all-hands" meetings, covering important topics, new decisions, reminders of best practices, etc.</a:t>
+              <a:t>Each guild meeting started with a set agenda</a:t>
             </a:r>
             <a:endParaRPr lang="en-US" b="0" dirty="0">
               <a:effectLst/>
@@ -6757,7 +6756,7 @@
     </p:spTree>
     <p:extLst>
       <p:ext uri="{BB962C8B-B14F-4D97-AF65-F5344CB8AC3E}">
-        <p14:creationId xmlns:p14="http://schemas.microsoft.com/office/powerpoint/2010/main" val="3948155629"/>
+        <p14:creationId xmlns:p14="http://schemas.microsoft.com/office/powerpoint/2010/main" val="1617754801"/>
       </p:ext>
     </p:extLst>
   </p:cSld>
@@ -6827,7 +6826,34 @@
                 <a:ea typeface="+mn-ea"/>
                 <a:cs typeface="+mn-cs"/>
               </a:rPr>
-              <a:t>Each guild meeting started with a set agenda</a:t>
+              <a:t>This open discussion time often proved to be the most interesting. Someone would bring up a topic that applied to the Guild, and there would be lively discussion and debate, often ending with action items delegated to an existing SIG, or the formation of a new, short-term SIG.</a:t>
+            </a:r>
+          </a:p>
+          <a:p>
+            <a:pPr rtl="0"/>
+            <a:endParaRPr lang="en-US" sz="1200" b="0" i="0" u="none" strike="noStrike" kern="1200" dirty="0">
+              <a:solidFill>
+                <a:schemeClr val="tx1"/>
+              </a:solidFill>
+              <a:effectLst/>
+              <a:latin typeface="+mn-lt"/>
+              <a:ea typeface="+mn-ea"/>
+              <a:cs typeface="+mn-cs"/>
+            </a:endParaRPr>
+          </a:p>
+          <a:p>
+            <a:pPr rtl="0"/>
+            <a:r>
+              <a:rPr lang="en-US" sz="1200" b="0" i="0" u="none" strike="noStrike" kern="1200" dirty="0">
+                <a:solidFill>
+                  <a:schemeClr val="tx1"/>
+                </a:solidFill>
+                <a:effectLst/>
+                <a:latin typeface="+mn-lt"/>
+                <a:ea typeface="+mn-ea"/>
+                <a:cs typeface="+mn-cs"/>
+              </a:rPr>
+              <a:t>All in all, the Enterprise Architecture guild proved to be a powerful tool to help bring some order to a potentially chaotic world.</a:t>
             </a:r>
             <a:endParaRPr lang="en-US" b="0" dirty="0">
               <a:effectLst/>
@@ -6861,7 +6887,7 @@
     </p:spTree>
     <p:extLst>
       <p:ext uri="{BB962C8B-B14F-4D97-AF65-F5344CB8AC3E}">
-        <p14:creationId xmlns:p14="http://schemas.microsoft.com/office/powerpoint/2010/main" val="1617754801"/>
+        <p14:creationId xmlns:p14="http://schemas.microsoft.com/office/powerpoint/2010/main" val="3097747324"/>
       </p:ext>
     </p:extLst>
   </p:cSld>
@@ -6931,23 +6957,25 @@
                 <a:ea typeface="+mn-ea"/>
                 <a:cs typeface="+mn-cs"/>
               </a:rPr>
-              <a:t>This open discussion time often proved to be the most interesting. Someone would bring up a topic that applied to the Guild, and there would be lively discussion and debate, often ending with action items delegated to an existing SIG, or the formation of a new, short-term SIG.</a:t>
-            </a:r>
+              <a:t>As noted above, one of the jobs of the SIGs is to "create reference implementations". What does this mean?</a:t>
+            </a:r>
+            <a:endParaRPr lang="en-US" b="0" dirty="0">
+              <a:effectLst/>
+            </a:endParaRPr>
           </a:p>
           <a:p>
             <a:pPr rtl="0"/>
-            <a:endParaRPr lang="en-US" sz="1200" b="0" i="0" u="none" strike="noStrike" kern="1200" dirty="0">
-              <a:solidFill>
-                <a:schemeClr val="tx1"/>
-              </a:solidFill>
-              <a:effectLst/>
-              <a:latin typeface="+mn-lt"/>
-              <a:ea typeface="+mn-ea"/>
-              <a:cs typeface="+mn-cs"/>
-            </a:endParaRPr>
-          </a:p>
-          <a:p>
-            <a:pPr rtl="0"/>
+            <a:r>
+              <a:rPr lang="en-US" b="0" dirty="0">
+                <a:effectLst/>
+              </a:rPr>
+              <a:t/>
+            </a:r>
+            <a:br>
+              <a:rPr lang="en-US" b="0" dirty="0">
+                <a:effectLst/>
+              </a:rPr>
+            </a:br>
             <a:r>
               <a:rPr lang="en-US" sz="1200" b="0" i="0" u="none" strike="noStrike" kern="1200" dirty="0">
                 <a:solidFill>
@@ -6958,7 +6986,7 @@
                 <a:ea typeface="+mn-ea"/>
                 <a:cs typeface="+mn-cs"/>
               </a:rPr>
-              <a:t>All in all, the Enterprise Architecture guild proved to be a powerful tool to help bring some order to a potentially chaotic world.</a:t>
+              <a:t>Here's an example, based on my experience.</a:t>
             </a:r>
             <a:endParaRPr lang="en-US" b="0" dirty="0">
               <a:effectLst/>
@@ -6992,7 +7020,7 @@
     </p:spTree>
     <p:extLst>
       <p:ext uri="{BB962C8B-B14F-4D97-AF65-F5344CB8AC3E}">
-        <p14:creationId xmlns:p14="http://schemas.microsoft.com/office/powerpoint/2010/main" val="3097747324"/>
+        <p14:creationId xmlns:p14="http://schemas.microsoft.com/office/powerpoint/2010/main" val="2031319328"/>
       </p:ext>
     </p:extLst>
   </p:cSld>
@@ -7062,40 +7090,8 @@
                 <a:ea typeface="+mn-ea"/>
                 <a:cs typeface="+mn-cs"/>
               </a:rPr>
-              <a:t>As noted above, one of the jobs of the SIGs is to "create reference implementations". What does this mean?</a:t>
-            </a:r>
-            <a:endParaRPr lang="en-US" b="0" dirty="0">
-              <a:effectLst/>
-            </a:endParaRPr>
-          </a:p>
-          <a:p>
-            <a:pPr rtl="0"/>
-            <a:r>
-              <a:rPr lang="en-US" b="0" dirty="0">
-                <a:effectLst/>
-              </a:rPr>
-              <a:t/>
-            </a:r>
-            <a:br>
-              <a:rPr lang="en-US" b="0" dirty="0">
-                <a:effectLst/>
-              </a:rPr>
-            </a:br>
-            <a:r>
-              <a:rPr lang="en-US" sz="1200" b="0" i="0" u="none" strike="noStrike" kern="1200" dirty="0">
-                <a:solidFill>
-                  <a:schemeClr val="tx1"/>
-                </a:solidFill>
-                <a:effectLst/>
-                <a:latin typeface="+mn-lt"/>
-                <a:ea typeface="+mn-ea"/>
-                <a:cs typeface="+mn-cs"/>
-              </a:rPr>
-              <a:t>Here's an example, based on my experience.</a:t>
-            </a:r>
-            <a:endParaRPr lang="en-US" b="0" dirty="0">
-              <a:effectLst/>
-            </a:endParaRPr>
+              <a:t>A company I worked for had established Docker as our deployment platform (everything deployed is a container) with Vault for secret management, and Consul for service discovery and key/value store. There were a large number of Java developers, and their SIG had settled on Spring Boot as their preferred microservice platform. </a:t>
+            </a:r>
           </a:p>
         </p:txBody>
       </p:sp>
@@ -7125,7 +7121,7 @@
     </p:spTree>
     <p:extLst>
       <p:ext uri="{BB962C8B-B14F-4D97-AF65-F5344CB8AC3E}">
-        <p14:creationId xmlns:p14="http://schemas.microsoft.com/office/powerpoint/2010/main" val="2031319328"/>
+        <p14:creationId xmlns:p14="http://schemas.microsoft.com/office/powerpoint/2010/main" val="129386358"/>
       </p:ext>
     </p:extLst>
   </p:cSld>
@@ -7195,8 +7191,20 @@
                 <a:ea typeface="+mn-ea"/>
                 <a:cs typeface="+mn-cs"/>
               </a:rPr>
-              <a:t>A company I worked for had established Docker as our deployment platform (everything deployed is a container) with Vault for secret management, and Consul for service discovery and key/value store. There were a large number of Java developers, and their SIG had settled on Spring Boot as their preferred microservice platform. </a:t>
-            </a:r>
+              <a:t>This is a complex environment, with many moving pieces, so that SIG worked together to create a "base" reference implementation that took care of wiring all of the proper pieces together. A greenfield project could "copy" the reference implementation, and get a bunch of stuff for "free", </a:t>
+            </a:r>
+          </a:p>
+          <a:p>
+            <a:pPr rtl="0"/>
+            <a:endParaRPr lang="en-US" sz="1200" b="0" i="0" u="none" strike="noStrike" kern="1200" dirty="0">
+              <a:solidFill>
+                <a:schemeClr val="tx1"/>
+              </a:solidFill>
+              <a:effectLst/>
+              <a:latin typeface="+mn-lt"/>
+              <a:ea typeface="+mn-ea"/>
+              <a:cs typeface="+mn-cs"/>
+            </a:endParaRPr>
           </a:p>
         </p:txBody>
       </p:sp>
@@ -7226,7 +7234,7 @@
     </p:spTree>
     <p:extLst>
       <p:ext uri="{BB962C8B-B14F-4D97-AF65-F5344CB8AC3E}">
-        <p14:creationId xmlns:p14="http://schemas.microsoft.com/office/powerpoint/2010/main" val="129386358"/>
+        <p14:creationId xmlns:p14="http://schemas.microsoft.com/office/powerpoint/2010/main" val="1048343580"/>
       </p:ext>
     </p:extLst>
   </p:cSld>
@@ -7296,19 +7304,34 @@
                 <a:ea typeface="+mn-ea"/>
                 <a:cs typeface="+mn-cs"/>
               </a:rPr>
-              <a:t>This is a complex environment, with many moving pieces, so that SIG worked together to create a "base" reference implementation that took care of wiring all of the proper pieces together. A greenfield project could "copy" the reference implementation, and get a bunch of stuff for "free", </a:t>
-            </a:r>
-          </a:p>
-          <a:p>
-            <a:pPr rtl="0"/>
-            <a:endParaRPr lang="en-US" sz="1200" b="0" i="0" u="none" strike="noStrike" kern="1200" dirty="0">
-              <a:solidFill>
-                <a:schemeClr val="tx1"/>
-              </a:solidFill>
+              <a:t>with all of the right things set up to take advantage of Vault &amp; Consul, as well as anything else defined as part of our approach to application development (linting rules, static code analysis, security, </a:t>
+            </a:r>
+            <a:r>
+              <a:rPr lang="en-US" sz="1200" b="0" i="0" u="none" strike="noStrike" kern="1200" dirty="0" err="1">
+                <a:solidFill>
+                  <a:schemeClr val="tx1"/>
+                </a:solidFill>
+                <a:effectLst/>
+                <a:latin typeface="+mn-lt"/>
+                <a:ea typeface="+mn-ea"/>
+                <a:cs typeface="+mn-cs"/>
+              </a:rPr>
+              <a:t>etc</a:t>
+            </a:r>
+            <a:r>
+              <a:rPr lang="en-US" sz="1200" b="0" i="0" u="none" strike="noStrike" kern="1200" dirty="0">
+                <a:solidFill>
+                  <a:schemeClr val="tx1"/>
+                </a:solidFill>
+                <a:effectLst/>
+                <a:latin typeface="+mn-lt"/>
+                <a:ea typeface="+mn-ea"/>
+                <a:cs typeface="+mn-cs"/>
+              </a:rPr>
+              <a:t>).</a:t>
+            </a:r>
+            <a:endParaRPr lang="en-US" b="0" dirty="0">
               <a:effectLst/>
-              <a:latin typeface="+mn-lt"/>
-              <a:ea typeface="+mn-ea"/>
-              <a:cs typeface="+mn-cs"/>
             </a:endParaRPr>
           </a:p>
         </p:txBody>
@@ -7339,7 +7362,7 @@
     </p:spTree>
     <p:extLst>
       <p:ext uri="{BB962C8B-B14F-4D97-AF65-F5344CB8AC3E}">
-        <p14:creationId xmlns:p14="http://schemas.microsoft.com/office/powerpoint/2010/main" val="1048343580"/>
+        <p14:creationId xmlns:p14="http://schemas.microsoft.com/office/powerpoint/2010/main" val="2004091050"/>
       </p:ext>
     </p:extLst>
   </p:cSld>
@@ -7399,42 +7422,6 @@
           <a:lstStyle/>
           <a:p>
             <a:pPr rtl="0"/>
-            <a:r>
-              <a:rPr lang="en-US" sz="1200" b="0" i="0" u="none" strike="noStrike" kern="1200" dirty="0">
-                <a:solidFill>
-                  <a:schemeClr val="tx1"/>
-                </a:solidFill>
-                <a:effectLst/>
-                <a:latin typeface="+mn-lt"/>
-                <a:ea typeface="+mn-ea"/>
-                <a:cs typeface="+mn-cs"/>
-              </a:rPr>
-              <a:t>with all of the right things set up to take advantage of Vault &amp; Consul, as well as anything else defined as part of our approach to application development (linting rules, static code analysis, security, </a:t>
-            </a:r>
-            <a:r>
-              <a:rPr lang="en-US" sz="1200" b="0" i="0" u="none" strike="noStrike" kern="1200" dirty="0" err="1">
-                <a:solidFill>
-                  <a:schemeClr val="tx1"/>
-                </a:solidFill>
-                <a:effectLst/>
-                <a:latin typeface="+mn-lt"/>
-                <a:ea typeface="+mn-ea"/>
-                <a:cs typeface="+mn-cs"/>
-              </a:rPr>
-              <a:t>etc</a:t>
-            </a:r>
-            <a:r>
-              <a:rPr lang="en-US" sz="1200" b="0" i="0" u="none" strike="noStrike" kern="1200" dirty="0">
-                <a:solidFill>
-                  <a:schemeClr val="tx1"/>
-                </a:solidFill>
-                <a:effectLst/>
-                <a:latin typeface="+mn-lt"/>
-                <a:ea typeface="+mn-ea"/>
-                <a:cs typeface="+mn-cs"/>
-              </a:rPr>
-              <a:t>).</a:t>
-            </a:r>
             <a:endParaRPr lang="en-US" b="0" dirty="0">
               <a:effectLst/>
             </a:endParaRPr>
@@ -7467,7 +7454,7 @@
     </p:spTree>
     <p:extLst>
       <p:ext uri="{BB962C8B-B14F-4D97-AF65-F5344CB8AC3E}">
-        <p14:creationId xmlns:p14="http://schemas.microsoft.com/office/powerpoint/2010/main" val="2004091050"/>
+        <p14:creationId xmlns:p14="http://schemas.microsoft.com/office/powerpoint/2010/main" val="1902782798"/>
       </p:ext>
     </p:extLst>
   </p:cSld>
@@ -7559,7 +7546,7 @@
     </p:spTree>
     <p:extLst>
       <p:ext uri="{BB962C8B-B14F-4D97-AF65-F5344CB8AC3E}">
-        <p14:creationId xmlns:p14="http://schemas.microsoft.com/office/powerpoint/2010/main" val="1902782798"/>
+        <p14:creationId xmlns:p14="http://schemas.microsoft.com/office/powerpoint/2010/main" val="2503517"/>
       </p:ext>
     </p:extLst>
   </p:cSld>
@@ -7619,6 +7606,42 @@
           <a:lstStyle/>
           <a:p>
             <a:pPr rtl="0"/>
+            <a:r>
+              <a:rPr lang="en-US" sz="1200" b="0" i="0" u="none" strike="noStrike" kern="1200" dirty="0">
+                <a:solidFill>
+                  <a:schemeClr val="tx1"/>
+                </a:solidFill>
+                <a:effectLst/>
+                <a:latin typeface="+mn-lt"/>
+                <a:ea typeface="+mn-ea"/>
+                <a:cs typeface="+mn-cs"/>
+              </a:rPr>
+              <a:t>with all of the right things set up to take advantage of Vault &amp; Consul, as well as anything else defined as part of our approach to application development (linting rules, static code analysis, security, </a:t>
+            </a:r>
+            <a:r>
+              <a:rPr lang="en-US" sz="1200" b="0" i="0" u="none" strike="noStrike" kern="1200" dirty="0" err="1">
+                <a:solidFill>
+                  <a:schemeClr val="tx1"/>
+                </a:solidFill>
+                <a:effectLst/>
+                <a:latin typeface="+mn-lt"/>
+                <a:ea typeface="+mn-ea"/>
+                <a:cs typeface="+mn-cs"/>
+              </a:rPr>
+              <a:t>etc</a:t>
+            </a:r>
+            <a:r>
+              <a:rPr lang="en-US" sz="1200" b="0" i="0" u="none" strike="noStrike" kern="1200" dirty="0">
+                <a:solidFill>
+                  <a:schemeClr val="tx1"/>
+                </a:solidFill>
+                <a:effectLst/>
+                <a:latin typeface="+mn-lt"/>
+                <a:ea typeface="+mn-ea"/>
+                <a:cs typeface="+mn-cs"/>
+              </a:rPr>
+              <a:t>).</a:t>
+            </a:r>
             <a:endParaRPr lang="en-US" b="0" dirty="0">
               <a:effectLst/>
             </a:endParaRPr>
@@ -7651,7 +7674,7 @@
     </p:spTree>
     <p:extLst>
       <p:ext uri="{BB962C8B-B14F-4D97-AF65-F5344CB8AC3E}">
-        <p14:creationId xmlns:p14="http://schemas.microsoft.com/office/powerpoint/2010/main" val="2503517"/>
+        <p14:creationId xmlns:p14="http://schemas.microsoft.com/office/powerpoint/2010/main" val="3403602255"/>
       </p:ext>
     </p:extLst>
   </p:cSld>
@@ -7732,29 +7755,8 @@
                 <a:ea typeface="+mn-ea"/>
                 <a:cs typeface="+mn-cs"/>
               </a:rPr>
-              <a:t> to help make, document, and socialize our architectural decisions, and today, I’m going to talk about 3 </a:t>
-            </a:r>
-            <a:r>
-              <a:rPr lang="en-US" sz="1200" b="0" i="0" u="none" strike="noStrike" kern="1200" baseline="0" smtClean="0">
-                <a:solidFill>
-                  <a:schemeClr val="tx1"/>
-                </a:solidFill>
-                <a:effectLst/>
-                <a:latin typeface="+mn-lt"/>
-                <a:ea typeface="+mn-ea"/>
-                <a:cs typeface="+mn-cs"/>
-              </a:rPr>
-              <a:t>of them</a:t>
-            </a:r>
-            <a:endParaRPr lang="en-US" sz="1200" b="0" i="0" u="none" strike="noStrike" kern="1200" baseline="0" dirty="0" smtClean="0">
-              <a:solidFill>
-                <a:schemeClr val="tx1"/>
-              </a:solidFill>
-              <a:effectLst/>
-              <a:latin typeface="+mn-lt"/>
-              <a:ea typeface="+mn-ea"/>
-              <a:cs typeface="+mn-cs"/>
-            </a:endParaRPr>
+              <a:t> to help make, document, and socialize our architectural decisions, and today, I’m going to talk about 3 of them</a:t>
+            </a:r>
           </a:p>
         </p:txBody>
       </p:sp>
@@ -7844,42 +7846,6 @@
           <a:lstStyle/>
           <a:p>
             <a:pPr rtl="0"/>
-            <a:r>
-              <a:rPr lang="en-US" sz="1200" b="0" i="0" u="none" strike="noStrike" kern="1200" dirty="0">
-                <a:solidFill>
-                  <a:schemeClr val="tx1"/>
-                </a:solidFill>
-                <a:effectLst/>
-                <a:latin typeface="+mn-lt"/>
-                <a:ea typeface="+mn-ea"/>
-                <a:cs typeface="+mn-cs"/>
-              </a:rPr>
-              <a:t>with all of the right things set up to take advantage of Vault &amp; Consul, as well as anything else defined as part of our approach to application development (linting rules, static code analysis, security, </a:t>
-            </a:r>
-            <a:r>
-              <a:rPr lang="en-US" sz="1200" b="0" i="0" u="none" strike="noStrike" kern="1200" dirty="0" err="1">
-                <a:solidFill>
-                  <a:schemeClr val="tx1"/>
-                </a:solidFill>
-                <a:effectLst/>
-                <a:latin typeface="+mn-lt"/>
-                <a:ea typeface="+mn-ea"/>
-                <a:cs typeface="+mn-cs"/>
-              </a:rPr>
-              <a:t>etc</a:t>
-            </a:r>
-            <a:r>
-              <a:rPr lang="en-US" sz="1200" b="0" i="0" u="none" strike="noStrike" kern="1200" dirty="0">
-                <a:solidFill>
-                  <a:schemeClr val="tx1"/>
-                </a:solidFill>
-                <a:effectLst/>
-                <a:latin typeface="+mn-lt"/>
-                <a:ea typeface="+mn-ea"/>
-                <a:cs typeface="+mn-cs"/>
-              </a:rPr>
-              <a:t>).</a:t>
-            </a:r>
             <a:endParaRPr lang="en-US" b="0" dirty="0">
               <a:effectLst/>
             </a:endParaRPr>
@@ -7912,7 +7878,7 @@
     </p:spTree>
     <p:extLst>
       <p:ext uri="{BB962C8B-B14F-4D97-AF65-F5344CB8AC3E}">
-        <p14:creationId xmlns:p14="http://schemas.microsoft.com/office/powerpoint/2010/main" val="3403602255"/>
+        <p14:creationId xmlns:p14="http://schemas.microsoft.com/office/powerpoint/2010/main" val="2186857975"/>
       </p:ext>
     </p:extLst>
   </p:cSld>
@@ -7972,6 +7938,18 @@
           <a:lstStyle/>
           <a:p>
             <a:pPr rtl="0"/>
+            <a:r>
+              <a:rPr lang="en-US" sz="1200" b="0" i="0" u="none" strike="noStrike" kern="1200" dirty="0">
+                <a:solidFill>
+                  <a:schemeClr val="tx1"/>
+                </a:solidFill>
+                <a:effectLst/>
+                <a:latin typeface="+mn-lt"/>
+                <a:ea typeface="+mn-ea"/>
+                <a:cs typeface="+mn-cs"/>
+              </a:rPr>
+              <a:t>In the real world, this reference implementation really did help accelerate our progress. Just like the best frameworks are opinionated, our reference implementation was opinionated -- it baked in the best opinions of the Enterprise Architecture Guild &amp; the Java SIG into a consumable unit, rather than those opinions only being expressed in ADRs or other documentation. Seeing the opinions expressed as a reference implementation is very powerful, and helps show how abstract ideas are made into concrete implementations.</a:t>
+            </a:r>
             <a:endParaRPr lang="en-US" b="0" dirty="0">
               <a:effectLst/>
             </a:endParaRPr>
@@ -8004,7 +7982,7 @@
     </p:spTree>
     <p:extLst>
       <p:ext uri="{BB962C8B-B14F-4D97-AF65-F5344CB8AC3E}">
-        <p14:creationId xmlns:p14="http://schemas.microsoft.com/office/powerpoint/2010/main" val="2186857975"/>
+        <p14:creationId xmlns:p14="http://schemas.microsoft.com/office/powerpoint/2010/main" val="3471781983"/>
       </p:ext>
     </p:extLst>
   </p:cSld>
@@ -8074,7 +8052,7 @@
                 <a:ea typeface="+mn-ea"/>
                 <a:cs typeface="+mn-cs"/>
               </a:rPr>
-              <a:t>In the real world, this reference implementation really did help accelerate our progress. Just like the best frameworks are opinionated, our reference implementation was opinionated -- it baked in the best opinions of the Enterprise Architecture Guild &amp; the Java SIG into a consumable unit, rather than those opinions only being expressed in ADRs or other documentation. Seeing the opinions expressed as a reference implementation is very powerful, and helps show how abstract ideas are made into concrete implementations.</a:t>
+              <a:t>At that company, we were also developing Node.js applications and Ruby/Rails applications, and reference implementations were created for those as well that expressed the same Docker-based concepts, but specific to those other languages.</a:t>
             </a:r>
             <a:endParaRPr lang="en-US" b="0" dirty="0">
               <a:effectLst/>
@@ -8108,7 +8086,7 @@
     </p:spTree>
     <p:extLst>
       <p:ext uri="{BB962C8B-B14F-4D97-AF65-F5344CB8AC3E}">
-        <p14:creationId xmlns:p14="http://schemas.microsoft.com/office/powerpoint/2010/main" val="3471781983"/>
+        <p14:creationId xmlns:p14="http://schemas.microsoft.com/office/powerpoint/2010/main" val="1328256726"/>
       </p:ext>
     </p:extLst>
   </p:cSld>
@@ -8178,7 +8156,7 @@
                 <a:ea typeface="+mn-ea"/>
                 <a:cs typeface="+mn-cs"/>
               </a:rPr>
-              <a:t>At that company, we were also developing Node.js applications and Ruby/Rails applications, and reference implementations were created for those as well that expressed the same Docker-based concepts, but specific to those other languages.</a:t>
+              <a:t>If you begin building reference applications, there is an implicit commitment to maintaining them. As new standards emerge -- and they will -- these reference implementations need to be kept up to date so the opinions they express stay in line with the standards that evolving for the Enterprise.</a:t>
             </a:r>
             <a:endParaRPr lang="en-US" b="0" dirty="0">
               <a:effectLst/>
@@ -8212,7 +8190,7 @@
     </p:spTree>
     <p:extLst>
       <p:ext uri="{BB962C8B-B14F-4D97-AF65-F5344CB8AC3E}">
-        <p14:creationId xmlns:p14="http://schemas.microsoft.com/office/powerpoint/2010/main" val="1328256726"/>
+        <p14:creationId xmlns:p14="http://schemas.microsoft.com/office/powerpoint/2010/main" val="103137459"/>
       </p:ext>
     </p:extLst>
   </p:cSld>
@@ -8282,7 +8260,7 @@
                 <a:ea typeface="+mn-ea"/>
                 <a:cs typeface="+mn-cs"/>
               </a:rPr>
-              <a:t>If you begin building reference applications, there is an implicit commitment to maintaining them. As new standards emerge -- and they will -- these reference implementations need to be kept up to date so the opinions they express stay in line with the standards that evolving for the Enterprise.</a:t>
+              <a:t>But the benefits are well worth the cost of maintenance. Beyond serving as a kick start for new projects, and giving examples of standards in the form of actual code, these reference implementations serve as a way to guide people to follow the well-worn paths of those that have gone in front of them. In our environment, teams were allowed (pretty much) to choose to use the technology they wanted (with discussion &amp; agreement in the Guild first), but if someone wanted to build an application in Grails or Go, they would have to "invent" all of the solutions that were already baked into the reference applications to interact with the rest of the Enterprise. It wasn't an explicit deterrent, per-se, but it did tend to focus people's efforts in making the existing tech stacks more robust, rather than introducing new tech stacks. </a:t>
             </a:r>
             <a:endParaRPr lang="en-US" b="0" dirty="0">
               <a:effectLst/>
@@ -8316,7 +8294,7 @@
     </p:spTree>
     <p:extLst>
       <p:ext uri="{BB962C8B-B14F-4D97-AF65-F5344CB8AC3E}">
-        <p14:creationId xmlns:p14="http://schemas.microsoft.com/office/powerpoint/2010/main" val="103137459"/>
+        <p14:creationId xmlns:p14="http://schemas.microsoft.com/office/powerpoint/2010/main" val="731949884"/>
       </p:ext>
     </p:extLst>
   </p:cSld>
@@ -8386,7 +8364,7 @@
                 <a:ea typeface="+mn-ea"/>
                 <a:cs typeface="+mn-cs"/>
               </a:rPr>
-              <a:t>But the benefits are well worth the cost of maintenance. Beyond serving as a kick start for new projects, and giving examples of standards in the form of actual code, these reference implementations serve as a way to guide people to follow the well-worn paths of those that have gone in front of them. In our environment, teams were allowed (pretty much) to choose to use the technology they wanted (with discussion &amp; agreement in the Guild first), but if someone wanted to build an application in Grails or Go, they would have to "invent" all of the solutions that were already baked into the reference applications to interact with the rest of the Enterprise. It wasn't an explicit deterrent, per-se, but it did tend to focus people's efforts in making the existing tech stacks more robust, rather than introducing new tech stacks. </a:t>
+              <a:t>A great technique for this is a "tracer bullet"; minimal functionality that exercises all of the seams between teams in a project. It doesn't have to be fully functional, but it does actually have to interact with each system that will be present in the final solution. Doing this early, as part of the project inception, gives the team a strong foundation to build on for the rest of the project, and it usually exposes things that weren't properly thought out (that can lead to ADRs for the project!).</a:t>
             </a:r>
             <a:endParaRPr lang="en-US" b="0" dirty="0">
               <a:effectLst/>
@@ -8420,7 +8398,7 @@
     </p:spTree>
     <p:extLst>
       <p:ext uri="{BB962C8B-B14F-4D97-AF65-F5344CB8AC3E}">
-        <p14:creationId xmlns:p14="http://schemas.microsoft.com/office/powerpoint/2010/main" val="731949884"/>
+        <p14:creationId xmlns:p14="http://schemas.microsoft.com/office/powerpoint/2010/main" val="4254838272"/>
       </p:ext>
     </p:extLst>
   </p:cSld>
@@ -8490,7 +8468,65 @@
                 <a:ea typeface="+mn-ea"/>
                 <a:cs typeface="+mn-cs"/>
               </a:rPr>
-              <a:t>A great technique for this is a "tracer bullet"; minimal functionality that exercises all of the seams between teams in a project. It doesn't have to be fully functional, but it does actually have to interact with each system that will be present in the final solution. Doing this early, as part of the project inception, gives the team a strong foundation to build on for the rest of the project, and it usually exposes things that weren't properly thought out (that can lead to ADRs for the project!).</a:t>
+              <a:t>As I said at the beginning, Enterprise Architecture is at a crossroads, especially in organizations which do a lot of custom software development. This may sounds like hyperbole, but I think the tensions between these new ways of doing things and the "traditional" approach to Enterprise Architecture are very real.</a:t>
+            </a:r>
+            <a:endParaRPr lang="en-US" b="0" dirty="0">
+              <a:effectLst/>
+            </a:endParaRPr>
+          </a:p>
+          <a:p>
+            <a:pPr rtl="0"/>
+            <a:r>
+              <a:rPr lang="en-US" b="0" dirty="0">
+                <a:effectLst/>
+              </a:rPr>
+              <a:t/>
+            </a:r>
+            <a:br>
+              <a:rPr lang="en-US" b="0" dirty="0">
+                <a:effectLst/>
+              </a:rPr>
+            </a:br>
+            <a:r>
+              <a:rPr lang="en-US" sz="1200" b="0" i="0" u="none" strike="noStrike" kern="1200" dirty="0">
+                <a:solidFill>
+                  <a:schemeClr val="tx1"/>
+                </a:solidFill>
+                <a:effectLst/>
+                <a:latin typeface="+mn-lt"/>
+                <a:ea typeface="+mn-ea"/>
+                <a:cs typeface="+mn-cs"/>
+              </a:rPr>
+              <a:t>I think that Enterprise Architecture professionals need to look at techniques like the ones I have presented here, and look to add them to their professional "toolbox". This doesn't mean abandoning "traditional" approaches. I'm suggesting an evolution, not a revolution. But change is going to be necessary, because the rest of technology is changing, whether we like it or not.</a:t>
+            </a:r>
+            <a:endParaRPr lang="en-US" b="0" dirty="0">
+              <a:effectLst/>
+            </a:endParaRPr>
+          </a:p>
+          <a:p>
+            <a:pPr rtl="0"/>
+            <a:r>
+              <a:rPr lang="en-US" b="0" dirty="0">
+                <a:effectLst/>
+              </a:rPr>
+              <a:t/>
+            </a:r>
+            <a:br>
+              <a:rPr lang="en-US" b="0" dirty="0">
+                <a:effectLst/>
+              </a:rPr>
+            </a:br>
+            <a:r>
+              <a:rPr lang="en-US" sz="1200" b="0" i="0" u="none" strike="noStrike" kern="1200" dirty="0">
+                <a:solidFill>
+                  <a:schemeClr val="tx1"/>
+                </a:solidFill>
+                <a:effectLst/>
+                <a:latin typeface="+mn-lt"/>
+                <a:ea typeface="+mn-ea"/>
+                <a:cs typeface="+mn-cs"/>
+              </a:rPr>
+              <a:t>Hopefully I've given you some idea to think about and maybe adopt. Thank you for your time!</a:t>
             </a:r>
             <a:endParaRPr lang="en-US" b="0" dirty="0">
               <a:effectLst/>
@@ -8524,7 +8560,7 @@
     </p:spTree>
     <p:extLst>
       <p:ext uri="{BB962C8B-B14F-4D97-AF65-F5344CB8AC3E}">
-        <p14:creationId xmlns:p14="http://schemas.microsoft.com/office/powerpoint/2010/main" val="4254838272"/>
+        <p14:creationId xmlns:p14="http://schemas.microsoft.com/office/powerpoint/2010/main" val="2456180645"/>
       </p:ext>
     </p:extLst>
   </p:cSld>
@@ -8561,12 +8597,7 @@
             <p:ph type="sldImg"/>
           </p:nvPr>
         </p:nvSpPr>
-        <p:spPr>
-          <a:xfrm>
-            <a:off x="685800" y="1143000"/>
-            <a:ext cx="5486400" cy="3086100"/>
-          </a:xfrm>
-        </p:spPr>
+        <p:spPr/>
       </p:sp>
       <p:sp>
         <p:nvSpPr>
@@ -8583,80 +8614,7 @@
           <a:bodyPr/>
           <a:lstStyle/>
           <a:p>
-            <a:pPr rtl="0"/>
-            <a:r>
-              <a:rPr lang="en-US" sz="1200" b="0" i="0" u="none" strike="noStrike" kern="1200" dirty="0">
-                <a:solidFill>
-                  <a:schemeClr val="tx1"/>
-                </a:solidFill>
-                <a:effectLst/>
-                <a:latin typeface="+mn-lt"/>
-                <a:ea typeface="+mn-ea"/>
-                <a:cs typeface="+mn-cs"/>
-              </a:rPr>
-              <a:t>As I said at the beginning, Enterprise Architecture is at a crossroads, especially in organizations which do a lot of custom software development. This may sounds like hyperbole, but I think the tensions between these new ways of doing things and the "traditional" approach to Enterprise Architecture are very real.</a:t>
-            </a:r>
-            <a:endParaRPr lang="en-US" b="0" dirty="0">
-              <a:effectLst/>
-            </a:endParaRPr>
-          </a:p>
-          <a:p>
-            <a:pPr rtl="0"/>
-            <a:r>
-              <a:rPr lang="en-US" b="0" dirty="0">
-                <a:effectLst/>
-              </a:rPr>
-              <a:t/>
-            </a:r>
-            <a:br>
-              <a:rPr lang="en-US" b="0" dirty="0">
-                <a:effectLst/>
-              </a:rPr>
-            </a:br>
-            <a:r>
-              <a:rPr lang="en-US" sz="1200" b="0" i="0" u="none" strike="noStrike" kern="1200" dirty="0">
-                <a:solidFill>
-                  <a:schemeClr val="tx1"/>
-                </a:solidFill>
-                <a:effectLst/>
-                <a:latin typeface="+mn-lt"/>
-                <a:ea typeface="+mn-ea"/>
-                <a:cs typeface="+mn-cs"/>
-              </a:rPr>
-              <a:t>I think that Enterprise Architecture professionals need to look at techniques like the ones I have presented here, and look to add them to their professional "toolbox". This doesn't mean abandoning "traditional" approaches. I'm suggesting an evolution, not a revolution. But change is going to be necessary, because the rest of technology is changing, whether we like it or not.</a:t>
-            </a:r>
-            <a:endParaRPr lang="en-US" b="0" dirty="0">
-              <a:effectLst/>
-            </a:endParaRPr>
-          </a:p>
-          <a:p>
-            <a:pPr rtl="0"/>
-            <a:r>
-              <a:rPr lang="en-US" b="0" dirty="0">
-                <a:effectLst/>
-              </a:rPr>
-              <a:t/>
-            </a:r>
-            <a:br>
-              <a:rPr lang="en-US" b="0" dirty="0">
-                <a:effectLst/>
-              </a:rPr>
-            </a:br>
-            <a:r>
-              <a:rPr lang="en-US" sz="1200" b="0" i="0" u="none" strike="noStrike" kern="1200" dirty="0">
-                <a:solidFill>
-                  <a:schemeClr val="tx1"/>
-                </a:solidFill>
-                <a:effectLst/>
-                <a:latin typeface="+mn-lt"/>
-                <a:ea typeface="+mn-ea"/>
-                <a:cs typeface="+mn-cs"/>
-              </a:rPr>
-              <a:t>Hopefully I've given you some idea to think about and maybe adopt. Thank you for your time!</a:t>
-            </a:r>
-            <a:endParaRPr lang="en-US" b="0" dirty="0">
-              <a:effectLst/>
-            </a:endParaRPr>
+            <a:endParaRPr lang="en-US" dirty="0"/>
           </a:p>
         </p:txBody>
       </p:sp>
@@ -8678,90 +8636,6 @@
             <a:fld id="{096F4AFB-61BD-1340-90B6-0FECED04B0A2}" type="slidenum">
               <a:rPr lang="en-US" smtClean="0"/>
               <a:t>67</a:t>
-            </a:fld>
-            <a:endParaRPr lang="en-US"/>
-          </a:p>
-        </p:txBody>
-      </p:sp>
-    </p:spTree>
-    <p:extLst>
-      <p:ext uri="{BB962C8B-B14F-4D97-AF65-F5344CB8AC3E}">
-        <p14:creationId xmlns:p14="http://schemas.microsoft.com/office/powerpoint/2010/main" val="2456180645"/>
-      </p:ext>
-    </p:extLst>
-  </p:cSld>
-  <p:clrMapOvr>
-    <a:masterClrMapping/>
-  </p:clrMapOvr>
-</p:notes>
-</file>
-
-<file path=ppt/notesSlides/notesSlide68.xml><?xml version="1.0" encoding="utf-8"?>
-<p:notes xmlns:a="http://schemas.openxmlformats.org/drawingml/2006/main" xmlns:r="http://schemas.openxmlformats.org/officeDocument/2006/relationships" xmlns:p="http://schemas.openxmlformats.org/presentationml/2006/main">
-  <p:cSld>
-    <p:spTree>
-      <p:nvGrpSpPr>
-        <p:cNvPr id="1" name=""/>
-        <p:cNvGrpSpPr/>
-        <p:nvPr/>
-      </p:nvGrpSpPr>
-      <p:grpSpPr>
-        <a:xfrm>
-          <a:off x="0" y="0"/>
-          <a:ext cx="0" cy="0"/>
-          <a:chOff x="0" y="0"/>
-          <a:chExt cx="0" cy="0"/>
-        </a:xfrm>
-      </p:grpSpPr>
-      <p:sp>
-        <p:nvSpPr>
-          <p:cNvPr id="2" name="Slide Image Placeholder 1"/>
-          <p:cNvSpPr>
-            <a:spLocks noGrp="1" noRot="1" noChangeAspect="1"/>
-          </p:cNvSpPr>
-          <p:nvPr>
-            <p:ph type="sldImg"/>
-          </p:nvPr>
-        </p:nvSpPr>
-        <p:spPr/>
-      </p:sp>
-      <p:sp>
-        <p:nvSpPr>
-          <p:cNvPr id="3" name="Notes Placeholder 2"/>
-          <p:cNvSpPr>
-            <a:spLocks noGrp="1"/>
-          </p:cNvSpPr>
-          <p:nvPr>
-            <p:ph type="body" idx="1"/>
-          </p:nvPr>
-        </p:nvSpPr>
-        <p:spPr/>
-        <p:txBody>
-          <a:bodyPr/>
-          <a:lstStyle/>
-          <a:p>
-            <a:endParaRPr lang="en-US" dirty="0"/>
-          </a:p>
-        </p:txBody>
-      </p:sp>
-      <p:sp>
-        <p:nvSpPr>
-          <p:cNvPr id="4" name="Slide Number Placeholder 3"/>
-          <p:cNvSpPr>
-            <a:spLocks noGrp="1"/>
-          </p:cNvSpPr>
-          <p:nvPr>
-            <p:ph type="sldNum" sz="quarter" idx="10"/>
-          </p:nvPr>
-        </p:nvSpPr>
-        <p:spPr/>
-        <p:txBody>
-          <a:bodyPr/>
-          <a:lstStyle/>
-          <a:p>
-            <a:fld id="{096F4AFB-61BD-1340-90B6-0FECED04B0A2}" type="slidenum">
-              <a:rPr lang="en-US" smtClean="0"/>
-              <a:t>68</a:t>
             </a:fld>
             <a:endParaRPr lang="en-US"/>
           </a:p>
@@ -9224,7 +9098,7 @@
           <a:p>
             <a:fld id="{F35D5A91-02EC-B04A-8A79-709009E61D04}" type="datetimeFigureOut">
               <a:rPr lang="en-US" smtClean="0"/>
-              <a:t>4/4/2019</a:t>
+              <a:t>4/9/2019</a:t>
             </a:fld>
             <a:endParaRPr lang="en-US"/>
           </a:p>
@@ -9422,7 +9296,7 @@
           <a:p>
             <a:fld id="{F35D5A91-02EC-B04A-8A79-709009E61D04}" type="datetimeFigureOut">
               <a:rPr lang="en-US" smtClean="0"/>
-              <a:t>4/4/2019</a:t>
+              <a:t>4/9/2019</a:t>
             </a:fld>
             <a:endParaRPr lang="en-US"/>
           </a:p>
@@ -9630,7 +9504,7 @@
           <a:p>
             <a:fld id="{F35D5A91-02EC-B04A-8A79-709009E61D04}" type="datetimeFigureOut">
               <a:rPr lang="en-US" smtClean="0"/>
-              <a:t>4/4/2019</a:t>
+              <a:t>4/9/2019</a:t>
             </a:fld>
             <a:endParaRPr lang="en-US"/>
           </a:p>
@@ -9828,7 +9702,7 @@
           <a:p>
             <a:fld id="{F35D5A91-02EC-B04A-8A79-709009E61D04}" type="datetimeFigureOut">
               <a:rPr lang="en-US" smtClean="0"/>
-              <a:t>4/4/2019</a:t>
+              <a:t>4/9/2019</a:t>
             </a:fld>
             <a:endParaRPr lang="en-US"/>
           </a:p>
@@ -10103,7 +9977,7 @@
           <a:p>
             <a:fld id="{F35D5A91-02EC-B04A-8A79-709009E61D04}" type="datetimeFigureOut">
               <a:rPr lang="en-US" smtClean="0"/>
-              <a:t>4/4/2019</a:t>
+              <a:t>4/9/2019</a:t>
             </a:fld>
             <a:endParaRPr lang="en-US"/>
           </a:p>
@@ -10368,7 +10242,7 @@
           <a:p>
             <a:fld id="{F35D5A91-02EC-B04A-8A79-709009E61D04}" type="datetimeFigureOut">
               <a:rPr lang="en-US" smtClean="0"/>
-              <a:t>4/4/2019</a:t>
+              <a:t>4/9/2019</a:t>
             </a:fld>
             <a:endParaRPr lang="en-US"/>
           </a:p>
@@ -10780,7 +10654,7 @@
           <a:p>
             <a:fld id="{F35D5A91-02EC-B04A-8A79-709009E61D04}" type="datetimeFigureOut">
               <a:rPr lang="en-US" smtClean="0"/>
-              <a:t>4/4/2019</a:t>
+              <a:t>4/9/2019</a:t>
             </a:fld>
             <a:endParaRPr lang="en-US"/>
           </a:p>
@@ -10921,7 +10795,7 @@
           <a:p>
             <a:fld id="{F35D5A91-02EC-B04A-8A79-709009E61D04}" type="datetimeFigureOut">
               <a:rPr lang="en-US" smtClean="0"/>
-              <a:t>4/4/2019</a:t>
+              <a:t>4/9/2019</a:t>
             </a:fld>
             <a:endParaRPr lang="en-US"/>
           </a:p>
@@ -11034,7 +10908,7 @@
           <a:p>
             <a:fld id="{F35D5A91-02EC-B04A-8A79-709009E61D04}" type="datetimeFigureOut">
               <a:rPr lang="en-US" smtClean="0"/>
-              <a:t>4/4/2019</a:t>
+              <a:t>4/9/2019</a:t>
             </a:fld>
             <a:endParaRPr lang="en-US"/>
           </a:p>
@@ -11345,7 +11219,7 @@
           <a:p>
             <a:fld id="{F35D5A91-02EC-B04A-8A79-709009E61D04}" type="datetimeFigureOut">
               <a:rPr lang="en-US" smtClean="0"/>
-              <a:t>4/4/2019</a:t>
+              <a:t>4/9/2019</a:t>
             </a:fld>
             <a:endParaRPr lang="en-US"/>
           </a:p>
@@ -11633,7 +11507,7 @@
           <a:p>
             <a:fld id="{F35D5A91-02EC-B04A-8A79-709009E61D04}" type="datetimeFigureOut">
               <a:rPr lang="en-US" smtClean="0"/>
-              <a:t>4/4/2019</a:t>
+              <a:t>4/9/2019</a:t>
             </a:fld>
             <a:endParaRPr lang="en-US"/>
           </a:p>
@@ -11874,7 +11748,7 @@
           <a:p>
             <a:fld id="{F35D5A91-02EC-B04A-8A79-709009E61D04}" type="datetimeFigureOut">
               <a:rPr lang="en-US" smtClean="0"/>
-              <a:t>4/4/2019</a:t>
+              <a:t>4/9/2019</a:t>
             </a:fld>
             <a:endParaRPr lang="en-US"/>
           </a:p>
@@ -12403,7 +12277,7 @@
                   <a:schemeClr val="bg1"/>
                 </a:solidFill>
               </a:rPr>
-              <a:t>dayers@lesl.com</a:t>
+              <a:t>david.a.ayers@gmail.com</a:t>
             </a:r>
             <a:endParaRPr lang="en-US" sz="3200" dirty="0">
               <a:solidFill>
@@ -12566,7 +12440,7 @@
         </p:nvSpPr>
         <p:spPr>
           <a:xfrm>
-            <a:off x="838200" y="2365324"/>
+            <a:off x="739346" y="280226"/>
             <a:ext cx="10515600" cy="2127352"/>
           </a:xfrm>
         </p:spPr>
@@ -12584,6 +12458,36 @@
           </a:p>
         </p:txBody>
       </p:sp>
+      <p:pic>
+        <p:nvPicPr>
+          <p:cNvPr id="4" name="Picture 3"/>
+          <p:cNvPicPr>
+            <a:picLocks noChangeAspect="1"/>
+          </p:cNvPicPr>
+          <p:nvPr/>
+        </p:nvPicPr>
+        <p:blipFill>
+          <a:blip r:embed="rId3">
+            <a:extLst>
+              <a:ext uri="{28A0092B-C50C-407E-A947-70E740481C1C}">
+                <a14:useLocalDpi xmlns:a14="http://schemas.microsoft.com/office/drawing/2010/main" val="0"/>
+              </a:ext>
+            </a:extLst>
+          </a:blip>
+          <a:stretch>
+            <a:fillRect/>
+          </a:stretch>
+        </p:blipFill>
+        <p:spPr>
+          <a:xfrm>
+            <a:off x="4825386" y="2757908"/>
+            <a:ext cx="2343519" cy="2343519"/>
+          </a:xfrm>
+          <a:prstGeom prst="rect">
+            <a:avLst/>
+          </a:prstGeom>
+        </p:spPr>
+      </p:pic>
     </p:spTree>
     <p:extLst>
       <p:ext uri="{BB962C8B-B14F-4D97-AF65-F5344CB8AC3E}">
@@ -12795,7 +12699,7 @@
         </p:nvSpPr>
         <p:spPr>
           <a:xfrm>
-            <a:off x="838200" y="2365324"/>
+            <a:off x="838200" y="976545"/>
             <a:ext cx="10515600" cy="2127352"/>
           </a:xfrm>
         </p:spPr>
@@ -12820,6 +12724,36 @@
           </a:p>
         </p:txBody>
       </p:sp>
+      <p:pic>
+        <p:nvPicPr>
+          <p:cNvPr id="3" name="Picture 2"/>
+          <p:cNvPicPr>
+            <a:picLocks noChangeAspect="1"/>
+          </p:cNvPicPr>
+          <p:nvPr/>
+        </p:nvPicPr>
+        <p:blipFill>
+          <a:blip r:embed="rId3">
+            <a:extLst>
+              <a:ext uri="{28A0092B-C50C-407E-A947-70E740481C1C}">
+                <a14:useLocalDpi xmlns:a14="http://schemas.microsoft.com/office/drawing/2010/main" val="0"/>
+              </a:ext>
+            </a:extLst>
+          </a:blip>
+          <a:stretch>
+            <a:fillRect/>
+          </a:stretch>
+        </p:blipFill>
+        <p:spPr>
+          <a:xfrm>
+            <a:off x="5069213" y="3482253"/>
+            <a:ext cx="2053574" cy="2053574"/>
+          </a:xfrm>
+          <a:prstGeom prst="rect">
+            <a:avLst/>
+          </a:prstGeom>
+        </p:spPr>
+      </p:pic>
     </p:spTree>
     <p:extLst>
       <p:ext uri="{BB962C8B-B14F-4D97-AF65-F5344CB8AC3E}">
@@ -13070,41 +13004,36 @@
           </a:p>
         </p:txBody>
       </p:sp>
-      <p:sp>
-        <p:nvSpPr>
-          <p:cNvPr id="5" name="TextBox 4">
+      <p:pic>
+        <p:nvPicPr>
+          <p:cNvPr id="2" name="Picture 1"/>
+          <p:cNvPicPr>
+            <a:picLocks noChangeAspect="1"/>
+          </p:cNvPicPr>
+          <p:nvPr/>
+        </p:nvPicPr>
+        <p:blipFill>
+          <a:blip r:embed="rId3">
             <a:extLst>
-              <a:ext uri="{FF2B5EF4-FFF2-40B4-BE49-F238E27FC236}">
-                <a16:creationId xmlns:a16="http://schemas.microsoft.com/office/drawing/2014/main" id="{DDD7DCB0-0102-1E40-9255-78A3A79886C6}"/>
+              <a:ext uri="{28A0092B-C50C-407E-A947-70E740481C1C}">
+                <a14:useLocalDpi xmlns:a14="http://schemas.microsoft.com/office/drawing/2010/main" val="0"/>
               </a:ext>
             </a:extLst>
-          </p:cNvPr>
-          <p:cNvSpPr txBox="1"/>
-          <p:nvPr/>
-        </p:nvSpPr>
+          </a:blip>
+          <a:stretch>
+            <a:fillRect/>
+          </a:stretch>
+        </p:blipFill>
         <p:spPr>
           <a:xfrm>
-            <a:off x="7890388" y="5294672"/>
-            <a:ext cx="1338828" cy="1477328"/>
+            <a:off x="8266961" y="4599065"/>
+            <a:ext cx="2075644" cy="2075644"/>
           </a:xfrm>
           <a:prstGeom prst="rect">
             <a:avLst/>
           </a:prstGeom>
-          <a:noFill/>
-        </p:spPr>
-        <p:txBody>
-          <a:bodyPr wrap="none" rtlCol="0">
-            <a:spAutoFit/>
-          </a:bodyPr>
-          <a:lstStyle/>
-          <a:p>
-            <a:r>
-              <a:rPr lang="en-US" sz="9000" dirty="0"/>
-              <a:t>🙋‍♀️</a:t>
-            </a:r>
-          </a:p>
-        </p:txBody>
-      </p:sp>
+        </p:spPr>
+      </p:pic>
     </p:spTree>
     <p:extLst>
       <p:ext uri="{BB962C8B-B14F-4D97-AF65-F5344CB8AC3E}">
@@ -13200,41 +13129,36 @@
           </a:p>
         </p:txBody>
       </p:sp>
-      <p:sp>
-        <p:nvSpPr>
-          <p:cNvPr id="5" name="TextBox 4">
+      <p:pic>
+        <p:nvPicPr>
+          <p:cNvPr id="6" name="Picture 5"/>
+          <p:cNvPicPr>
+            <a:picLocks noChangeAspect="1"/>
+          </p:cNvPicPr>
+          <p:nvPr/>
+        </p:nvPicPr>
+        <p:blipFill>
+          <a:blip r:embed="rId3">
             <a:extLst>
-              <a:ext uri="{FF2B5EF4-FFF2-40B4-BE49-F238E27FC236}">
-                <a16:creationId xmlns:a16="http://schemas.microsoft.com/office/drawing/2014/main" id="{6B72547F-225F-4540-B09C-B5CB422CAEF2}"/>
+              <a:ext uri="{28A0092B-C50C-407E-A947-70E740481C1C}">
+                <a14:useLocalDpi xmlns:a14="http://schemas.microsoft.com/office/drawing/2010/main" val="0"/>
               </a:ext>
             </a:extLst>
-          </p:cNvPr>
-          <p:cNvSpPr txBox="1"/>
-          <p:nvPr/>
-        </p:nvSpPr>
+          </a:blip>
+          <a:stretch>
+            <a:fillRect/>
+          </a:stretch>
+        </p:blipFill>
         <p:spPr>
           <a:xfrm>
-            <a:off x="7890388" y="5294672"/>
-            <a:ext cx="1338828" cy="1477328"/>
+            <a:off x="8398771" y="4698948"/>
+            <a:ext cx="1978849" cy="1978849"/>
           </a:xfrm>
           <a:prstGeom prst="rect">
             <a:avLst/>
           </a:prstGeom>
-          <a:noFill/>
-        </p:spPr>
-        <p:txBody>
-          <a:bodyPr wrap="none" rtlCol="0">
-            <a:spAutoFit/>
-          </a:bodyPr>
-          <a:lstStyle/>
-          <a:p>
-            <a:r>
-              <a:rPr lang="en-US" sz="9000" dirty="0"/>
-              <a:t>🤷‍♀️</a:t>
-            </a:r>
-          </a:p>
-        </p:txBody>
-      </p:sp>
+        </p:spPr>
+      </p:pic>
     </p:spTree>
     <p:extLst>
       <p:ext uri="{BB962C8B-B14F-4D97-AF65-F5344CB8AC3E}">
@@ -13330,41 +13254,36 @@
           </a:p>
         </p:txBody>
       </p:sp>
-      <p:sp>
-        <p:nvSpPr>
-          <p:cNvPr id="4" name="TextBox 3">
+      <p:pic>
+        <p:nvPicPr>
+          <p:cNvPr id="5" name="Picture 4"/>
+          <p:cNvPicPr>
+            <a:picLocks noChangeAspect="1"/>
+          </p:cNvPicPr>
+          <p:nvPr/>
+        </p:nvPicPr>
+        <p:blipFill>
+          <a:blip r:embed="rId3">
             <a:extLst>
-              <a:ext uri="{FF2B5EF4-FFF2-40B4-BE49-F238E27FC236}">
-                <a16:creationId xmlns:a16="http://schemas.microsoft.com/office/drawing/2014/main" id="{F0764BCA-94A5-714F-887B-7AFD43E41D1C}"/>
+              <a:ext uri="{28A0092B-C50C-407E-A947-70E740481C1C}">
+                <a14:useLocalDpi xmlns:a14="http://schemas.microsoft.com/office/drawing/2010/main" val="0"/>
               </a:ext>
             </a:extLst>
-          </p:cNvPr>
-          <p:cNvSpPr txBox="1"/>
-          <p:nvPr/>
-        </p:nvSpPr>
+          </a:blip>
+          <a:stretch>
+            <a:fillRect/>
+          </a:stretch>
+        </p:blipFill>
         <p:spPr>
           <a:xfrm>
-            <a:off x="7890388" y="5294672"/>
-            <a:ext cx="1338828" cy="1477328"/>
+            <a:off x="8316097" y="4312800"/>
+            <a:ext cx="2545200" cy="2545200"/>
           </a:xfrm>
           <a:prstGeom prst="rect">
             <a:avLst/>
           </a:prstGeom>
-          <a:noFill/>
-        </p:spPr>
-        <p:txBody>
-          <a:bodyPr wrap="none" rtlCol="0">
-            <a:spAutoFit/>
-          </a:bodyPr>
-          <a:lstStyle/>
-          <a:p>
-            <a:r>
-              <a:rPr lang="en-US" sz="9000" dirty="0"/>
-              <a:t>💁‍♀️</a:t>
-            </a:r>
-          </a:p>
-        </p:txBody>
-      </p:sp>
+        </p:spPr>
+      </p:pic>
     </p:spTree>
     <p:extLst>
       <p:ext uri="{BB962C8B-B14F-4D97-AF65-F5344CB8AC3E}">
@@ -13458,7 +13377,7 @@
         </p:nvSpPr>
         <p:spPr>
           <a:xfrm>
-            <a:off x="627916" y="1659779"/>
+            <a:off x="751483" y="1523855"/>
             <a:ext cx="10527241" cy="461665"/>
           </a:xfrm>
           <a:prstGeom prst="rect">
@@ -13498,7 +13417,7 @@
         </p:nvSpPr>
         <p:spPr>
           <a:xfrm>
-            <a:off x="2660171" y="2762098"/>
+            <a:off x="2783738" y="3627497"/>
             <a:ext cx="6462731" cy="461665"/>
           </a:xfrm>
           <a:prstGeom prst="rect">
@@ -13554,7 +13473,7 @@
         </p:nvSpPr>
         <p:spPr>
           <a:xfrm>
-            <a:off x="2986542" y="3998529"/>
+            <a:off x="3110109" y="2575676"/>
             <a:ext cx="5809988" cy="461665"/>
           </a:xfrm>
           <a:prstGeom prst="rect">
@@ -13607,7 +13526,7 @@
         </p:nvSpPr>
         <p:spPr>
           <a:xfrm>
-            <a:off x="3085196" y="5336068"/>
+            <a:off x="3208758" y="4679318"/>
             <a:ext cx="5612690" cy="461665"/>
           </a:xfrm>
           <a:prstGeom prst="rect">
@@ -13630,6 +13549,51 @@
               </a:rPr>
               <a:t>Believer &amp; advocate for technology-as-craft</a:t>
             </a:r>
+          </a:p>
+        </p:txBody>
+      </p:sp>
+      <p:sp>
+        <p:nvSpPr>
+          <p:cNvPr id="10" name="TextBox 9">
+            <a:extLst>
+              <a:ext uri="{FF2B5EF4-FFF2-40B4-BE49-F238E27FC236}">
+                <a16:creationId xmlns:a16="http://schemas.microsoft.com/office/drawing/2014/main" id="{81638456-B195-2944-97EE-12EEFF77E544}"/>
+              </a:ext>
+            </a:extLst>
+          </p:cNvPr>
+          <p:cNvSpPr txBox="1"/>
+          <p:nvPr/>
+        </p:nvSpPr>
+        <p:spPr>
+          <a:xfrm>
+            <a:off x="5207768" y="5731139"/>
+            <a:ext cx="1614673" cy="461665"/>
+          </a:xfrm>
+          <a:prstGeom prst="rect">
+            <a:avLst/>
+          </a:prstGeom>
+          <a:noFill/>
+        </p:spPr>
+        <p:txBody>
+          <a:bodyPr wrap="none" rtlCol="0">
+            <a:spAutoFit/>
+          </a:bodyPr>
+          <a:lstStyle/>
+          <a:p>
+            <a:pPr algn="ctr"/>
+            <a:r>
+              <a:rPr lang="en-US" sz="2400" dirty="0" smtClean="0">
+                <a:solidFill>
+                  <a:schemeClr val="bg1"/>
+                </a:solidFill>
+              </a:rPr>
+              <a:t>Giant Nerd</a:t>
+            </a:r>
+            <a:endParaRPr lang="en-US" sz="2400" dirty="0">
+              <a:solidFill>
+                <a:schemeClr val="bg1"/>
+              </a:solidFill>
+            </a:endParaRPr>
           </a:p>
         </p:txBody>
       </p:sp>
@@ -15542,13 +15506,40 @@
             <a:br>
               <a:rPr lang="en-US" sz="6600" dirty="0"/>
             </a:br>
-            <a:r>
-              <a:rPr lang="en-US" sz="9600" dirty="0"/>
-              <a:t>👍🏽</a:t>
-            </a:r>
-          </a:p>
-        </p:txBody>
-      </p:sp>
+            <a:endParaRPr lang="en-US" sz="9600" dirty="0"/>
+          </a:p>
+        </p:txBody>
+      </p:sp>
+      <p:pic>
+        <p:nvPicPr>
+          <p:cNvPr id="3" name="Picture 2"/>
+          <p:cNvPicPr>
+            <a:picLocks noChangeAspect="1"/>
+          </p:cNvPicPr>
+          <p:nvPr/>
+        </p:nvPicPr>
+        <p:blipFill>
+          <a:blip r:embed="rId3">
+            <a:extLst>
+              <a:ext uri="{28A0092B-C50C-407E-A947-70E740481C1C}">
+                <a14:useLocalDpi xmlns:a14="http://schemas.microsoft.com/office/drawing/2010/main" val="0"/>
+              </a:ext>
+            </a:extLst>
+          </a:blip>
+          <a:stretch>
+            <a:fillRect/>
+          </a:stretch>
+        </p:blipFill>
+        <p:spPr>
+          <a:xfrm>
+            <a:off x="5126140" y="3172854"/>
+            <a:ext cx="1939719" cy="1939719"/>
+          </a:xfrm>
+          <a:prstGeom prst="rect">
+            <a:avLst/>
+          </a:prstGeom>
+        </p:spPr>
+      </p:pic>
     </p:spTree>
     <p:extLst>
       <p:ext uri="{BB962C8B-B14F-4D97-AF65-F5344CB8AC3E}">
@@ -16154,7 +16145,7 @@
         </p:nvSpPr>
         <p:spPr>
           <a:xfrm>
-            <a:off x="838200" y="2365324"/>
+            <a:off x="838200" y="462383"/>
             <a:ext cx="10515600" cy="2127352"/>
           </a:xfrm>
         </p:spPr>
@@ -16167,25 +16158,80 @@
             <a:pPr algn="ctr"/>
             <a:r>
               <a:rPr lang="en-US" sz="6600" dirty="0"/>
-              <a:t>Two Pizzas!</a:t>
-            </a:r>
-            <a:br>
+              <a:t>Two </a:t>
+            </a:r>
+            <a:r>
+              <a:rPr lang="en-US" sz="6600" dirty="0" smtClean="0"/>
+              <a:t>Pizzas</a:t>
+            </a:r>
+            <a:r>
               <a:rPr lang="en-US" sz="6600" dirty="0"/>
-            </a:br>
-            <a:r>
-              <a:rPr lang="en-US" sz="6600" dirty="0"/>
-              <a:t/>
-            </a:r>
-            <a:br>
-              <a:rPr lang="en-US" sz="6600" dirty="0"/>
-            </a:br>
-            <a:r>
-              <a:rPr lang="en-US" sz="15000" dirty="0"/>
-              <a:t>🍕 🍕</a:t>
-            </a:r>
-          </a:p>
-        </p:txBody>
-      </p:sp>
+              <a:t>!</a:t>
+            </a:r>
+            <a:endParaRPr lang="en-US" sz="15000" dirty="0"/>
+          </a:p>
+        </p:txBody>
+      </p:sp>
+      <p:pic>
+        <p:nvPicPr>
+          <p:cNvPr id="3" name="Picture 2"/>
+          <p:cNvPicPr>
+            <a:picLocks noChangeAspect="1"/>
+          </p:cNvPicPr>
+          <p:nvPr/>
+        </p:nvPicPr>
+        <p:blipFill>
+          <a:blip r:embed="rId3">
+            <a:extLst>
+              <a:ext uri="{28A0092B-C50C-407E-A947-70E740481C1C}">
+                <a14:useLocalDpi xmlns:a14="http://schemas.microsoft.com/office/drawing/2010/main" val="0"/>
+              </a:ext>
+            </a:extLst>
+          </a:blip>
+          <a:stretch>
+            <a:fillRect/>
+          </a:stretch>
+        </p:blipFill>
+        <p:spPr>
+          <a:xfrm>
+            <a:off x="3892669" y="2589735"/>
+            <a:ext cx="2409276" cy="2409276"/>
+          </a:xfrm>
+          <a:prstGeom prst="rect">
+            <a:avLst/>
+          </a:prstGeom>
+        </p:spPr>
+      </p:pic>
+      <p:pic>
+        <p:nvPicPr>
+          <p:cNvPr id="4" name="Picture 3"/>
+          <p:cNvPicPr>
+            <a:picLocks noChangeAspect="1"/>
+          </p:cNvPicPr>
+          <p:nvPr/>
+        </p:nvPicPr>
+        <p:blipFill>
+          <a:blip r:embed="rId3">
+            <a:extLst>
+              <a:ext uri="{28A0092B-C50C-407E-A947-70E740481C1C}">
+                <a14:useLocalDpi xmlns:a14="http://schemas.microsoft.com/office/drawing/2010/main" val="0"/>
+              </a:ext>
+            </a:extLst>
+          </a:blip>
+          <a:stretch>
+            <a:fillRect/>
+          </a:stretch>
+        </p:blipFill>
+        <p:spPr>
+          <a:xfrm>
+            <a:off x="6331068" y="2640859"/>
+            <a:ext cx="2409276" cy="2409276"/>
+          </a:xfrm>
+          <a:prstGeom prst="rect">
+            <a:avLst/>
+          </a:prstGeom>
+        </p:spPr>
+      </p:pic>
     </p:spTree>
     <p:extLst>
       <p:ext uri="{BB962C8B-B14F-4D97-AF65-F5344CB8AC3E}">
@@ -16298,42 +16344,126 @@
           <a:chExt cx="0" cy="0"/>
         </a:xfrm>
       </p:grpSpPr>
-      <p:sp>
-        <p:nvSpPr>
-          <p:cNvPr id="2" name="Title 1">
+      <p:pic>
+        <p:nvPicPr>
+          <p:cNvPr id="4" name="Picture 3"/>
+          <p:cNvPicPr>
+            <a:picLocks noChangeAspect="1"/>
+          </p:cNvPicPr>
+          <p:nvPr/>
+        </p:nvPicPr>
+        <p:blipFill>
+          <a:blip r:embed="rId3">
             <a:extLst>
-              <a:ext uri="{FF2B5EF4-FFF2-40B4-BE49-F238E27FC236}">
-                <a16:creationId xmlns:a16="http://schemas.microsoft.com/office/drawing/2014/main" id="{C409FD33-6233-7C49-9918-532E7EC05AB5}"/>
+              <a:ext uri="{28A0092B-C50C-407E-A947-70E740481C1C}">
+                <a14:useLocalDpi xmlns:a14="http://schemas.microsoft.com/office/drawing/2010/main" val="0"/>
               </a:ext>
             </a:extLst>
-          </p:cNvPr>
-          <p:cNvSpPr>
-            <a:spLocks noGrp="1"/>
-          </p:cNvSpPr>
-          <p:nvPr>
-            <p:ph type="title"/>
-          </p:nvPr>
-        </p:nvSpPr>
+          </a:blip>
+          <a:stretch>
+            <a:fillRect/>
+          </a:stretch>
+        </p:blipFill>
         <p:spPr>
           <a:xfrm>
-            <a:off x="838200" y="2365324"/>
-            <a:ext cx="10515600" cy="2127352"/>
-          </a:xfrm>
-        </p:spPr>
-        <p:txBody>
-          <a:bodyPr>
-            <a:noAutofit/>
-          </a:bodyPr>
-          <a:lstStyle/>
-          <a:p>
-            <a:pPr algn="ctr"/>
-            <a:r>
-              <a:rPr lang="en-US" sz="20000" dirty="0"/>
-              <a:t>🙍🏽‍♀️🙍🏼‍♂️🙍🏾‍♂️🙍🏻‍♀️</a:t>
-            </a:r>
-          </a:p>
-        </p:txBody>
-      </p:sp>
+            <a:off x="6080667" y="1452280"/>
+            <a:ext cx="2668767" cy="2668767"/>
+          </a:xfrm>
+          <a:prstGeom prst="rect">
+            <a:avLst/>
+          </a:prstGeom>
+        </p:spPr>
+      </p:pic>
+      <p:pic>
+        <p:nvPicPr>
+          <p:cNvPr id="5" name="Picture 4"/>
+          <p:cNvPicPr>
+            <a:picLocks noChangeAspect="1"/>
+          </p:cNvPicPr>
+          <p:nvPr/>
+        </p:nvPicPr>
+        <p:blipFill>
+          <a:blip r:embed="rId4">
+            <a:extLst>
+              <a:ext uri="{28A0092B-C50C-407E-A947-70E740481C1C}">
+                <a14:useLocalDpi xmlns:a14="http://schemas.microsoft.com/office/drawing/2010/main" val="0"/>
+              </a:ext>
+            </a:extLst>
+          </a:blip>
+          <a:stretch>
+            <a:fillRect/>
+          </a:stretch>
+        </p:blipFill>
+        <p:spPr>
+          <a:xfrm>
+            <a:off x="3357490" y="1452280"/>
+            <a:ext cx="2668767" cy="2668767"/>
+          </a:xfrm>
+          <a:prstGeom prst="rect">
+            <a:avLst/>
+          </a:prstGeom>
+        </p:spPr>
+      </p:pic>
+      <p:pic>
+        <p:nvPicPr>
+          <p:cNvPr id="6" name="Picture 5"/>
+          <p:cNvPicPr>
+            <a:picLocks noChangeAspect="1"/>
+          </p:cNvPicPr>
+          <p:nvPr/>
+        </p:nvPicPr>
+        <p:blipFill>
+          <a:blip r:embed="rId5">
+            <a:extLst>
+              <a:ext uri="{28A0092B-C50C-407E-A947-70E740481C1C}">
+                <a14:useLocalDpi xmlns:a14="http://schemas.microsoft.com/office/drawing/2010/main" val="0"/>
+              </a:ext>
+            </a:extLst>
+          </a:blip>
+          <a:stretch>
+            <a:fillRect/>
+          </a:stretch>
+        </p:blipFill>
+        <p:spPr>
+          <a:xfrm>
+            <a:off x="8803843" y="1452280"/>
+            <a:ext cx="2668767" cy="2668767"/>
+          </a:xfrm>
+          <a:prstGeom prst="rect">
+            <a:avLst/>
+          </a:prstGeom>
+        </p:spPr>
+      </p:pic>
+      <p:pic>
+        <p:nvPicPr>
+          <p:cNvPr id="7" name="Picture 6"/>
+          <p:cNvPicPr>
+            <a:picLocks noChangeAspect="1"/>
+          </p:cNvPicPr>
+          <p:nvPr/>
+        </p:nvPicPr>
+        <p:blipFill>
+          <a:blip r:embed="rId6">
+            <a:extLst>
+              <a:ext uri="{28A0092B-C50C-407E-A947-70E740481C1C}">
+                <a14:useLocalDpi xmlns:a14="http://schemas.microsoft.com/office/drawing/2010/main" val="0"/>
+              </a:ext>
+            </a:extLst>
+          </a:blip>
+          <a:stretch>
+            <a:fillRect/>
+          </a:stretch>
+        </p:blipFill>
+        <p:spPr>
+          <a:xfrm>
+            <a:off x="634313" y="1452280"/>
+            <a:ext cx="2668767" cy="2668767"/>
+          </a:xfrm>
+          <a:prstGeom prst="rect">
+            <a:avLst/>
+          </a:prstGeom>
+        </p:spPr>
+      </p:pic>
     </p:spTree>
     <p:extLst>
       <p:ext uri="{BB962C8B-B14F-4D97-AF65-F5344CB8AC3E}">
@@ -16452,6 +16582,66 @@
           </a:p>
         </p:txBody>
       </p:sp>
+      <p:pic>
+        <p:nvPicPr>
+          <p:cNvPr id="4" name="Picture 3"/>
+          <p:cNvPicPr>
+            <a:picLocks noChangeAspect="1"/>
+          </p:cNvPicPr>
+          <p:nvPr/>
+        </p:nvPicPr>
+        <p:blipFill>
+          <a:blip r:embed="rId3">
+            <a:extLst>
+              <a:ext uri="{28A0092B-C50C-407E-A947-70E740481C1C}">
+                <a14:useLocalDpi xmlns:a14="http://schemas.microsoft.com/office/drawing/2010/main" val="0"/>
+              </a:ext>
+            </a:extLst>
+          </a:blip>
+          <a:stretch>
+            <a:fillRect/>
+          </a:stretch>
+        </p:blipFill>
+        <p:spPr>
+          <a:xfrm>
+            <a:off x="6549081" y="278610"/>
+            <a:ext cx="2656411" cy="2656411"/>
+          </a:xfrm>
+          <a:prstGeom prst="rect">
+            <a:avLst/>
+          </a:prstGeom>
+        </p:spPr>
+      </p:pic>
+      <p:pic>
+        <p:nvPicPr>
+          <p:cNvPr id="5" name="Picture 4"/>
+          <p:cNvPicPr>
+            <a:picLocks noChangeAspect="1"/>
+          </p:cNvPicPr>
+          <p:nvPr/>
+        </p:nvPicPr>
+        <p:blipFill>
+          <a:blip r:embed="rId3">
+            <a:extLst>
+              <a:ext uri="{28A0092B-C50C-407E-A947-70E740481C1C}">
+                <a14:useLocalDpi xmlns:a14="http://schemas.microsoft.com/office/drawing/2010/main" val="0"/>
+              </a:ext>
+            </a:extLst>
+          </a:blip>
+          <a:stretch>
+            <a:fillRect/>
+          </a:stretch>
+        </p:blipFill>
+        <p:spPr>
+          <a:xfrm flipH="1">
+            <a:off x="2648465" y="278611"/>
+            <a:ext cx="2656411" cy="2656411"/>
+          </a:xfrm>
+          <a:prstGeom prst="rect">
+            <a:avLst/>
+          </a:prstGeom>
+        </p:spPr>
+      </p:pic>
     </p:spTree>
     <p:extLst>
       <p:ext uri="{BB962C8B-B14F-4D97-AF65-F5344CB8AC3E}">
@@ -16526,6 +16716,126 @@
           </a:p>
         </p:txBody>
       </p:sp>
+      <p:pic>
+        <p:nvPicPr>
+          <p:cNvPr id="4" name="Picture 3"/>
+          <p:cNvPicPr>
+            <a:picLocks noChangeAspect="1"/>
+          </p:cNvPicPr>
+          <p:nvPr/>
+        </p:nvPicPr>
+        <p:blipFill>
+          <a:blip r:embed="rId3">
+            <a:extLst>
+              <a:ext uri="{28A0092B-C50C-407E-A947-70E740481C1C}">
+                <a14:useLocalDpi xmlns:a14="http://schemas.microsoft.com/office/drawing/2010/main" val="0"/>
+              </a:ext>
+            </a:extLst>
+          </a:blip>
+          <a:stretch>
+            <a:fillRect/>
+          </a:stretch>
+        </p:blipFill>
+        <p:spPr>
+          <a:xfrm>
+            <a:off x="1347178" y="277324"/>
+            <a:ext cx="2088000" cy="2088000"/>
+          </a:xfrm>
+          <a:prstGeom prst="rect">
+            <a:avLst/>
+          </a:prstGeom>
+        </p:spPr>
+      </p:pic>
+      <p:pic>
+        <p:nvPicPr>
+          <p:cNvPr id="5" name="Picture 4"/>
+          <p:cNvPicPr>
+            <a:picLocks noChangeAspect="1"/>
+          </p:cNvPicPr>
+          <p:nvPr/>
+        </p:nvPicPr>
+        <p:blipFill>
+          <a:blip r:embed="rId4">
+            <a:extLst>
+              <a:ext uri="{28A0092B-C50C-407E-A947-70E740481C1C}">
+                <a14:useLocalDpi xmlns:a14="http://schemas.microsoft.com/office/drawing/2010/main" val="0"/>
+              </a:ext>
+            </a:extLst>
+          </a:blip>
+          <a:stretch>
+            <a:fillRect/>
+          </a:stretch>
+        </p:blipFill>
+        <p:spPr>
+          <a:xfrm>
+            <a:off x="8946584" y="277324"/>
+            <a:ext cx="2088000" cy="2088000"/>
+          </a:xfrm>
+          <a:prstGeom prst="rect">
+            <a:avLst/>
+          </a:prstGeom>
+        </p:spPr>
+      </p:pic>
+      <p:pic>
+        <p:nvPicPr>
+          <p:cNvPr id="6" name="Picture 5"/>
+          <p:cNvPicPr>
+            <a:picLocks noChangeAspect="1"/>
+          </p:cNvPicPr>
+          <p:nvPr/>
+        </p:nvPicPr>
+        <p:blipFill>
+          <a:blip r:embed="rId5">
+            <a:extLst>
+              <a:ext uri="{28A0092B-C50C-407E-A947-70E740481C1C}">
+                <a14:useLocalDpi xmlns:a14="http://schemas.microsoft.com/office/drawing/2010/main" val="0"/>
+              </a:ext>
+            </a:extLst>
+          </a:blip>
+          <a:stretch>
+            <a:fillRect/>
+          </a:stretch>
+        </p:blipFill>
+        <p:spPr>
+          <a:xfrm>
+            <a:off x="1347178" y="4213010"/>
+            <a:ext cx="2088000" cy="2088000"/>
+          </a:xfrm>
+          <a:prstGeom prst="rect">
+            <a:avLst/>
+          </a:prstGeom>
+        </p:spPr>
+      </p:pic>
+      <p:pic>
+        <p:nvPicPr>
+          <p:cNvPr id="7" name="Picture 6"/>
+          <p:cNvPicPr>
+            <a:picLocks noChangeAspect="1"/>
+          </p:cNvPicPr>
+          <p:nvPr/>
+        </p:nvPicPr>
+        <p:blipFill>
+          <a:blip r:embed="rId6">
+            <a:extLst>
+              <a:ext uri="{28A0092B-C50C-407E-A947-70E740481C1C}">
+                <a14:useLocalDpi xmlns:a14="http://schemas.microsoft.com/office/drawing/2010/main" val="0"/>
+              </a:ext>
+            </a:extLst>
+          </a:blip>
+          <a:stretch>
+            <a:fillRect/>
+          </a:stretch>
+        </p:blipFill>
+        <p:spPr>
+          <a:xfrm>
+            <a:off x="8946584" y="4213010"/>
+            <a:ext cx="2088000" cy="2088000"/>
+          </a:xfrm>
+          <a:prstGeom prst="rect">
+            <a:avLst/>
+          </a:prstGeom>
+        </p:spPr>
+      </p:pic>
     </p:spTree>
     <p:extLst>
       <p:ext uri="{BB962C8B-B14F-4D97-AF65-F5344CB8AC3E}">
@@ -16582,7 +16892,7 @@
         </p:nvSpPr>
         <p:spPr>
           <a:xfrm>
-            <a:off x="838200" y="2365324"/>
+            <a:off x="875562" y="771303"/>
             <a:ext cx="10515600" cy="2127352"/>
           </a:xfrm>
         </p:spPr>
@@ -16600,6 +16910,36 @@
           </a:p>
         </p:txBody>
       </p:sp>
+      <p:pic>
+        <p:nvPicPr>
+          <p:cNvPr id="3" name="Picture 2"/>
+          <p:cNvPicPr>
+            <a:picLocks noChangeAspect="1"/>
+          </p:cNvPicPr>
+          <p:nvPr/>
+        </p:nvPicPr>
+        <p:blipFill>
+          <a:blip r:embed="rId3">
+            <a:extLst>
+              <a:ext uri="{28A0092B-C50C-407E-A947-70E740481C1C}">
+                <a14:useLocalDpi xmlns:a14="http://schemas.microsoft.com/office/drawing/2010/main" val="0"/>
+              </a:ext>
+            </a:extLst>
+          </a:blip>
+          <a:stretch>
+            <a:fillRect/>
+          </a:stretch>
+        </p:blipFill>
+        <p:spPr>
+          <a:xfrm>
+            <a:off x="4743372" y="3103897"/>
+            <a:ext cx="2779979" cy="2779979"/>
+          </a:xfrm>
+          <a:prstGeom prst="rect">
+            <a:avLst/>
+          </a:prstGeom>
+        </p:spPr>
+      </p:pic>
     </p:spTree>
     <p:extLst>
       <p:ext uri="{BB962C8B-B14F-4D97-AF65-F5344CB8AC3E}">
@@ -16891,7 +17231,7 @@
             <a:pPr algn="ctr"/>
             <a:r>
               <a:rPr lang="en-US" sz="6600" dirty="0"/>
-              <a:t>SIGs = Great Places to embed Enterprise Architects</a:t>
+              <a:t>What about the “Architecture Review Board”?</a:t>
             </a:r>
           </a:p>
         </p:txBody>
@@ -16899,7 +17239,7 @@
     </p:spTree>
     <p:extLst>
       <p:ext uri="{BB962C8B-B14F-4D97-AF65-F5344CB8AC3E}">
-        <p14:creationId xmlns:p14="http://schemas.microsoft.com/office/powerpoint/2010/main" val="139522922"/>
+        <p14:creationId xmlns:p14="http://schemas.microsoft.com/office/powerpoint/2010/main" val="3151097888"/>
       </p:ext>
     </p:extLst>
   </p:cSld>
@@ -16952,7 +17292,7 @@
         </p:nvSpPr>
         <p:spPr>
           <a:xfrm>
-            <a:off x="838200" y="2365324"/>
+            <a:off x="838200" y="684805"/>
             <a:ext cx="10515600" cy="2127352"/>
           </a:xfrm>
         </p:spPr>
@@ -16971,6 +17311,36 @@
           </a:p>
         </p:txBody>
       </p:sp>
+      <p:pic>
+        <p:nvPicPr>
+          <p:cNvPr id="3" name="Picture 2"/>
+          <p:cNvPicPr>
+            <a:picLocks noChangeAspect="1"/>
+          </p:cNvPicPr>
+          <p:nvPr/>
+        </p:nvPicPr>
+        <p:blipFill>
+          <a:blip r:embed="rId3">
+            <a:extLst>
+              <a:ext uri="{28A0092B-C50C-407E-A947-70E740481C1C}">
+                <a14:useLocalDpi xmlns:a14="http://schemas.microsoft.com/office/drawing/2010/main" val="0"/>
+              </a:ext>
+            </a:extLst>
+          </a:blip>
+          <a:stretch>
+            <a:fillRect/>
+          </a:stretch>
+        </p:blipFill>
+        <p:spPr>
+          <a:xfrm>
+            <a:off x="5070535" y="3363389"/>
+            <a:ext cx="2050930" cy="2050930"/>
+          </a:xfrm>
+          <a:prstGeom prst="rect">
+            <a:avLst/>
+          </a:prstGeom>
+        </p:spPr>
+      </p:pic>
     </p:spTree>
     <p:extLst>
       <p:ext uri="{BB962C8B-B14F-4D97-AF65-F5344CB8AC3E}">
@@ -17040,7 +17410,7 @@
             <a:pPr algn="ctr"/>
             <a:r>
               <a:rPr lang="en-US" sz="6600" dirty="0"/>
-              <a:t>What about the “Architecture Review Board”?</a:t>
+              <a:t>The Guild helped with one of the hardest problems: Socializing Decisions</a:t>
             </a:r>
           </a:p>
         </p:txBody>
@@ -17048,7 +17418,7 @@
     </p:spTree>
     <p:extLst>
       <p:ext uri="{BB962C8B-B14F-4D97-AF65-F5344CB8AC3E}">
-        <p14:creationId xmlns:p14="http://schemas.microsoft.com/office/powerpoint/2010/main" val="3151097888"/>
+        <p14:creationId xmlns:p14="http://schemas.microsoft.com/office/powerpoint/2010/main" val="468891399"/>
       </p:ext>
     </p:extLst>
   </p:cSld>
@@ -17114,80 +17484,6 @@
             <a:pPr algn="ctr"/>
             <a:r>
               <a:rPr lang="en-US" sz="6600" dirty="0"/>
-              <a:t>The Guild helped with one of the hardest problems: Socializing Decisions</a:t>
-            </a:r>
-          </a:p>
-        </p:txBody>
-      </p:sp>
-    </p:spTree>
-    <p:extLst>
-      <p:ext uri="{BB962C8B-B14F-4D97-AF65-F5344CB8AC3E}">
-        <p14:creationId xmlns:p14="http://schemas.microsoft.com/office/powerpoint/2010/main" val="468891399"/>
-      </p:ext>
-    </p:extLst>
-  </p:cSld>
-  <p:clrMapOvr>
-    <a:masterClrMapping/>
-  </p:clrMapOvr>
-</p:sld>
-</file>
-
-<file path=ppt/slides/slide52.xml><?xml version="1.0" encoding="utf-8"?>
-<p:sld xmlns:a="http://schemas.openxmlformats.org/drawingml/2006/main" xmlns:r="http://schemas.openxmlformats.org/officeDocument/2006/relationships" xmlns:p="http://schemas.openxmlformats.org/presentationml/2006/main">
-  <p:cSld>
-    <p:bg>
-      <p:bgPr>
-        <a:solidFill>
-          <a:schemeClr val="accent5"/>
-        </a:solidFill>
-        <a:effectLst/>
-      </p:bgPr>
-    </p:bg>
-    <p:spTree>
-      <p:nvGrpSpPr>
-        <p:cNvPr id="1" name=""/>
-        <p:cNvGrpSpPr/>
-        <p:nvPr/>
-      </p:nvGrpSpPr>
-      <p:grpSpPr>
-        <a:xfrm>
-          <a:off x="0" y="0"/>
-          <a:ext cx="0" cy="0"/>
-          <a:chOff x="0" y="0"/>
-          <a:chExt cx="0" cy="0"/>
-        </a:xfrm>
-      </p:grpSpPr>
-      <p:sp>
-        <p:nvSpPr>
-          <p:cNvPr id="2" name="Title 1">
-            <a:extLst>
-              <a:ext uri="{FF2B5EF4-FFF2-40B4-BE49-F238E27FC236}">
-                <a16:creationId xmlns:a16="http://schemas.microsoft.com/office/drawing/2014/main" id="{C409FD33-6233-7C49-9918-532E7EC05AB5}"/>
-              </a:ext>
-            </a:extLst>
-          </p:cNvPr>
-          <p:cNvSpPr>
-            <a:spLocks noGrp="1"/>
-          </p:cNvSpPr>
-          <p:nvPr>
-            <p:ph type="title"/>
-          </p:nvPr>
-        </p:nvSpPr>
-        <p:spPr>
-          <a:xfrm>
-            <a:off x="838200" y="2365324"/>
-            <a:ext cx="10515600" cy="2127352"/>
-          </a:xfrm>
-        </p:spPr>
-        <p:txBody>
-          <a:bodyPr>
-            <a:noAutofit/>
-          </a:bodyPr>
-          <a:lstStyle/>
-          <a:p>
-            <a:pPr algn="ctr"/>
-            <a:r>
-              <a:rPr lang="en-US" sz="6600" dirty="0"/>
               <a:t>What did these meetings look like?</a:t>
             </a:r>
           </a:p>
@@ -17206,7 +17502,7 @@
 </p:sld>
 </file>
 
-<file path=ppt/slides/slide53.xml><?xml version="1.0" encoding="utf-8"?>
+<file path=ppt/slides/slide52.xml><?xml version="1.0" encoding="utf-8"?>
 <p:sld xmlns:a="http://schemas.openxmlformats.org/drawingml/2006/main" xmlns:r="http://schemas.openxmlformats.org/officeDocument/2006/relationships" xmlns:p="http://schemas.openxmlformats.org/presentationml/2006/main">
   <p:cSld>
     <p:bg>
@@ -17545,7 +17841,7 @@
 </p:sld>
 </file>
 
-<file path=ppt/slides/slide54.xml><?xml version="1.0" encoding="utf-8"?>
+<file path=ppt/slides/slide53.xml><?xml version="1.0" encoding="utf-8"?>
 <p:sld xmlns:a="http://schemas.openxmlformats.org/drawingml/2006/main" xmlns:r="http://schemas.openxmlformats.org/officeDocument/2006/relationships" xmlns:p="http://schemas.openxmlformats.org/presentationml/2006/main">
   <p:cSld>
     <p:bg>
@@ -17671,7 +17967,7 @@
 </p:sld>
 </file>
 
-<file path=ppt/slides/slide55.xml><?xml version="1.0" encoding="utf-8"?>
+<file path=ppt/slides/slide54.xml><?xml version="1.0" encoding="utf-8"?>
 <p:sld xmlns:a="http://schemas.openxmlformats.org/drawingml/2006/main" xmlns:r="http://schemas.openxmlformats.org/officeDocument/2006/relationships" xmlns:p="http://schemas.openxmlformats.org/presentationml/2006/main">
   <p:cSld>
     <p:bg>
@@ -18055,6 +18351,92 @@
 </p:sld>
 </file>
 
+<file path=ppt/slides/slide55.xml><?xml version="1.0" encoding="utf-8"?>
+<p:sld xmlns:a="http://schemas.openxmlformats.org/drawingml/2006/main" xmlns:r="http://schemas.openxmlformats.org/officeDocument/2006/relationships" xmlns:p="http://schemas.openxmlformats.org/presentationml/2006/main">
+  <p:cSld>
+    <p:bg>
+      <p:bgPr>
+        <a:solidFill>
+          <a:schemeClr val="accent5"/>
+        </a:solidFill>
+        <a:effectLst/>
+      </p:bgPr>
+    </p:bg>
+    <p:spTree>
+      <p:nvGrpSpPr>
+        <p:cNvPr id="1" name=""/>
+        <p:cNvGrpSpPr/>
+        <p:nvPr/>
+      </p:nvGrpSpPr>
+      <p:grpSpPr>
+        <a:xfrm>
+          <a:off x="0" y="0"/>
+          <a:ext cx="0" cy="0"/>
+          <a:chOff x="0" y="0"/>
+          <a:chExt cx="0" cy="0"/>
+        </a:xfrm>
+      </p:grpSpPr>
+      <p:sp>
+        <p:nvSpPr>
+          <p:cNvPr id="2" name="Title 1">
+            <a:extLst>
+              <a:ext uri="{FF2B5EF4-FFF2-40B4-BE49-F238E27FC236}">
+                <a16:creationId xmlns:a16="http://schemas.microsoft.com/office/drawing/2014/main" id="{C409FD33-6233-7C49-9918-532E7EC05AB5}"/>
+              </a:ext>
+            </a:extLst>
+          </p:cNvPr>
+          <p:cNvSpPr>
+            <a:spLocks noGrp="1"/>
+          </p:cNvSpPr>
+          <p:nvPr>
+            <p:ph type="title"/>
+          </p:nvPr>
+        </p:nvSpPr>
+        <p:spPr>
+          <a:xfrm>
+            <a:off x="838200" y="2365324"/>
+            <a:ext cx="10515600" cy="2127352"/>
+          </a:xfrm>
+        </p:spPr>
+        <p:txBody>
+          <a:bodyPr>
+            <a:noAutofit/>
+          </a:bodyPr>
+          <a:lstStyle/>
+          <a:p>
+            <a:pPr algn="ctr"/>
+            <a:r>
+              <a:rPr lang="en-US" sz="6600" dirty="0"/>
+              <a:t>Complex Environment?</a:t>
+            </a:r>
+            <a:br>
+              <a:rPr lang="en-US" sz="6600" dirty="0"/>
+            </a:br>
+            <a:r>
+              <a:rPr lang="en-US" sz="6600" dirty="0"/>
+              <a:t>You </a:t>
+            </a:r>
+            <a:r>
+              <a:rPr lang="en-US" sz="6600" dirty="0" err="1"/>
+              <a:t>betcha</a:t>
+            </a:r>
+            <a:endParaRPr lang="en-US" sz="6600" dirty="0"/>
+          </a:p>
+        </p:txBody>
+      </p:sp>
+    </p:spTree>
+    <p:extLst>
+      <p:ext uri="{BB962C8B-B14F-4D97-AF65-F5344CB8AC3E}">
+        <p14:creationId xmlns:p14="http://schemas.microsoft.com/office/powerpoint/2010/main" val="3759570375"/>
+      </p:ext>
+    </p:extLst>
+  </p:cSld>
+  <p:clrMapOvr>
+    <a:masterClrMapping/>
+  </p:clrMapOvr>
+</p:sld>
+</file>
+
 <file path=ppt/slides/slide56.xml><?xml version="1.0" encoding="utf-8"?>
 <p:sld xmlns:a="http://schemas.openxmlformats.org/drawingml/2006/main" xmlns:r="http://schemas.openxmlformats.org/officeDocument/2006/relationships" xmlns:p="http://schemas.openxmlformats.org/presentationml/2006/main">
   <p:cSld>
@@ -18111,27 +18493,15 @@
             <a:pPr algn="ctr"/>
             <a:r>
               <a:rPr lang="en-US" sz="6600" dirty="0"/>
-              <a:t>Complex Environment?</a:t>
-            </a:r>
-            <a:br>
-              <a:rPr lang="en-US" sz="6600" dirty="0"/>
-            </a:br>
-            <a:r>
-              <a:rPr lang="en-US" sz="6600" dirty="0"/>
-              <a:t>You </a:t>
-            </a:r>
-            <a:r>
-              <a:rPr lang="en-US" sz="6600" dirty="0" err="1"/>
-              <a:t>betcha</a:t>
-            </a:r>
-            <a:endParaRPr lang="en-US" sz="6600" dirty="0"/>
+              <a:t>Reference Application Baked In Best Practices</a:t>
+            </a:r>
           </a:p>
         </p:txBody>
       </p:sp>
     </p:spTree>
     <p:extLst>
       <p:ext uri="{BB962C8B-B14F-4D97-AF65-F5344CB8AC3E}">
-        <p14:creationId xmlns:p14="http://schemas.microsoft.com/office/powerpoint/2010/main" val="3759570375"/>
+        <p14:creationId xmlns:p14="http://schemas.microsoft.com/office/powerpoint/2010/main" val="3653919622"/>
       </p:ext>
     </p:extLst>
   </p:cSld>
@@ -18197,7 +18567,7 @@
             <a:pPr algn="ctr"/>
             <a:r>
               <a:rPr lang="en-US" sz="6600" dirty="0"/>
-              <a:t>Reference Application Baked In Best Practices</a:t>
+              <a:t>Linting Rules</a:t>
             </a:r>
           </a:p>
         </p:txBody>
@@ -18205,7 +18575,7 @@
     </p:spTree>
     <p:extLst>
       <p:ext uri="{BB962C8B-B14F-4D97-AF65-F5344CB8AC3E}">
-        <p14:creationId xmlns:p14="http://schemas.microsoft.com/office/powerpoint/2010/main" val="3653919622"/>
+        <p14:creationId xmlns:p14="http://schemas.microsoft.com/office/powerpoint/2010/main" val="2286172921"/>
       </p:ext>
     </p:extLst>
   </p:cSld>
@@ -18271,7 +18641,7 @@
             <a:pPr algn="ctr"/>
             <a:r>
               <a:rPr lang="en-US" sz="6600" dirty="0"/>
-              <a:t>Linting Rules</a:t>
+              <a:t>Static Code Analysis</a:t>
             </a:r>
           </a:p>
         </p:txBody>
@@ -18279,7 +18649,7 @@
     </p:spTree>
     <p:extLst>
       <p:ext uri="{BB962C8B-B14F-4D97-AF65-F5344CB8AC3E}">
-        <p14:creationId xmlns:p14="http://schemas.microsoft.com/office/powerpoint/2010/main" val="2286172921"/>
+        <p14:creationId xmlns:p14="http://schemas.microsoft.com/office/powerpoint/2010/main" val="406180384"/>
       </p:ext>
     </p:extLst>
   </p:cSld>
@@ -18345,7 +18715,7 @@
             <a:pPr algn="ctr"/>
             <a:r>
               <a:rPr lang="en-US" sz="6600" dirty="0"/>
-              <a:t>Static Code Analysis</a:t>
+              <a:t>Security</a:t>
             </a:r>
           </a:p>
         </p:txBody>
@@ -18353,7 +18723,7 @@
     </p:spTree>
     <p:extLst>
       <p:ext uri="{BB962C8B-B14F-4D97-AF65-F5344CB8AC3E}">
-        <p14:creationId xmlns:p14="http://schemas.microsoft.com/office/powerpoint/2010/main" val="406180384"/>
+        <p14:creationId xmlns:p14="http://schemas.microsoft.com/office/powerpoint/2010/main" val="2508319854"/>
       </p:ext>
     </p:extLst>
   </p:cSld>
@@ -18541,7 +18911,7 @@
             <a:pPr algn="ctr"/>
             <a:r>
               <a:rPr lang="en-US" sz="6600" dirty="0"/>
-              <a:t>Security</a:t>
+              <a:t>Everything you need to get started just writing code</a:t>
             </a:r>
           </a:p>
         </p:txBody>
@@ -18549,7 +18919,7 @@
     </p:spTree>
     <p:extLst>
       <p:ext uri="{BB962C8B-B14F-4D97-AF65-F5344CB8AC3E}">
-        <p14:creationId xmlns:p14="http://schemas.microsoft.com/office/powerpoint/2010/main" val="2508319854"/>
+        <p14:creationId xmlns:p14="http://schemas.microsoft.com/office/powerpoint/2010/main" val="1405293278"/>
       </p:ext>
     </p:extLst>
   </p:cSld>
@@ -18615,7 +18985,7 @@
             <a:pPr algn="ctr"/>
             <a:r>
               <a:rPr lang="en-US" sz="6600" dirty="0"/>
-              <a:t>Everything you need to get started just writing code</a:t>
+              <a:t>Did It Work?</a:t>
             </a:r>
           </a:p>
         </p:txBody>
@@ -18623,7 +18993,7 @@
     </p:spTree>
     <p:extLst>
       <p:ext uri="{BB962C8B-B14F-4D97-AF65-F5344CB8AC3E}">
-        <p14:creationId xmlns:p14="http://schemas.microsoft.com/office/powerpoint/2010/main" val="1405293278"/>
+        <p14:creationId xmlns:p14="http://schemas.microsoft.com/office/powerpoint/2010/main" val="1864778523"/>
       </p:ext>
     </p:extLst>
   </p:cSld>
@@ -18689,7 +19059,14 @@
             <a:pPr algn="ctr"/>
             <a:r>
               <a:rPr lang="en-US" sz="6600" dirty="0"/>
-              <a:t>Did It Work?</a:t>
+              <a:t>Other Reference</a:t>
+            </a:r>
+            <a:br>
+              <a:rPr lang="en-US" sz="6600" dirty="0"/>
+            </a:br>
+            <a:r>
+              <a:rPr lang="en-US" sz="6600" dirty="0"/>
+              <a:t>Implementations</a:t>
             </a:r>
           </a:p>
         </p:txBody>
@@ -18697,7 +19074,7 @@
     </p:spTree>
     <p:extLst>
       <p:ext uri="{BB962C8B-B14F-4D97-AF65-F5344CB8AC3E}">
-        <p14:creationId xmlns:p14="http://schemas.microsoft.com/office/powerpoint/2010/main" val="1864778523"/>
+        <p14:creationId xmlns:p14="http://schemas.microsoft.com/office/powerpoint/2010/main" val="1431407279"/>
       </p:ext>
     </p:extLst>
   </p:cSld>
@@ -18763,14 +19140,14 @@
             <a:pPr algn="ctr"/>
             <a:r>
               <a:rPr lang="en-US" sz="6600" dirty="0"/>
-              <a:t>Other Reference</a:t>
+              <a:t>Implicit Commitment</a:t>
             </a:r>
             <a:br>
               <a:rPr lang="en-US" sz="6600" dirty="0"/>
             </a:br>
             <a:r>
               <a:rPr lang="en-US" sz="6600" dirty="0"/>
-              <a:t>Implementations</a:t>
+              <a:t>to Maintain</a:t>
             </a:r>
           </a:p>
         </p:txBody>
@@ -18778,7 +19155,7 @@
     </p:spTree>
     <p:extLst>
       <p:ext uri="{BB962C8B-B14F-4D97-AF65-F5344CB8AC3E}">
-        <p14:creationId xmlns:p14="http://schemas.microsoft.com/office/powerpoint/2010/main" val="1431407279"/>
+        <p14:creationId xmlns:p14="http://schemas.microsoft.com/office/powerpoint/2010/main" val="2486915822"/>
       </p:ext>
     </p:extLst>
   </p:cSld>
@@ -18844,14 +19221,7 @@
             <a:pPr algn="ctr"/>
             <a:r>
               <a:rPr lang="en-US" sz="6600" dirty="0"/>
-              <a:t>Implicit Commitment</a:t>
-            </a:r>
-            <a:br>
-              <a:rPr lang="en-US" sz="6600" dirty="0"/>
-            </a:br>
-            <a:r>
-              <a:rPr lang="en-US" sz="6600" dirty="0"/>
-              <a:t>to Maintain</a:t>
+              <a:t>Well Worth the Effort</a:t>
             </a:r>
           </a:p>
         </p:txBody>
@@ -18859,7 +19229,7 @@
     </p:spTree>
     <p:extLst>
       <p:ext uri="{BB962C8B-B14F-4D97-AF65-F5344CB8AC3E}">
-        <p14:creationId xmlns:p14="http://schemas.microsoft.com/office/powerpoint/2010/main" val="2486915822"/>
+        <p14:creationId xmlns:p14="http://schemas.microsoft.com/office/powerpoint/2010/main" val="783352059"/>
       </p:ext>
     </p:extLst>
   </p:cSld>
@@ -18925,15 +19295,35 @@
             <a:pPr algn="ctr"/>
             <a:r>
               <a:rPr lang="en-US" sz="6600" dirty="0"/>
-              <a:t>Well Worth the Effort</a:t>
-            </a:r>
+              <a:t>Bonus </a:t>
+            </a:r>
+            <a:r>
+              <a:rPr lang="en-US" sz="6600" dirty="0" smtClean="0"/>
+              <a:t>Technique</a:t>
+            </a:r>
+            <a:r>
+              <a:rPr lang="en-US" sz="6600" dirty="0"/>
+              <a:t>: </a:t>
+            </a:r>
+            <a:r>
+              <a:rPr lang="en-US" sz="6600" dirty="0" smtClean="0"/>
+              <a:t/>
+            </a:r>
+            <a:br>
+              <a:rPr lang="en-US" sz="6600" dirty="0" smtClean="0"/>
+            </a:br>
+            <a:r>
+              <a:rPr lang="en-US" sz="6600" dirty="0" smtClean="0"/>
+              <a:t>Tracer Bullet/Steel Thread</a:t>
+            </a:r>
+            <a:endParaRPr lang="en-US" sz="6600" dirty="0"/>
           </a:p>
         </p:txBody>
       </p:sp>
     </p:spTree>
     <p:extLst>
       <p:ext uri="{BB962C8B-B14F-4D97-AF65-F5344CB8AC3E}">
-        <p14:creationId xmlns:p14="http://schemas.microsoft.com/office/powerpoint/2010/main" val="783352059"/>
+        <p14:creationId xmlns:p14="http://schemas.microsoft.com/office/powerpoint/2010/main" val="3985096481"/>
       </p:ext>
     </p:extLst>
   </p:cSld>
@@ -18949,7 +19339,7 @@
     <p:bg>
       <p:bgPr>
         <a:solidFill>
-          <a:schemeClr val="accent5"/>
+          <a:schemeClr val="accent1"/>
         </a:solidFill>
         <a:effectLst/>
       </p:bgPr>
@@ -18998,36 +19388,20 @@
           <a:p>
             <a:pPr algn="ctr"/>
             <a:r>
-              <a:rPr lang="en-US" sz="6600" dirty="0"/>
-              <a:t>Bonus </a:t>
-            </a:r>
-            <a:r>
-              <a:rPr lang="en-US" sz="6600" dirty="0" smtClean="0"/>
-              <a:t>Technique</a:t>
-            </a:r>
-            <a:r>
-              <a:rPr lang="en-US" sz="6600" dirty="0"/>
-              <a:t>: </a:t>
-            </a:r>
-            <a:r>
-              <a:rPr lang="en-US" sz="6600" dirty="0" smtClean="0"/>
-              <a:t/>
-            </a:r>
-            <a:br>
-              <a:rPr lang="en-US" sz="6600" dirty="0" smtClean="0"/>
-            </a:br>
-            <a:r>
-              <a:rPr lang="en-US" sz="6600" dirty="0" smtClean="0"/>
-              <a:t>Tracer Bullet/Steel Thread</a:t>
-            </a:r>
-            <a:endParaRPr lang="en-US" sz="6600" dirty="0"/>
+              <a:rPr lang="en-US" sz="6600" dirty="0">
+                <a:solidFill>
+                  <a:schemeClr val="bg1"/>
+                </a:solidFill>
+              </a:rPr>
+              <a:t>Thanks for your time!</a:t>
+            </a:r>
           </a:p>
         </p:txBody>
       </p:sp>
     </p:spTree>
     <p:extLst>
       <p:ext uri="{BB962C8B-B14F-4D97-AF65-F5344CB8AC3E}">
-        <p14:creationId xmlns:p14="http://schemas.microsoft.com/office/powerpoint/2010/main" val="3985096481"/>
+        <p14:creationId xmlns:p14="http://schemas.microsoft.com/office/powerpoint/2010/main" val="4023227224"/>
       </p:ext>
     </p:extLst>
   </p:cSld>
@@ -19067,84 +19441,6 @@
           <p:cNvPr id="2" name="Title 1">
             <a:extLst>
               <a:ext uri="{FF2B5EF4-FFF2-40B4-BE49-F238E27FC236}">
-                <a16:creationId xmlns:a16="http://schemas.microsoft.com/office/drawing/2014/main" id="{C409FD33-6233-7C49-9918-532E7EC05AB5}"/>
-              </a:ext>
-            </a:extLst>
-          </p:cNvPr>
-          <p:cNvSpPr>
-            <a:spLocks noGrp="1"/>
-          </p:cNvSpPr>
-          <p:nvPr>
-            <p:ph type="title"/>
-          </p:nvPr>
-        </p:nvSpPr>
-        <p:spPr>
-          <a:xfrm>
-            <a:off x="838200" y="2365324"/>
-            <a:ext cx="10515600" cy="2127352"/>
-          </a:xfrm>
-        </p:spPr>
-        <p:txBody>
-          <a:bodyPr>
-            <a:noAutofit/>
-          </a:bodyPr>
-          <a:lstStyle/>
-          <a:p>
-            <a:pPr algn="ctr"/>
-            <a:r>
-              <a:rPr lang="en-US" sz="6600" dirty="0">
-                <a:solidFill>
-                  <a:schemeClr val="bg1"/>
-                </a:solidFill>
-              </a:rPr>
-              <a:t>Thanks for your time!</a:t>
-            </a:r>
-          </a:p>
-        </p:txBody>
-      </p:sp>
-    </p:spTree>
-    <p:extLst>
-      <p:ext uri="{BB962C8B-B14F-4D97-AF65-F5344CB8AC3E}">
-        <p14:creationId xmlns:p14="http://schemas.microsoft.com/office/powerpoint/2010/main" val="4023227224"/>
-      </p:ext>
-    </p:extLst>
-  </p:cSld>
-  <p:clrMapOvr>
-    <a:masterClrMapping/>
-  </p:clrMapOvr>
-</p:sld>
-</file>
-
-<file path=ppt/slides/slide68.xml><?xml version="1.0" encoding="utf-8"?>
-<p:sld xmlns:a="http://schemas.openxmlformats.org/drawingml/2006/main" xmlns:r="http://schemas.openxmlformats.org/officeDocument/2006/relationships" xmlns:p="http://schemas.openxmlformats.org/presentationml/2006/main">
-  <p:cSld>
-    <p:bg>
-      <p:bgPr>
-        <a:solidFill>
-          <a:schemeClr val="accent1"/>
-        </a:solidFill>
-        <a:effectLst/>
-      </p:bgPr>
-    </p:bg>
-    <p:spTree>
-      <p:nvGrpSpPr>
-        <p:cNvPr id="1" name=""/>
-        <p:cNvGrpSpPr/>
-        <p:nvPr/>
-      </p:nvGrpSpPr>
-      <p:grpSpPr>
-        <a:xfrm>
-          <a:off x="0" y="0"/>
-          <a:ext cx="0" cy="0"/>
-          <a:chOff x="0" y="0"/>
-          <a:chExt cx="0" cy="0"/>
-        </a:xfrm>
-      </p:grpSpPr>
-      <p:sp>
-        <p:nvSpPr>
-          <p:cNvPr id="2" name="Title 1">
-            <a:extLst>
-              <a:ext uri="{FF2B5EF4-FFF2-40B4-BE49-F238E27FC236}">
                 <a16:creationId xmlns:a16="http://schemas.microsoft.com/office/drawing/2014/main" id="{B7EDD339-25E7-4C48-B5BA-12942D464698}"/>
               </a:ext>
             </a:extLst>
@@ -19171,11 +19467,6 @@
               </a:rPr>
               <a:t>Communicating and Documenting Architectural Decisions</a:t>
             </a:r>
-            <a:endParaRPr lang="en-US" dirty="0">
-              <a:solidFill>
-                <a:schemeClr val="bg1"/>
-              </a:solidFill>
-            </a:endParaRPr>
           </a:p>
         </p:txBody>
       </p:sp>
@@ -19203,17 +19494,32 @@
         </p:spPr>
         <p:txBody>
           <a:bodyPr>
-            <a:normAutofit fontScale="92500"/>
+            <a:normAutofit fontScale="85000" lnSpcReduction="20000"/>
           </a:bodyPr>
           <a:lstStyle/>
           <a:p>
+            <a:endParaRPr lang="en-US" sz="3200" dirty="0" smtClean="0">
+              <a:solidFill>
+                <a:schemeClr val="bg1"/>
+              </a:solidFill>
+            </a:endParaRPr>
+          </a:p>
+          <a:p>
+            <a:r>
+              <a:rPr lang="en-US" sz="3200" dirty="0" smtClean="0">
+                <a:solidFill>
+                  <a:schemeClr val="bg1"/>
+                </a:solidFill>
+              </a:rPr>
+              <a:t>David </a:t>
+            </a:r>
             <a:r>
               <a:rPr lang="en-US" sz="3200" dirty="0">
                 <a:solidFill>
                   <a:schemeClr val="bg1"/>
                 </a:solidFill>
               </a:rPr>
-              <a:t>David Ayers, Group VP of Technology, Leslie’s </a:t>
+              <a:t>Ayers, Group VP of Technology, Leslie’s </a:t>
             </a:r>
             <a:r>
               <a:rPr lang="en-US" sz="3200" dirty="0" err="1">
@@ -19231,13 +19537,18 @@
           </a:p>
           <a:p>
             <a:r>
-              <a:rPr lang="en-US" sz="3200" dirty="0">
+              <a:rPr lang="en-US" sz="3200" dirty="0" smtClean="0">
                 <a:solidFill>
                   <a:schemeClr val="bg1"/>
                 </a:solidFill>
               </a:rPr>
-              <a:t>dayers@lesl.com</a:t>
-            </a:r>
+              <a:t>david.a.ayers@gmail.com</a:t>
+            </a:r>
+            <a:endParaRPr lang="en-US" sz="3200" dirty="0">
+              <a:solidFill>
+                <a:schemeClr val="bg1"/>
+              </a:solidFill>
+            </a:endParaRPr>
           </a:p>
           <a:p>
             <a:r>
@@ -19261,6 +19572,40 @@
                 <a:schemeClr val="bg1"/>
               </a:solidFill>
             </a:endParaRPr>
+          </a:p>
+        </p:txBody>
+      </p:sp>
+      <p:sp>
+        <p:nvSpPr>
+          <p:cNvPr id="4" name="TextBox 3"/>
+          <p:cNvSpPr txBox="1"/>
+          <p:nvPr/>
+        </p:nvSpPr>
+        <p:spPr>
+          <a:xfrm>
+            <a:off x="1779373" y="4102443"/>
+            <a:ext cx="8699156" cy="461665"/>
+          </a:xfrm>
+          <a:prstGeom prst="rect">
+            <a:avLst/>
+          </a:prstGeom>
+          <a:noFill/>
+        </p:spPr>
+        <p:txBody>
+          <a:bodyPr wrap="square" rtlCol="0">
+            <a:spAutoFit/>
+          </a:bodyPr>
+          <a:lstStyle/>
+          <a:p>
+            <a:pPr algn="ctr"/>
+            <a:r>
+              <a:rPr lang="en-US" sz="2400" dirty="0">
+                <a:solidFill>
+                  <a:schemeClr val="bg1"/>
+                </a:solidFill>
+              </a:rPr>
+              <a:t>https://github.com/davidaayers/comm-and-doc-arch-decisions</a:t>
+            </a:r>
           </a:p>
         </p:txBody>
       </p:sp>
@@ -19503,11 +19848,6 @@
               </a:rPr>
               <a:t>it this way?”</a:t>
             </a:r>
-            <a:endParaRPr lang="en-US" sz="6600" i="1" dirty="0">
-              <a:solidFill>
-                <a:schemeClr val="bg1"/>
-              </a:solidFill>
-            </a:endParaRPr>
           </a:p>
         </p:txBody>
       </p:sp>
@@ -19546,21 +19886,8 @@
                   <a:schemeClr val="bg1"/>
                 </a:solidFill>
               </a:rPr>
-              <a:t>-- </a:t>
-            </a:r>
-            <a:r>
-              <a:rPr lang="en-US" sz="2400" dirty="0">
-                <a:solidFill>
-                  <a:schemeClr val="bg1"/>
-                </a:solidFill>
-              </a:rPr>
-              <a:t>Every developer in history, twelve months after making a decision</a:t>
-            </a:r>
-            <a:endParaRPr lang="en-US" sz="2400" dirty="0">
-              <a:solidFill>
-                <a:schemeClr val="bg1"/>
-              </a:solidFill>
-            </a:endParaRPr>
+              <a:t>-- Every developer in history, twelve months after making a decision</a:t>
+            </a:r>
           </a:p>
         </p:txBody>
       </p:sp>

--- a/comm-and-doc-arch-decisions.pptx
+++ b/comm-and-doc-arch-decisions.pptx
@@ -1436,6 +1436,18 @@
           <a:p>
             <a:pPr rtl="0" fontAlgn="base"/>
             <a:r>
+              <a:rPr lang="en-US" sz="1200" b="0" i="0" u="none" strike="noStrike" kern="1200" dirty="0" smtClean="0">
+                <a:solidFill>
+                  <a:schemeClr val="tx1"/>
+                </a:solidFill>
+                <a:effectLst/>
+                <a:latin typeface="+mn-lt"/>
+                <a:ea typeface="+mn-ea"/>
+                <a:cs typeface="+mn-cs"/>
+              </a:rPr>
+              <a:t>And we're </a:t>
+            </a:r>
+            <a:r>
               <a:rPr lang="en-US" sz="1200" b="0" i="0" u="none" strike="noStrike" kern="1200" dirty="0">
                 <a:solidFill>
                   <a:schemeClr val="tx1"/>
@@ -1445,7 +1457,7 @@
                 <a:ea typeface="+mn-ea"/>
                 <a:cs typeface="+mn-cs"/>
               </a:rPr>
-              <a:t>We're not good at recording the decisions, and more importantly, the *context* behind the decisions, in a way that our future selves (or anyone -- someone just joining the team, for example) can look back and understand *why* the decision was made and what the factors that went into the decision were. Most of these decisions are well thought out and carefully considered, taking in all the pros and cons of a given situation, but usually that context is lost forever.</a:t>
+              <a:t>not good at recording the decisions, and more importantly, the *context* behind the decisions, in a way that our future selves (or anyone -- someone just joining the team, for example) can look back and understand *why* the decision was made and what the factors that went into the decision were. Most of these decisions are well thought out and carefully considered, taking in all the pros and cons of a given situation, but usually that context is lost forever.</a:t>
             </a:r>
           </a:p>
         </p:txBody>
@@ -12277,7 +12289,15 @@
                   <a:schemeClr val="bg1"/>
                 </a:solidFill>
               </a:rPr>
-              <a:t>david.a.ayers@gmail.com</a:t>
+              <a:t>iamagiantnerd@</a:t>
+            </a:r>
+            <a:r>
+              <a:rPr lang="en-US" sz="3200" dirty="0" smtClean="0">
+                <a:solidFill>
+                  <a:schemeClr val="bg1"/>
+                </a:solidFill>
+              </a:rPr>
+              <a:t>gmail.com</a:t>
             </a:r>
             <a:endParaRPr lang="en-US" sz="3200" dirty="0">
               <a:solidFill>
@@ -12307,6 +12327,40 @@
                 <a:schemeClr val="bg1"/>
               </a:solidFill>
             </a:endParaRPr>
+          </a:p>
+        </p:txBody>
+      </p:sp>
+      <p:sp>
+        <p:nvSpPr>
+          <p:cNvPr id="4" name="TextBox 3"/>
+          <p:cNvSpPr txBox="1"/>
+          <p:nvPr/>
+        </p:nvSpPr>
+        <p:spPr>
+          <a:xfrm>
+            <a:off x="1779373" y="4102443"/>
+            <a:ext cx="8699156" cy="461665"/>
+          </a:xfrm>
+          <a:prstGeom prst="rect">
+            <a:avLst/>
+          </a:prstGeom>
+          <a:noFill/>
+        </p:spPr>
+        <p:txBody>
+          <a:bodyPr wrap="square" rtlCol="0">
+            <a:spAutoFit/>
+          </a:bodyPr>
+          <a:lstStyle/>
+          <a:p>
+            <a:pPr algn="ctr"/>
+            <a:r>
+              <a:rPr lang="en-US" sz="2400" dirty="0">
+                <a:solidFill>
+                  <a:schemeClr val="bg1"/>
+                </a:solidFill>
+              </a:rPr>
+              <a:t>https://github.com/davidaayers/comm-and-doc-arch-decisions</a:t>
+            </a:r>
           </a:p>
         </p:txBody>
       </p:sp>
@@ -13377,8 +13431,8 @@
         </p:nvSpPr>
         <p:spPr>
           <a:xfrm>
-            <a:off x="751483" y="1523855"/>
-            <a:ext cx="10527241" cy="461665"/>
+            <a:off x="426555" y="1523855"/>
+            <a:ext cx="11177099" cy="461665"/>
           </a:xfrm>
           <a:prstGeom prst="rect">
             <a:avLst/>
@@ -13392,13 +13446,21 @@
           <a:lstStyle/>
           <a:p>
             <a:pPr algn="ctr"/>
+            <a:r>
+              <a:rPr lang="en-US" sz="2400" dirty="0" smtClean="0">
+                <a:solidFill>
+                  <a:schemeClr val="bg1"/>
+                </a:solidFill>
+              </a:rPr>
+              <a:t>Technology leader </a:t>
+            </a:r>
             <a:r>
               <a:rPr lang="en-US" sz="2400" dirty="0">
                 <a:solidFill>
                   <a:schemeClr val="bg1"/>
                 </a:solidFill>
               </a:rPr>
-              <a:t>Technologist with 20+ years of experience building solutions to complex problems</a:t>
+              <a:t>with 20+ years of experience building solutions to complex problems</a:t>
             </a:r>
           </a:p>
         </p:txBody>
@@ -19542,7 +19604,15 @@
                   <a:schemeClr val="bg1"/>
                 </a:solidFill>
               </a:rPr>
-              <a:t>david.a.ayers@gmail.com</a:t>
+              <a:t>iamagiantnerd@</a:t>
+            </a:r>
+            <a:r>
+              <a:rPr lang="en-US" sz="3200" dirty="0" smtClean="0">
+                <a:solidFill>
+                  <a:schemeClr val="bg1"/>
+                </a:solidFill>
+              </a:rPr>
+              <a:t>gmail.com</a:t>
             </a:r>
             <a:endParaRPr lang="en-US" sz="3200" dirty="0">
               <a:solidFill>
